--- a/presentation/AIスピーカー開発_3_山田.pptx
+++ b/presentation/AIスピーカー開発_3_山田.pptx
@@ -212,7 +212,7 @@
           <a:p>
             <a:fld id="{D3FBB20C-20C4-49AD-85A3-C66C862503B5}" type="datetimeFigureOut">
               <a:rPr kumimoji="1" lang="ja-JP" altLang="en-US" smtClean="0"/>
-              <a:t>2021/12/17</a:t>
+              <a:t>2022/1/17</a:t>
             </a:fld>
             <a:endParaRPr kumimoji="1" lang="ja-JP" altLang="en-US"/>
           </a:p>
@@ -944,7 +944,7 @@
           <a:p>
             <a:fld id="{C63D219B-6862-4E6A-9F9E-C4C4759712F9}" type="datetimeFigureOut">
               <a:rPr kumimoji="1" lang="ja-JP" altLang="en-US" smtClean="0"/>
-              <a:t>2021/12/17</a:t>
+              <a:t>2022/1/17</a:t>
             </a:fld>
             <a:endParaRPr kumimoji="1" lang="ja-JP" altLang="en-US"/>
           </a:p>
@@ -1174,7 +1174,7 @@
           <a:p>
             <a:fld id="{C63D219B-6862-4E6A-9F9E-C4C4759712F9}" type="datetimeFigureOut">
               <a:rPr kumimoji="1" lang="ja-JP" altLang="en-US" smtClean="0"/>
-              <a:t>2021/12/17</a:t>
+              <a:t>2022/1/17</a:t>
             </a:fld>
             <a:endParaRPr kumimoji="1" lang="ja-JP" altLang="en-US"/>
           </a:p>
@@ -1414,7 +1414,7 @@
           <a:p>
             <a:fld id="{C63D219B-6862-4E6A-9F9E-C4C4759712F9}" type="datetimeFigureOut">
               <a:rPr kumimoji="1" lang="ja-JP" altLang="en-US" smtClean="0"/>
-              <a:t>2021/12/17</a:t>
+              <a:t>2022/1/17</a:t>
             </a:fld>
             <a:endParaRPr kumimoji="1" lang="ja-JP" altLang="en-US"/>
           </a:p>
@@ -1644,7 +1644,7 @@
           <a:p>
             <a:fld id="{C63D219B-6862-4E6A-9F9E-C4C4759712F9}" type="datetimeFigureOut">
               <a:rPr kumimoji="1" lang="ja-JP" altLang="en-US" smtClean="0"/>
-              <a:t>2021/12/17</a:t>
+              <a:t>2022/1/17</a:t>
             </a:fld>
             <a:endParaRPr kumimoji="1" lang="ja-JP" altLang="en-US"/>
           </a:p>
@@ -1919,7 +1919,7 @@
           <a:p>
             <a:fld id="{C63D219B-6862-4E6A-9F9E-C4C4759712F9}" type="datetimeFigureOut">
               <a:rPr kumimoji="1" lang="ja-JP" altLang="en-US" smtClean="0"/>
-              <a:t>2021/12/17</a:t>
+              <a:t>2022/1/17</a:t>
             </a:fld>
             <a:endParaRPr kumimoji="1" lang="ja-JP" altLang="en-US"/>
           </a:p>
@@ -2248,7 +2248,7 @@
           <a:p>
             <a:fld id="{C63D219B-6862-4E6A-9F9E-C4C4759712F9}" type="datetimeFigureOut">
               <a:rPr kumimoji="1" lang="ja-JP" altLang="en-US" smtClean="0"/>
-              <a:t>2021/12/17</a:t>
+              <a:t>2022/1/17</a:t>
             </a:fld>
             <a:endParaRPr kumimoji="1" lang="ja-JP" altLang="en-US"/>
           </a:p>
@@ -2724,7 +2724,7 @@
           <a:p>
             <a:fld id="{C63D219B-6862-4E6A-9F9E-C4C4759712F9}" type="datetimeFigureOut">
               <a:rPr kumimoji="1" lang="ja-JP" altLang="en-US" smtClean="0"/>
-              <a:t>2021/12/17</a:t>
+              <a:t>2022/1/17</a:t>
             </a:fld>
             <a:endParaRPr kumimoji="1" lang="ja-JP" altLang="en-US"/>
           </a:p>
@@ -2865,7 +2865,7 @@
           <a:p>
             <a:fld id="{C63D219B-6862-4E6A-9F9E-C4C4759712F9}" type="datetimeFigureOut">
               <a:rPr kumimoji="1" lang="ja-JP" altLang="en-US" smtClean="0"/>
-              <a:t>2021/12/17</a:t>
+              <a:t>2022/1/17</a:t>
             </a:fld>
             <a:endParaRPr kumimoji="1" lang="ja-JP" altLang="en-US"/>
           </a:p>
@@ -2978,7 +2978,7 @@
           <a:p>
             <a:fld id="{C63D219B-6862-4E6A-9F9E-C4C4759712F9}" type="datetimeFigureOut">
               <a:rPr kumimoji="1" lang="ja-JP" altLang="en-US" smtClean="0"/>
-              <a:t>2021/12/17</a:t>
+              <a:t>2022/1/17</a:t>
             </a:fld>
             <a:endParaRPr kumimoji="1" lang="ja-JP" altLang="en-US"/>
           </a:p>
@@ -3321,7 +3321,7 @@
           <a:p>
             <a:fld id="{C63D219B-6862-4E6A-9F9E-C4C4759712F9}" type="datetimeFigureOut">
               <a:rPr kumimoji="1" lang="ja-JP" altLang="en-US" smtClean="0"/>
-              <a:t>2021/12/17</a:t>
+              <a:t>2022/1/17</a:t>
             </a:fld>
             <a:endParaRPr kumimoji="1" lang="ja-JP" altLang="en-US"/>
           </a:p>
@@ -3609,7 +3609,7 @@
           <a:p>
             <a:fld id="{C63D219B-6862-4E6A-9F9E-C4C4759712F9}" type="datetimeFigureOut">
               <a:rPr kumimoji="1" lang="ja-JP" altLang="en-US" smtClean="0"/>
-              <a:t>2021/12/17</a:t>
+              <a:t>2022/1/17</a:t>
             </a:fld>
             <a:endParaRPr kumimoji="1" lang="ja-JP" altLang="en-US"/>
           </a:p>
@@ -3909,7 +3909,7 @@
           <a:p>
             <a:fld id="{C63D219B-6862-4E6A-9F9E-C4C4759712F9}" type="datetimeFigureOut">
               <a:rPr kumimoji="1" lang="ja-JP" altLang="en-US" smtClean="0"/>
-              <a:t>2021/12/17</a:t>
+              <a:t>2022/1/17</a:t>
             </a:fld>
             <a:endParaRPr kumimoji="1" lang="ja-JP" altLang="en-US"/>
           </a:p>
@@ -4622,15 +4622,52 @@
           <a:p>
             <a:r>
               <a:rPr kumimoji="1" lang="ja-JP" altLang="en-US" dirty="0"/>
-              <a:t>機械学習周り</a:t>
+              <a:t>仕組み</a:t>
             </a:r>
             <a:endParaRPr kumimoji="1" lang="en-US" altLang="ja-JP" dirty="0"/>
           </a:p>
           <a:p>
             <a:r>
+              <a:rPr lang="ja-JP" altLang="en-US" dirty="0"/>
+              <a:t>都道府県名</a:t>
+            </a:r>
+            <a:endParaRPr lang="en-US" altLang="ja-JP" dirty="0"/>
+          </a:p>
+          <a:p>
+            <a:r>
               <a:rPr kumimoji="1" lang="ja-JP" altLang="en-US" dirty="0"/>
-              <a:t>トレーニングデータ</a:t>
-            </a:r>
+              <a:t>↓</a:t>
+            </a:r>
+            <a:endParaRPr kumimoji="1" lang="en-US" altLang="ja-JP" dirty="0"/>
+          </a:p>
+          <a:p>
+            <a:r>
+              <a:rPr kumimoji="1" lang="ja-JP" altLang="en-US" dirty="0"/>
+              <a:t>実際に使う名詞のトレーニングデータ</a:t>
+            </a:r>
+            <a:r>
+              <a:rPr kumimoji="1" lang="en-US" altLang="ja-JP" dirty="0" err="1"/>
+              <a:t>jonny</a:t>
+            </a:r>
+            <a:endParaRPr kumimoji="1" lang="en-US" altLang="ja-JP" dirty="0"/>
+          </a:p>
+          <a:p>
+            <a:r>
+              <a:rPr lang="ja-JP" altLang="en-US" dirty="0"/>
+              <a:t>名詞で判別</a:t>
+            </a:r>
+            <a:endParaRPr kumimoji="1" lang="en-US" altLang="ja-JP" dirty="0"/>
+          </a:p>
+          <a:p>
+            <a:r>
+              <a:rPr kumimoji="1" lang="en-US" altLang="ja-JP" dirty="0" err="1"/>
+              <a:t>Mecab</a:t>
+            </a:r>
+            <a:r>
+              <a:rPr kumimoji="1" lang="ja-JP" altLang="en-US"/>
+              <a:t>で文章から名刺を抽出→予測</a:t>
+            </a:r>
+            <a:endParaRPr kumimoji="1" lang="ja-JP" altLang="en-US" dirty="0"/>
           </a:p>
         </p:txBody>
       </p:sp>
@@ -5844,7 +5881,10 @@
           <a:bodyPr/>
           <a:lstStyle/>
           <a:p>
-            <a:endParaRPr kumimoji="1" lang="ja-JP" altLang="en-US"/>
+            <a:r>
+              <a:rPr kumimoji="1" lang="ja-JP" altLang="en-US" dirty="0"/>
+              <a:t>前回の流用</a:t>
+            </a:r>
           </a:p>
         </p:txBody>
       </p:sp>

--- a/presentation/AIスピーカー開発_3_山田.pptx
+++ b/presentation/AIスピーカー開発_3_山田.pptx
@@ -5,7 +5,7 @@
     <p:sldMasterId id="2147483648" r:id="rId1"/>
   </p:sldMasterIdLst>
   <p:notesMasterIdLst>
-    <p:notesMasterId r:id="rId18"/>
+    <p:notesMasterId r:id="rId21"/>
   </p:notesMasterIdLst>
   <p:sldIdLst>
     <p:sldId id="256" r:id="rId2"/>
@@ -18,12 +18,15 @@
     <p:sldId id="262" r:id="rId9"/>
     <p:sldId id="270" r:id="rId10"/>
     <p:sldId id="263" r:id="rId11"/>
-    <p:sldId id="264" r:id="rId12"/>
-    <p:sldId id="265" r:id="rId13"/>
-    <p:sldId id="269" r:id="rId14"/>
-    <p:sldId id="266" r:id="rId15"/>
-    <p:sldId id="267" r:id="rId16"/>
-    <p:sldId id="268" r:id="rId17"/>
+    <p:sldId id="274" r:id="rId12"/>
+    <p:sldId id="272" r:id="rId13"/>
+    <p:sldId id="273" r:id="rId14"/>
+    <p:sldId id="264" r:id="rId15"/>
+    <p:sldId id="265" r:id="rId16"/>
+    <p:sldId id="269" r:id="rId17"/>
+    <p:sldId id="266" r:id="rId18"/>
+    <p:sldId id="267" r:id="rId19"/>
+    <p:sldId id="268" r:id="rId20"/>
   </p:sldIdLst>
   <p:sldSz cx="12192000" cy="6858000"/>
   <p:notesSz cx="6858000" cy="9144000"/>
@@ -746,6 +749,174 @@
           <a:bodyPr/>
           <a:lstStyle/>
           <a:p>
+            <a:endParaRPr kumimoji="1" lang="ja-JP" altLang="en-US" dirty="0"/>
+          </a:p>
+        </p:txBody>
+      </p:sp>
+      <p:sp>
+        <p:nvSpPr>
+          <p:cNvPr id="4" name="スライド番号プレースホルダー 3"/>
+          <p:cNvSpPr>
+            <a:spLocks noGrp="1"/>
+          </p:cNvSpPr>
+          <p:nvPr>
+            <p:ph type="sldNum" sz="quarter" idx="5"/>
+          </p:nvPr>
+        </p:nvSpPr>
+        <p:spPr/>
+        <p:txBody>
+          <a:bodyPr/>
+          <a:lstStyle/>
+          <a:p>
+            <a:fld id="{1A2E7C28-4903-4521-8E60-0F80C627678B}" type="slidenum">
+              <a:rPr kumimoji="1" lang="ja-JP" altLang="en-US" smtClean="0"/>
+              <a:t>11</a:t>
+            </a:fld>
+            <a:endParaRPr kumimoji="1" lang="ja-JP" altLang="en-US"/>
+          </a:p>
+        </p:txBody>
+      </p:sp>
+    </p:spTree>
+    <p:extLst>
+      <p:ext uri="{BB962C8B-B14F-4D97-AF65-F5344CB8AC3E}">
+        <p14:creationId xmlns:p14="http://schemas.microsoft.com/office/powerpoint/2010/main" val="3472425227"/>
+      </p:ext>
+    </p:extLst>
+  </p:cSld>
+  <p:clrMapOvr>
+    <a:masterClrMapping/>
+  </p:clrMapOvr>
+</p:notes>
+</file>
+
+<file path=ppt/notesSlides/notesSlide4.xml><?xml version="1.0" encoding="utf-8"?>
+<p:notes xmlns:a="http://schemas.openxmlformats.org/drawingml/2006/main" xmlns:r="http://schemas.openxmlformats.org/officeDocument/2006/relationships" xmlns:p="http://schemas.openxmlformats.org/presentationml/2006/main">
+  <p:cSld>
+    <p:spTree>
+      <p:nvGrpSpPr>
+        <p:cNvPr id="1" name=""/>
+        <p:cNvGrpSpPr/>
+        <p:nvPr/>
+      </p:nvGrpSpPr>
+      <p:grpSpPr>
+        <a:xfrm>
+          <a:off x="0" y="0"/>
+          <a:ext cx="0" cy="0"/>
+          <a:chOff x="0" y="0"/>
+          <a:chExt cx="0" cy="0"/>
+        </a:xfrm>
+      </p:grpSpPr>
+      <p:sp>
+        <p:nvSpPr>
+          <p:cNvPr id="2" name="スライド イメージ プレースホルダー 1"/>
+          <p:cNvSpPr>
+            <a:spLocks noGrp="1" noRot="1" noChangeAspect="1"/>
+          </p:cNvSpPr>
+          <p:nvPr>
+            <p:ph type="sldImg"/>
+          </p:nvPr>
+        </p:nvSpPr>
+        <p:spPr/>
+      </p:sp>
+      <p:sp>
+        <p:nvSpPr>
+          <p:cNvPr id="3" name="ノート プレースホルダー 2"/>
+          <p:cNvSpPr>
+            <a:spLocks noGrp="1"/>
+          </p:cNvSpPr>
+          <p:nvPr>
+            <p:ph type="body" idx="1"/>
+          </p:nvPr>
+        </p:nvSpPr>
+        <p:spPr/>
+        <p:txBody>
+          <a:bodyPr/>
+          <a:lstStyle/>
+          <a:p>
+            <a:endParaRPr kumimoji="1" lang="ja-JP" altLang="en-US" dirty="0"/>
+          </a:p>
+        </p:txBody>
+      </p:sp>
+      <p:sp>
+        <p:nvSpPr>
+          <p:cNvPr id="4" name="スライド番号プレースホルダー 3"/>
+          <p:cNvSpPr>
+            <a:spLocks noGrp="1"/>
+          </p:cNvSpPr>
+          <p:nvPr>
+            <p:ph type="sldNum" sz="quarter" idx="5"/>
+          </p:nvPr>
+        </p:nvSpPr>
+        <p:spPr/>
+        <p:txBody>
+          <a:bodyPr/>
+          <a:lstStyle/>
+          <a:p>
+            <a:fld id="{1A2E7C28-4903-4521-8E60-0F80C627678B}" type="slidenum">
+              <a:rPr kumimoji="1" lang="ja-JP" altLang="en-US" smtClean="0"/>
+              <a:t>12</a:t>
+            </a:fld>
+            <a:endParaRPr kumimoji="1" lang="ja-JP" altLang="en-US"/>
+          </a:p>
+        </p:txBody>
+      </p:sp>
+    </p:spTree>
+    <p:extLst>
+      <p:ext uri="{BB962C8B-B14F-4D97-AF65-F5344CB8AC3E}">
+        <p14:creationId xmlns:p14="http://schemas.microsoft.com/office/powerpoint/2010/main" val="2677435830"/>
+      </p:ext>
+    </p:extLst>
+  </p:cSld>
+  <p:clrMapOvr>
+    <a:masterClrMapping/>
+  </p:clrMapOvr>
+</p:notes>
+</file>
+
+<file path=ppt/notesSlides/notesSlide5.xml><?xml version="1.0" encoding="utf-8"?>
+<p:notes xmlns:a="http://schemas.openxmlformats.org/drawingml/2006/main" xmlns:r="http://schemas.openxmlformats.org/officeDocument/2006/relationships" xmlns:p="http://schemas.openxmlformats.org/presentationml/2006/main">
+  <p:cSld>
+    <p:spTree>
+      <p:nvGrpSpPr>
+        <p:cNvPr id="1" name=""/>
+        <p:cNvGrpSpPr/>
+        <p:nvPr/>
+      </p:nvGrpSpPr>
+      <p:grpSpPr>
+        <a:xfrm>
+          <a:off x="0" y="0"/>
+          <a:ext cx="0" cy="0"/>
+          <a:chOff x="0" y="0"/>
+          <a:chExt cx="0" cy="0"/>
+        </a:xfrm>
+      </p:grpSpPr>
+      <p:sp>
+        <p:nvSpPr>
+          <p:cNvPr id="2" name="スライド イメージ プレースホルダー 1"/>
+          <p:cNvSpPr>
+            <a:spLocks noGrp="1" noRot="1" noChangeAspect="1"/>
+          </p:cNvSpPr>
+          <p:nvPr>
+            <p:ph type="sldImg"/>
+          </p:nvPr>
+        </p:nvSpPr>
+        <p:spPr/>
+      </p:sp>
+      <p:sp>
+        <p:nvSpPr>
+          <p:cNvPr id="3" name="ノート プレースホルダー 2"/>
+          <p:cNvSpPr>
+            <a:spLocks noGrp="1"/>
+          </p:cNvSpPr>
+          <p:nvPr>
+            <p:ph type="body" idx="1"/>
+          </p:nvPr>
+        </p:nvSpPr>
+        <p:spPr/>
+        <p:txBody>
+          <a:bodyPr/>
+          <a:lstStyle/>
+          <a:p>
             <a:r>
               <a:rPr kumimoji="1" lang="ja-JP" altLang="en-US" dirty="0"/>
               <a:t>よしえにいってもーら</a:t>
@@ -778,7 +949,7 @@
           <a:p>
             <a:fld id="{1A2E7C28-4903-4521-8E60-0F80C627678B}" type="slidenum">
               <a:rPr kumimoji="1" lang="ja-JP" altLang="en-US" smtClean="0"/>
-              <a:t>16</a:t>
+              <a:t>19</a:t>
             </a:fld>
             <a:endParaRPr kumimoji="1" lang="ja-JP" altLang="en-US"/>
           </a:p>
@@ -4664,10 +4835,10 @@
               <a:t>Mecab</a:t>
             </a:r>
             <a:r>
-              <a:rPr kumimoji="1" lang="ja-JP" altLang="en-US"/>
+              <a:rPr kumimoji="1" lang="ja-JP" altLang="en-US" dirty="0"/>
               <a:t>で文章から名刺を抽出→予測</a:t>
             </a:r>
-            <a:endParaRPr kumimoji="1" lang="ja-JP" altLang="en-US" dirty="0"/>
+            <a:endParaRPr kumimoji="1" lang="en-US" altLang="ja-JP" dirty="0"/>
           </a:p>
         </p:txBody>
       </p:sp>
@@ -4703,10 +4874,196 @@
       </p:grpSpPr>
       <p:sp>
         <p:nvSpPr>
+          <p:cNvPr id="27" name="正方形/長方形 26">
+            <a:extLst>
+              <a:ext uri="{FF2B5EF4-FFF2-40B4-BE49-F238E27FC236}">
+                <a16:creationId xmlns:a16="http://schemas.microsoft.com/office/drawing/2014/main" id="{A6A42EEF-E3D6-46D6-8AA1-60AA53B39EFC}"/>
+              </a:ext>
+            </a:extLst>
+          </p:cNvPr>
+          <p:cNvSpPr/>
+          <p:nvPr/>
+        </p:nvSpPr>
+        <p:spPr>
+          <a:xfrm>
+            <a:off x="10327408" y="2623056"/>
+            <a:ext cx="1788160" cy="3420485"/>
+          </a:xfrm>
+          <a:prstGeom prst="rect">
+            <a:avLst/>
+          </a:prstGeom>
+          <a:solidFill>
+            <a:schemeClr val="bg1"/>
+          </a:solidFill>
+          <a:ln w="57150">
+            <a:solidFill>
+              <a:schemeClr val="accent6">
+                <a:lumMod val="50000"/>
+              </a:schemeClr>
+            </a:solidFill>
+          </a:ln>
+        </p:spPr>
+        <p:style>
+          <a:lnRef idx="2">
+            <a:schemeClr val="accent1">
+              <a:shade val="50000"/>
+            </a:schemeClr>
+          </a:lnRef>
+          <a:fillRef idx="1">
+            <a:schemeClr val="accent1"/>
+          </a:fillRef>
+          <a:effectRef idx="0">
+            <a:schemeClr val="accent1"/>
+          </a:effectRef>
+          <a:fontRef idx="minor">
+            <a:schemeClr val="lt1"/>
+          </a:fontRef>
+        </p:style>
+        <p:txBody>
+          <a:bodyPr rtlCol="0" anchor="ctr"/>
+          <a:lstStyle/>
+          <a:p>
+            <a:pPr algn="ctr"/>
+            <a:endParaRPr kumimoji="1" lang="ja-JP" altLang="en-US">
+              <a:solidFill>
+                <a:schemeClr val="accent6">
+                  <a:lumMod val="50000"/>
+                </a:schemeClr>
+              </a:solidFill>
+            </a:endParaRPr>
+          </a:p>
+        </p:txBody>
+      </p:sp>
+      <p:sp>
+        <p:nvSpPr>
+          <p:cNvPr id="26" name="正方形/長方形 25">
+            <a:extLst>
+              <a:ext uri="{FF2B5EF4-FFF2-40B4-BE49-F238E27FC236}">
+                <a16:creationId xmlns:a16="http://schemas.microsoft.com/office/drawing/2014/main" id="{D5019F01-CDAF-40BF-8F16-C36818AB7ED3}"/>
+              </a:ext>
+            </a:extLst>
+          </p:cNvPr>
+          <p:cNvSpPr/>
+          <p:nvPr/>
+        </p:nvSpPr>
+        <p:spPr>
+          <a:xfrm>
+            <a:off x="8128000" y="2623056"/>
+            <a:ext cx="1788160" cy="3420485"/>
+          </a:xfrm>
+          <a:prstGeom prst="rect">
+            <a:avLst/>
+          </a:prstGeom>
+          <a:solidFill>
+            <a:schemeClr val="bg1"/>
+          </a:solidFill>
+          <a:ln w="57150">
+            <a:solidFill>
+              <a:schemeClr val="accent6">
+                <a:lumMod val="50000"/>
+              </a:schemeClr>
+            </a:solidFill>
+          </a:ln>
+        </p:spPr>
+        <p:style>
+          <a:lnRef idx="2">
+            <a:schemeClr val="accent1">
+              <a:shade val="50000"/>
+            </a:schemeClr>
+          </a:lnRef>
+          <a:fillRef idx="1">
+            <a:schemeClr val="accent1"/>
+          </a:fillRef>
+          <a:effectRef idx="0">
+            <a:schemeClr val="accent1"/>
+          </a:effectRef>
+          <a:fontRef idx="minor">
+            <a:schemeClr val="lt1"/>
+          </a:fontRef>
+        </p:style>
+        <p:txBody>
+          <a:bodyPr rtlCol="0" anchor="ctr"/>
+          <a:lstStyle/>
+          <a:p>
+            <a:pPr algn="ctr"/>
+            <a:endParaRPr kumimoji="1" lang="ja-JP" altLang="en-US">
+              <a:solidFill>
+                <a:schemeClr val="accent6">
+                  <a:lumMod val="50000"/>
+                </a:schemeClr>
+              </a:solidFill>
+            </a:endParaRPr>
+          </a:p>
+        </p:txBody>
+      </p:sp>
+      <p:sp>
+        <p:nvSpPr>
+          <p:cNvPr id="25" name="正方形/長方形 24">
+            <a:extLst>
+              <a:ext uri="{FF2B5EF4-FFF2-40B4-BE49-F238E27FC236}">
+                <a16:creationId xmlns:a16="http://schemas.microsoft.com/office/drawing/2014/main" id="{CEEBE825-C946-4A6C-B1CF-1701DEEEFE70}"/>
+              </a:ext>
+            </a:extLst>
+          </p:cNvPr>
+          <p:cNvSpPr/>
+          <p:nvPr/>
+        </p:nvSpPr>
+        <p:spPr>
+          <a:xfrm>
+            <a:off x="5860931" y="2623057"/>
+            <a:ext cx="1788160" cy="3420485"/>
+          </a:xfrm>
+          <a:prstGeom prst="rect">
+            <a:avLst/>
+          </a:prstGeom>
+          <a:solidFill>
+            <a:schemeClr val="bg1"/>
+          </a:solidFill>
+          <a:ln w="57150">
+            <a:solidFill>
+              <a:schemeClr val="accent6">
+                <a:lumMod val="50000"/>
+              </a:schemeClr>
+            </a:solidFill>
+          </a:ln>
+        </p:spPr>
+        <p:style>
+          <a:lnRef idx="2">
+            <a:schemeClr val="accent1">
+              <a:shade val="50000"/>
+            </a:schemeClr>
+          </a:lnRef>
+          <a:fillRef idx="1">
+            <a:schemeClr val="accent1"/>
+          </a:fillRef>
+          <a:effectRef idx="0">
+            <a:schemeClr val="accent1"/>
+          </a:effectRef>
+          <a:fontRef idx="minor">
+            <a:schemeClr val="lt1"/>
+          </a:fontRef>
+        </p:style>
+        <p:txBody>
+          <a:bodyPr rtlCol="0" anchor="ctr"/>
+          <a:lstStyle/>
+          <a:p>
+            <a:pPr algn="ctr"/>
+            <a:endParaRPr kumimoji="1" lang="ja-JP" altLang="en-US">
+              <a:solidFill>
+                <a:schemeClr val="accent6">
+                  <a:lumMod val="50000"/>
+                </a:schemeClr>
+              </a:solidFill>
+            </a:endParaRPr>
+          </a:p>
+        </p:txBody>
+      </p:sp>
+      <p:sp>
+        <p:nvSpPr>
           <p:cNvPr id="2" name="タイトル 1">
             <a:extLst>
               <a:ext uri="{FF2B5EF4-FFF2-40B4-BE49-F238E27FC236}">
-                <a16:creationId xmlns:a16="http://schemas.microsoft.com/office/drawing/2014/main" id="{0239366D-FD02-4D32-AA25-FA5687E2E9A8}"/>
+                <a16:creationId xmlns:a16="http://schemas.microsoft.com/office/drawing/2014/main" id="{8DC23348-6095-43B3-AD99-75833F7A7549}"/>
               </a:ext>
             </a:extLst>
           </p:cNvPr>
@@ -4723,41 +5080,896 @@
           <a:lstStyle/>
           <a:p>
             <a:r>
+              <a:rPr lang="en-US" altLang="ja-JP" dirty="0" err="1"/>
+              <a:t>f</a:t>
+            </a:r>
+            <a:r>
+              <a:rPr kumimoji="1" lang="en-US" altLang="ja-JP" dirty="0" err="1"/>
+              <a:t>astText</a:t>
+            </a:r>
+            <a:r>
               <a:rPr kumimoji="1" lang="ja-JP" altLang="en-US" dirty="0"/>
-              <a:t>データ取得</a:t>
-            </a:r>
-          </a:p>
-        </p:txBody>
-      </p:sp>
-      <p:sp>
-        <p:nvSpPr>
-          <p:cNvPr id="3" name="コンテンツ プレースホルダー 2">
-            <a:extLst>
-              <a:ext uri="{FF2B5EF4-FFF2-40B4-BE49-F238E27FC236}">
-                <a16:creationId xmlns:a16="http://schemas.microsoft.com/office/drawing/2014/main" id="{2714D079-74EA-42AF-9886-A31DAA6C24C9}"/>
-              </a:ext>
-            </a:extLst>
-          </p:cNvPr>
-          <p:cNvSpPr>
-            <a:spLocks noGrp="1"/>
-          </p:cNvSpPr>
-          <p:nvPr>
-            <p:ph idx="1"/>
-          </p:nvPr>
-        </p:nvSpPr>
-        <p:spPr/>
-        <p:txBody>
-          <a:bodyPr/>
-          <a:lstStyle/>
-          <a:p>
+              <a:t>仕組み</a:t>
+            </a:r>
+          </a:p>
+        </p:txBody>
+      </p:sp>
+      <p:sp>
+        <p:nvSpPr>
+          <p:cNvPr id="4" name="矢印: 右 3">
+            <a:extLst>
+              <a:ext uri="{FF2B5EF4-FFF2-40B4-BE49-F238E27FC236}">
+                <a16:creationId xmlns:a16="http://schemas.microsoft.com/office/drawing/2014/main" id="{7FBD3240-C321-4086-801F-48F3F42971C2}"/>
+              </a:ext>
+            </a:extLst>
+          </p:cNvPr>
+          <p:cNvSpPr/>
+          <p:nvPr/>
+        </p:nvSpPr>
+        <p:spPr>
+          <a:xfrm>
+            <a:off x="3724128" y="3316938"/>
+            <a:ext cx="973726" cy="1712686"/>
+          </a:xfrm>
+          <a:prstGeom prst="rightArrow">
+            <a:avLst/>
+          </a:prstGeom>
+          <a:solidFill>
+            <a:srgbClr val="FF0000"/>
+          </a:solidFill>
+          <a:ln>
+            <a:solidFill>
+              <a:schemeClr val="tx1"/>
+            </a:solidFill>
+          </a:ln>
+        </p:spPr>
+        <p:style>
+          <a:lnRef idx="2">
+            <a:schemeClr val="accent1">
+              <a:shade val="50000"/>
+            </a:schemeClr>
+          </a:lnRef>
+          <a:fillRef idx="1">
+            <a:schemeClr val="accent1"/>
+          </a:fillRef>
+          <a:effectRef idx="0">
+            <a:schemeClr val="accent1"/>
+          </a:effectRef>
+          <a:fontRef idx="minor">
+            <a:schemeClr val="lt1"/>
+          </a:fontRef>
+        </p:style>
+        <p:txBody>
+          <a:bodyPr rtlCol="0" anchor="ctr"/>
+          <a:lstStyle/>
+          <a:p>
+            <a:pPr algn="ctr"/>
             <a:endParaRPr kumimoji="1" lang="ja-JP" altLang="en-US"/>
+          </a:p>
+        </p:txBody>
+      </p:sp>
+      <p:sp>
+        <p:nvSpPr>
+          <p:cNvPr id="5" name="テキスト ボックス 4">
+            <a:extLst>
+              <a:ext uri="{FF2B5EF4-FFF2-40B4-BE49-F238E27FC236}">
+                <a16:creationId xmlns:a16="http://schemas.microsoft.com/office/drawing/2014/main" id="{2E8C8DDE-2243-4315-8A5A-59E84991D26A}"/>
+              </a:ext>
+            </a:extLst>
+          </p:cNvPr>
+          <p:cNvSpPr txBox="1"/>
+          <p:nvPr/>
+        </p:nvSpPr>
+        <p:spPr>
+          <a:xfrm>
+            <a:off x="4989327" y="2937634"/>
+            <a:ext cx="1212282" cy="707886"/>
+          </a:xfrm>
+          <a:prstGeom prst="rect">
+            <a:avLst/>
+          </a:prstGeom>
+          <a:noFill/>
+        </p:spPr>
+        <p:txBody>
+          <a:bodyPr wrap="square" rtlCol="0">
+            <a:spAutoFit/>
+          </a:bodyPr>
+          <a:lstStyle/>
+          <a:p>
+            <a:r>
+              <a:rPr lang="ja-JP" altLang="en-US" sz="4000" b="1" dirty="0"/>
+              <a:t>犬</a:t>
+            </a:r>
+            <a:endParaRPr kumimoji="1" lang="ja-JP" altLang="en-US" sz="4000" b="1" dirty="0"/>
+          </a:p>
+        </p:txBody>
+      </p:sp>
+      <p:sp>
+        <p:nvSpPr>
+          <p:cNvPr id="8" name="テキスト ボックス 7">
+            <a:extLst>
+              <a:ext uri="{FF2B5EF4-FFF2-40B4-BE49-F238E27FC236}">
+                <a16:creationId xmlns:a16="http://schemas.microsoft.com/office/drawing/2014/main" id="{E1BA6016-03A7-4B4C-BC64-ACC036B703B2}"/>
+              </a:ext>
+            </a:extLst>
+          </p:cNvPr>
+          <p:cNvSpPr txBox="1"/>
+          <p:nvPr/>
+        </p:nvSpPr>
+        <p:spPr>
+          <a:xfrm>
+            <a:off x="4723863" y="3982731"/>
+            <a:ext cx="1212282" cy="707886"/>
+          </a:xfrm>
+          <a:prstGeom prst="rect">
+            <a:avLst/>
+          </a:prstGeom>
+          <a:noFill/>
+        </p:spPr>
+        <p:txBody>
+          <a:bodyPr wrap="square" rtlCol="0">
+            <a:spAutoFit/>
+          </a:bodyPr>
+          <a:lstStyle/>
+          <a:p>
+            <a:r>
+              <a:rPr lang="ja-JP" altLang="en-US" sz="4000" b="1" dirty="0"/>
+              <a:t>好き</a:t>
+            </a:r>
+            <a:endParaRPr kumimoji="1" lang="ja-JP" altLang="en-US" sz="4000" b="1" dirty="0"/>
+          </a:p>
+        </p:txBody>
+      </p:sp>
+      <p:cxnSp>
+        <p:nvCxnSpPr>
+          <p:cNvPr id="6" name="直線コネクタ 5">
+            <a:extLst>
+              <a:ext uri="{FF2B5EF4-FFF2-40B4-BE49-F238E27FC236}">
+                <a16:creationId xmlns:a16="http://schemas.microsoft.com/office/drawing/2014/main" id="{6D72E8BD-2DAC-4B73-956F-32D38F01B2E9}"/>
+              </a:ext>
+            </a:extLst>
+          </p:cNvPr>
+          <p:cNvCxnSpPr/>
+          <p:nvPr/>
+        </p:nvCxnSpPr>
+        <p:spPr>
+          <a:xfrm>
+            <a:off x="5860931" y="3818503"/>
+            <a:ext cx="1788160" cy="0"/>
+          </a:xfrm>
+          <a:prstGeom prst="line">
+            <a:avLst/>
+          </a:prstGeom>
+          <a:ln w="57150">
+            <a:solidFill>
+              <a:schemeClr val="accent6">
+                <a:lumMod val="50000"/>
+              </a:schemeClr>
+            </a:solidFill>
+          </a:ln>
+        </p:spPr>
+        <p:style>
+          <a:lnRef idx="1">
+            <a:schemeClr val="accent1"/>
+          </a:lnRef>
+          <a:fillRef idx="0">
+            <a:schemeClr val="accent1"/>
+          </a:fillRef>
+          <a:effectRef idx="0">
+            <a:schemeClr val="accent1"/>
+          </a:effectRef>
+          <a:fontRef idx="minor">
+            <a:schemeClr val="tx1"/>
+          </a:fontRef>
+        </p:style>
+      </p:cxnSp>
+      <p:cxnSp>
+        <p:nvCxnSpPr>
+          <p:cNvPr id="7" name="直線コネクタ 6">
+            <a:extLst>
+              <a:ext uri="{FF2B5EF4-FFF2-40B4-BE49-F238E27FC236}">
+                <a16:creationId xmlns:a16="http://schemas.microsoft.com/office/drawing/2014/main" id="{652768D3-3A5F-4236-8132-C07FEFA4E63C}"/>
+              </a:ext>
+            </a:extLst>
+          </p:cNvPr>
+          <p:cNvCxnSpPr/>
+          <p:nvPr/>
+        </p:nvCxnSpPr>
+        <p:spPr>
+          <a:xfrm>
+            <a:off x="5860931" y="4885303"/>
+            <a:ext cx="1788160" cy="0"/>
+          </a:xfrm>
+          <a:prstGeom prst="line">
+            <a:avLst/>
+          </a:prstGeom>
+          <a:ln w="57150">
+            <a:solidFill>
+              <a:schemeClr val="accent6">
+                <a:lumMod val="50000"/>
+              </a:schemeClr>
+            </a:solidFill>
+          </a:ln>
+        </p:spPr>
+        <p:style>
+          <a:lnRef idx="1">
+            <a:schemeClr val="accent1"/>
+          </a:lnRef>
+          <a:fillRef idx="0">
+            <a:schemeClr val="accent1"/>
+          </a:fillRef>
+          <a:effectRef idx="0">
+            <a:schemeClr val="accent1"/>
+          </a:effectRef>
+          <a:fontRef idx="minor">
+            <a:schemeClr val="tx1"/>
+          </a:fontRef>
+        </p:style>
+      </p:cxnSp>
+      <p:sp>
+        <p:nvSpPr>
+          <p:cNvPr id="11" name="テキスト ボックス 10">
+            <a:extLst>
+              <a:ext uri="{FF2B5EF4-FFF2-40B4-BE49-F238E27FC236}">
+                <a16:creationId xmlns:a16="http://schemas.microsoft.com/office/drawing/2014/main" id="{00DF0405-3E91-480C-B12F-C0CE16342A54}"/>
+              </a:ext>
+            </a:extLst>
+          </p:cNvPr>
+          <p:cNvSpPr txBox="1"/>
+          <p:nvPr/>
+        </p:nvSpPr>
+        <p:spPr>
+          <a:xfrm>
+            <a:off x="8415939" y="2948970"/>
+            <a:ext cx="1212282" cy="707886"/>
+          </a:xfrm>
+          <a:prstGeom prst="rect">
+            <a:avLst/>
+          </a:prstGeom>
+          <a:noFill/>
+        </p:spPr>
+        <p:txBody>
+          <a:bodyPr wrap="square" rtlCol="0">
+            <a:spAutoFit/>
+          </a:bodyPr>
+          <a:lstStyle/>
+          <a:p>
+            <a:r>
+              <a:rPr kumimoji="1" lang="en-US" altLang="ja-JP" sz="4000" b="1" dirty="0"/>
+              <a:t>0.01</a:t>
+            </a:r>
+            <a:endParaRPr kumimoji="1" lang="ja-JP" altLang="en-US" sz="4000" b="1" dirty="0"/>
+          </a:p>
+        </p:txBody>
+      </p:sp>
+      <p:sp>
+        <p:nvSpPr>
+          <p:cNvPr id="9" name="テキスト ボックス 8">
+            <a:extLst>
+              <a:ext uri="{FF2B5EF4-FFF2-40B4-BE49-F238E27FC236}">
+                <a16:creationId xmlns:a16="http://schemas.microsoft.com/office/drawing/2014/main" id="{0051F1F9-DBAF-4CC8-A52C-73D83F26D53B}"/>
+              </a:ext>
+            </a:extLst>
+          </p:cNvPr>
+          <p:cNvSpPr txBox="1"/>
+          <p:nvPr/>
+        </p:nvSpPr>
+        <p:spPr>
+          <a:xfrm>
+            <a:off x="6106377" y="2943187"/>
+            <a:ext cx="1212282" cy="707886"/>
+          </a:xfrm>
+          <a:prstGeom prst="rect">
+            <a:avLst/>
+          </a:prstGeom>
+          <a:noFill/>
+        </p:spPr>
+        <p:txBody>
+          <a:bodyPr wrap="square" rtlCol="0">
+            <a:spAutoFit/>
+          </a:bodyPr>
+          <a:lstStyle/>
+          <a:p>
+            <a:r>
+              <a:rPr kumimoji="1" lang="en-US" altLang="ja-JP" sz="4000" b="1" dirty="0"/>
+              <a:t>0.99</a:t>
+            </a:r>
+            <a:endParaRPr kumimoji="1" lang="ja-JP" altLang="en-US" sz="4000" b="1" dirty="0"/>
+          </a:p>
+        </p:txBody>
+      </p:sp>
+      <p:sp>
+        <p:nvSpPr>
+          <p:cNvPr id="10" name="テキスト ボックス 9">
+            <a:extLst>
+              <a:ext uri="{FF2B5EF4-FFF2-40B4-BE49-F238E27FC236}">
+                <a16:creationId xmlns:a16="http://schemas.microsoft.com/office/drawing/2014/main" id="{B8A335E2-60A8-4426-9876-7390B8891A82}"/>
+              </a:ext>
+            </a:extLst>
+          </p:cNvPr>
+          <p:cNvSpPr txBox="1"/>
+          <p:nvPr/>
+        </p:nvSpPr>
+        <p:spPr>
+          <a:xfrm>
+            <a:off x="6148870" y="4090212"/>
+            <a:ext cx="1212282" cy="707886"/>
+          </a:xfrm>
+          <a:prstGeom prst="rect">
+            <a:avLst/>
+          </a:prstGeom>
+          <a:noFill/>
+        </p:spPr>
+        <p:txBody>
+          <a:bodyPr wrap="square" rtlCol="0">
+            <a:spAutoFit/>
+          </a:bodyPr>
+          <a:lstStyle/>
+          <a:p>
+            <a:r>
+              <a:rPr kumimoji="1" lang="en-US" altLang="ja-JP" sz="4000" b="1" dirty="0"/>
+              <a:t>0.61</a:t>
+            </a:r>
+            <a:endParaRPr kumimoji="1" lang="ja-JP" altLang="en-US" sz="4000" b="1" dirty="0"/>
+          </a:p>
+        </p:txBody>
+      </p:sp>
+      <p:cxnSp>
+        <p:nvCxnSpPr>
+          <p:cNvPr id="12" name="直線コネクタ 11">
+            <a:extLst>
+              <a:ext uri="{FF2B5EF4-FFF2-40B4-BE49-F238E27FC236}">
+                <a16:creationId xmlns:a16="http://schemas.microsoft.com/office/drawing/2014/main" id="{4F408AE8-141A-4929-85BA-FA5399522EB9}"/>
+              </a:ext>
+            </a:extLst>
+          </p:cNvPr>
+          <p:cNvCxnSpPr/>
+          <p:nvPr/>
+        </p:nvCxnSpPr>
+        <p:spPr>
+          <a:xfrm>
+            <a:off x="8128000" y="3818503"/>
+            <a:ext cx="1788160" cy="0"/>
+          </a:xfrm>
+          <a:prstGeom prst="line">
+            <a:avLst/>
+          </a:prstGeom>
+          <a:ln w="57150">
+            <a:solidFill>
+              <a:schemeClr val="accent6">
+                <a:lumMod val="50000"/>
+              </a:schemeClr>
+            </a:solidFill>
+          </a:ln>
+        </p:spPr>
+        <p:style>
+          <a:lnRef idx="1">
+            <a:schemeClr val="accent1"/>
+          </a:lnRef>
+          <a:fillRef idx="0">
+            <a:schemeClr val="accent1"/>
+          </a:fillRef>
+          <a:effectRef idx="0">
+            <a:schemeClr val="accent1"/>
+          </a:effectRef>
+          <a:fontRef idx="minor">
+            <a:schemeClr val="tx1"/>
+          </a:fontRef>
+        </p:style>
+      </p:cxnSp>
+      <p:cxnSp>
+        <p:nvCxnSpPr>
+          <p:cNvPr id="13" name="直線コネクタ 12">
+            <a:extLst>
+              <a:ext uri="{FF2B5EF4-FFF2-40B4-BE49-F238E27FC236}">
+                <a16:creationId xmlns:a16="http://schemas.microsoft.com/office/drawing/2014/main" id="{F3778012-44FA-4FD3-BEED-0D9304FD858D}"/>
+              </a:ext>
+            </a:extLst>
+          </p:cNvPr>
+          <p:cNvCxnSpPr/>
+          <p:nvPr/>
+        </p:nvCxnSpPr>
+        <p:spPr>
+          <a:xfrm>
+            <a:off x="8154009" y="4885303"/>
+            <a:ext cx="1788160" cy="0"/>
+          </a:xfrm>
+          <a:prstGeom prst="line">
+            <a:avLst/>
+          </a:prstGeom>
+          <a:ln w="57150">
+            <a:solidFill>
+              <a:schemeClr val="accent6">
+                <a:lumMod val="50000"/>
+              </a:schemeClr>
+            </a:solidFill>
+          </a:ln>
+        </p:spPr>
+        <p:style>
+          <a:lnRef idx="1">
+            <a:schemeClr val="accent1"/>
+          </a:lnRef>
+          <a:fillRef idx="0">
+            <a:schemeClr val="accent1"/>
+          </a:fillRef>
+          <a:effectRef idx="0">
+            <a:schemeClr val="accent1"/>
+          </a:effectRef>
+          <a:fontRef idx="minor">
+            <a:schemeClr val="tx1"/>
+          </a:fontRef>
+        </p:style>
+      </p:cxnSp>
+      <p:cxnSp>
+        <p:nvCxnSpPr>
+          <p:cNvPr id="14" name="直線コネクタ 13">
+            <a:extLst>
+              <a:ext uri="{FF2B5EF4-FFF2-40B4-BE49-F238E27FC236}">
+                <a16:creationId xmlns:a16="http://schemas.microsoft.com/office/drawing/2014/main" id="{0207A337-5CEF-4130-85A0-87C0B8EA53CE}"/>
+              </a:ext>
+            </a:extLst>
+          </p:cNvPr>
+          <p:cNvCxnSpPr/>
+          <p:nvPr/>
+        </p:nvCxnSpPr>
+        <p:spPr>
+          <a:xfrm>
+            <a:off x="10298319" y="3818503"/>
+            <a:ext cx="1788160" cy="0"/>
+          </a:xfrm>
+          <a:prstGeom prst="line">
+            <a:avLst/>
+          </a:prstGeom>
+          <a:ln w="57150">
+            <a:solidFill>
+              <a:schemeClr val="accent6">
+                <a:lumMod val="50000"/>
+              </a:schemeClr>
+            </a:solidFill>
+          </a:ln>
+        </p:spPr>
+        <p:style>
+          <a:lnRef idx="1">
+            <a:schemeClr val="accent1"/>
+          </a:lnRef>
+          <a:fillRef idx="0">
+            <a:schemeClr val="accent1"/>
+          </a:fillRef>
+          <a:effectRef idx="0">
+            <a:schemeClr val="accent1"/>
+          </a:effectRef>
+          <a:fontRef idx="minor">
+            <a:schemeClr val="tx1"/>
+          </a:fontRef>
+        </p:style>
+      </p:cxnSp>
+      <p:sp>
+        <p:nvSpPr>
+          <p:cNvPr id="15" name="テキスト ボックス 14">
+            <a:extLst>
+              <a:ext uri="{FF2B5EF4-FFF2-40B4-BE49-F238E27FC236}">
+                <a16:creationId xmlns:a16="http://schemas.microsoft.com/office/drawing/2014/main" id="{ADE004F6-0DE7-4162-9F6F-7AB9E2D69AAA}"/>
+              </a:ext>
+            </a:extLst>
+          </p:cNvPr>
+          <p:cNvSpPr txBox="1"/>
+          <p:nvPr/>
+        </p:nvSpPr>
+        <p:spPr>
+          <a:xfrm>
+            <a:off x="10586258" y="2943187"/>
+            <a:ext cx="1212282" cy="707886"/>
+          </a:xfrm>
+          <a:prstGeom prst="rect">
+            <a:avLst/>
+          </a:prstGeom>
+          <a:noFill/>
+        </p:spPr>
+        <p:txBody>
+          <a:bodyPr wrap="square" rtlCol="0">
+            <a:spAutoFit/>
+          </a:bodyPr>
+          <a:lstStyle/>
+          <a:p>
+            <a:r>
+              <a:rPr kumimoji="1" lang="en-US" altLang="ja-JP" sz="4000" b="1" dirty="0"/>
+              <a:t>0.21</a:t>
+            </a:r>
+            <a:endParaRPr kumimoji="1" lang="ja-JP" altLang="en-US" sz="4000" b="1" dirty="0"/>
+          </a:p>
+        </p:txBody>
+      </p:sp>
+      <p:sp>
+        <p:nvSpPr>
+          <p:cNvPr id="16" name="テキスト ボックス 15">
+            <a:extLst>
+              <a:ext uri="{FF2B5EF4-FFF2-40B4-BE49-F238E27FC236}">
+                <a16:creationId xmlns:a16="http://schemas.microsoft.com/office/drawing/2014/main" id="{9CAA7924-610B-46FC-A18B-B4F310C69C12}"/>
+              </a:ext>
+            </a:extLst>
+          </p:cNvPr>
+          <p:cNvSpPr txBox="1"/>
+          <p:nvPr/>
+        </p:nvSpPr>
+        <p:spPr>
+          <a:xfrm>
+            <a:off x="10628751" y="4090212"/>
+            <a:ext cx="1212282" cy="707886"/>
+          </a:xfrm>
+          <a:prstGeom prst="rect">
+            <a:avLst/>
+          </a:prstGeom>
+          <a:noFill/>
+        </p:spPr>
+        <p:txBody>
+          <a:bodyPr wrap="square" rtlCol="0">
+            <a:spAutoFit/>
+          </a:bodyPr>
+          <a:lstStyle/>
+          <a:p>
+            <a:r>
+              <a:rPr kumimoji="1" lang="en-US" altLang="ja-JP" sz="4000" b="1" dirty="0"/>
+              <a:t>0.58</a:t>
+            </a:r>
+            <a:endParaRPr kumimoji="1" lang="ja-JP" altLang="en-US" sz="4000" b="1" dirty="0"/>
+          </a:p>
+        </p:txBody>
+      </p:sp>
+      <p:sp>
+        <p:nvSpPr>
+          <p:cNvPr id="17" name="テキスト ボックス 16">
+            <a:extLst>
+              <a:ext uri="{FF2B5EF4-FFF2-40B4-BE49-F238E27FC236}">
+                <a16:creationId xmlns:a16="http://schemas.microsoft.com/office/drawing/2014/main" id="{66C7503C-5480-4FB0-A7B5-634BA5874855}"/>
+              </a:ext>
+            </a:extLst>
+          </p:cNvPr>
+          <p:cNvSpPr txBox="1"/>
+          <p:nvPr/>
+        </p:nvSpPr>
+        <p:spPr>
+          <a:xfrm>
+            <a:off x="8352201" y="4043679"/>
+            <a:ext cx="1212282" cy="707886"/>
+          </a:xfrm>
+          <a:prstGeom prst="rect">
+            <a:avLst/>
+          </a:prstGeom>
+          <a:noFill/>
+        </p:spPr>
+        <p:txBody>
+          <a:bodyPr wrap="square" rtlCol="0">
+            <a:spAutoFit/>
+          </a:bodyPr>
+          <a:lstStyle/>
+          <a:p>
+            <a:r>
+              <a:rPr kumimoji="1" lang="en-US" altLang="ja-JP" sz="4000" b="1" dirty="0"/>
+              <a:t>0.31</a:t>
+            </a:r>
+            <a:endParaRPr kumimoji="1" lang="ja-JP" altLang="en-US" sz="4000" b="1" dirty="0"/>
+          </a:p>
+        </p:txBody>
+      </p:sp>
+      <p:cxnSp>
+        <p:nvCxnSpPr>
+          <p:cNvPr id="20" name="直線コネクタ 19">
+            <a:extLst>
+              <a:ext uri="{FF2B5EF4-FFF2-40B4-BE49-F238E27FC236}">
+                <a16:creationId xmlns:a16="http://schemas.microsoft.com/office/drawing/2014/main" id="{C61F6D19-948D-494A-8C7E-D53B4AEFE399}"/>
+              </a:ext>
+            </a:extLst>
+          </p:cNvPr>
+          <p:cNvCxnSpPr/>
+          <p:nvPr/>
+        </p:nvCxnSpPr>
+        <p:spPr>
+          <a:xfrm>
+            <a:off x="8128000" y="6043543"/>
+            <a:ext cx="1788160" cy="0"/>
+          </a:xfrm>
+          <a:prstGeom prst="line">
+            <a:avLst/>
+          </a:prstGeom>
+          <a:ln w="57150">
+            <a:solidFill>
+              <a:schemeClr val="accent6">
+                <a:lumMod val="50000"/>
+              </a:schemeClr>
+            </a:solidFill>
+          </a:ln>
+        </p:spPr>
+        <p:style>
+          <a:lnRef idx="1">
+            <a:schemeClr val="accent1"/>
+          </a:lnRef>
+          <a:fillRef idx="0">
+            <a:schemeClr val="accent1"/>
+          </a:fillRef>
+          <a:effectRef idx="0">
+            <a:schemeClr val="accent1"/>
+          </a:effectRef>
+          <a:fontRef idx="minor">
+            <a:schemeClr val="tx1"/>
+          </a:fontRef>
+        </p:style>
+      </p:cxnSp>
+      <p:sp>
+        <p:nvSpPr>
+          <p:cNvPr id="18" name="テキスト ボックス 17">
+            <a:extLst>
+              <a:ext uri="{FF2B5EF4-FFF2-40B4-BE49-F238E27FC236}">
+                <a16:creationId xmlns:a16="http://schemas.microsoft.com/office/drawing/2014/main" id="{796EA1A6-32BF-4C87-927C-F036683A763D}"/>
+              </a:ext>
+            </a:extLst>
+          </p:cNvPr>
+          <p:cNvSpPr txBox="1"/>
+          <p:nvPr/>
+        </p:nvSpPr>
+        <p:spPr>
+          <a:xfrm>
+            <a:off x="6106377" y="5122404"/>
+            <a:ext cx="1212282" cy="707886"/>
+          </a:xfrm>
+          <a:prstGeom prst="rect">
+            <a:avLst/>
+          </a:prstGeom>
+          <a:noFill/>
+        </p:spPr>
+        <p:txBody>
+          <a:bodyPr wrap="square" rtlCol="0">
+            <a:spAutoFit/>
+          </a:bodyPr>
+          <a:lstStyle/>
+          <a:p>
+            <a:r>
+              <a:rPr kumimoji="1" lang="en-US" altLang="ja-JP" sz="4000" b="1" dirty="0"/>
+              <a:t>0.99</a:t>
+            </a:r>
+            <a:endParaRPr kumimoji="1" lang="ja-JP" altLang="en-US" sz="4000" b="1" dirty="0"/>
+          </a:p>
+        </p:txBody>
+      </p:sp>
+      <p:cxnSp>
+        <p:nvCxnSpPr>
+          <p:cNvPr id="19" name="直線コネクタ 18">
+            <a:extLst>
+              <a:ext uri="{FF2B5EF4-FFF2-40B4-BE49-F238E27FC236}">
+                <a16:creationId xmlns:a16="http://schemas.microsoft.com/office/drawing/2014/main" id="{16047CC1-53B9-4261-9E83-8DB76BBE3A2F}"/>
+              </a:ext>
+            </a:extLst>
+          </p:cNvPr>
+          <p:cNvCxnSpPr/>
+          <p:nvPr/>
+        </p:nvCxnSpPr>
+        <p:spPr>
+          <a:xfrm>
+            <a:off x="5860931" y="6043543"/>
+            <a:ext cx="1788160" cy="0"/>
+          </a:xfrm>
+          <a:prstGeom prst="line">
+            <a:avLst/>
+          </a:prstGeom>
+          <a:ln w="57150">
+            <a:solidFill>
+              <a:schemeClr val="accent6">
+                <a:lumMod val="50000"/>
+              </a:schemeClr>
+            </a:solidFill>
+          </a:ln>
+        </p:spPr>
+        <p:style>
+          <a:lnRef idx="1">
+            <a:schemeClr val="accent1"/>
+          </a:lnRef>
+          <a:fillRef idx="0">
+            <a:schemeClr val="accent1"/>
+          </a:fillRef>
+          <a:effectRef idx="0">
+            <a:schemeClr val="accent1"/>
+          </a:effectRef>
+          <a:fontRef idx="minor">
+            <a:schemeClr val="tx1"/>
+          </a:fontRef>
+        </p:style>
+      </p:cxnSp>
+      <p:cxnSp>
+        <p:nvCxnSpPr>
+          <p:cNvPr id="21" name="直線コネクタ 20">
+            <a:extLst>
+              <a:ext uri="{FF2B5EF4-FFF2-40B4-BE49-F238E27FC236}">
+                <a16:creationId xmlns:a16="http://schemas.microsoft.com/office/drawing/2014/main" id="{8B4F6FB5-86E3-4622-B142-008CFADB828C}"/>
+              </a:ext>
+            </a:extLst>
+          </p:cNvPr>
+          <p:cNvCxnSpPr/>
+          <p:nvPr/>
+        </p:nvCxnSpPr>
+        <p:spPr>
+          <a:xfrm>
+            <a:off x="10298319" y="4880332"/>
+            <a:ext cx="1788160" cy="0"/>
+          </a:xfrm>
+          <a:prstGeom prst="line">
+            <a:avLst/>
+          </a:prstGeom>
+          <a:ln w="57150">
+            <a:solidFill>
+              <a:schemeClr val="accent6">
+                <a:lumMod val="50000"/>
+              </a:schemeClr>
+            </a:solidFill>
+          </a:ln>
+        </p:spPr>
+        <p:style>
+          <a:lnRef idx="1">
+            <a:schemeClr val="accent1"/>
+          </a:lnRef>
+          <a:fillRef idx="0">
+            <a:schemeClr val="accent1"/>
+          </a:fillRef>
+          <a:effectRef idx="0">
+            <a:schemeClr val="accent1"/>
+          </a:effectRef>
+          <a:fontRef idx="minor">
+            <a:schemeClr val="tx1"/>
+          </a:fontRef>
+        </p:style>
+      </p:cxnSp>
+      <p:sp>
+        <p:nvSpPr>
+          <p:cNvPr id="22" name="テキスト ボックス 21">
+            <a:extLst>
+              <a:ext uri="{FF2B5EF4-FFF2-40B4-BE49-F238E27FC236}">
+                <a16:creationId xmlns:a16="http://schemas.microsoft.com/office/drawing/2014/main" id="{DC8FCA3B-1BDB-4753-BDAD-648AA04A8269}"/>
+              </a:ext>
+            </a:extLst>
+          </p:cNvPr>
+          <p:cNvSpPr txBox="1"/>
+          <p:nvPr/>
+        </p:nvSpPr>
+        <p:spPr>
+          <a:xfrm>
+            <a:off x="8352201" y="5188445"/>
+            <a:ext cx="1212282" cy="707886"/>
+          </a:xfrm>
+          <a:prstGeom prst="rect">
+            <a:avLst/>
+          </a:prstGeom>
+          <a:noFill/>
+        </p:spPr>
+        <p:txBody>
+          <a:bodyPr wrap="square" rtlCol="0">
+            <a:spAutoFit/>
+          </a:bodyPr>
+          <a:lstStyle/>
+          <a:p>
+            <a:r>
+              <a:rPr kumimoji="1" lang="en-US" altLang="ja-JP" sz="4000" b="1" dirty="0"/>
+              <a:t>0.48</a:t>
+            </a:r>
+            <a:endParaRPr kumimoji="1" lang="ja-JP" altLang="en-US" sz="4000" b="1" dirty="0"/>
+          </a:p>
+        </p:txBody>
+      </p:sp>
+      <p:sp>
+        <p:nvSpPr>
+          <p:cNvPr id="23" name="テキスト ボックス 22">
+            <a:extLst>
+              <a:ext uri="{FF2B5EF4-FFF2-40B4-BE49-F238E27FC236}">
+                <a16:creationId xmlns:a16="http://schemas.microsoft.com/office/drawing/2014/main" id="{656DF483-C6CE-45F2-ADE9-32F22B3A7618}"/>
+              </a:ext>
+            </a:extLst>
+          </p:cNvPr>
+          <p:cNvSpPr txBox="1"/>
+          <p:nvPr/>
+        </p:nvSpPr>
+        <p:spPr>
+          <a:xfrm>
+            <a:off x="10691779" y="5122404"/>
+            <a:ext cx="1212282" cy="707886"/>
+          </a:xfrm>
+          <a:prstGeom prst="rect">
+            <a:avLst/>
+          </a:prstGeom>
+          <a:noFill/>
+        </p:spPr>
+        <p:txBody>
+          <a:bodyPr wrap="square" rtlCol="0">
+            <a:spAutoFit/>
+          </a:bodyPr>
+          <a:lstStyle/>
+          <a:p>
+            <a:r>
+              <a:rPr kumimoji="1" lang="en-US" altLang="ja-JP" sz="4000" b="1" dirty="0"/>
+              <a:t>0.12</a:t>
+            </a:r>
+            <a:endParaRPr kumimoji="1" lang="ja-JP" altLang="en-US" sz="4000" b="1" dirty="0"/>
+          </a:p>
+        </p:txBody>
+      </p:sp>
+      <p:sp>
+        <p:nvSpPr>
+          <p:cNvPr id="24" name="テキスト ボックス 23">
+            <a:extLst>
+              <a:ext uri="{FF2B5EF4-FFF2-40B4-BE49-F238E27FC236}">
+                <a16:creationId xmlns:a16="http://schemas.microsoft.com/office/drawing/2014/main" id="{520665A6-1EE2-4001-8095-8001586E2927}"/>
+              </a:ext>
+            </a:extLst>
+          </p:cNvPr>
+          <p:cNvSpPr txBox="1"/>
+          <p:nvPr/>
+        </p:nvSpPr>
+        <p:spPr>
+          <a:xfrm>
+            <a:off x="4944707" y="5122404"/>
+            <a:ext cx="1212282" cy="707886"/>
+          </a:xfrm>
+          <a:prstGeom prst="rect">
+            <a:avLst/>
+          </a:prstGeom>
+          <a:noFill/>
+        </p:spPr>
+        <p:txBody>
+          <a:bodyPr wrap="square" rtlCol="0">
+            <a:spAutoFit/>
+          </a:bodyPr>
+          <a:lstStyle/>
+          <a:p>
+            <a:r>
+              <a:rPr kumimoji="1" lang="ja-JP" altLang="en-US" sz="4000" b="1" dirty="0"/>
+              <a:t>猫</a:t>
+            </a:r>
+          </a:p>
+        </p:txBody>
+      </p:sp>
+      <p:sp>
+        <p:nvSpPr>
+          <p:cNvPr id="28" name="正方形/長方形 27">
+            <a:extLst>
+              <a:ext uri="{FF2B5EF4-FFF2-40B4-BE49-F238E27FC236}">
+                <a16:creationId xmlns:a16="http://schemas.microsoft.com/office/drawing/2014/main" id="{BB10D5F2-0CBD-4741-8288-233585F08170}"/>
+              </a:ext>
+            </a:extLst>
+          </p:cNvPr>
+          <p:cNvSpPr/>
+          <p:nvPr/>
+        </p:nvSpPr>
+        <p:spPr>
+          <a:xfrm>
+            <a:off x="131092" y="3806686"/>
+            <a:ext cx="3262433" cy="707886"/>
+          </a:xfrm>
+          <a:prstGeom prst="rect">
+            <a:avLst/>
+          </a:prstGeom>
+          <a:solidFill>
+            <a:schemeClr val="bg1"/>
+          </a:solidFill>
+          <a:ln w="57150">
+            <a:solidFill>
+              <a:schemeClr val="tx1"/>
+            </a:solidFill>
+          </a:ln>
+        </p:spPr>
+        <p:txBody>
+          <a:bodyPr wrap="none">
+            <a:spAutoFit/>
+          </a:bodyPr>
+          <a:lstStyle/>
+          <a:p>
+            <a:pPr algn="ctr"/>
+            <a:r>
+              <a:rPr lang="ja-JP" altLang="en-US" sz="4000" b="1" dirty="0"/>
+              <a:t>犬と猫が好き</a:t>
+            </a:r>
           </a:p>
         </p:txBody>
       </p:sp>
     </p:spTree>
     <p:extLst>
       <p:ext uri="{BB962C8B-B14F-4D97-AF65-F5344CB8AC3E}">
-        <p14:creationId xmlns:p14="http://schemas.microsoft.com/office/powerpoint/2010/main" val="2705134270"/>
+        <p14:creationId xmlns:p14="http://schemas.microsoft.com/office/powerpoint/2010/main" val="4026032064"/>
       </p:ext>
     </p:extLst>
   </p:cSld>
@@ -4789,7 +6001,7 @@
           <p:cNvPr id="2" name="タイトル 1">
             <a:extLst>
               <a:ext uri="{FF2B5EF4-FFF2-40B4-BE49-F238E27FC236}">
-                <a16:creationId xmlns:a16="http://schemas.microsoft.com/office/drawing/2014/main" id="{416FDF28-DE91-4559-964D-FBBF51F99738}"/>
+                <a16:creationId xmlns:a16="http://schemas.microsoft.com/office/drawing/2014/main" id="{FF68A6A1-7128-4CCD-A936-BF8B5C69CCD3}"/>
               </a:ext>
             </a:extLst>
           </p:cNvPr>
@@ -4806,8 +6018,8 @@
           <a:lstStyle/>
           <a:p>
             <a:r>
-              <a:rPr kumimoji="1" lang="en-US" altLang="ja-JP" dirty="0" err="1"/>
-              <a:t>OpenJtalk</a:t>
+              <a:rPr lang="ja-JP" altLang="en-US" dirty="0"/>
+              <a:t>トレーニングデータ</a:t>
             </a:r>
             <a:endParaRPr kumimoji="1" lang="ja-JP" altLang="en-US" dirty="0"/>
           </a:p>
@@ -4815,37 +6027,79 @@
       </p:sp>
       <p:sp>
         <p:nvSpPr>
-          <p:cNvPr id="3" name="コンテンツ プレースホルダー 2">
-            <a:extLst>
-              <a:ext uri="{FF2B5EF4-FFF2-40B4-BE49-F238E27FC236}">
-                <a16:creationId xmlns:a16="http://schemas.microsoft.com/office/drawing/2014/main" id="{7739CC25-5B0B-4F49-AA2A-71E2700494BC}"/>
-              </a:ext>
-            </a:extLst>
-          </p:cNvPr>
-          <p:cNvSpPr>
-            <a:spLocks noGrp="1"/>
-          </p:cNvSpPr>
+          <p:cNvPr id="6" name="テキスト ボックス 5">
+            <a:extLst>
+              <a:ext uri="{FF2B5EF4-FFF2-40B4-BE49-F238E27FC236}">
+                <a16:creationId xmlns:a16="http://schemas.microsoft.com/office/drawing/2014/main" id="{D2C282AC-573E-4E93-99C6-5772C266B913}"/>
+              </a:ext>
+            </a:extLst>
+          </p:cNvPr>
+          <p:cNvSpPr txBox="1"/>
+          <p:nvPr/>
+        </p:nvSpPr>
+        <p:spPr>
+          <a:xfrm>
+            <a:off x="1249680" y="1690688"/>
+            <a:ext cx="3180080" cy="369332"/>
+          </a:xfrm>
+          <a:prstGeom prst="rect">
+            <a:avLst/>
+          </a:prstGeom>
+          <a:noFill/>
+        </p:spPr>
+        <p:txBody>
+          <a:bodyPr wrap="square" rtlCol="0">
+            <a:spAutoFit/>
+          </a:bodyPr>
+          <a:lstStyle/>
+          <a:p>
+            <a:r>
+              <a:rPr lang="ja-JP" altLang="en-US" dirty="0"/>
+              <a:t>単語のみをピックアップ</a:t>
+            </a:r>
+            <a:endParaRPr kumimoji="1" lang="ja-JP" altLang="en-US" dirty="0"/>
+          </a:p>
+        </p:txBody>
+      </p:sp>
+      <p:pic>
+        <p:nvPicPr>
+          <p:cNvPr id="9" name="コンテンツ プレースホルダー 8">
+            <a:extLst>
+              <a:ext uri="{FF2B5EF4-FFF2-40B4-BE49-F238E27FC236}">
+                <a16:creationId xmlns:a16="http://schemas.microsoft.com/office/drawing/2014/main" id="{095E7271-AD2C-44FF-A748-DBF81AAEAA5F}"/>
+              </a:ext>
+            </a:extLst>
+          </p:cNvPr>
+          <p:cNvPicPr>
+            <a:picLocks noGrp="1" noChangeAspect="1"/>
+          </p:cNvPicPr>
           <p:nvPr>
             <p:ph idx="1"/>
           </p:nvPr>
-        </p:nvSpPr>
-        <p:spPr/>
-        <p:txBody>
-          <a:bodyPr/>
-          <a:lstStyle/>
-          <a:p>
-            <a:r>
-              <a:rPr kumimoji="1" lang="ja-JP" altLang="en-US" dirty="0"/>
-              <a:t>作成・再生の分割</a:t>
-            </a:r>
-            <a:endParaRPr kumimoji="1" lang="en-US" altLang="ja-JP" dirty="0"/>
-          </a:p>
-        </p:txBody>
-      </p:sp>
+        </p:nvPicPr>
+        <p:blipFill>
+          <a:blip r:embed="rId3">
+            <a:extLst>
+              <a:ext uri="{28A0092B-C50C-407E-A947-70E740481C1C}">
+                <a14:useLocalDpi xmlns:a14="http://schemas.microsoft.com/office/drawing/2010/main" val="0"/>
+              </a:ext>
+            </a:extLst>
+          </a:blip>
+          <a:stretch>
+            <a:fillRect/>
+          </a:stretch>
+        </p:blipFill>
+        <p:spPr>
+          <a:xfrm>
+            <a:off x="838200" y="2211616"/>
+            <a:ext cx="10515600" cy="2380704"/>
+          </a:xfrm>
+        </p:spPr>
+      </p:pic>
     </p:spTree>
     <p:extLst>
       <p:ext uri="{BB962C8B-B14F-4D97-AF65-F5344CB8AC3E}">
-        <p14:creationId xmlns:p14="http://schemas.microsoft.com/office/powerpoint/2010/main" val="410217345"/>
+        <p14:creationId xmlns:p14="http://schemas.microsoft.com/office/powerpoint/2010/main" val="3432520539"/>
       </p:ext>
     </p:extLst>
   </p:cSld>
@@ -4877,7 +6131,7 @@
           <p:cNvPr id="2" name="タイトル 1">
             <a:extLst>
               <a:ext uri="{FF2B5EF4-FFF2-40B4-BE49-F238E27FC236}">
-                <a16:creationId xmlns:a16="http://schemas.microsoft.com/office/drawing/2014/main" id="{208E96DD-60EE-481E-BC80-125F1F007D39}"/>
+                <a16:creationId xmlns:a16="http://schemas.microsoft.com/office/drawing/2014/main" id="{546FE0B1-4BFF-4176-A1F1-239F5362B12B}"/>
               </a:ext>
             </a:extLst>
           </p:cNvPr>
@@ -4894,9 +6148,10 @@
           <a:lstStyle/>
           <a:p>
             <a:r>
-              <a:rPr kumimoji="1" lang="ja-JP" altLang="en-US" dirty="0"/>
-              <a:t>トラブルの対処</a:t>
-            </a:r>
+              <a:rPr kumimoji="1" lang="en-US" altLang="ja-JP" dirty="0" err="1"/>
+              <a:t>MeCab</a:t>
+            </a:r>
+            <a:endParaRPr kumimoji="1" lang="ja-JP" altLang="en-US" dirty="0"/>
           </a:p>
         </p:txBody>
       </p:sp>
@@ -4905,7 +6160,7 @@
           <p:cNvPr id="3" name="コンテンツ プレースホルダー 2">
             <a:extLst>
               <a:ext uri="{FF2B5EF4-FFF2-40B4-BE49-F238E27FC236}">
-                <a16:creationId xmlns:a16="http://schemas.microsoft.com/office/drawing/2014/main" id="{D4342974-17CB-4DEE-BC69-327BEC83B62D}"/>
+                <a16:creationId xmlns:a16="http://schemas.microsoft.com/office/drawing/2014/main" id="{023D6325-80DB-4671-A255-996F8E62847D}"/>
               </a:ext>
             </a:extLst>
           </p:cNvPr>
@@ -4921,38 +6176,14 @@
           <a:bodyPr/>
           <a:lstStyle/>
           <a:p>
-            <a:r>
-              <a:rPr kumimoji="1" lang="ja-JP" altLang="en-US" dirty="0"/>
-              <a:t>マイクミュート</a:t>
-            </a:r>
-            <a:endParaRPr kumimoji="1" lang="en-US" altLang="ja-JP" dirty="0"/>
-          </a:p>
-          <a:p>
-            <a:pPr lvl="1"/>
-            <a:r>
-              <a:rPr kumimoji="1" lang="ja-JP" altLang="en-US" dirty="0"/>
-              <a:t>シェルスクリプト見せる</a:t>
-            </a:r>
-            <a:endParaRPr kumimoji="1" lang="en-US" altLang="ja-JP" dirty="0"/>
-          </a:p>
-          <a:p>
-            <a:pPr lvl="0"/>
-            <a:r>
-              <a:rPr kumimoji="1" lang="en-US" altLang="ja-JP" dirty="0" err="1"/>
-              <a:t>Etc</a:t>
-            </a:r>
-            <a:r>
-              <a:rPr kumimoji="1" lang="ja-JP" altLang="en-US" dirty="0"/>
-              <a:t>レーン</a:t>
-            </a:r>
-            <a:endParaRPr kumimoji="1" lang="en-US" altLang="ja-JP" dirty="0"/>
+            <a:endParaRPr kumimoji="1" lang="ja-JP" altLang="en-US"/>
           </a:p>
         </p:txBody>
       </p:sp>
     </p:spTree>
     <p:extLst>
       <p:ext uri="{BB962C8B-B14F-4D97-AF65-F5344CB8AC3E}">
-        <p14:creationId xmlns:p14="http://schemas.microsoft.com/office/powerpoint/2010/main" val="2817091244"/>
+        <p14:creationId xmlns:p14="http://schemas.microsoft.com/office/powerpoint/2010/main" val="2503083791"/>
       </p:ext>
     </p:extLst>
   </p:cSld>
@@ -4984,7 +6215,7 @@
           <p:cNvPr id="2" name="タイトル 1">
             <a:extLst>
               <a:ext uri="{FF2B5EF4-FFF2-40B4-BE49-F238E27FC236}">
-                <a16:creationId xmlns:a16="http://schemas.microsoft.com/office/drawing/2014/main" id="{F24EB109-BC34-41EC-A9D0-C442E52A8779}"/>
+                <a16:creationId xmlns:a16="http://schemas.microsoft.com/office/drawing/2014/main" id="{0239366D-FD02-4D32-AA25-FA5687E2E9A8}"/>
               </a:ext>
             </a:extLst>
           </p:cNvPr>
@@ -5002,7 +6233,7 @@
           <a:p>
             <a:r>
               <a:rPr kumimoji="1" lang="ja-JP" altLang="en-US" dirty="0"/>
-              <a:t>デモンストレーション</a:t>
+              <a:t>データ取得</a:t>
             </a:r>
           </a:p>
         </p:txBody>
@@ -5012,7 +6243,7 @@
           <p:cNvPr id="3" name="コンテンツ プレースホルダー 2">
             <a:extLst>
               <a:ext uri="{FF2B5EF4-FFF2-40B4-BE49-F238E27FC236}">
-                <a16:creationId xmlns:a16="http://schemas.microsoft.com/office/drawing/2014/main" id="{69DE47EB-7D6D-49AB-9AD1-0A77390D212D}"/>
+                <a16:creationId xmlns:a16="http://schemas.microsoft.com/office/drawing/2014/main" id="{2714D079-74EA-42AF-9886-A31DAA6C24C9}"/>
               </a:ext>
             </a:extLst>
           </p:cNvPr>
@@ -5028,21 +6259,14 @@
           <a:bodyPr/>
           <a:lstStyle/>
           <a:p>
-            <a:r>
-              <a:rPr kumimoji="1" lang="en-US" altLang="ja-JP" dirty="0"/>
-              <a:t>YoSiE</a:t>
-            </a:r>
-            <a:r>
-              <a:rPr kumimoji="1" lang="ja-JP" altLang="en-US" dirty="0"/>
-              <a:t>の授業参観</a:t>
-            </a:r>
+            <a:endParaRPr kumimoji="1" lang="ja-JP" altLang="en-US"/>
           </a:p>
         </p:txBody>
       </p:sp>
     </p:spTree>
     <p:extLst>
       <p:ext uri="{BB962C8B-B14F-4D97-AF65-F5344CB8AC3E}">
-        <p14:creationId xmlns:p14="http://schemas.microsoft.com/office/powerpoint/2010/main" val="3683524359"/>
+        <p14:creationId xmlns:p14="http://schemas.microsoft.com/office/powerpoint/2010/main" val="2705134270"/>
       </p:ext>
     </p:extLst>
   </p:cSld>
@@ -5074,6 +6298,291 @@
           <p:cNvPr id="2" name="タイトル 1">
             <a:extLst>
               <a:ext uri="{FF2B5EF4-FFF2-40B4-BE49-F238E27FC236}">
+                <a16:creationId xmlns:a16="http://schemas.microsoft.com/office/drawing/2014/main" id="{416FDF28-DE91-4559-964D-FBBF51F99738}"/>
+              </a:ext>
+            </a:extLst>
+          </p:cNvPr>
+          <p:cNvSpPr>
+            <a:spLocks noGrp="1"/>
+          </p:cNvSpPr>
+          <p:nvPr>
+            <p:ph type="title"/>
+          </p:nvPr>
+        </p:nvSpPr>
+        <p:spPr/>
+        <p:txBody>
+          <a:bodyPr/>
+          <a:lstStyle/>
+          <a:p>
+            <a:r>
+              <a:rPr kumimoji="1" lang="en-US" altLang="ja-JP" dirty="0" err="1"/>
+              <a:t>OpenJtalk</a:t>
+            </a:r>
+            <a:endParaRPr kumimoji="1" lang="ja-JP" altLang="en-US" dirty="0"/>
+          </a:p>
+        </p:txBody>
+      </p:sp>
+      <p:sp>
+        <p:nvSpPr>
+          <p:cNvPr id="3" name="コンテンツ プレースホルダー 2">
+            <a:extLst>
+              <a:ext uri="{FF2B5EF4-FFF2-40B4-BE49-F238E27FC236}">
+                <a16:creationId xmlns:a16="http://schemas.microsoft.com/office/drawing/2014/main" id="{7739CC25-5B0B-4F49-AA2A-71E2700494BC}"/>
+              </a:ext>
+            </a:extLst>
+          </p:cNvPr>
+          <p:cNvSpPr>
+            <a:spLocks noGrp="1"/>
+          </p:cNvSpPr>
+          <p:nvPr>
+            <p:ph idx="1"/>
+          </p:nvPr>
+        </p:nvSpPr>
+        <p:spPr/>
+        <p:txBody>
+          <a:bodyPr/>
+          <a:lstStyle/>
+          <a:p>
+            <a:r>
+              <a:rPr kumimoji="1" lang="ja-JP" altLang="en-US" dirty="0"/>
+              <a:t>作成・再生の分割</a:t>
+            </a:r>
+            <a:endParaRPr kumimoji="1" lang="en-US" altLang="ja-JP" dirty="0"/>
+          </a:p>
+        </p:txBody>
+      </p:sp>
+    </p:spTree>
+    <p:extLst>
+      <p:ext uri="{BB962C8B-B14F-4D97-AF65-F5344CB8AC3E}">
+        <p14:creationId xmlns:p14="http://schemas.microsoft.com/office/powerpoint/2010/main" val="410217345"/>
+      </p:ext>
+    </p:extLst>
+  </p:cSld>
+  <p:clrMapOvr>
+    <a:masterClrMapping/>
+  </p:clrMapOvr>
+</p:sld>
+</file>
+
+<file path=ppt/slides/slide16.xml><?xml version="1.0" encoding="utf-8"?>
+<p:sld xmlns:a="http://schemas.openxmlformats.org/drawingml/2006/main" xmlns:r="http://schemas.openxmlformats.org/officeDocument/2006/relationships" xmlns:p="http://schemas.openxmlformats.org/presentationml/2006/main">
+  <p:cSld>
+    <p:spTree>
+      <p:nvGrpSpPr>
+        <p:cNvPr id="1" name=""/>
+        <p:cNvGrpSpPr/>
+        <p:nvPr/>
+      </p:nvGrpSpPr>
+      <p:grpSpPr>
+        <a:xfrm>
+          <a:off x="0" y="0"/>
+          <a:ext cx="0" cy="0"/>
+          <a:chOff x="0" y="0"/>
+          <a:chExt cx="0" cy="0"/>
+        </a:xfrm>
+      </p:grpSpPr>
+      <p:sp>
+        <p:nvSpPr>
+          <p:cNvPr id="2" name="タイトル 1">
+            <a:extLst>
+              <a:ext uri="{FF2B5EF4-FFF2-40B4-BE49-F238E27FC236}">
+                <a16:creationId xmlns:a16="http://schemas.microsoft.com/office/drawing/2014/main" id="{208E96DD-60EE-481E-BC80-125F1F007D39}"/>
+              </a:ext>
+            </a:extLst>
+          </p:cNvPr>
+          <p:cNvSpPr>
+            <a:spLocks noGrp="1"/>
+          </p:cNvSpPr>
+          <p:nvPr>
+            <p:ph type="title"/>
+          </p:nvPr>
+        </p:nvSpPr>
+        <p:spPr/>
+        <p:txBody>
+          <a:bodyPr/>
+          <a:lstStyle/>
+          <a:p>
+            <a:r>
+              <a:rPr kumimoji="1" lang="ja-JP" altLang="en-US" dirty="0"/>
+              <a:t>トラブルの対処</a:t>
+            </a:r>
+          </a:p>
+        </p:txBody>
+      </p:sp>
+      <p:sp>
+        <p:nvSpPr>
+          <p:cNvPr id="3" name="コンテンツ プレースホルダー 2">
+            <a:extLst>
+              <a:ext uri="{FF2B5EF4-FFF2-40B4-BE49-F238E27FC236}">
+                <a16:creationId xmlns:a16="http://schemas.microsoft.com/office/drawing/2014/main" id="{D4342974-17CB-4DEE-BC69-327BEC83B62D}"/>
+              </a:ext>
+            </a:extLst>
+          </p:cNvPr>
+          <p:cNvSpPr>
+            <a:spLocks noGrp="1"/>
+          </p:cNvSpPr>
+          <p:nvPr>
+            <p:ph idx="1"/>
+          </p:nvPr>
+        </p:nvSpPr>
+        <p:spPr/>
+        <p:txBody>
+          <a:bodyPr/>
+          <a:lstStyle/>
+          <a:p>
+            <a:r>
+              <a:rPr kumimoji="1" lang="ja-JP" altLang="en-US" dirty="0"/>
+              <a:t>マイクミュート</a:t>
+            </a:r>
+            <a:endParaRPr kumimoji="1" lang="en-US" altLang="ja-JP" dirty="0"/>
+          </a:p>
+          <a:p>
+            <a:pPr lvl="1"/>
+            <a:r>
+              <a:rPr kumimoji="1" lang="ja-JP" altLang="en-US" dirty="0"/>
+              <a:t>シェルスクリプト見せる</a:t>
+            </a:r>
+            <a:endParaRPr kumimoji="1" lang="en-US" altLang="ja-JP" dirty="0"/>
+          </a:p>
+          <a:p>
+            <a:pPr lvl="0"/>
+            <a:r>
+              <a:rPr kumimoji="1" lang="en-US" altLang="ja-JP" dirty="0" err="1"/>
+              <a:t>Etc</a:t>
+            </a:r>
+            <a:r>
+              <a:rPr kumimoji="1" lang="ja-JP" altLang="en-US" dirty="0"/>
+              <a:t>レーン</a:t>
+            </a:r>
+            <a:endParaRPr kumimoji="1" lang="en-US" altLang="ja-JP" dirty="0"/>
+          </a:p>
+        </p:txBody>
+      </p:sp>
+    </p:spTree>
+    <p:extLst>
+      <p:ext uri="{BB962C8B-B14F-4D97-AF65-F5344CB8AC3E}">
+        <p14:creationId xmlns:p14="http://schemas.microsoft.com/office/powerpoint/2010/main" val="2817091244"/>
+      </p:ext>
+    </p:extLst>
+  </p:cSld>
+  <p:clrMapOvr>
+    <a:masterClrMapping/>
+  </p:clrMapOvr>
+</p:sld>
+</file>
+
+<file path=ppt/slides/slide17.xml><?xml version="1.0" encoding="utf-8"?>
+<p:sld xmlns:a="http://schemas.openxmlformats.org/drawingml/2006/main" xmlns:r="http://schemas.openxmlformats.org/officeDocument/2006/relationships" xmlns:p="http://schemas.openxmlformats.org/presentationml/2006/main">
+  <p:cSld>
+    <p:spTree>
+      <p:nvGrpSpPr>
+        <p:cNvPr id="1" name=""/>
+        <p:cNvGrpSpPr/>
+        <p:nvPr/>
+      </p:nvGrpSpPr>
+      <p:grpSpPr>
+        <a:xfrm>
+          <a:off x="0" y="0"/>
+          <a:ext cx="0" cy="0"/>
+          <a:chOff x="0" y="0"/>
+          <a:chExt cx="0" cy="0"/>
+        </a:xfrm>
+      </p:grpSpPr>
+      <p:sp>
+        <p:nvSpPr>
+          <p:cNvPr id="2" name="タイトル 1">
+            <a:extLst>
+              <a:ext uri="{FF2B5EF4-FFF2-40B4-BE49-F238E27FC236}">
+                <a16:creationId xmlns:a16="http://schemas.microsoft.com/office/drawing/2014/main" id="{F24EB109-BC34-41EC-A9D0-C442E52A8779}"/>
+              </a:ext>
+            </a:extLst>
+          </p:cNvPr>
+          <p:cNvSpPr>
+            <a:spLocks noGrp="1"/>
+          </p:cNvSpPr>
+          <p:nvPr>
+            <p:ph type="title"/>
+          </p:nvPr>
+        </p:nvSpPr>
+        <p:spPr/>
+        <p:txBody>
+          <a:bodyPr/>
+          <a:lstStyle/>
+          <a:p>
+            <a:r>
+              <a:rPr kumimoji="1" lang="ja-JP" altLang="en-US" dirty="0"/>
+              <a:t>デモンストレーション</a:t>
+            </a:r>
+          </a:p>
+        </p:txBody>
+      </p:sp>
+      <p:sp>
+        <p:nvSpPr>
+          <p:cNvPr id="3" name="コンテンツ プレースホルダー 2">
+            <a:extLst>
+              <a:ext uri="{FF2B5EF4-FFF2-40B4-BE49-F238E27FC236}">
+                <a16:creationId xmlns:a16="http://schemas.microsoft.com/office/drawing/2014/main" id="{69DE47EB-7D6D-49AB-9AD1-0A77390D212D}"/>
+              </a:ext>
+            </a:extLst>
+          </p:cNvPr>
+          <p:cNvSpPr>
+            <a:spLocks noGrp="1"/>
+          </p:cNvSpPr>
+          <p:nvPr>
+            <p:ph idx="1"/>
+          </p:nvPr>
+        </p:nvSpPr>
+        <p:spPr/>
+        <p:txBody>
+          <a:bodyPr/>
+          <a:lstStyle/>
+          <a:p>
+            <a:r>
+              <a:rPr kumimoji="1" lang="en-US" altLang="ja-JP" dirty="0"/>
+              <a:t>YoSiE</a:t>
+            </a:r>
+            <a:r>
+              <a:rPr kumimoji="1" lang="ja-JP" altLang="en-US" dirty="0"/>
+              <a:t>の授業参観</a:t>
+            </a:r>
+          </a:p>
+        </p:txBody>
+      </p:sp>
+    </p:spTree>
+    <p:extLst>
+      <p:ext uri="{BB962C8B-B14F-4D97-AF65-F5344CB8AC3E}">
+        <p14:creationId xmlns:p14="http://schemas.microsoft.com/office/powerpoint/2010/main" val="3683524359"/>
+      </p:ext>
+    </p:extLst>
+  </p:cSld>
+  <p:clrMapOvr>
+    <a:masterClrMapping/>
+  </p:clrMapOvr>
+</p:sld>
+</file>
+
+<file path=ppt/slides/slide18.xml><?xml version="1.0" encoding="utf-8"?>
+<p:sld xmlns:a="http://schemas.openxmlformats.org/drawingml/2006/main" xmlns:r="http://schemas.openxmlformats.org/officeDocument/2006/relationships" xmlns:p="http://schemas.openxmlformats.org/presentationml/2006/main">
+  <p:cSld>
+    <p:spTree>
+      <p:nvGrpSpPr>
+        <p:cNvPr id="1" name=""/>
+        <p:cNvGrpSpPr/>
+        <p:nvPr/>
+      </p:nvGrpSpPr>
+      <p:grpSpPr>
+        <a:xfrm>
+          <a:off x="0" y="0"/>
+          <a:ext cx="0" cy="0"/>
+          <a:chOff x="0" y="0"/>
+          <a:chExt cx="0" cy="0"/>
+        </a:xfrm>
+      </p:grpSpPr>
+      <p:sp>
+        <p:nvSpPr>
+          <p:cNvPr id="2" name="タイトル 1">
+            <a:extLst>
+              <a:ext uri="{FF2B5EF4-FFF2-40B4-BE49-F238E27FC236}">
                 <a16:creationId xmlns:a16="http://schemas.microsoft.com/office/drawing/2014/main" id="{B43B901B-C015-40EF-B4CD-3F5F25F44EC0}"/>
               </a:ext>
             </a:extLst>
@@ -5139,7 +6648,7 @@
 </p:sld>
 </file>
 
-<file path=ppt/slides/slide16.xml><?xml version="1.0" encoding="utf-8"?>
+<file path=ppt/slides/slide19.xml><?xml version="1.0" encoding="utf-8"?>
 <p:sld xmlns:a="http://schemas.openxmlformats.org/drawingml/2006/main" xmlns:r="http://schemas.openxmlformats.org/officeDocument/2006/relationships" xmlns:p="http://schemas.openxmlformats.org/presentationml/2006/main">
   <p:cSld>
     <p:spTree>
@@ -5848,7 +7357,12 @@
             <p:ph type="title"/>
           </p:nvPr>
         </p:nvSpPr>
-        <p:spPr/>
+        <p:spPr>
+          <a:xfrm>
+            <a:off x="1064883" y="256400"/>
+            <a:ext cx="10515600" cy="1325563"/>
+          </a:xfrm>
+        </p:spPr>
         <p:txBody>
           <a:bodyPr/>
           <a:lstStyle/>
@@ -5862,29 +7376,722 @@
       </p:sp>
       <p:sp>
         <p:nvSpPr>
-          <p:cNvPr id="3" name="コンテンツ プレースホルダー 2">
-            <a:extLst>
-              <a:ext uri="{FF2B5EF4-FFF2-40B4-BE49-F238E27FC236}">
-                <a16:creationId xmlns:a16="http://schemas.microsoft.com/office/drawing/2014/main" id="{B6B6A2C6-E821-404C-9429-4F30D1E7A255}"/>
-              </a:ext>
-            </a:extLst>
-          </p:cNvPr>
-          <p:cNvSpPr>
-            <a:spLocks noGrp="1"/>
-          </p:cNvSpPr>
-          <p:nvPr>
-            <p:ph idx="1"/>
-          </p:nvPr>
-        </p:nvSpPr>
-        <p:spPr/>
-        <p:txBody>
-          <a:bodyPr/>
-          <a:lstStyle/>
-          <a:p>
-            <a:r>
-              <a:rPr kumimoji="1" lang="ja-JP" altLang="en-US" dirty="0"/>
-              <a:t>前回の流用</a:t>
-            </a:r>
+          <p:cNvPr id="4" name="四角形: 角を丸くする 3">
+            <a:extLst>
+              <a:ext uri="{FF2B5EF4-FFF2-40B4-BE49-F238E27FC236}">
+                <a16:creationId xmlns:a16="http://schemas.microsoft.com/office/drawing/2014/main" id="{1CE21ED2-A856-4A83-B0E1-294BFD7DD0EE}"/>
+              </a:ext>
+            </a:extLst>
+          </p:cNvPr>
+          <p:cNvSpPr/>
+          <p:nvPr/>
+        </p:nvSpPr>
+        <p:spPr>
+          <a:xfrm>
+            <a:off x="8211477" y="1632445"/>
+            <a:ext cx="2930013" cy="4278400"/>
+          </a:xfrm>
+          <a:prstGeom prst="roundRect">
+            <a:avLst/>
+          </a:prstGeom>
+          <a:solidFill>
+            <a:schemeClr val="bg1"/>
+          </a:solidFill>
+          <a:ln w="57150">
+            <a:solidFill>
+              <a:schemeClr val="tx1"/>
+            </a:solidFill>
+          </a:ln>
+        </p:spPr>
+        <p:style>
+          <a:lnRef idx="2">
+            <a:schemeClr val="accent1">
+              <a:shade val="50000"/>
+            </a:schemeClr>
+          </a:lnRef>
+          <a:fillRef idx="1">
+            <a:schemeClr val="accent1"/>
+          </a:fillRef>
+          <a:effectRef idx="0">
+            <a:schemeClr val="accent1"/>
+          </a:effectRef>
+          <a:fontRef idx="minor">
+            <a:schemeClr val="lt1"/>
+          </a:fontRef>
+        </p:style>
+        <p:txBody>
+          <a:bodyPr rtlCol="0" anchor="ctr"/>
+          <a:lstStyle/>
+          <a:p>
+            <a:pPr algn="ctr"/>
+            <a:endParaRPr kumimoji="1" lang="ja-JP" altLang="en-US"/>
+          </a:p>
+        </p:txBody>
+      </p:sp>
+      <p:sp>
+        <p:nvSpPr>
+          <p:cNvPr id="5" name="矢印: 右 4">
+            <a:extLst>
+              <a:ext uri="{FF2B5EF4-FFF2-40B4-BE49-F238E27FC236}">
+                <a16:creationId xmlns:a16="http://schemas.microsoft.com/office/drawing/2014/main" id="{398B1E61-D02F-4339-AE9D-DAFA878E4677}"/>
+              </a:ext>
+            </a:extLst>
+          </p:cNvPr>
+          <p:cNvSpPr/>
+          <p:nvPr/>
+        </p:nvSpPr>
+        <p:spPr>
+          <a:xfrm>
+            <a:off x="4580347" y="3274344"/>
+            <a:ext cx="623696" cy="1106905"/>
+          </a:xfrm>
+          <a:prstGeom prst="rightArrow">
+            <a:avLst/>
+          </a:prstGeom>
+          <a:solidFill>
+            <a:srgbClr val="FF0000"/>
+          </a:solidFill>
+          <a:ln>
+            <a:solidFill>
+              <a:schemeClr val="tx1"/>
+            </a:solidFill>
+          </a:ln>
+        </p:spPr>
+        <p:style>
+          <a:lnRef idx="2">
+            <a:schemeClr val="accent1">
+              <a:shade val="50000"/>
+            </a:schemeClr>
+          </a:lnRef>
+          <a:fillRef idx="1">
+            <a:schemeClr val="accent1"/>
+          </a:fillRef>
+          <a:effectRef idx="0">
+            <a:schemeClr val="accent1"/>
+          </a:effectRef>
+          <a:fontRef idx="minor">
+            <a:schemeClr val="lt1"/>
+          </a:fontRef>
+        </p:style>
+        <p:txBody>
+          <a:bodyPr rtlCol="0" anchor="ctr"/>
+          <a:lstStyle/>
+          <a:p>
+            <a:pPr algn="ctr"/>
+            <a:endParaRPr kumimoji="1" lang="ja-JP" altLang="en-US">
+              <a:solidFill>
+                <a:srgbClr val="FF0000"/>
+              </a:solidFill>
+            </a:endParaRPr>
+          </a:p>
+        </p:txBody>
+      </p:sp>
+      <p:sp>
+        <p:nvSpPr>
+          <p:cNvPr id="6" name="正方形/長方形 5">
+            <a:extLst>
+              <a:ext uri="{FF2B5EF4-FFF2-40B4-BE49-F238E27FC236}">
+                <a16:creationId xmlns:a16="http://schemas.microsoft.com/office/drawing/2014/main" id="{43893570-9DDF-4732-91A5-A78F0DE9F338}"/>
+              </a:ext>
+            </a:extLst>
+          </p:cNvPr>
+          <p:cNvSpPr/>
+          <p:nvPr/>
+        </p:nvSpPr>
+        <p:spPr>
+          <a:xfrm>
+            <a:off x="9213815" y="2023546"/>
+            <a:ext cx="1639152" cy="723884"/>
+          </a:xfrm>
+          <a:prstGeom prst="rect">
+            <a:avLst/>
+          </a:prstGeom>
+          <a:solidFill>
+            <a:schemeClr val="accent6">
+              <a:lumMod val="75000"/>
+            </a:schemeClr>
+          </a:solidFill>
+          <a:ln w="19050">
+            <a:solidFill>
+              <a:schemeClr val="tx1"/>
+            </a:solidFill>
+          </a:ln>
+          <a:effectLst/>
+        </p:spPr>
+        <p:style>
+          <a:lnRef idx="2">
+            <a:schemeClr val="accent2"/>
+          </a:lnRef>
+          <a:fillRef idx="1">
+            <a:schemeClr val="lt1"/>
+          </a:fillRef>
+          <a:effectRef idx="0">
+            <a:schemeClr val="accent2"/>
+          </a:effectRef>
+          <a:fontRef idx="minor">
+            <a:schemeClr val="dk1"/>
+          </a:fontRef>
+        </p:style>
+        <p:txBody>
+          <a:bodyPr rtlCol="0" anchor="ctr"/>
+          <a:lstStyle/>
+          <a:p>
+            <a:pPr algn="ctr"/>
+            <a:r>
+              <a:rPr kumimoji="1" lang="ja-JP" altLang="en-US" sz="2800" b="1" dirty="0">
+                <a:solidFill>
+                  <a:schemeClr val="bg1"/>
+                </a:solidFill>
+              </a:rPr>
+              <a:t>動物</a:t>
+            </a:r>
+          </a:p>
+        </p:txBody>
+      </p:sp>
+      <p:sp>
+        <p:nvSpPr>
+          <p:cNvPr id="7" name="正方形/長方形 6">
+            <a:extLst>
+              <a:ext uri="{FF2B5EF4-FFF2-40B4-BE49-F238E27FC236}">
+                <a16:creationId xmlns:a16="http://schemas.microsoft.com/office/drawing/2014/main" id="{2DAA47D9-2662-49E8-9BB8-3192B601101A}"/>
+              </a:ext>
+            </a:extLst>
+          </p:cNvPr>
+          <p:cNvSpPr/>
+          <p:nvPr/>
+        </p:nvSpPr>
+        <p:spPr>
+          <a:xfrm>
+            <a:off x="9213815" y="4795859"/>
+            <a:ext cx="1639152" cy="723884"/>
+          </a:xfrm>
+          <a:prstGeom prst="rect">
+            <a:avLst/>
+          </a:prstGeom>
+          <a:solidFill>
+            <a:schemeClr val="accent6">
+              <a:lumMod val="75000"/>
+            </a:schemeClr>
+          </a:solidFill>
+          <a:ln w="19050">
+            <a:solidFill>
+              <a:schemeClr val="tx1"/>
+            </a:solidFill>
+          </a:ln>
+          <a:effectLst/>
+        </p:spPr>
+        <p:style>
+          <a:lnRef idx="2">
+            <a:schemeClr val="accent2"/>
+          </a:lnRef>
+          <a:fillRef idx="1">
+            <a:schemeClr val="lt1"/>
+          </a:fillRef>
+          <a:effectRef idx="0">
+            <a:schemeClr val="accent2"/>
+          </a:effectRef>
+          <a:fontRef idx="minor">
+            <a:schemeClr val="dk1"/>
+          </a:fontRef>
+        </p:style>
+        <p:txBody>
+          <a:bodyPr rtlCol="0" anchor="ctr"/>
+          <a:lstStyle/>
+          <a:p>
+            <a:pPr algn="ctr"/>
+            <a:r>
+              <a:rPr lang="ja-JP" altLang="en-US" sz="2800" b="1" dirty="0">
+                <a:solidFill>
+                  <a:schemeClr val="bg1"/>
+                </a:solidFill>
+              </a:rPr>
+              <a:t>経済</a:t>
+            </a:r>
+            <a:endParaRPr kumimoji="1" lang="ja-JP" altLang="en-US" sz="2800" b="1" dirty="0">
+              <a:solidFill>
+                <a:schemeClr val="bg1"/>
+              </a:solidFill>
+            </a:endParaRPr>
+          </a:p>
+        </p:txBody>
+      </p:sp>
+      <p:sp>
+        <p:nvSpPr>
+          <p:cNvPr id="8" name="正方形/長方形 7">
+            <a:extLst>
+              <a:ext uri="{FF2B5EF4-FFF2-40B4-BE49-F238E27FC236}">
+                <a16:creationId xmlns:a16="http://schemas.microsoft.com/office/drawing/2014/main" id="{E5888A83-501F-49BC-B453-24475FCBCADB}"/>
+              </a:ext>
+            </a:extLst>
+          </p:cNvPr>
+          <p:cNvSpPr/>
+          <p:nvPr/>
+        </p:nvSpPr>
+        <p:spPr>
+          <a:xfrm>
+            <a:off x="9214591" y="3369453"/>
+            <a:ext cx="1639152" cy="723884"/>
+          </a:xfrm>
+          <a:prstGeom prst="rect">
+            <a:avLst/>
+          </a:prstGeom>
+          <a:solidFill>
+            <a:schemeClr val="accent6">
+              <a:lumMod val="75000"/>
+            </a:schemeClr>
+          </a:solidFill>
+          <a:ln w="19050">
+            <a:solidFill>
+              <a:schemeClr val="tx1"/>
+            </a:solidFill>
+          </a:ln>
+          <a:effectLst/>
+        </p:spPr>
+        <p:style>
+          <a:lnRef idx="2">
+            <a:schemeClr val="accent2"/>
+          </a:lnRef>
+          <a:fillRef idx="1">
+            <a:schemeClr val="lt1"/>
+          </a:fillRef>
+          <a:effectRef idx="0">
+            <a:schemeClr val="accent2"/>
+          </a:effectRef>
+          <a:fontRef idx="minor">
+            <a:schemeClr val="dk1"/>
+          </a:fontRef>
+        </p:style>
+        <p:txBody>
+          <a:bodyPr rtlCol="0" anchor="ctr"/>
+          <a:lstStyle/>
+          <a:p>
+            <a:pPr algn="ctr"/>
+            <a:r>
+              <a:rPr kumimoji="1" lang="ja-JP" altLang="en-US" sz="2800" b="1" dirty="0">
+                <a:solidFill>
+                  <a:schemeClr val="bg1"/>
+                </a:solidFill>
+              </a:rPr>
+              <a:t>スポーツ</a:t>
+            </a:r>
+          </a:p>
+        </p:txBody>
+      </p:sp>
+      <p:sp>
+        <p:nvSpPr>
+          <p:cNvPr id="9" name="テキスト ボックス 8">
+            <a:extLst>
+              <a:ext uri="{FF2B5EF4-FFF2-40B4-BE49-F238E27FC236}">
+                <a16:creationId xmlns:a16="http://schemas.microsoft.com/office/drawing/2014/main" id="{DA060166-9A87-4E09-B96C-3C817E252ECC}"/>
+              </a:ext>
+            </a:extLst>
+          </p:cNvPr>
+          <p:cNvSpPr txBox="1"/>
+          <p:nvPr/>
+        </p:nvSpPr>
+        <p:spPr>
+          <a:xfrm>
+            <a:off x="8261809" y="2141338"/>
+            <a:ext cx="1355712" cy="584775"/>
+          </a:xfrm>
+          <a:prstGeom prst="rect">
+            <a:avLst/>
+          </a:prstGeom>
+          <a:noFill/>
+        </p:spPr>
+        <p:txBody>
+          <a:bodyPr wrap="square" rtlCol="0">
+            <a:spAutoFit/>
+          </a:bodyPr>
+          <a:lstStyle/>
+          <a:p>
+            <a:r>
+              <a:rPr lang="en-US" altLang="ja-JP" sz="3200" b="1" dirty="0"/>
+              <a:t>74</a:t>
+            </a:r>
+            <a:r>
+              <a:rPr kumimoji="1" lang="ja-JP" altLang="en-US" sz="3200" b="1" dirty="0"/>
+              <a:t>％</a:t>
+            </a:r>
+            <a:endParaRPr kumimoji="1" lang="en-US" altLang="ja-JP" sz="3200" b="1" dirty="0"/>
+          </a:p>
+        </p:txBody>
+      </p:sp>
+      <p:sp>
+        <p:nvSpPr>
+          <p:cNvPr id="10" name="テキスト ボックス 9">
+            <a:extLst>
+              <a:ext uri="{FF2B5EF4-FFF2-40B4-BE49-F238E27FC236}">
+                <a16:creationId xmlns:a16="http://schemas.microsoft.com/office/drawing/2014/main" id="{6A182953-4C95-4950-B7C1-D7876F657BF4}"/>
+              </a:ext>
+            </a:extLst>
+          </p:cNvPr>
+          <p:cNvSpPr txBox="1"/>
+          <p:nvPr/>
+        </p:nvSpPr>
+        <p:spPr>
+          <a:xfrm>
+            <a:off x="8292939" y="3488263"/>
+            <a:ext cx="1221470" cy="523220"/>
+          </a:xfrm>
+          <a:prstGeom prst="rect">
+            <a:avLst/>
+          </a:prstGeom>
+          <a:noFill/>
+        </p:spPr>
+        <p:txBody>
+          <a:bodyPr wrap="square" rtlCol="0">
+            <a:spAutoFit/>
+          </a:bodyPr>
+          <a:lstStyle/>
+          <a:p>
+            <a:r>
+              <a:rPr kumimoji="1" lang="en-US" altLang="ja-JP" sz="2800" b="1" dirty="0"/>
+              <a:t>14</a:t>
+            </a:r>
+            <a:r>
+              <a:rPr kumimoji="1" lang="ja-JP" altLang="en-US" sz="2800" b="1" dirty="0"/>
+              <a:t>％</a:t>
+            </a:r>
+            <a:endParaRPr kumimoji="1" lang="en-US" altLang="ja-JP" sz="2800" b="1" dirty="0"/>
+          </a:p>
+        </p:txBody>
+      </p:sp>
+      <p:sp>
+        <p:nvSpPr>
+          <p:cNvPr id="11" name="テキスト ボックス 10">
+            <a:extLst>
+              <a:ext uri="{FF2B5EF4-FFF2-40B4-BE49-F238E27FC236}">
+                <a16:creationId xmlns:a16="http://schemas.microsoft.com/office/drawing/2014/main" id="{6A4A6BA3-5DEA-4707-A2AD-B6F975186E4E}"/>
+              </a:ext>
+            </a:extLst>
+          </p:cNvPr>
+          <p:cNvSpPr txBox="1"/>
+          <p:nvPr/>
+        </p:nvSpPr>
+        <p:spPr>
+          <a:xfrm>
+            <a:off x="8292939" y="4930366"/>
+            <a:ext cx="1221470" cy="523220"/>
+          </a:xfrm>
+          <a:prstGeom prst="rect">
+            <a:avLst/>
+          </a:prstGeom>
+          <a:noFill/>
+        </p:spPr>
+        <p:txBody>
+          <a:bodyPr wrap="square" rtlCol="0">
+            <a:spAutoFit/>
+          </a:bodyPr>
+          <a:lstStyle/>
+          <a:p>
+            <a:r>
+              <a:rPr lang="en-US" altLang="ja-JP" sz="2800" b="1" dirty="0"/>
+              <a:t>12</a:t>
+            </a:r>
+            <a:r>
+              <a:rPr kumimoji="1" lang="ja-JP" altLang="en-US" sz="2800" b="1" dirty="0"/>
+              <a:t>％</a:t>
+            </a:r>
+            <a:endParaRPr kumimoji="1" lang="en-US" altLang="ja-JP" sz="2800" b="1" dirty="0"/>
+          </a:p>
+        </p:txBody>
+      </p:sp>
+      <p:sp>
+        <p:nvSpPr>
+          <p:cNvPr id="12" name="楕円 11">
+            <a:extLst>
+              <a:ext uri="{FF2B5EF4-FFF2-40B4-BE49-F238E27FC236}">
+                <a16:creationId xmlns:a16="http://schemas.microsoft.com/office/drawing/2014/main" id="{091CD439-B376-4770-ACE5-D0313AA16066}"/>
+              </a:ext>
+            </a:extLst>
+          </p:cNvPr>
+          <p:cNvSpPr/>
+          <p:nvPr/>
+        </p:nvSpPr>
+        <p:spPr>
+          <a:xfrm>
+            <a:off x="8211477" y="1558518"/>
+            <a:ext cx="2915640" cy="1709972"/>
+          </a:xfrm>
+          <a:prstGeom prst="ellipse">
+            <a:avLst/>
+          </a:prstGeom>
+          <a:noFill/>
+          <a:ln w="76200">
+            <a:solidFill>
+              <a:srgbClr val="FF0000"/>
+            </a:solidFill>
+          </a:ln>
+        </p:spPr>
+        <p:style>
+          <a:lnRef idx="2">
+            <a:schemeClr val="accent1">
+              <a:shade val="50000"/>
+            </a:schemeClr>
+          </a:lnRef>
+          <a:fillRef idx="1">
+            <a:schemeClr val="accent1"/>
+          </a:fillRef>
+          <a:effectRef idx="0">
+            <a:schemeClr val="accent1"/>
+          </a:effectRef>
+          <a:fontRef idx="minor">
+            <a:schemeClr val="lt1"/>
+          </a:fontRef>
+        </p:style>
+        <p:txBody>
+          <a:bodyPr rtlCol="0" anchor="ctr"/>
+          <a:lstStyle/>
+          <a:p>
+            <a:pPr algn="ctr"/>
+            <a:endParaRPr kumimoji="1" lang="ja-JP" altLang="en-US"/>
+          </a:p>
+        </p:txBody>
+      </p:sp>
+      <p:sp>
+        <p:nvSpPr>
+          <p:cNvPr id="13" name="四角形: 角を丸くする 12">
+            <a:extLst>
+              <a:ext uri="{FF2B5EF4-FFF2-40B4-BE49-F238E27FC236}">
+                <a16:creationId xmlns:a16="http://schemas.microsoft.com/office/drawing/2014/main" id="{40A1E3CB-FCB8-4AF6-B46A-7DC43FB3E697}"/>
+              </a:ext>
+            </a:extLst>
+          </p:cNvPr>
+          <p:cNvSpPr/>
+          <p:nvPr/>
+        </p:nvSpPr>
+        <p:spPr>
+          <a:xfrm>
+            <a:off x="1831689" y="2448894"/>
+            <a:ext cx="2660548" cy="581721"/>
+          </a:xfrm>
+          <a:prstGeom prst="roundRect">
+            <a:avLst/>
+          </a:prstGeom>
+          <a:solidFill>
+            <a:schemeClr val="bg1"/>
+          </a:solidFill>
+          <a:ln>
+            <a:solidFill>
+              <a:schemeClr val="tx1"/>
+            </a:solidFill>
+          </a:ln>
+        </p:spPr>
+        <p:style>
+          <a:lnRef idx="2">
+            <a:schemeClr val="accent1">
+              <a:shade val="50000"/>
+            </a:schemeClr>
+          </a:lnRef>
+          <a:fillRef idx="1">
+            <a:schemeClr val="accent1"/>
+          </a:fillRef>
+          <a:effectRef idx="0">
+            <a:schemeClr val="accent1"/>
+          </a:effectRef>
+          <a:fontRef idx="minor">
+            <a:schemeClr val="lt1"/>
+          </a:fontRef>
+        </p:style>
+        <p:txBody>
+          <a:bodyPr rtlCol="0" anchor="ctr"/>
+          <a:lstStyle/>
+          <a:p>
+            <a:pPr algn="ctr"/>
+            <a:r>
+              <a:rPr lang="ja-JP" altLang="en-US" sz="2400" b="1" dirty="0">
+                <a:solidFill>
+                  <a:schemeClr val="accent6">
+                    <a:lumMod val="75000"/>
+                  </a:schemeClr>
+                </a:solidFill>
+              </a:rPr>
+              <a:t>予測したい文章</a:t>
+            </a:r>
+            <a:endParaRPr lang="en-US" altLang="ja-JP" sz="2400" b="1" dirty="0">
+              <a:solidFill>
+                <a:schemeClr val="accent6">
+                  <a:lumMod val="75000"/>
+                </a:schemeClr>
+              </a:solidFill>
+            </a:endParaRPr>
+          </a:p>
+        </p:txBody>
+      </p:sp>
+      <p:sp>
+        <p:nvSpPr>
+          <p:cNvPr id="14" name="四角形: 角を丸くする 13">
+            <a:extLst>
+              <a:ext uri="{FF2B5EF4-FFF2-40B4-BE49-F238E27FC236}">
+                <a16:creationId xmlns:a16="http://schemas.microsoft.com/office/drawing/2014/main" id="{A6ECA9CC-2438-4F07-8FEF-F3B519E14B22}"/>
+              </a:ext>
+            </a:extLst>
+          </p:cNvPr>
+          <p:cNvSpPr/>
+          <p:nvPr/>
+        </p:nvSpPr>
+        <p:spPr>
+          <a:xfrm>
+            <a:off x="1831689" y="3030615"/>
+            <a:ext cx="2660548" cy="1594366"/>
+          </a:xfrm>
+          <a:prstGeom prst="roundRect">
+            <a:avLst/>
+          </a:prstGeom>
+          <a:solidFill>
+            <a:schemeClr val="accent6">
+              <a:lumMod val="75000"/>
+            </a:schemeClr>
+          </a:solidFill>
+          <a:ln>
+            <a:solidFill>
+              <a:schemeClr val="tx1"/>
+            </a:solidFill>
+          </a:ln>
+        </p:spPr>
+        <p:style>
+          <a:lnRef idx="2">
+            <a:schemeClr val="accent1">
+              <a:shade val="50000"/>
+            </a:schemeClr>
+          </a:lnRef>
+          <a:fillRef idx="1">
+            <a:schemeClr val="accent1"/>
+          </a:fillRef>
+          <a:effectRef idx="0">
+            <a:schemeClr val="accent1"/>
+          </a:effectRef>
+          <a:fontRef idx="minor">
+            <a:schemeClr val="lt1"/>
+          </a:fontRef>
+        </p:style>
+        <p:txBody>
+          <a:bodyPr rtlCol="0" anchor="ctr"/>
+          <a:lstStyle/>
+          <a:p>
+            <a:pPr algn="ctr"/>
+            <a:r>
+              <a:rPr lang="ja-JP" altLang="en-US" sz="2800" b="1" dirty="0"/>
+              <a:t>犬と猫が好き</a:t>
+            </a:r>
+          </a:p>
+        </p:txBody>
+      </p:sp>
+      <p:sp>
+        <p:nvSpPr>
+          <p:cNvPr id="15" name="四角形: 角を丸くする 14">
+            <a:extLst>
+              <a:ext uri="{FF2B5EF4-FFF2-40B4-BE49-F238E27FC236}">
+                <a16:creationId xmlns:a16="http://schemas.microsoft.com/office/drawing/2014/main" id="{A4BDD202-A858-4936-8036-BD130C999D30}"/>
+              </a:ext>
+            </a:extLst>
+          </p:cNvPr>
+          <p:cNvSpPr/>
+          <p:nvPr/>
+        </p:nvSpPr>
+        <p:spPr>
+          <a:xfrm>
+            <a:off x="5292153" y="3030614"/>
+            <a:ext cx="2131258" cy="1594366"/>
+          </a:xfrm>
+          <a:prstGeom prst="roundRect">
+            <a:avLst/>
+          </a:prstGeom>
+          <a:solidFill>
+            <a:schemeClr val="accent6">
+              <a:lumMod val="75000"/>
+            </a:schemeClr>
+          </a:solidFill>
+          <a:ln>
+            <a:solidFill>
+              <a:schemeClr val="tx1"/>
+            </a:solidFill>
+          </a:ln>
+        </p:spPr>
+        <p:style>
+          <a:lnRef idx="2">
+            <a:schemeClr val="accent1">
+              <a:shade val="50000"/>
+            </a:schemeClr>
+          </a:lnRef>
+          <a:fillRef idx="1">
+            <a:schemeClr val="accent1"/>
+          </a:fillRef>
+          <a:effectRef idx="0">
+            <a:schemeClr val="accent1"/>
+          </a:effectRef>
+          <a:fontRef idx="minor">
+            <a:schemeClr val="lt1"/>
+          </a:fontRef>
+        </p:style>
+        <p:txBody>
+          <a:bodyPr rtlCol="0" anchor="ctr"/>
+          <a:lstStyle/>
+          <a:p>
+            <a:pPr algn="ctr"/>
+            <a:r>
+              <a:rPr lang="ja-JP" altLang="en-US" sz="2800" b="1" dirty="0"/>
+              <a:t>確率を計算</a:t>
+            </a:r>
+          </a:p>
+        </p:txBody>
+      </p:sp>
+      <p:sp>
+        <p:nvSpPr>
+          <p:cNvPr id="16" name="矢印: 右 15">
+            <a:extLst>
+              <a:ext uri="{FF2B5EF4-FFF2-40B4-BE49-F238E27FC236}">
+                <a16:creationId xmlns:a16="http://schemas.microsoft.com/office/drawing/2014/main" id="{3631F3A3-7066-4B4F-B58B-6D346A0E24AB}"/>
+              </a:ext>
+            </a:extLst>
+          </p:cNvPr>
+          <p:cNvSpPr/>
+          <p:nvPr/>
+        </p:nvSpPr>
+        <p:spPr>
+          <a:xfrm>
+            <a:off x="7555819" y="3268490"/>
+            <a:ext cx="623696" cy="1106905"/>
+          </a:xfrm>
+          <a:prstGeom prst="rightArrow">
+            <a:avLst/>
+          </a:prstGeom>
+          <a:solidFill>
+            <a:srgbClr val="FF0000"/>
+          </a:solidFill>
+          <a:ln>
+            <a:solidFill>
+              <a:schemeClr val="tx1"/>
+            </a:solidFill>
+          </a:ln>
+        </p:spPr>
+        <p:style>
+          <a:lnRef idx="2">
+            <a:schemeClr val="accent1">
+              <a:shade val="50000"/>
+            </a:schemeClr>
+          </a:lnRef>
+          <a:fillRef idx="1">
+            <a:schemeClr val="accent1"/>
+          </a:fillRef>
+          <a:effectRef idx="0">
+            <a:schemeClr val="accent1"/>
+          </a:effectRef>
+          <a:fontRef idx="minor">
+            <a:schemeClr val="lt1"/>
+          </a:fontRef>
+        </p:style>
+        <p:txBody>
+          <a:bodyPr rtlCol="0" anchor="ctr"/>
+          <a:lstStyle/>
+          <a:p>
+            <a:pPr algn="ctr"/>
+            <a:endParaRPr kumimoji="1" lang="ja-JP" altLang="en-US">
+              <a:solidFill>
+                <a:srgbClr val="FF0000"/>
+              </a:solidFill>
+            </a:endParaRPr>
           </a:p>
         </p:txBody>
       </p:sp>
@@ -5898,6 +8105,431 @@
   <p:clrMapOvr>
     <a:masterClrMapping/>
   </p:clrMapOvr>
+  <p:timing>
+    <p:tnLst>
+      <p:par>
+        <p:cTn id="1" dur="indefinite" restart="never" nodeType="tmRoot">
+          <p:childTnLst>
+            <p:seq concurrent="1" nextAc="seek">
+              <p:cTn id="2" dur="indefinite" nodeType="mainSeq">
+                <p:childTnLst>
+                  <p:par>
+                    <p:cTn id="3" fill="hold">
+                      <p:stCondLst>
+                        <p:cond delay="indefinite"/>
+                      </p:stCondLst>
+                      <p:childTnLst>
+                        <p:par>
+                          <p:cTn id="4" fill="hold">
+                            <p:stCondLst>
+                              <p:cond delay="0"/>
+                            </p:stCondLst>
+                            <p:childTnLst>
+                              <p:par>
+                                <p:cTn id="5" presetID="6" presetClass="emph" presetSubtype="0" autoRev="1" fill="hold" grpId="0" nodeType="clickEffect">
+                                  <p:stCondLst>
+                                    <p:cond delay="0"/>
+                                  </p:stCondLst>
+                                  <p:childTnLst>
+                                    <p:animScale>
+                                      <p:cBhvr>
+                                        <p:cTn id="6" dur="250" fill="hold"/>
+                                        <p:tgtEl>
+                                          <p:spTgt spid="6"/>
+                                        </p:tgtEl>
+                                      </p:cBhvr>
+                                      <p:by x="150000" y="150000"/>
+                                    </p:animScale>
+                                  </p:childTnLst>
+                                </p:cTn>
+                              </p:par>
+                              <p:par>
+                                <p:cTn id="7" presetID="6" presetClass="emph" presetSubtype="0" autoRev="1" fill="hold" grpId="0" nodeType="withEffect">
+                                  <p:stCondLst>
+                                    <p:cond delay="0"/>
+                                  </p:stCondLst>
+                                  <p:childTnLst>
+                                    <p:animScale>
+                                      <p:cBhvr>
+                                        <p:cTn id="8" dur="250" fill="hold"/>
+                                        <p:tgtEl>
+                                          <p:spTgt spid="8"/>
+                                        </p:tgtEl>
+                                      </p:cBhvr>
+                                      <p:by x="150000" y="150000"/>
+                                    </p:animScale>
+                                  </p:childTnLst>
+                                </p:cTn>
+                              </p:par>
+                              <p:par>
+                                <p:cTn id="9" presetID="6" presetClass="emph" presetSubtype="0" autoRev="1" fill="hold" grpId="0" nodeType="withEffect">
+                                  <p:stCondLst>
+                                    <p:cond delay="0"/>
+                                  </p:stCondLst>
+                                  <p:childTnLst>
+                                    <p:animScale>
+                                      <p:cBhvr>
+                                        <p:cTn id="10" dur="250" fill="hold"/>
+                                        <p:tgtEl>
+                                          <p:spTgt spid="7"/>
+                                        </p:tgtEl>
+                                      </p:cBhvr>
+                                      <p:by x="150000" y="150000"/>
+                                    </p:animScale>
+                                  </p:childTnLst>
+                                </p:cTn>
+                              </p:par>
+                            </p:childTnLst>
+                          </p:cTn>
+                        </p:par>
+                      </p:childTnLst>
+                    </p:cTn>
+                  </p:par>
+                  <p:par>
+                    <p:cTn id="11" fill="hold">
+                      <p:stCondLst>
+                        <p:cond delay="indefinite"/>
+                      </p:stCondLst>
+                      <p:childTnLst>
+                        <p:par>
+                          <p:cTn id="12" fill="hold">
+                            <p:stCondLst>
+                              <p:cond delay="0"/>
+                            </p:stCondLst>
+                            <p:childTnLst>
+                              <p:par>
+                                <p:cTn id="13" presetID="42" presetClass="entr" presetSubtype="0" fill="hold" grpId="0" nodeType="clickEffect">
+                                  <p:stCondLst>
+                                    <p:cond delay="0"/>
+                                  </p:stCondLst>
+                                  <p:childTnLst>
+                                    <p:set>
+                                      <p:cBhvr>
+                                        <p:cTn id="14" dur="1" fill="hold">
+                                          <p:stCondLst>
+                                            <p:cond delay="0"/>
+                                          </p:stCondLst>
+                                        </p:cTn>
+                                        <p:tgtEl>
+                                          <p:spTgt spid="9"/>
+                                        </p:tgtEl>
+                                        <p:attrNameLst>
+                                          <p:attrName>style.visibility</p:attrName>
+                                        </p:attrNameLst>
+                                      </p:cBhvr>
+                                      <p:to>
+                                        <p:strVal val="visible"/>
+                                      </p:to>
+                                    </p:set>
+                                    <p:animEffect transition="in" filter="fade">
+                                      <p:cBhvr>
+                                        <p:cTn id="15" dur="500"/>
+                                        <p:tgtEl>
+                                          <p:spTgt spid="9"/>
+                                        </p:tgtEl>
+                                      </p:cBhvr>
+                                    </p:animEffect>
+                                    <p:anim calcmode="lin" valueType="num">
+                                      <p:cBhvr>
+                                        <p:cTn id="16" dur="500" fill="hold"/>
+                                        <p:tgtEl>
+                                          <p:spTgt spid="9"/>
+                                        </p:tgtEl>
+                                        <p:attrNameLst>
+                                          <p:attrName>ppt_x</p:attrName>
+                                        </p:attrNameLst>
+                                      </p:cBhvr>
+                                      <p:tavLst>
+                                        <p:tav tm="0">
+                                          <p:val>
+                                            <p:strVal val="#ppt_x"/>
+                                          </p:val>
+                                        </p:tav>
+                                        <p:tav tm="100000">
+                                          <p:val>
+                                            <p:strVal val="#ppt_x"/>
+                                          </p:val>
+                                        </p:tav>
+                                      </p:tavLst>
+                                    </p:anim>
+                                    <p:anim calcmode="lin" valueType="num">
+                                      <p:cBhvr>
+                                        <p:cTn id="17" dur="500" fill="hold"/>
+                                        <p:tgtEl>
+                                          <p:spTgt spid="9"/>
+                                        </p:tgtEl>
+                                        <p:attrNameLst>
+                                          <p:attrName>ppt_y</p:attrName>
+                                        </p:attrNameLst>
+                                      </p:cBhvr>
+                                      <p:tavLst>
+                                        <p:tav tm="0">
+                                          <p:val>
+                                            <p:strVal val="#ppt_y+.1"/>
+                                          </p:val>
+                                        </p:tav>
+                                        <p:tav tm="100000">
+                                          <p:val>
+                                            <p:strVal val="#ppt_y"/>
+                                          </p:val>
+                                        </p:tav>
+                                      </p:tavLst>
+                                    </p:anim>
+                                  </p:childTnLst>
+                                </p:cTn>
+                              </p:par>
+                              <p:par>
+                                <p:cTn id="18" presetID="42" presetClass="entr" presetSubtype="0" fill="hold" grpId="0" nodeType="withEffect">
+                                  <p:stCondLst>
+                                    <p:cond delay="0"/>
+                                  </p:stCondLst>
+                                  <p:childTnLst>
+                                    <p:set>
+                                      <p:cBhvr>
+                                        <p:cTn id="19" dur="1" fill="hold">
+                                          <p:stCondLst>
+                                            <p:cond delay="0"/>
+                                          </p:stCondLst>
+                                        </p:cTn>
+                                        <p:tgtEl>
+                                          <p:spTgt spid="10"/>
+                                        </p:tgtEl>
+                                        <p:attrNameLst>
+                                          <p:attrName>style.visibility</p:attrName>
+                                        </p:attrNameLst>
+                                      </p:cBhvr>
+                                      <p:to>
+                                        <p:strVal val="visible"/>
+                                      </p:to>
+                                    </p:set>
+                                    <p:animEffect transition="in" filter="fade">
+                                      <p:cBhvr>
+                                        <p:cTn id="20" dur="500"/>
+                                        <p:tgtEl>
+                                          <p:spTgt spid="10"/>
+                                        </p:tgtEl>
+                                      </p:cBhvr>
+                                    </p:animEffect>
+                                    <p:anim calcmode="lin" valueType="num">
+                                      <p:cBhvr>
+                                        <p:cTn id="21" dur="500" fill="hold"/>
+                                        <p:tgtEl>
+                                          <p:spTgt spid="10"/>
+                                        </p:tgtEl>
+                                        <p:attrNameLst>
+                                          <p:attrName>ppt_x</p:attrName>
+                                        </p:attrNameLst>
+                                      </p:cBhvr>
+                                      <p:tavLst>
+                                        <p:tav tm="0">
+                                          <p:val>
+                                            <p:strVal val="#ppt_x"/>
+                                          </p:val>
+                                        </p:tav>
+                                        <p:tav tm="100000">
+                                          <p:val>
+                                            <p:strVal val="#ppt_x"/>
+                                          </p:val>
+                                        </p:tav>
+                                      </p:tavLst>
+                                    </p:anim>
+                                    <p:anim calcmode="lin" valueType="num">
+                                      <p:cBhvr>
+                                        <p:cTn id="22" dur="500" fill="hold"/>
+                                        <p:tgtEl>
+                                          <p:spTgt spid="10"/>
+                                        </p:tgtEl>
+                                        <p:attrNameLst>
+                                          <p:attrName>ppt_y</p:attrName>
+                                        </p:attrNameLst>
+                                      </p:cBhvr>
+                                      <p:tavLst>
+                                        <p:tav tm="0">
+                                          <p:val>
+                                            <p:strVal val="#ppt_y+.1"/>
+                                          </p:val>
+                                        </p:tav>
+                                        <p:tav tm="100000">
+                                          <p:val>
+                                            <p:strVal val="#ppt_y"/>
+                                          </p:val>
+                                        </p:tav>
+                                      </p:tavLst>
+                                    </p:anim>
+                                  </p:childTnLst>
+                                </p:cTn>
+                              </p:par>
+                              <p:par>
+                                <p:cTn id="23" presetID="42" presetClass="entr" presetSubtype="0" fill="hold" grpId="0" nodeType="withEffect">
+                                  <p:stCondLst>
+                                    <p:cond delay="0"/>
+                                  </p:stCondLst>
+                                  <p:childTnLst>
+                                    <p:set>
+                                      <p:cBhvr>
+                                        <p:cTn id="24" dur="1" fill="hold">
+                                          <p:stCondLst>
+                                            <p:cond delay="0"/>
+                                          </p:stCondLst>
+                                        </p:cTn>
+                                        <p:tgtEl>
+                                          <p:spTgt spid="11"/>
+                                        </p:tgtEl>
+                                        <p:attrNameLst>
+                                          <p:attrName>style.visibility</p:attrName>
+                                        </p:attrNameLst>
+                                      </p:cBhvr>
+                                      <p:to>
+                                        <p:strVal val="visible"/>
+                                      </p:to>
+                                    </p:set>
+                                    <p:animEffect transition="in" filter="fade">
+                                      <p:cBhvr>
+                                        <p:cTn id="25" dur="500"/>
+                                        <p:tgtEl>
+                                          <p:spTgt spid="11"/>
+                                        </p:tgtEl>
+                                      </p:cBhvr>
+                                    </p:animEffect>
+                                    <p:anim calcmode="lin" valueType="num">
+                                      <p:cBhvr>
+                                        <p:cTn id="26" dur="500" fill="hold"/>
+                                        <p:tgtEl>
+                                          <p:spTgt spid="11"/>
+                                        </p:tgtEl>
+                                        <p:attrNameLst>
+                                          <p:attrName>ppt_x</p:attrName>
+                                        </p:attrNameLst>
+                                      </p:cBhvr>
+                                      <p:tavLst>
+                                        <p:tav tm="0">
+                                          <p:val>
+                                            <p:strVal val="#ppt_x"/>
+                                          </p:val>
+                                        </p:tav>
+                                        <p:tav tm="100000">
+                                          <p:val>
+                                            <p:strVal val="#ppt_x"/>
+                                          </p:val>
+                                        </p:tav>
+                                      </p:tavLst>
+                                    </p:anim>
+                                    <p:anim calcmode="lin" valueType="num">
+                                      <p:cBhvr>
+                                        <p:cTn id="27" dur="500" fill="hold"/>
+                                        <p:tgtEl>
+                                          <p:spTgt spid="11"/>
+                                        </p:tgtEl>
+                                        <p:attrNameLst>
+                                          <p:attrName>ppt_y</p:attrName>
+                                        </p:attrNameLst>
+                                      </p:cBhvr>
+                                      <p:tavLst>
+                                        <p:tav tm="0">
+                                          <p:val>
+                                            <p:strVal val="#ppt_y+.1"/>
+                                          </p:val>
+                                        </p:tav>
+                                        <p:tav tm="100000">
+                                          <p:val>
+                                            <p:strVal val="#ppt_y"/>
+                                          </p:val>
+                                        </p:tav>
+                                      </p:tavLst>
+                                    </p:anim>
+                                  </p:childTnLst>
+                                </p:cTn>
+                              </p:par>
+                            </p:childTnLst>
+                          </p:cTn>
+                        </p:par>
+                      </p:childTnLst>
+                    </p:cTn>
+                  </p:par>
+                  <p:par>
+                    <p:cTn id="28" fill="hold">
+                      <p:stCondLst>
+                        <p:cond delay="indefinite"/>
+                      </p:stCondLst>
+                      <p:childTnLst>
+                        <p:par>
+                          <p:cTn id="29" fill="hold">
+                            <p:stCondLst>
+                              <p:cond delay="0"/>
+                            </p:stCondLst>
+                            <p:childTnLst>
+                              <p:par>
+                                <p:cTn id="30" presetID="21" presetClass="entr" presetSubtype="1" fill="hold" grpId="0" nodeType="clickEffect">
+                                  <p:stCondLst>
+                                    <p:cond delay="0"/>
+                                  </p:stCondLst>
+                                  <p:childTnLst>
+                                    <p:set>
+                                      <p:cBhvr>
+                                        <p:cTn id="31" dur="1" fill="hold">
+                                          <p:stCondLst>
+                                            <p:cond delay="0"/>
+                                          </p:stCondLst>
+                                        </p:cTn>
+                                        <p:tgtEl>
+                                          <p:spTgt spid="12"/>
+                                        </p:tgtEl>
+                                        <p:attrNameLst>
+                                          <p:attrName>style.visibility</p:attrName>
+                                        </p:attrNameLst>
+                                      </p:cBhvr>
+                                      <p:to>
+                                        <p:strVal val="visible"/>
+                                      </p:to>
+                                    </p:set>
+                                    <p:animEffect transition="in" filter="wheel(1)">
+                                      <p:cBhvr>
+                                        <p:cTn id="32" dur="750"/>
+                                        <p:tgtEl>
+                                          <p:spTgt spid="12"/>
+                                        </p:tgtEl>
+                                      </p:cBhvr>
+                                    </p:animEffect>
+                                  </p:childTnLst>
+                                </p:cTn>
+                              </p:par>
+                            </p:childTnLst>
+                          </p:cTn>
+                        </p:par>
+                      </p:childTnLst>
+                    </p:cTn>
+                  </p:par>
+                </p:childTnLst>
+              </p:cTn>
+              <p:prevCondLst>
+                <p:cond evt="onPrev" delay="0">
+                  <p:tgtEl>
+                    <p:sldTgt/>
+                  </p:tgtEl>
+                </p:cond>
+              </p:prevCondLst>
+              <p:nextCondLst>
+                <p:cond evt="onNext" delay="0">
+                  <p:tgtEl>
+                    <p:sldTgt/>
+                  </p:tgtEl>
+                </p:cond>
+              </p:nextCondLst>
+            </p:seq>
+          </p:childTnLst>
+        </p:cTn>
+      </p:par>
+    </p:tnLst>
+    <p:bldLst>
+      <p:bldP spid="6" grpId="0" animBg="1"/>
+      <p:bldP spid="7" grpId="0" animBg="1"/>
+      <p:bldP spid="8" grpId="0" animBg="1"/>
+      <p:bldP spid="9" grpId="0"/>
+      <p:bldP spid="10" grpId="0"/>
+      <p:bldP spid="11" grpId="0"/>
+      <p:bldP spid="12" grpId="0" animBg="1"/>
+    </p:bldLst>
+  </p:timing>
 </p:sld>
 </file>
 

--- a/presentation/AIスピーカー開発_3_山田.pptx
+++ b/presentation/AIスピーカー開発_3_山田.pptx
@@ -5,7 +5,7 @@
     <p:sldMasterId id="2147483648" r:id="rId1"/>
   </p:sldMasterIdLst>
   <p:notesMasterIdLst>
-    <p:notesMasterId r:id="rId21"/>
+    <p:notesMasterId r:id="rId22"/>
   </p:notesMasterIdLst>
   <p:sldIdLst>
     <p:sldId id="256" r:id="rId2"/>
@@ -20,13 +20,14 @@
     <p:sldId id="263" r:id="rId11"/>
     <p:sldId id="274" r:id="rId12"/>
     <p:sldId id="272" r:id="rId13"/>
-    <p:sldId id="273" r:id="rId14"/>
-    <p:sldId id="264" r:id="rId15"/>
-    <p:sldId id="265" r:id="rId16"/>
-    <p:sldId id="269" r:id="rId17"/>
-    <p:sldId id="266" r:id="rId18"/>
-    <p:sldId id="267" r:id="rId19"/>
-    <p:sldId id="268" r:id="rId20"/>
+    <p:sldId id="275" r:id="rId14"/>
+    <p:sldId id="273" r:id="rId15"/>
+    <p:sldId id="264" r:id="rId16"/>
+    <p:sldId id="265" r:id="rId17"/>
+    <p:sldId id="269" r:id="rId18"/>
+    <p:sldId id="266" r:id="rId19"/>
+    <p:sldId id="267" r:id="rId20"/>
+    <p:sldId id="268" r:id="rId21"/>
   </p:sldIdLst>
   <p:sldSz cx="12192000" cy="6858000"/>
   <p:notesSz cx="6858000" cy="9144000"/>
@@ -215,7 +216,7 @@
           <a:p>
             <a:fld id="{D3FBB20C-20C4-49AD-85A3-C66C862503B5}" type="datetimeFigureOut">
               <a:rPr kumimoji="1" lang="ja-JP" altLang="en-US" smtClean="0"/>
-              <a:t>2022/1/17</a:t>
+              <a:t>2022/1/18</a:t>
             </a:fld>
             <a:endParaRPr kumimoji="1" lang="ja-JP" altLang="en-US"/>
           </a:p>
@@ -833,6 +834,27 @@
           <a:bodyPr/>
           <a:lstStyle/>
           <a:p>
+            <a:r>
+              <a:rPr kumimoji="1" lang="ja-JP" altLang="en-US" dirty="0"/>
+              <a:t>トレーニングデータの制作方法について解説します</a:t>
+            </a:r>
+            <a:endParaRPr kumimoji="1" lang="en-US" altLang="ja-JP" dirty="0"/>
+          </a:p>
+          <a:p>
+            <a:r>
+              <a:rPr kumimoji="1" lang="ja-JP" altLang="en-US" dirty="0"/>
+              <a:t>いろいろなトレーニングデータの作成方法を模索していく中で最も精度が良い制作方法が</a:t>
+            </a:r>
+            <a:endParaRPr kumimoji="1" lang="en-US" altLang="ja-JP" dirty="0"/>
+          </a:p>
+          <a:p>
+            <a:r>
+              <a:rPr kumimoji="1" lang="ja-JP" altLang="en-US" dirty="0"/>
+              <a:t>このやり方です。</a:t>
+            </a:r>
+            <a:endParaRPr kumimoji="1" lang="en-US" altLang="ja-JP" dirty="0"/>
+          </a:p>
+          <a:p>
             <a:endParaRPr kumimoji="1" lang="ja-JP" altLang="en-US" dirty="0"/>
           </a:p>
         </p:txBody>
@@ -917,6 +939,90 @@
           <a:bodyPr/>
           <a:lstStyle/>
           <a:p>
+            <a:endParaRPr kumimoji="1" lang="ja-JP" altLang="en-US" dirty="0"/>
+          </a:p>
+        </p:txBody>
+      </p:sp>
+      <p:sp>
+        <p:nvSpPr>
+          <p:cNvPr id="4" name="スライド番号プレースホルダー 3"/>
+          <p:cNvSpPr>
+            <a:spLocks noGrp="1"/>
+          </p:cNvSpPr>
+          <p:nvPr>
+            <p:ph type="sldNum" sz="quarter" idx="5"/>
+          </p:nvPr>
+        </p:nvSpPr>
+        <p:spPr/>
+        <p:txBody>
+          <a:bodyPr/>
+          <a:lstStyle/>
+          <a:p>
+            <a:fld id="{1A2E7C28-4903-4521-8E60-0F80C627678B}" type="slidenum">
+              <a:rPr kumimoji="1" lang="ja-JP" altLang="en-US" smtClean="0"/>
+              <a:t>13</a:t>
+            </a:fld>
+            <a:endParaRPr kumimoji="1" lang="ja-JP" altLang="en-US"/>
+          </a:p>
+        </p:txBody>
+      </p:sp>
+    </p:spTree>
+    <p:extLst>
+      <p:ext uri="{BB962C8B-B14F-4D97-AF65-F5344CB8AC3E}">
+        <p14:creationId xmlns:p14="http://schemas.microsoft.com/office/powerpoint/2010/main" val="1131861150"/>
+      </p:ext>
+    </p:extLst>
+  </p:cSld>
+  <p:clrMapOvr>
+    <a:masterClrMapping/>
+  </p:clrMapOvr>
+</p:notes>
+</file>
+
+<file path=ppt/notesSlides/notesSlide6.xml><?xml version="1.0" encoding="utf-8"?>
+<p:notes xmlns:a="http://schemas.openxmlformats.org/drawingml/2006/main" xmlns:r="http://schemas.openxmlformats.org/officeDocument/2006/relationships" xmlns:p="http://schemas.openxmlformats.org/presentationml/2006/main">
+  <p:cSld>
+    <p:spTree>
+      <p:nvGrpSpPr>
+        <p:cNvPr id="1" name=""/>
+        <p:cNvGrpSpPr/>
+        <p:nvPr/>
+      </p:nvGrpSpPr>
+      <p:grpSpPr>
+        <a:xfrm>
+          <a:off x="0" y="0"/>
+          <a:ext cx="0" cy="0"/>
+          <a:chOff x="0" y="0"/>
+          <a:chExt cx="0" cy="0"/>
+        </a:xfrm>
+      </p:grpSpPr>
+      <p:sp>
+        <p:nvSpPr>
+          <p:cNvPr id="2" name="スライド イメージ プレースホルダー 1"/>
+          <p:cNvSpPr>
+            <a:spLocks noGrp="1" noRot="1" noChangeAspect="1"/>
+          </p:cNvSpPr>
+          <p:nvPr>
+            <p:ph type="sldImg"/>
+          </p:nvPr>
+        </p:nvSpPr>
+        <p:spPr/>
+      </p:sp>
+      <p:sp>
+        <p:nvSpPr>
+          <p:cNvPr id="3" name="ノート プレースホルダー 2"/>
+          <p:cNvSpPr>
+            <a:spLocks noGrp="1"/>
+          </p:cNvSpPr>
+          <p:nvPr>
+            <p:ph type="body" idx="1"/>
+          </p:nvPr>
+        </p:nvSpPr>
+        <p:spPr/>
+        <p:txBody>
+          <a:bodyPr/>
+          <a:lstStyle/>
+          <a:p>
             <a:r>
               <a:rPr kumimoji="1" lang="ja-JP" altLang="en-US" dirty="0"/>
               <a:t>よしえにいってもーら</a:t>
@@ -949,7 +1055,7 @@
           <a:p>
             <a:fld id="{1A2E7C28-4903-4521-8E60-0F80C627678B}" type="slidenum">
               <a:rPr kumimoji="1" lang="ja-JP" altLang="en-US" smtClean="0"/>
-              <a:t>19</a:t>
+              <a:t>20</a:t>
             </a:fld>
             <a:endParaRPr kumimoji="1" lang="ja-JP" altLang="en-US"/>
           </a:p>
@@ -1115,7 +1221,7 @@
           <a:p>
             <a:fld id="{C63D219B-6862-4E6A-9F9E-C4C4759712F9}" type="datetimeFigureOut">
               <a:rPr kumimoji="1" lang="ja-JP" altLang="en-US" smtClean="0"/>
-              <a:t>2022/1/17</a:t>
+              <a:t>2022/1/18</a:t>
             </a:fld>
             <a:endParaRPr kumimoji="1" lang="ja-JP" altLang="en-US"/>
           </a:p>
@@ -1345,7 +1451,7 @@
           <a:p>
             <a:fld id="{C63D219B-6862-4E6A-9F9E-C4C4759712F9}" type="datetimeFigureOut">
               <a:rPr kumimoji="1" lang="ja-JP" altLang="en-US" smtClean="0"/>
-              <a:t>2022/1/17</a:t>
+              <a:t>2022/1/18</a:t>
             </a:fld>
             <a:endParaRPr kumimoji="1" lang="ja-JP" altLang="en-US"/>
           </a:p>
@@ -1585,7 +1691,7 @@
           <a:p>
             <a:fld id="{C63D219B-6862-4E6A-9F9E-C4C4759712F9}" type="datetimeFigureOut">
               <a:rPr kumimoji="1" lang="ja-JP" altLang="en-US" smtClean="0"/>
-              <a:t>2022/1/17</a:t>
+              <a:t>2022/1/18</a:t>
             </a:fld>
             <a:endParaRPr kumimoji="1" lang="ja-JP" altLang="en-US"/>
           </a:p>
@@ -1815,7 +1921,7 @@
           <a:p>
             <a:fld id="{C63D219B-6862-4E6A-9F9E-C4C4759712F9}" type="datetimeFigureOut">
               <a:rPr kumimoji="1" lang="ja-JP" altLang="en-US" smtClean="0"/>
-              <a:t>2022/1/17</a:t>
+              <a:t>2022/1/18</a:t>
             </a:fld>
             <a:endParaRPr kumimoji="1" lang="ja-JP" altLang="en-US"/>
           </a:p>
@@ -2090,7 +2196,7 @@
           <a:p>
             <a:fld id="{C63D219B-6862-4E6A-9F9E-C4C4759712F9}" type="datetimeFigureOut">
               <a:rPr kumimoji="1" lang="ja-JP" altLang="en-US" smtClean="0"/>
-              <a:t>2022/1/17</a:t>
+              <a:t>2022/1/18</a:t>
             </a:fld>
             <a:endParaRPr kumimoji="1" lang="ja-JP" altLang="en-US"/>
           </a:p>
@@ -2419,7 +2525,7 @@
           <a:p>
             <a:fld id="{C63D219B-6862-4E6A-9F9E-C4C4759712F9}" type="datetimeFigureOut">
               <a:rPr kumimoji="1" lang="ja-JP" altLang="en-US" smtClean="0"/>
-              <a:t>2022/1/17</a:t>
+              <a:t>2022/1/18</a:t>
             </a:fld>
             <a:endParaRPr kumimoji="1" lang="ja-JP" altLang="en-US"/>
           </a:p>
@@ -2895,7 +3001,7 @@
           <a:p>
             <a:fld id="{C63D219B-6862-4E6A-9F9E-C4C4759712F9}" type="datetimeFigureOut">
               <a:rPr kumimoji="1" lang="ja-JP" altLang="en-US" smtClean="0"/>
-              <a:t>2022/1/17</a:t>
+              <a:t>2022/1/18</a:t>
             </a:fld>
             <a:endParaRPr kumimoji="1" lang="ja-JP" altLang="en-US"/>
           </a:p>
@@ -3036,7 +3142,7 @@
           <a:p>
             <a:fld id="{C63D219B-6862-4E6A-9F9E-C4C4759712F9}" type="datetimeFigureOut">
               <a:rPr kumimoji="1" lang="ja-JP" altLang="en-US" smtClean="0"/>
-              <a:t>2022/1/17</a:t>
+              <a:t>2022/1/18</a:t>
             </a:fld>
             <a:endParaRPr kumimoji="1" lang="ja-JP" altLang="en-US"/>
           </a:p>
@@ -3149,7 +3255,7 @@
           <a:p>
             <a:fld id="{C63D219B-6862-4E6A-9F9E-C4C4759712F9}" type="datetimeFigureOut">
               <a:rPr kumimoji="1" lang="ja-JP" altLang="en-US" smtClean="0"/>
-              <a:t>2022/1/17</a:t>
+              <a:t>2022/1/18</a:t>
             </a:fld>
             <a:endParaRPr kumimoji="1" lang="ja-JP" altLang="en-US"/>
           </a:p>
@@ -3492,7 +3598,7 @@
           <a:p>
             <a:fld id="{C63D219B-6862-4E6A-9F9E-C4C4759712F9}" type="datetimeFigureOut">
               <a:rPr kumimoji="1" lang="ja-JP" altLang="en-US" smtClean="0"/>
-              <a:t>2022/1/17</a:t>
+              <a:t>2022/1/18</a:t>
             </a:fld>
             <a:endParaRPr kumimoji="1" lang="ja-JP" altLang="en-US"/>
           </a:p>
@@ -3780,7 +3886,7 @@
           <a:p>
             <a:fld id="{C63D219B-6862-4E6A-9F9E-C4C4759712F9}" type="datetimeFigureOut">
               <a:rPr kumimoji="1" lang="ja-JP" altLang="en-US" smtClean="0"/>
-              <a:t>2022/1/17</a:t>
+              <a:t>2022/1/18</a:t>
             </a:fld>
             <a:endParaRPr kumimoji="1" lang="ja-JP" altLang="en-US"/>
           </a:p>
@@ -4080,7 +4186,7 @@
           <a:p>
             <a:fld id="{C63D219B-6862-4E6A-9F9E-C4C4759712F9}" type="datetimeFigureOut">
               <a:rPr kumimoji="1" lang="ja-JP" altLang="en-US" smtClean="0"/>
-              <a:t>2022/1/17</a:t>
+              <a:t>2022/1/18</a:t>
             </a:fld>
             <a:endParaRPr kumimoji="1" lang="ja-JP" altLang="en-US"/>
           </a:p>
@@ -6039,8 +6145,8 @@
         </p:nvSpPr>
         <p:spPr>
           <a:xfrm>
-            <a:off x="1249680" y="1690688"/>
-            <a:ext cx="3180080" cy="369332"/>
+            <a:off x="838200" y="1568918"/>
+            <a:ext cx="4689107" cy="461665"/>
           </a:xfrm>
           <a:prstGeom prst="rect">
             <a:avLst/>
@@ -6054,10 +6160,10 @@
           <a:lstStyle/>
           <a:p>
             <a:r>
-              <a:rPr lang="ja-JP" altLang="en-US" dirty="0"/>
+              <a:rPr lang="ja-JP" altLang="en-US" sz="2400" b="1" dirty="0"/>
               <a:t>単語のみをピックアップ</a:t>
             </a:r>
-            <a:endParaRPr kumimoji="1" lang="ja-JP" altLang="en-US" dirty="0"/>
+            <a:endParaRPr kumimoji="1" lang="ja-JP" altLang="en-US" sz="2400" b="1" dirty="0"/>
           </a:p>
         </p:txBody>
       </p:sp>
@@ -6091,11 +6197,57 @@
         </p:blipFill>
         <p:spPr>
           <a:xfrm>
-            <a:off x="838200" y="2211616"/>
+            <a:off x="485330" y="2626329"/>
             <a:ext cx="10515600" cy="2380704"/>
           </a:xfrm>
         </p:spPr>
       </p:pic>
+      <p:sp>
+        <p:nvSpPr>
+          <p:cNvPr id="3" name="矢印: 下 2">
+            <a:extLst>
+              <a:ext uri="{FF2B5EF4-FFF2-40B4-BE49-F238E27FC236}">
+                <a16:creationId xmlns:a16="http://schemas.microsoft.com/office/drawing/2014/main" id="{4B03ED52-84B1-4BC8-BB95-A918080C5A42}"/>
+              </a:ext>
+            </a:extLst>
+          </p:cNvPr>
+          <p:cNvSpPr/>
+          <p:nvPr/>
+        </p:nvSpPr>
+        <p:spPr>
+          <a:xfrm>
+            <a:off x="4437247" y="1561920"/>
+            <a:ext cx="731520" cy="858646"/>
+          </a:xfrm>
+          <a:prstGeom prst="downArrow">
+            <a:avLst/>
+          </a:prstGeom>
+        </p:spPr>
+        <p:style>
+          <a:lnRef idx="2">
+            <a:schemeClr val="accent1">
+              <a:shade val="50000"/>
+            </a:schemeClr>
+          </a:lnRef>
+          <a:fillRef idx="1">
+            <a:schemeClr val="accent1"/>
+          </a:fillRef>
+          <a:effectRef idx="0">
+            <a:schemeClr val="accent1"/>
+          </a:effectRef>
+          <a:fontRef idx="minor">
+            <a:schemeClr val="lt1"/>
+          </a:fontRef>
+        </p:style>
+        <p:txBody>
+          <a:bodyPr rtlCol="0" anchor="ctr"/>
+          <a:lstStyle/>
+          <a:p>
+            <a:pPr algn="ctr"/>
+            <a:endParaRPr kumimoji="1" lang="ja-JP" altLang="en-US"/>
+          </a:p>
+        </p:txBody>
+      </p:sp>
     </p:spTree>
     <p:extLst>
       <p:ext uri="{BB962C8B-B14F-4D97-AF65-F5344CB8AC3E}">
@@ -6131,7 +6283,7 @@
           <p:cNvPr id="2" name="タイトル 1">
             <a:extLst>
               <a:ext uri="{FF2B5EF4-FFF2-40B4-BE49-F238E27FC236}">
-                <a16:creationId xmlns:a16="http://schemas.microsoft.com/office/drawing/2014/main" id="{546FE0B1-4BFF-4176-A1F1-239F5362B12B}"/>
+                <a16:creationId xmlns:a16="http://schemas.microsoft.com/office/drawing/2014/main" id="{27835D59-C712-40CE-B18B-4716DD9850D0}"/>
               </a:ext>
             </a:extLst>
           </p:cNvPr>
@@ -6148,42 +6300,87 @@
           <a:lstStyle/>
           <a:p>
             <a:r>
-              <a:rPr kumimoji="1" lang="en-US" altLang="ja-JP" dirty="0" err="1"/>
-              <a:t>MeCab</a:t>
-            </a:r>
-            <a:endParaRPr kumimoji="1" lang="ja-JP" altLang="en-US" dirty="0"/>
-          </a:p>
-        </p:txBody>
-      </p:sp>
-      <p:sp>
-        <p:nvSpPr>
-          <p:cNvPr id="3" name="コンテンツ プレースホルダー 2">
-            <a:extLst>
-              <a:ext uri="{FF2B5EF4-FFF2-40B4-BE49-F238E27FC236}">
-                <a16:creationId xmlns:a16="http://schemas.microsoft.com/office/drawing/2014/main" id="{023D6325-80DB-4671-A255-996F8E62847D}"/>
-              </a:ext>
-            </a:extLst>
-          </p:cNvPr>
-          <p:cNvSpPr>
-            <a:spLocks noGrp="1"/>
-          </p:cNvSpPr>
+              <a:rPr kumimoji="1" lang="ja-JP" altLang="en-US" dirty="0"/>
+              <a:t>トレーニングデータ２（仮</a:t>
+            </a:r>
+          </a:p>
+        </p:txBody>
+      </p:sp>
+      <p:pic>
+        <p:nvPicPr>
+          <p:cNvPr id="5" name="コンテンツ プレースホルダー 4">
+            <a:extLst>
+              <a:ext uri="{FF2B5EF4-FFF2-40B4-BE49-F238E27FC236}">
+                <a16:creationId xmlns:a16="http://schemas.microsoft.com/office/drawing/2014/main" id="{DD110393-78F5-49DE-8A71-6FF622F657D9}"/>
+              </a:ext>
+            </a:extLst>
+          </p:cNvPr>
+          <p:cNvPicPr>
+            <a:picLocks noGrp="1" noChangeAspect="1"/>
+          </p:cNvPicPr>
           <p:nvPr>
             <p:ph idx="1"/>
           </p:nvPr>
-        </p:nvSpPr>
-        <p:spPr/>
-        <p:txBody>
-          <a:bodyPr/>
-          <a:lstStyle/>
-          <a:p>
-            <a:endParaRPr kumimoji="1" lang="ja-JP" altLang="en-US"/>
-          </a:p>
-        </p:txBody>
-      </p:sp>
+        </p:nvPicPr>
+        <p:blipFill>
+          <a:blip r:embed="rId3">
+            <a:extLst>
+              <a:ext uri="{28A0092B-C50C-407E-A947-70E740481C1C}">
+                <a14:useLocalDpi xmlns:a14="http://schemas.microsoft.com/office/drawing/2010/main" val="0"/>
+              </a:ext>
+            </a:extLst>
+          </a:blip>
+          <a:stretch>
+            <a:fillRect/>
+          </a:stretch>
+        </p:blipFill>
+        <p:spPr>
+          <a:xfrm>
+            <a:off x="584227" y="2681346"/>
+            <a:ext cx="8726118" cy="1951672"/>
+          </a:xfrm>
+        </p:spPr>
+      </p:pic>
+      <p:pic>
+        <p:nvPicPr>
+          <p:cNvPr id="7" name="図 6">
+            <a:extLst>
+              <a:ext uri="{FF2B5EF4-FFF2-40B4-BE49-F238E27FC236}">
+                <a16:creationId xmlns:a16="http://schemas.microsoft.com/office/drawing/2014/main" id="{C13F1E02-9285-4AEF-AA29-0936016C8AAC}"/>
+              </a:ext>
+            </a:extLst>
+          </p:cNvPr>
+          <p:cNvPicPr>
+            <a:picLocks noChangeAspect="1"/>
+          </p:cNvPicPr>
+          <p:nvPr/>
+        </p:nvPicPr>
+        <p:blipFill>
+          <a:blip r:embed="rId4">
+            <a:extLst>
+              <a:ext uri="{28A0092B-C50C-407E-A947-70E740481C1C}">
+                <a14:useLocalDpi xmlns:a14="http://schemas.microsoft.com/office/drawing/2010/main" val="0"/>
+              </a:ext>
+            </a:extLst>
+          </a:blip>
+          <a:stretch>
+            <a:fillRect/>
+          </a:stretch>
+        </p:blipFill>
+        <p:spPr>
+          <a:xfrm>
+            <a:off x="574701" y="2681347"/>
+            <a:ext cx="8735644" cy="1951671"/>
+          </a:xfrm>
+          <a:prstGeom prst="rect">
+            <a:avLst/>
+          </a:prstGeom>
+        </p:spPr>
+      </p:pic>
     </p:spTree>
     <p:extLst>
       <p:ext uri="{BB962C8B-B14F-4D97-AF65-F5344CB8AC3E}">
-        <p14:creationId xmlns:p14="http://schemas.microsoft.com/office/powerpoint/2010/main" val="2503083791"/>
+        <p14:creationId xmlns:p14="http://schemas.microsoft.com/office/powerpoint/2010/main" val="202426412"/>
       </p:ext>
     </p:extLst>
   </p:cSld>
@@ -6215,7 +6412,7 @@
           <p:cNvPr id="2" name="タイトル 1">
             <a:extLst>
               <a:ext uri="{FF2B5EF4-FFF2-40B4-BE49-F238E27FC236}">
-                <a16:creationId xmlns:a16="http://schemas.microsoft.com/office/drawing/2014/main" id="{0239366D-FD02-4D32-AA25-FA5687E2E9A8}"/>
+                <a16:creationId xmlns:a16="http://schemas.microsoft.com/office/drawing/2014/main" id="{546FE0B1-4BFF-4176-A1F1-239F5362B12B}"/>
               </a:ext>
             </a:extLst>
           </p:cNvPr>
@@ -6232,9 +6429,10 @@
           <a:lstStyle/>
           <a:p>
             <a:r>
-              <a:rPr kumimoji="1" lang="ja-JP" altLang="en-US" dirty="0"/>
-              <a:t>データ取得</a:t>
-            </a:r>
+              <a:rPr kumimoji="1" lang="en-US" altLang="ja-JP" dirty="0" err="1"/>
+              <a:t>MeCab</a:t>
+            </a:r>
+            <a:endParaRPr kumimoji="1" lang="ja-JP" altLang="en-US" dirty="0"/>
           </a:p>
         </p:txBody>
       </p:sp>
@@ -6243,7 +6441,7 @@
           <p:cNvPr id="3" name="コンテンツ プレースホルダー 2">
             <a:extLst>
               <a:ext uri="{FF2B5EF4-FFF2-40B4-BE49-F238E27FC236}">
-                <a16:creationId xmlns:a16="http://schemas.microsoft.com/office/drawing/2014/main" id="{2714D079-74EA-42AF-9886-A31DAA6C24C9}"/>
+                <a16:creationId xmlns:a16="http://schemas.microsoft.com/office/drawing/2014/main" id="{023D6325-80DB-4671-A255-996F8E62847D}"/>
               </a:ext>
             </a:extLst>
           </p:cNvPr>
@@ -6266,7 +6464,7 @@
     </p:spTree>
     <p:extLst>
       <p:ext uri="{BB962C8B-B14F-4D97-AF65-F5344CB8AC3E}">
-        <p14:creationId xmlns:p14="http://schemas.microsoft.com/office/powerpoint/2010/main" val="2705134270"/>
+        <p14:creationId xmlns:p14="http://schemas.microsoft.com/office/powerpoint/2010/main" val="2503083791"/>
       </p:ext>
     </p:extLst>
   </p:cSld>
@@ -6298,7 +6496,7 @@
           <p:cNvPr id="2" name="タイトル 1">
             <a:extLst>
               <a:ext uri="{FF2B5EF4-FFF2-40B4-BE49-F238E27FC236}">
-                <a16:creationId xmlns:a16="http://schemas.microsoft.com/office/drawing/2014/main" id="{416FDF28-DE91-4559-964D-FBBF51F99738}"/>
+                <a16:creationId xmlns:a16="http://schemas.microsoft.com/office/drawing/2014/main" id="{0239366D-FD02-4D32-AA25-FA5687E2E9A8}"/>
               </a:ext>
             </a:extLst>
           </p:cNvPr>
@@ -6315,10 +6513,9 @@
           <a:lstStyle/>
           <a:p>
             <a:r>
-              <a:rPr kumimoji="1" lang="en-US" altLang="ja-JP" dirty="0" err="1"/>
-              <a:t>OpenJtalk</a:t>
-            </a:r>
-            <a:endParaRPr kumimoji="1" lang="ja-JP" altLang="en-US" dirty="0"/>
+              <a:rPr kumimoji="1" lang="ja-JP" altLang="en-US" dirty="0"/>
+              <a:t>データ取得</a:t>
+            </a:r>
           </a:p>
         </p:txBody>
       </p:sp>
@@ -6327,7 +6524,7 @@
           <p:cNvPr id="3" name="コンテンツ プレースホルダー 2">
             <a:extLst>
               <a:ext uri="{FF2B5EF4-FFF2-40B4-BE49-F238E27FC236}">
-                <a16:creationId xmlns:a16="http://schemas.microsoft.com/office/drawing/2014/main" id="{7739CC25-5B0B-4F49-AA2A-71E2700494BC}"/>
+                <a16:creationId xmlns:a16="http://schemas.microsoft.com/office/drawing/2014/main" id="{2714D079-74EA-42AF-9886-A31DAA6C24C9}"/>
               </a:ext>
             </a:extLst>
           </p:cNvPr>
@@ -6343,18 +6540,14 @@
           <a:bodyPr/>
           <a:lstStyle/>
           <a:p>
-            <a:r>
-              <a:rPr kumimoji="1" lang="ja-JP" altLang="en-US" dirty="0"/>
-              <a:t>作成・再生の分割</a:t>
-            </a:r>
-            <a:endParaRPr kumimoji="1" lang="en-US" altLang="ja-JP" dirty="0"/>
+            <a:endParaRPr kumimoji="1" lang="ja-JP" altLang="en-US"/>
           </a:p>
         </p:txBody>
       </p:sp>
     </p:spTree>
     <p:extLst>
       <p:ext uri="{BB962C8B-B14F-4D97-AF65-F5344CB8AC3E}">
-        <p14:creationId xmlns:p14="http://schemas.microsoft.com/office/powerpoint/2010/main" val="410217345"/>
+        <p14:creationId xmlns:p14="http://schemas.microsoft.com/office/powerpoint/2010/main" val="2705134270"/>
       </p:ext>
     </p:extLst>
   </p:cSld>
@@ -6386,7 +6579,7 @@
           <p:cNvPr id="2" name="タイトル 1">
             <a:extLst>
               <a:ext uri="{FF2B5EF4-FFF2-40B4-BE49-F238E27FC236}">
-                <a16:creationId xmlns:a16="http://schemas.microsoft.com/office/drawing/2014/main" id="{208E96DD-60EE-481E-BC80-125F1F007D39}"/>
+                <a16:creationId xmlns:a16="http://schemas.microsoft.com/office/drawing/2014/main" id="{416FDF28-DE91-4559-964D-FBBF51F99738}"/>
               </a:ext>
             </a:extLst>
           </p:cNvPr>
@@ -6403,56 +6596,37 @@
           <a:lstStyle/>
           <a:p>
             <a:r>
+              <a:rPr kumimoji="1" lang="en-US" altLang="ja-JP" dirty="0" err="1"/>
+              <a:t>OpenJtalk</a:t>
+            </a:r>
+            <a:endParaRPr kumimoji="1" lang="ja-JP" altLang="en-US" dirty="0"/>
+          </a:p>
+        </p:txBody>
+      </p:sp>
+      <p:sp>
+        <p:nvSpPr>
+          <p:cNvPr id="3" name="コンテンツ プレースホルダー 2">
+            <a:extLst>
+              <a:ext uri="{FF2B5EF4-FFF2-40B4-BE49-F238E27FC236}">
+                <a16:creationId xmlns:a16="http://schemas.microsoft.com/office/drawing/2014/main" id="{7739CC25-5B0B-4F49-AA2A-71E2700494BC}"/>
+              </a:ext>
+            </a:extLst>
+          </p:cNvPr>
+          <p:cNvSpPr>
+            <a:spLocks noGrp="1"/>
+          </p:cNvSpPr>
+          <p:nvPr>
+            <p:ph idx="1"/>
+          </p:nvPr>
+        </p:nvSpPr>
+        <p:spPr/>
+        <p:txBody>
+          <a:bodyPr/>
+          <a:lstStyle/>
+          <a:p>
+            <a:r>
               <a:rPr kumimoji="1" lang="ja-JP" altLang="en-US" dirty="0"/>
-              <a:t>トラブルの対処</a:t>
-            </a:r>
-          </a:p>
-        </p:txBody>
-      </p:sp>
-      <p:sp>
-        <p:nvSpPr>
-          <p:cNvPr id="3" name="コンテンツ プレースホルダー 2">
-            <a:extLst>
-              <a:ext uri="{FF2B5EF4-FFF2-40B4-BE49-F238E27FC236}">
-                <a16:creationId xmlns:a16="http://schemas.microsoft.com/office/drawing/2014/main" id="{D4342974-17CB-4DEE-BC69-327BEC83B62D}"/>
-              </a:ext>
-            </a:extLst>
-          </p:cNvPr>
-          <p:cNvSpPr>
-            <a:spLocks noGrp="1"/>
-          </p:cNvSpPr>
-          <p:nvPr>
-            <p:ph idx="1"/>
-          </p:nvPr>
-        </p:nvSpPr>
-        <p:spPr/>
-        <p:txBody>
-          <a:bodyPr/>
-          <a:lstStyle/>
-          <a:p>
-            <a:r>
-              <a:rPr kumimoji="1" lang="ja-JP" altLang="en-US" dirty="0"/>
-              <a:t>マイクミュート</a:t>
-            </a:r>
-            <a:endParaRPr kumimoji="1" lang="en-US" altLang="ja-JP" dirty="0"/>
-          </a:p>
-          <a:p>
-            <a:pPr lvl="1"/>
-            <a:r>
-              <a:rPr kumimoji="1" lang="ja-JP" altLang="en-US" dirty="0"/>
-              <a:t>シェルスクリプト見せる</a:t>
-            </a:r>
-            <a:endParaRPr kumimoji="1" lang="en-US" altLang="ja-JP" dirty="0"/>
-          </a:p>
-          <a:p>
-            <a:pPr lvl="0"/>
-            <a:r>
-              <a:rPr kumimoji="1" lang="en-US" altLang="ja-JP" dirty="0" err="1"/>
-              <a:t>Etc</a:t>
-            </a:r>
-            <a:r>
-              <a:rPr kumimoji="1" lang="ja-JP" altLang="en-US" dirty="0"/>
-              <a:t>レーン</a:t>
+              <a:t>作成・再生の分割</a:t>
             </a:r>
             <a:endParaRPr kumimoji="1" lang="en-US" altLang="ja-JP" dirty="0"/>
           </a:p>
@@ -6461,7 +6635,7 @@
     </p:spTree>
     <p:extLst>
       <p:ext uri="{BB962C8B-B14F-4D97-AF65-F5344CB8AC3E}">
-        <p14:creationId xmlns:p14="http://schemas.microsoft.com/office/powerpoint/2010/main" val="2817091244"/>
+        <p14:creationId xmlns:p14="http://schemas.microsoft.com/office/powerpoint/2010/main" val="410217345"/>
       </p:ext>
     </p:extLst>
   </p:cSld>
@@ -6493,7 +6667,7 @@
           <p:cNvPr id="2" name="タイトル 1">
             <a:extLst>
               <a:ext uri="{FF2B5EF4-FFF2-40B4-BE49-F238E27FC236}">
-                <a16:creationId xmlns:a16="http://schemas.microsoft.com/office/drawing/2014/main" id="{F24EB109-BC34-41EC-A9D0-C442E52A8779}"/>
+                <a16:creationId xmlns:a16="http://schemas.microsoft.com/office/drawing/2014/main" id="{208E96DD-60EE-481E-BC80-125F1F007D39}"/>
               </a:ext>
             </a:extLst>
           </p:cNvPr>
@@ -6511,7 +6685,7 @@
           <a:p>
             <a:r>
               <a:rPr kumimoji="1" lang="ja-JP" altLang="en-US" dirty="0"/>
-              <a:t>デモンストレーション</a:t>
+              <a:t>トラブルの対処</a:t>
             </a:r>
           </a:p>
         </p:txBody>
@@ -6521,7 +6695,7 @@
           <p:cNvPr id="3" name="コンテンツ プレースホルダー 2">
             <a:extLst>
               <a:ext uri="{FF2B5EF4-FFF2-40B4-BE49-F238E27FC236}">
-                <a16:creationId xmlns:a16="http://schemas.microsoft.com/office/drawing/2014/main" id="{69DE47EB-7D6D-49AB-9AD1-0A77390D212D}"/>
+                <a16:creationId xmlns:a16="http://schemas.microsoft.com/office/drawing/2014/main" id="{D4342974-17CB-4DEE-BC69-327BEC83B62D}"/>
               </a:ext>
             </a:extLst>
           </p:cNvPr>
@@ -6538,20 +6712,37 @@
           <a:lstStyle/>
           <a:p>
             <a:r>
-              <a:rPr kumimoji="1" lang="en-US" altLang="ja-JP" dirty="0"/>
-              <a:t>YoSiE</a:t>
-            </a:r>
-            <a:r>
               <a:rPr kumimoji="1" lang="ja-JP" altLang="en-US" dirty="0"/>
-              <a:t>の授業参観</a:t>
-            </a:r>
+              <a:t>マイクミュート</a:t>
+            </a:r>
+            <a:endParaRPr kumimoji="1" lang="en-US" altLang="ja-JP" dirty="0"/>
+          </a:p>
+          <a:p>
+            <a:pPr lvl="1"/>
+            <a:r>
+              <a:rPr kumimoji="1" lang="ja-JP" altLang="en-US" dirty="0"/>
+              <a:t>シェルスクリプト見せる</a:t>
+            </a:r>
+            <a:endParaRPr kumimoji="1" lang="en-US" altLang="ja-JP" dirty="0"/>
+          </a:p>
+          <a:p>
+            <a:pPr lvl="0"/>
+            <a:r>
+              <a:rPr kumimoji="1" lang="en-US" altLang="ja-JP" dirty="0" err="1"/>
+              <a:t>Etc</a:t>
+            </a:r>
+            <a:r>
+              <a:rPr kumimoji="1" lang="ja-JP" altLang="en-US" dirty="0"/>
+              <a:t>レーン</a:t>
+            </a:r>
+            <a:endParaRPr kumimoji="1" lang="en-US" altLang="ja-JP" dirty="0"/>
           </a:p>
         </p:txBody>
       </p:sp>
     </p:spTree>
     <p:extLst>
       <p:ext uri="{BB962C8B-B14F-4D97-AF65-F5344CB8AC3E}">
-        <p14:creationId xmlns:p14="http://schemas.microsoft.com/office/powerpoint/2010/main" val="3683524359"/>
+        <p14:creationId xmlns:p14="http://schemas.microsoft.com/office/powerpoint/2010/main" val="2817091244"/>
       </p:ext>
     </p:extLst>
   </p:cSld>
@@ -6583,7 +6774,7 @@
           <p:cNvPr id="2" name="タイトル 1">
             <a:extLst>
               <a:ext uri="{FF2B5EF4-FFF2-40B4-BE49-F238E27FC236}">
-                <a16:creationId xmlns:a16="http://schemas.microsoft.com/office/drawing/2014/main" id="{B43B901B-C015-40EF-B4CD-3F5F25F44EC0}"/>
+                <a16:creationId xmlns:a16="http://schemas.microsoft.com/office/drawing/2014/main" id="{F24EB109-BC34-41EC-A9D0-C442E52A8779}"/>
               </a:ext>
             </a:extLst>
           </p:cNvPr>
@@ -6592,6 +6783,34 @@
           </p:cNvSpPr>
           <p:nvPr>
             <p:ph type="title"/>
+          </p:nvPr>
+        </p:nvSpPr>
+        <p:spPr/>
+        <p:txBody>
+          <a:bodyPr/>
+          <a:lstStyle/>
+          <a:p>
+            <a:r>
+              <a:rPr kumimoji="1" lang="ja-JP" altLang="en-US" dirty="0"/>
+              <a:t>デモンストレーション</a:t>
+            </a:r>
+          </a:p>
+        </p:txBody>
+      </p:sp>
+      <p:sp>
+        <p:nvSpPr>
+          <p:cNvPr id="3" name="コンテンツ プレースホルダー 2">
+            <a:extLst>
+              <a:ext uri="{FF2B5EF4-FFF2-40B4-BE49-F238E27FC236}">
+                <a16:creationId xmlns:a16="http://schemas.microsoft.com/office/drawing/2014/main" id="{69DE47EB-7D6D-49AB-9AD1-0A77390D212D}"/>
+              </a:ext>
+            </a:extLst>
+          </p:cNvPr>
+          <p:cNvSpPr>
+            <a:spLocks noGrp="1"/>
+          </p:cNvSpPr>
+          <p:nvPr>
+            <p:ph idx="1"/>
           </p:nvPr>
         </p:nvSpPr>
         <p:spPr/>
@@ -6605,40 +6824,15 @@
             </a:r>
             <a:r>
               <a:rPr kumimoji="1" lang="ja-JP" altLang="en-US" dirty="0"/>
-              <a:t>の可能性</a:t>
-            </a:r>
-          </a:p>
-        </p:txBody>
-      </p:sp>
-      <p:sp>
-        <p:nvSpPr>
-          <p:cNvPr id="3" name="コンテンツ プレースホルダー 2">
-            <a:extLst>
-              <a:ext uri="{FF2B5EF4-FFF2-40B4-BE49-F238E27FC236}">
-                <a16:creationId xmlns:a16="http://schemas.microsoft.com/office/drawing/2014/main" id="{1E815E2C-35DE-441F-860D-34AECE6DA488}"/>
-              </a:ext>
-            </a:extLst>
-          </p:cNvPr>
-          <p:cNvSpPr>
-            <a:spLocks noGrp="1"/>
-          </p:cNvSpPr>
-          <p:nvPr>
-            <p:ph idx="1"/>
-          </p:nvPr>
-        </p:nvSpPr>
-        <p:spPr/>
-        <p:txBody>
-          <a:bodyPr/>
-          <a:lstStyle/>
-          <a:p>
-            <a:endParaRPr kumimoji="1" lang="ja-JP" altLang="en-US"/>
+              <a:t>の授業参観</a:t>
+            </a:r>
           </a:p>
         </p:txBody>
       </p:sp>
     </p:spTree>
     <p:extLst>
       <p:ext uri="{BB962C8B-B14F-4D97-AF65-F5344CB8AC3E}">
-        <p14:creationId xmlns:p14="http://schemas.microsoft.com/office/powerpoint/2010/main" val="1361338163"/>
+        <p14:creationId xmlns:p14="http://schemas.microsoft.com/office/powerpoint/2010/main" val="3683524359"/>
       </p:ext>
     </p:extLst>
   </p:cSld>
@@ -6670,7 +6864,7 @@
           <p:cNvPr id="2" name="タイトル 1">
             <a:extLst>
               <a:ext uri="{FF2B5EF4-FFF2-40B4-BE49-F238E27FC236}">
-                <a16:creationId xmlns:a16="http://schemas.microsoft.com/office/drawing/2014/main" id="{384D39EC-5E82-4640-93A2-83BC7D77C59D}"/>
+                <a16:creationId xmlns:a16="http://schemas.microsoft.com/office/drawing/2014/main" id="{B43B901B-C015-40EF-B4CD-3F5F25F44EC0}"/>
               </a:ext>
             </a:extLst>
           </p:cNvPr>
@@ -6687,8 +6881,12 @@
           <a:lstStyle/>
           <a:p>
             <a:r>
+              <a:rPr kumimoji="1" lang="en-US" altLang="ja-JP" dirty="0"/>
+              <a:t>YoSiE</a:t>
+            </a:r>
+            <a:r>
               <a:rPr kumimoji="1" lang="ja-JP" altLang="en-US" dirty="0"/>
-              <a:t>ご清聴ありがとうございました</a:t>
+              <a:t>の可能性</a:t>
             </a:r>
           </a:p>
         </p:txBody>
@@ -6698,7 +6896,7 @@
           <p:cNvPr id="3" name="コンテンツ プレースホルダー 2">
             <a:extLst>
               <a:ext uri="{FF2B5EF4-FFF2-40B4-BE49-F238E27FC236}">
-                <a16:creationId xmlns:a16="http://schemas.microsoft.com/office/drawing/2014/main" id="{D7C443F7-5DA9-49EF-948F-D88E00CA4D83}"/>
+                <a16:creationId xmlns:a16="http://schemas.microsoft.com/office/drawing/2014/main" id="{1E815E2C-35DE-441F-860D-34AECE6DA488}"/>
               </a:ext>
             </a:extLst>
           </p:cNvPr>
@@ -6721,7 +6919,7 @@
     </p:spTree>
     <p:extLst>
       <p:ext uri="{BB962C8B-B14F-4D97-AF65-F5344CB8AC3E}">
-        <p14:creationId xmlns:p14="http://schemas.microsoft.com/office/powerpoint/2010/main" val="1206162255"/>
+        <p14:creationId xmlns:p14="http://schemas.microsoft.com/office/powerpoint/2010/main" val="1361338163"/>
       </p:ext>
     </p:extLst>
   </p:cSld>
@@ -6805,6 +7003,89 @@
     <p:extLst>
       <p:ext uri="{BB962C8B-B14F-4D97-AF65-F5344CB8AC3E}">
         <p14:creationId xmlns:p14="http://schemas.microsoft.com/office/powerpoint/2010/main" val="1818580204"/>
+      </p:ext>
+    </p:extLst>
+  </p:cSld>
+  <p:clrMapOvr>
+    <a:masterClrMapping/>
+  </p:clrMapOvr>
+</p:sld>
+</file>
+
+<file path=ppt/slides/slide20.xml><?xml version="1.0" encoding="utf-8"?>
+<p:sld xmlns:a="http://schemas.openxmlformats.org/drawingml/2006/main" xmlns:r="http://schemas.openxmlformats.org/officeDocument/2006/relationships" xmlns:p="http://schemas.openxmlformats.org/presentationml/2006/main">
+  <p:cSld>
+    <p:spTree>
+      <p:nvGrpSpPr>
+        <p:cNvPr id="1" name=""/>
+        <p:cNvGrpSpPr/>
+        <p:nvPr/>
+      </p:nvGrpSpPr>
+      <p:grpSpPr>
+        <a:xfrm>
+          <a:off x="0" y="0"/>
+          <a:ext cx="0" cy="0"/>
+          <a:chOff x="0" y="0"/>
+          <a:chExt cx="0" cy="0"/>
+        </a:xfrm>
+      </p:grpSpPr>
+      <p:sp>
+        <p:nvSpPr>
+          <p:cNvPr id="2" name="タイトル 1">
+            <a:extLst>
+              <a:ext uri="{FF2B5EF4-FFF2-40B4-BE49-F238E27FC236}">
+                <a16:creationId xmlns:a16="http://schemas.microsoft.com/office/drawing/2014/main" id="{384D39EC-5E82-4640-93A2-83BC7D77C59D}"/>
+              </a:ext>
+            </a:extLst>
+          </p:cNvPr>
+          <p:cNvSpPr>
+            <a:spLocks noGrp="1"/>
+          </p:cNvSpPr>
+          <p:nvPr>
+            <p:ph type="title"/>
+          </p:nvPr>
+        </p:nvSpPr>
+        <p:spPr/>
+        <p:txBody>
+          <a:bodyPr/>
+          <a:lstStyle/>
+          <a:p>
+            <a:r>
+              <a:rPr kumimoji="1" lang="ja-JP" altLang="en-US" dirty="0"/>
+              <a:t>ご清聴ありがとうございました</a:t>
+            </a:r>
+          </a:p>
+        </p:txBody>
+      </p:sp>
+      <p:sp>
+        <p:nvSpPr>
+          <p:cNvPr id="3" name="コンテンツ プレースホルダー 2">
+            <a:extLst>
+              <a:ext uri="{FF2B5EF4-FFF2-40B4-BE49-F238E27FC236}">
+                <a16:creationId xmlns:a16="http://schemas.microsoft.com/office/drawing/2014/main" id="{D7C443F7-5DA9-49EF-948F-D88E00CA4D83}"/>
+              </a:ext>
+            </a:extLst>
+          </p:cNvPr>
+          <p:cNvSpPr>
+            <a:spLocks noGrp="1"/>
+          </p:cNvSpPr>
+          <p:nvPr>
+            <p:ph idx="1"/>
+          </p:nvPr>
+        </p:nvSpPr>
+        <p:spPr/>
+        <p:txBody>
+          <a:bodyPr/>
+          <a:lstStyle/>
+          <a:p>
+            <a:endParaRPr kumimoji="1" lang="ja-JP" altLang="en-US"/>
+          </a:p>
+        </p:txBody>
+      </p:sp>
+    </p:spTree>
+    <p:extLst>
+      <p:ext uri="{BB962C8B-B14F-4D97-AF65-F5344CB8AC3E}">
+        <p14:creationId xmlns:p14="http://schemas.microsoft.com/office/powerpoint/2010/main" val="1206162255"/>
       </p:ext>
     </p:extLst>
   </p:cSld>

--- a/presentation/AIスピーカー開発_3_山田.pptx
+++ b/presentation/AIスピーカー開発_3_山田.pptx
@@ -216,7 +216,7 @@
           <a:p>
             <a:fld id="{D3FBB20C-20C4-49AD-85A3-C66C862503B5}" type="datetimeFigureOut">
               <a:rPr kumimoji="1" lang="ja-JP" altLang="en-US" smtClean="0"/>
-              <a:t>2022/1/18</a:t>
+              <a:t>2022/1/19</a:t>
             </a:fld>
             <a:endParaRPr kumimoji="1" lang="ja-JP" altLang="en-US"/>
           </a:p>
@@ -1221,7 +1221,7 @@
           <a:p>
             <a:fld id="{C63D219B-6862-4E6A-9F9E-C4C4759712F9}" type="datetimeFigureOut">
               <a:rPr kumimoji="1" lang="ja-JP" altLang="en-US" smtClean="0"/>
-              <a:t>2022/1/18</a:t>
+              <a:t>2022/1/19</a:t>
             </a:fld>
             <a:endParaRPr kumimoji="1" lang="ja-JP" altLang="en-US"/>
           </a:p>
@@ -1451,7 +1451,7 @@
           <a:p>
             <a:fld id="{C63D219B-6862-4E6A-9F9E-C4C4759712F9}" type="datetimeFigureOut">
               <a:rPr kumimoji="1" lang="ja-JP" altLang="en-US" smtClean="0"/>
-              <a:t>2022/1/18</a:t>
+              <a:t>2022/1/19</a:t>
             </a:fld>
             <a:endParaRPr kumimoji="1" lang="ja-JP" altLang="en-US"/>
           </a:p>
@@ -1691,7 +1691,7 @@
           <a:p>
             <a:fld id="{C63D219B-6862-4E6A-9F9E-C4C4759712F9}" type="datetimeFigureOut">
               <a:rPr kumimoji="1" lang="ja-JP" altLang="en-US" smtClean="0"/>
-              <a:t>2022/1/18</a:t>
+              <a:t>2022/1/19</a:t>
             </a:fld>
             <a:endParaRPr kumimoji="1" lang="ja-JP" altLang="en-US"/>
           </a:p>
@@ -1921,7 +1921,7 @@
           <a:p>
             <a:fld id="{C63D219B-6862-4E6A-9F9E-C4C4759712F9}" type="datetimeFigureOut">
               <a:rPr kumimoji="1" lang="ja-JP" altLang="en-US" smtClean="0"/>
-              <a:t>2022/1/18</a:t>
+              <a:t>2022/1/19</a:t>
             </a:fld>
             <a:endParaRPr kumimoji="1" lang="ja-JP" altLang="en-US"/>
           </a:p>
@@ -2196,7 +2196,7 @@
           <a:p>
             <a:fld id="{C63D219B-6862-4E6A-9F9E-C4C4759712F9}" type="datetimeFigureOut">
               <a:rPr kumimoji="1" lang="ja-JP" altLang="en-US" smtClean="0"/>
-              <a:t>2022/1/18</a:t>
+              <a:t>2022/1/19</a:t>
             </a:fld>
             <a:endParaRPr kumimoji="1" lang="ja-JP" altLang="en-US"/>
           </a:p>
@@ -2525,7 +2525,7 @@
           <a:p>
             <a:fld id="{C63D219B-6862-4E6A-9F9E-C4C4759712F9}" type="datetimeFigureOut">
               <a:rPr kumimoji="1" lang="ja-JP" altLang="en-US" smtClean="0"/>
-              <a:t>2022/1/18</a:t>
+              <a:t>2022/1/19</a:t>
             </a:fld>
             <a:endParaRPr kumimoji="1" lang="ja-JP" altLang="en-US"/>
           </a:p>
@@ -3001,7 +3001,7 @@
           <a:p>
             <a:fld id="{C63D219B-6862-4E6A-9F9E-C4C4759712F9}" type="datetimeFigureOut">
               <a:rPr kumimoji="1" lang="ja-JP" altLang="en-US" smtClean="0"/>
-              <a:t>2022/1/18</a:t>
+              <a:t>2022/1/19</a:t>
             </a:fld>
             <a:endParaRPr kumimoji="1" lang="ja-JP" altLang="en-US"/>
           </a:p>
@@ -3142,7 +3142,7 @@
           <a:p>
             <a:fld id="{C63D219B-6862-4E6A-9F9E-C4C4759712F9}" type="datetimeFigureOut">
               <a:rPr kumimoji="1" lang="ja-JP" altLang="en-US" smtClean="0"/>
-              <a:t>2022/1/18</a:t>
+              <a:t>2022/1/19</a:t>
             </a:fld>
             <a:endParaRPr kumimoji="1" lang="ja-JP" altLang="en-US"/>
           </a:p>
@@ -3255,7 +3255,7 @@
           <a:p>
             <a:fld id="{C63D219B-6862-4E6A-9F9E-C4C4759712F9}" type="datetimeFigureOut">
               <a:rPr kumimoji="1" lang="ja-JP" altLang="en-US" smtClean="0"/>
-              <a:t>2022/1/18</a:t>
+              <a:t>2022/1/19</a:t>
             </a:fld>
             <a:endParaRPr kumimoji="1" lang="ja-JP" altLang="en-US"/>
           </a:p>
@@ -3598,7 +3598,7 @@
           <a:p>
             <a:fld id="{C63D219B-6862-4E6A-9F9E-C4C4759712F9}" type="datetimeFigureOut">
               <a:rPr kumimoji="1" lang="ja-JP" altLang="en-US" smtClean="0"/>
-              <a:t>2022/1/18</a:t>
+              <a:t>2022/1/19</a:t>
             </a:fld>
             <a:endParaRPr kumimoji="1" lang="ja-JP" altLang="en-US"/>
           </a:p>
@@ -3886,7 +3886,7 @@
           <a:p>
             <a:fld id="{C63D219B-6862-4E6A-9F9E-C4C4759712F9}" type="datetimeFigureOut">
               <a:rPr kumimoji="1" lang="ja-JP" altLang="en-US" smtClean="0"/>
-              <a:t>2022/1/18</a:t>
+              <a:t>2022/1/19</a:t>
             </a:fld>
             <a:endParaRPr kumimoji="1" lang="ja-JP" altLang="en-US"/>
           </a:p>
@@ -4186,7 +4186,7 @@
           <a:p>
             <a:fld id="{C63D219B-6862-4E6A-9F9E-C4C4759712F9}" type="datetimeFigureOut">
               <a:rPr kumimoji="1" lang="ja-JP" altLang="en-US" smtClean="0"/>
-              <a:t>2022/1/18</a:t>
+              <a:t>2022/1/19</a:t>
             </a:fld>
             <a:endParaRPr kumimoji="1" lang="ja-JP" altLang="en-US"/>
           </a:p>
@@ -6308,19 +6308,17 @@
       </p:sp>
       <p:pic>
         <p:nvPicPr>
-          <p:cNvPr id="5" name="コンテンツ プレースホルダー 4">
-            <a:extLst>
-              <a:ext uri="{FF2B5EF4-FFF2-40B4-BE49-F238E27FC236}">
-                <a16:creationId xmlns:a16="http://schemas.microsoft.com/office/drawing/2014/main" id="{DD110393-78F5-49DE-8A71-6FF622F657D9}"/>
+          <p:cNvPr id="7" name="図 6">
+            <a:extLst>
+              <a:ext uri="{FF2B5EF4-FFF2-40B4-BE49-F238E27FC236}">
+                <a16:creationId xmlns:a16="http://schemas.microsoft.com/office/drawing/2014/main" id="{C13F1E02-9285-4AEF-AA29-0936016C8AAC}"/>
               </a:ext>
             </a:extLst>
           </p:cNvPr>
           <p:cNvPicPr>
-            <a:picLocks noGrp="1" noChangeAspect="1"/>
+            <a:picLocks noChangeAspect="1"/>
           </p:cNvPicPr>
-          <p:nvPr>
-            <p:ph idx="1"/>
-          </p:nvPr>
+          <p:nvPr/>
         </p:nvPicPr>
         <p:blipFill>
           <a:blip r:embed="rId3">
@@ -6336,24 +6334,29 @@
         </p:blipFill>
         <p:spPr>
           <a:xfrm>
-            <a:off x="584227" y="2681346"/>
-            <a:ext cx="8726118" cy="1951672"/>
+            <a:off x="998312" y="2972361"/>
+            <a:ext cx="8735644" cy="1951671"/>
           </a:xfrm>
+          <a:prstGeom prst="rect">
+            <a:avLst/>
+          </a:prstGeom>
         </p:spPr>
       </p:pic>
       <p:pic>
         <p:nvPicPr>
-          <p:cNvPr id="7" name="図 6">
-            <a:extLst>
-              <a:ext uri="{FF2B5EF4-FFF2-40B4-BE49-F238E27FC236}">
-                <a16:creationId xmlns:a16="http://schemas.microsoft.com/office/drawing/2014/main" id="{C13F1E02-9285-4AEF-AA29-0936016C8AAC}"/>
+          <p:cNvPr id="5" name="コンテンツ プレースホルダー 4">
+            <a:extLst>
+              <a:ext uri="{FF2B5EF4-FFF2-40B4-BE49-F238E27FC236}">
+                <a16:creationId xmlns:a16="http://schemas.microsoft.com/office/drawing/2014/main" id="{DD110393-78F5-49DE-8A71-6FF622F657D9}"/>
               </a:ext>
             </a:extLst>
           </p:cNvPr>
           <p:cNvPicPr>
-            <a:picLocks noChangeAspect="1"/>
+            <a:picLocks noGrp="1" noChangeAspect="1"/>
           </p:cNvPicPr>
-          <p:nvPr/>
+          <p:nvPr>
+            <p:ph idx="1"/>
+          </p:nvPr>
         </p:nvPicPr>
         <p:blipFill>
           <a:blip r:embed="rId4">
@@ -6369,12 +6372,9 @@
         </p:blipFill>
         <p:spPr>
           <a:xfrm>
-            <a:off x="574701" y="2681347"/>
-            <a:ext cx="8735644" cy="1951671"/>
+            <a:off x="1007838" y="2972360"/>
+            <a:ext cx="8726118" cy="1951672"/>
           </a:xfrm>
-          <a:prstGeom prst="rect">
-            <a:avLst/>
-          </a:prstGeom>
         </p:spPr>
       </p:pic>
     </p:spTree>
@@ -6387,6 +6387,89 @@
   <p:clrMapOvr>
     <a:masterClrMapping/>
   </p:clrMapOvr>
+  <p:timing>
+    <p:tnLst>
+      <p:par>
+        <p:cTn id="1" dur="indefinite" restart="never" nodeType="tmRoot">
+          <p:childTnLst>
+            <p:seq concurrent="1" nextAc="seek">
+              <p:cTn id="2" dur="indefinite" nodeType="mainSeq">
+                <p:childTnLst>
+                  <p:par>
+                    <p:cTn id="3" fill="hold">
+                      <p:stCondLst>
+                        <p:cond delay="indefinite"/>
+                      </p:stCondLst>
+                      <p:childTnLst>
+                        <p:par>
+                          <p:cTn id="4" fill="hold">
+                            <p:stCondLst>
+                              <p:cond delay="0"/>
+                            </p:stCondLst>
+                            <p:childTnLst>
+                              <p:par>
+                                <p:cTn id="5" presetID="10" presetClass="entr" presetSubtype="0" fill="hold" nodeType="clickEffect">
+                                  <p:stCondLst>
+                                    <p:cond delay="0"/>
+                                  </p:stCondLst>
+                                  <p:childTnLst>
+                                    <p:set>
+                                      <p:cBhvr>
+                                        <p:cTn id="6" dur="1" fill="hold">
+                                          <p:stCondLst>
+                                            <p:cond delay="0"/>
+                                          </p:stCondLst>
+                                        </p:cTn>
+                                        <p:tgtEl>
+                                          <p:spTgt spid="5"/>
+                                        </p:tgtEl>
+                                        <p:attrNameLst>
+                                          <p:attrName>style.visibility</p:attrName>
+                                        </p:attrNameLst>
+                                      </p:cBhvr>
+                                      <p:to>
+                                        <p:strVal val="visible"/>
+                                      </p:to>
+                                    </p:set>
+                                    <p:animEffect transition="in" filter="fade">
+                                      <p:cBhvr>
+                                        <p:cTn id="7" dur="500"/>
+                                        <p:tgtEl>
+                                          <p:spTgt spid="5"/>
+                                        </p:tgtEl>
+                                      </p:cBhvr>
+                                    </p:animEffect>
+                                  </p:childTnLst>
+                                </p:cTn>
+                              </p:par>
+                            </p:childTnLst>
+                          </p:cTn>
+                        </p:par>
+                      </p:childTnLst>
+                    </p:cTn>
+                  </p:par>
+                </p:childTnLst>
+              </p:cTn>
+              <p:prevCondLst>
+                <p:cond evt="onPrev" delay="0">
+                  <p:tgtEl>
+                    <p:sldTgt/>
+                  </p:tgtEl>
+                </p:cond>
+              </p:prevCondLst>
+              <p:nextCondLst>
+                <p:cond evt="onNext" delay="0">
+                  <p:tgtEl>
+                    <p:sldTgt/>
+                  </p:tgtEl>
+                </p:cond>
+              </p:nextCondLst>
+            </p:seq>
+          </p:childTnLst>
+        </p:cTn>
+      </p:par>
+    </p:tnLst>
+  </p:timing>
 </p:sld>
 </file>
 
@@ -6457,7 +6540,14 @@
           <a:bodyPr/>
           <a:lstStyle/>
           <a:p>
-            <a:endParaRPr kumimoji="1" lang="ja-JP" altLang="en-US"/>
+            <a:r>
+              <a:rPr kumimoji="1" lang="ja-JP" altLang="en-US" dirty="0"/>
+              <a:t>形態素解析</a:t>
+            </a:r>
+            <a:endParaRPr kumimoji="1" lang="en-US" altLang="ja-JP" dirty="0"/>
+          </a:p>
+          <a:p>
+            <a:endParaRPr kumimoji="1" lang="ja-JP" altLang="en-US" dirty="0"/>
           </a:p>
         </p:txBody>
       </p:sp>

--- a/presentation/AIスピーカー開発_3_山田.pptx
+++ b/presentation/AIスピーカー開発_3_山田.pptx
@@ -17,11 +17,11 @@
     <p:sldId id="271" r:id="rId8"/>
     <p:sldId id="262" r:id="rId9"/>
     <p:sldId id="270" r:id="rId10"/>
-    <p:sldId id="263" r:id="rId11"/>
-    <p:sldId id="274" r:id="rId12"/>
-    <p:sldId id="272" r:id="rId13"/>
-    <p:sldId id="275" r:id="rId14"/>
-    <p:sldId id="273" r:id="rId15"/>
+    <p:sldId id="274" r:id="rId11"/>
+    <p:sldId id="272" r:id="rId12"/>
+    <p:sldId id="275" r:id="rId13"/>
+    <p:sldId id="273" r:id="rId14"/>
+    <p:sldId id="276" r:id="rId15"/>
     <p:sldId id="264" r:id="rId16"/>
     <p:sldId id="265" r:id="rId17"/>
     <p:sldId id="269" r:id="rId18"/>
@@ -750,6 +750,217 @@
           <a:bodyPr/>
           <a:lstStyle/>
           <a:p>
+            <a:pPr marL="0" marR="0" lvl="0" indent="0" algn="l" defTabSz="914400" rtl="0" eaLnBrk="1" fontAlgn="auto" latinLnBrk="0" hangingPunct="1">
+              <a:lnSpc>
+                <a:spcPct val="100000"/>
+              </a:lnSpc>
+              <a:spcBef>
+                <a:spcPts val="0"/>
+              </a:spcBef>
+              <a:spcAft>
+                <a:spcPts val="0"/>
+              </a:spcAft>
+              <a:buClrTx/>
+              <a:buSzTx/>
+              <a:buFontTx/>
+              <a:buNone/>
+              <a:tabLst/>
+              <a:defRPr/>
+            </a:pPr>
+            <a:r>
+              <a:rPr lang="ja-JP" altLang="en-US" dirty="0"/>
+              <a:t>テキスト分類の仕組みから説明します。</a:t>
+            </a:r>
+            <a:endParaRPr lang="en-US" altLang="ja-JP" dirty="0"/>
+          </a:p>
+          <a:p>
+            <a:pPr marL="0" marR="0" lvl="0" indent="0" algn="l" defTabSz="914400" rtl="0" eaLnBrk="1" fontAlgn="auto" latinLnBrk="0" hangingPunct="1">
+              <a:lnSpc>
+                <a:spcPct val="100000"/>
+              </a:lnSpc>
+              <a:spcBef>
+                <a:spcPts val="0"/>
+              </a:spcBef>
+              <a:spcAft>
+                <a:spcPts val="0"/>
+              </a:spcAft>
+              <a:buClrTx/>
+              <a:buSzTx/>
+              <a:buFontTx/>
+              <a:buNone/>
+              <a:tabLst/>
+              <a:defRPr/>
+            </a:pPr>
+            <a:r>
+              <a:rPr lang="ja-JP" altLang="en-US" dirty="0"/>
+              <a:t>テキスト分類とは機械学習を用いて文章をクラスに分類することです。</a:t>
+            </a:r>
+            <a:endParaRPr lang="en-US" altLang="ja-JP" dirty="0"/>
+          </a:p>
+          <a:p>
+            <a:pPr marL="0" marR="0" lvl="0" indent="0" algn="l" defTabSz="914400" rtl="0" eaLnBrk="1" fontAlgn="auto" latinLnBrk="0" hangingPunct="1">
+              <a:lnSpc>
+                <a:spcPct val="100000"/>
+              </a:lnSpc>
+              <a:spcBef>
+                <a:spcPts val="0"/>
+              </a:spcBef>
+              <a:spcAft>
+                <a:spcPts val="0"/>
+              </a:spcAft>
+              <a:buClrTx/>
+              <a:buSzTx/>
+              <a:buFontTx/>
+              <a:buNone/>
+              <a:tabLst/>
+              <a:defRPr/>
+            </a:pPr>
+            <a:r>
+              <a:rPr lang="ja-JP" altLang="en-US" dirty="0"/>
+              <a:t>流れとしては、予測したい文章を入力して、その文章がどのクラスに分類されるかの確率を計算し、最も高い確率のクラスを結果として出力してくれます。</a:t>
+            </a:r>
+            <a:endParaRPr lang="en-US" altLang="ja-JP" dirty="0"/>
+          </a:p>
+          <a:p>
+            <a:pPr marL="0" marR="0" lvl="0" indent="0" algn="l" defTabSz="914400" rtl="0" eaLnBrk="1" fontAlgn="auto" latinLnBrk="0" hangingPunct="1">
+              <a:lnSpc>
+                <a:spcPct val="100000"/>
+              </a:lnSpc>
+              <a:spcBef>
+                <a:spcPts val="0"/>
+              </a:spcBef>
+              <a:spcAft>
+                <a:spcPts val="0"/>
+              </a:spcAft>
+              <a:buClrTx/>
+              <a:buSzTx/>
+              <a:buFontTx/>
+              <a:buNone/>
+              <a:tabLst/>
+              <a:defRPr/>
+            </a:pPr>
+            <a:r>
+              <a:rPr lang="ja-JP" altLang="en-US" dirty="0"/>
+              <a:t>これを</a:t>
+            </a:r>
+            <a:r>
+              <a:rPr lang="en-US" altLang="ja-JP" dirty="0" err="1"/>
+              <a:t>fastText</a:t>
+            </a:r>
+            <a:r>
+              <a:rPr lang="ja-JP" altLang="en-US" dirty="0"/>
+              <a:t>で行います。</a:t>
+            </a:r>
+            <a:endParaRPr lang="en-US" altLang="ja-JP" dirty="0"/>
+          </a:p>
+          <a:p>
+            <a:pPr marL="0" marR="0" lvl="0" indent="0" algn="l" defTabSz="914400" rtl="0" eaLnBrk="1" fontAlgn="auto" latinLnBrk="0" hangingPunct="1">
+              <a:lnSpc>
+                <a:spcPct val="100000"/>
+              </a:lnSpc>
+              <a:spcBef>
+                <a:spcPts val="0"/>
+              </a:spcBef>
+              <a:spcAft>
+                <a:spcPts val="0"/>
+              </a:spcAft>
+              <a:buClrTx/>
+              <a:buSzTx/>
+              <a:buFontTx/>
+              <a:buNone/>
+              <a:tabLst/>
+              <a:defRPr/>
+            </a:pPr>
+            <a:endParaRPr lang="en-US" altLang="ja-JP" dirty="0"/>
+          </a:p>
+          <a:p>
+            <a:pPr marL="0" marR="0" lvl="0" indent="0" algn="l" defTabSz="914400" rtl="0" eaLnBrk="1" fontAlgn="auto" latinLnBrk="0" hangingPunct="1">
+              <a:lnSpc>
+                <a:spcPct val="100000"/>
+              </a:lnSpc>
+              <a:spcBef>
+                <a:spcPts val="0"/>
+              </a:spcBef>
+              <a:spcAft>
+                <a:spcPts val="0"/>
+              </a:spcAft>
+              <a:buClrTx/>
+              <a:buSzTx/>
+              <a:buFontTx/>
+              <a:buNone/>
+              <a:tabLst/>
+              <a:defRPr/>
+            </a:pPr>
+            <a:r>
+              <a:rPr kumimoji="1" lang="ja-JP" altLang="en-US" dirty="0"/>
+              <a:t>たとえば、「犬と猫が好き」という文章を★右の三つのクラスのうちのどれかを</a:t>
+            </a:r>
+            <a:r>
+              <a:rPr kumimoji="1" lang="en-US" altLang="ja-JP" dirty="0"/>
+              <a:t>AI</a:t>
+            </a:r>
+            <a:r>
+              <a:rPr kumimoji="1" lang="ja-JP" altLang="en-US" dirty="0"/>
+              <a:t>で予測します。</a:t>
+            </a:r>
+            <a:endParaRPr kumimoji="1" lang="en-US" altLang="ja-JP" dirty="0"/>
+          </a:p>
+          <a:p>
+            <a:pPr marL="0" marR="0" lvl="0" indent="0" algn="l" defTabSz="914400" rtl="0" eaLnBrk="1" fontAlgn="auto" latinLnBrk="0" hangingPunct="1">
+              <a:lnSpc>
+                <a:spcPct val="100000"/>
+              </a:lnSpc>
+              <a:spcBef>
+                <a:spcPts val="0"/>
+              </a:spcBef>
+              <a:spcAft>
+                <a:spcPts val="0"/>
+              </a:spcAft>
+              <a:buClrTx/>
+              <a:buSzTx/>
+              <a:buFontTx/>
+              <a:buNone/>
+              <a:tabLst/>
+              <a:defRPr/>
+            </a:pPr>
+            <a:r>
+              <a:rPr kumimoji="1" lang="ja-JP" altLang="en-US" dirty="0"/>
+              <a:t>確率を計算した結果、★動物が</a:t>
+            </a:r>
+            <a:r>
+              <a:rPr kumimoji="1" lang="en-US" altLang="ja-JP" dirty="0"/>
+              <a:t>74%</a:t>
+            </a:r>
+            <a:r>
+              <a:rPr kumimoji="1" lang="ja-JP" altLang="en-US" dirty="0" err="1"/>
+              <a:t>、</a:t>
+            </a:r>
+            <a:r>
+              <a:rPr kumimoji="1" lang="ja-JP" altLang="en-US" dirty="0"/>
+              <a:t>スポーツが</a:t>
+            </a:r>
+            <a:r>
+              <a:rPr kumimoji="1" lang="en-US" altLang="ja-JP" dirty="0"/>
+              <a:t>14%</a:t>
+            </a:r>
+            <a:r>
+              <a:rPr kumimoji="1" lang="ja-JP" altLang="en-US" dirty="0" err="1"/>
+              <a:t>、</a:t>
+            </a:r>
+            <a:r>
+              <a:rPr kumimoji="1" lang="ja-JP" altLang="en-US" dirty="0"/>
+              <a:t>経済が</a:t>
+            </a:r>
+            <a:r>
+              <a:rPr kumimoji="1" lang="en-US" altLang="ja-JP" dirty="0"/>
+              <a:t>12%</a:t>
+            </a:r>
+            <a:r>
+              <a:rPr kumimoji="1" lang="ja-JP" altLang="en-US" dirty="0"/>
+              <a:t>と出しているので出力は★動物クラスとなります。</a:t>
+            </a:r>
+          </a:p>
+          <a:p>
             <a:endParaRPr kumimoji="1" lang="ja-JP" altLang="en-US" dirty="0"/>
           </a:p>
         </p:txBody>
@@ -771,7 +982,7 @@
           <a:p>
             <a:fld id="{1A2E7C28-4903-4521-8E60-0F80C627678B}" type="slidenum">
               <a:rPr kumimoji="1" lang="ja-JP" altLang="en-US" smtClean="0"/>
-              <a:t>11</a:t>
+              <a:t>9</a:t>
             </a:fld>
             <a:endParaRPr kumimoji="1" lang="ja-JP" altLang="en-US"/>
           </a:p>
@@ -780,7 +991,7 @@
     </p:spTree>
     <p:extLst>
       <p:ext uri="{BB962C8B-B14F-4D97-AF65-F5344CB8AC3E}">
-        <p14:creationId xmlns:p14="http://schemas.microsoft.com/office/powerpoint/2010/main" val="3472425227"/>
+        <p14:creationId xmlns:p14="http://schemas.microsoft.com/office/powerpoint/2010/main" val="1218619633"/>
       </p:ext>
     </p:extLst>
   </p:cSld>
@@ -834,27 +1045,6 @@
           <a:bodyPr/>
           <a:lstStyle/>
           <a:p>
-            <a:r>
-              <a:rPr kumimoji="1" lang="ja-JP" altLang="en-US" dirty="0"/>
-              <a:t>トレーニングデータの制作方法について解説します</a:t>
-            </a:r>
-            <a:endParaRPr kumimoji="1" lang="en-US" altLang="ja-JP" dirty="0"/>
-          </a:p>
-          <a:p>
-            <a:r>
-              <a:rPr kumimoji="1" lang="ja-JP" altLang="en-US" dirty="0"/>
-              <a:t>いろいろなトレーニングデータの作成方法を模索していく中で最も精度が良い制作方法が</a:t>
-            </a:r>
-            <a:endParaRPr kumimoji="1" lang="en-US" altLang="ja-JP" dirty="0"/>
-          </a:p>
-          <a:p>
-            <a:r>
-              <a:rPr kumimoji="1" lang="ja-JP" altLang="en-US" dirty="0"/>
-              <a:t>このやり方です。</a:t>
-            </a:r>
-            <a:endParaRPr kumimoji="1" lang="en-US" altLang="ja-JP" dirty="0"/>
-          </a:p>
-          <a:p>
             <a:endParaRPr kumimoji="1" lang="ja-JP" altLang="en-US" dirty="0"/>
           </a:p>
         </p:txBody>
@@ -876,7 +1066,7 @@
           <a:p>
             <a:fld id="{1A2E7C28-4903-4521-8E60-0F80C627678B}" type="slidenum">
               <a:rPr kumimoji="1" lang="ja-JP" altLang="en-US" smtClean="0"/>
-              <a:t>12</a:t>
+              <a:t>10</a:t>
             </a:fld>
             <a:endParaRPr kumimoji="1" lang="ja-JP" altLang="en-US"/>
           </a:p>
@@ -885,7 +1075,7 @@
     </p:spTree>
     <p:extLst>
       <p:ext uri="{BB962C8B-B14F-4D97-AF65-F5344CB8AC3E}">
-        <p14:creationId xmlns:p14="http://schemas.microsoft.com/office/powerpoint/2010/main" val="2677435830"/>
+        <p14:creationId xmlns:p14="http://schemas.microsoft.com/office/powerpoint/2010/main" val="3472425227"/>
       </p:ext>
     </p:extLst>
   </p:cSld>
@@ -939,6 +1129,27 @@
           <a:bodyPr/>
           <a:lstStyle/>
           <a:p>
+            <a:r>
+              <a:rPr kumimoji="1" lang="ja-JP" altLang="en-US" dirty="0"/>
+              <a:t>トレーニングデータの制作方法について解説します</a:t>
+            </a:r>
+            <a:endParaRPr kumimoji="1" lang="en-US" altLang="ja-JP" dirty="0"/>
+          </a:p>
+          <a:p>
+            <a:r>
+              <a:rPr kumimoji="1" lang="ja-JP" altLang="en-US" dirty="0"/>
+              <a:t>いろいろなトレーニングデータの作成方法を模索していく中で最も精度が良い制作方法が</a:t>
+            </a:r>
+            <a:endParaRPr kumimoji="1" lang="en-US" altLang="ja-JP" dirty="0"/>
+          </a:p>
+          <a:p>
+            <a:r>
+              <a:rPr kumimoji="1" lang="ja-JP" altLang="en-US" dirty="0"/>
+              <a:t>このやり方です。</a:t>
+            </a:r>
+            <a:endParaRPr kumimoji="1" lang="en-US" altLang="ja-JP" dirty="0"/>
+          </a:p>
+          <a:p>
             <a:endParaRPr kumimoji="1" lang="ja-JP" altLang="en-US" dirty="0"/>
           </a:p>
         </p:txBody>
@@ -960,7 +1171,91 @@
           <a:p>
             <a:fld id="{1A2E7C28-4903-4521-8E60-0F80C627678B}" type="slidenum">
               <a:rPr kumimoji="1" lang="ja-JP" altLang="en-US" smtClean="0"/>
-              <a:t>13</a:t>
+              <a:t>11</a:t>
+            </a:fld>
+            <a:endParaRPr kumimoji="1" lang="ja-JP" altLang="en-US"/>
+          </a:p>
+        </p:txBody>
+      </p:sp>
+    </p:spTree>
+    <p:extLst>
+      <p:ext uri="{BB962C8B-B14F-4D97-AF65-F5344CB8AC3E}">
+        <p14:creationId xmlns:p14="http://schemas.microsoft.com/office/powerpoint/2010/main" val="2677435830"/>
+      </p:ext>
+    </p:extLst>
+  </p:cSld>
+  <p:clrMapOvr>
+    <a:masterClrMapping/>
+  </p:clrMapOvr>
+</p:notes>
+</file>
+
+<file path=ppt/notesSlides/notesSlide6.xml><?xml version="1.0" encoding="utf-8"?>
+<p:notes xmlns:a="http://schemas.openxmlformats.org/drawingml/2006/main" xmlns:r="http://schemas.openxmlformats.org/officeDocument/2006/relationships" xmlns:p="http://schemas.openxmlformats.org/presentationml/2006/main">
+  <p:cSld>
+    <p:spTree>
+      <p:nvGrpSpPr>
+        <p:cNvPr id="1" name=""/>
+        <p:cNvGrpSpPr/>
+        <p:nvPr/>
+      </p:nvGrpSpPr>
+      <p:grpSpPr>
+        <a:xfrm>
+          <a:off x="0" y="0"/>
+          <a:ext cx="0" cy="0"/>
+          <a:chOff x="0" y="0"/>
+          <a:chExt cx="0" cy="0"/>
+        </a:xfrm>
+      </p:grpSpPr>
+      <p:sp>
+        <p:nvSpPr>
+          <p:cNvPr id="2" name="スライド イメージ プレースホルダー 1"/>
+          <p:cNvSpPr>
+            <a:spLocks noGrp="1" noRot="1" noChangeAspect="1"/>
+          </p:cNvSpPr>
+          <p:nvPr>
+            <p:ph type="sldImg"/>
+          </p:nvPr>
+        </p:nvSpPr>
+        <p:spPr/>
+      </p:sp>
+      <p:sp>
+        <p:nvSpPr>
+          <p:cNvPr id="3" name="ノート プレースホルダー 2"/>
+          <p:cNvSpPr>
+            <a:spLocks noGrp="1"/>
+          </p:cNvSpPr>
+          <p:nvPr>
+            <p:ph type="body" idx="1"/>
+          </p:nvPr>
+        </p:nvSpPr>
+        <p:spPr/>
+        <p:txBody>
+          <a:bodyPr/>
+          <a:lstStyle/>
+          <a:p>
+            <a:endParaRPr kumimoji="1" lang="ja-JP" altLang="en-US" dirty="0"/>
+          </a:p>
+        </p:txBody>
+      </p:sp>
+      <p:sp>
+        <p:nvSpPr>
+          <p:cNvPr id="4" name="スライド番号プレースホルダー 3"/>
+          <p:cNvSpPr>
+            <a:spLocks noGrp="1"/>
+          </p:cNvSpPr>
+          <p:nvPr>
+            <p:ph type="sldNum" sz="quarter" idx="5"/>
+          </p:nvPr>
+        </p:nvSpPr>
+        <p:spPr/>
+        <p:txBody>
+          <a:bodyPr/>
+          <a:lstStyle/>
+          <a:p>
+            <a:fld id="{1A2E7C28-4903-4521-8E60-0F80C627678B}" type="slidenum">
+              <a:rPr kumimoji="1" lang="ja-JP" altLang="en-US" smtClean="0"/>
+              <a:t>12</a:t>
             </a:fld>
             <a:endParaRPr kumimoji="1" lang="ja-JP" altLang="en-US"/>
           </a:p>
@@ -979,7 +1274,7 @@
 </p:notes>
 </file>
 
-<file path=ppt/notesSlides/notesSlide6.xml><?xml version="1.0" encoding="utf-8"?>
+<file path=ppt/notesSlides/notesSlide7.xml><?xml version="1.0" encoding="utf-8"?>
 <p:notes xmlns:a="http://schemas.openxmlformats.org/drawingml/2006/main" xmlns:r="http://schemas.openxmlformats.org/officeDocument/2006/relationships" xmlns:p="http://schemas.openxmlformats.org/presentationml/2006/main">
   <p:cSld>
     <p:spTree>
@@ -4849,137 +5144,6 @@
       </p:grpSpPr>
       <p:sp>
         <p:nvSpPr>
-          <p:cNvPr id="2" name="タイトル 1">
-            <a:extLst>
-              <a:ext uri="{FF2B5EF4-FFF2-40B4-BE49-F238E27FC236}">
-                <a16:creationId xmlns:a16="http://schemas.microsoft.com/office/drawing/2014/main" id="{3B84D43F-F80B-40CE-BAA6-B9DFBE0CA5B9}"/>
-              </a:ext>
-            </a:extLst>
-          </p:cNvPr>
-          <p:cNvSpPr>
-            <a:spLocks noGrp="1"/>
-          </p:cNvSpPr>
-          <p:nvPr>
-            <p:ph type="title"/>
-          </p:nvPr>
-        </p:nvSpPr>
-        <p:spPr/>
-        <p:txBody>
-          <a:bodyPr/>
-          <a:lstStyle/>
-          <a:p>
-            <a:r>
-              <a:rPr kumimoji="1" lang="en-US" altLang="ja-JP" dirty="0"/>
-              <a:t>fastText</a:t>
-            </a:r>
-            <a:endParaRPr kumimoji="1" lang="ja-JP" altLang="en-US" dirty="0"/>
-          </a:p>
-        </p:txBody>
-      </p:sp>
-      <p:sp>
-        <p:nvSpPr>
-          <p:cNvPr id="3" name="コンテンツ プレースホルダー 2">
-            <a:extLst>
-              <a:ext uri="{FF2B5EF4-FFF2-40B4-BE49-F238E27FC236}">
-                <a16:creationId xmlns:a16="http://schemas.microsoft.com/office/drawing/2014/main" id="{A68B4BBE-92D2-4DCF-B6A5-0E40E2D9BFF9}"/>
-              </a:ext>
-            </a:extLst>
-          </p:cNvPr>
-          <p:cNvSpPr>
-            <a:spLocks noGrp="1"/>
-          </p:cNvSpPr>
-          <p:nvPr>
-            <p:ph idx="1"/>
-          </p:nvPr>
-        </p:nvSpPr>
-        <p:spPr/>
-        <p:txBody>
-          <a:bodyPr/>
-          <a:lstStyle/>
-          <a:p>
-            <a:r>
-              <a:rPr kumimoji="1" lang="ja-JP" altLang="en-US" dirty="0"/>
-              <a:t>仕組み</a:t>
-            </a:r>
-            <a:endParaRPr kumimoji="1" lang="en-US" altLang="ja-JP" dirty="0"/>
-          </a:p>
-          <a:p>
-            <a:r>
-              <a:rPr lang="ja-JP" altLang="en-US" dirty="0"/>
-              <a:t>都道府県名</a:t>
-            </a:r>
-            <a:endParaRPr lang="en-US" altLang="ja-JP" dirty="0"/>
-          </a:p>
-          <a:p>
-            <a:r>
-              <a:rPr kumimoji="1" lang="ja-JP" altLang="en-US" dirty="0"/>
-              <a:t>↓</a:t>
-            </a:r>
-            <a:endParaRPr kumimoji="1" lang="en-US" altLang="ja-JP" dirty="0"/>
-          </a:p>
-          <a:p>
-            <a:r>
-              <a:rPr kumimoji="1" lang="ja-JP" altLang="en-US" dirty="0"/>
-              <a:t>実際に使う名詞のトレーニングデータ</a:t>
-            </a:r>
-            <a:r>
-              <a:rPr kumimoji="1" lang="en-US" altLang="ja-JP" dirty="0" err="1"/>
-              <a:t>jonny</a:t>
-            </a:r>
-            <a:endParaRPr kumimoji="1" lang="en-US" altLang="ja-JP" dirty="0"/>
-          </a:p>
-          <a:p>
-            <a:r>
-              <a:rPr lang="ja-JP" altLang="en-US" dirty="0"/>
-              <a:t>名詞で判別</a:t>
-            </a:r>
-            <a:endParaRPr kumimoji="1" lang="en-US" altLang="ja-JP" dirty="0"/>
-          </a:p>
-          <a:p>
-            <a:r>
-              <a:rPr kumimoji="1" lang="en-US" altLang="ja-JP" dirty="0" err="1"/>
-              <a:t>Mecab</a:t>
-            </a:r>
-            <a:r>
-              <a:rPr kumimoji="1" lang="ja-JP" altLang="en-US" dirty="0"/>
-              <a:t>で文章から名刺を抽出→予測</a:t>
-            </a:r>
-            <a:endParaRPr kumimoji="1" lang="en-US" altLang="ja-JP" dirty="0"/>
-          </a:p>
-        </p:txBody>
-      </p:sp>
-    </p:spTree>
-    <p:extLst>
-      <p:ext uri="{BB962C8B-B14F-4D97-AF65-F5344CB8AC3E}">
-        <p14:creationId xmlns:p14="http://schemas.microsoft.com/office/powerpoint/2010/main" val="2305918178"/>
-      </p:ext>
-    </p:extLst>
-  </p:cSld>
-  <p:clrMapOvr>
-    <a:masterClrMapping/>
-  </p:clrMapOvr>
-</p:sld>
-</file>
-
-<file path=ppt/slides/slide11.xml><?xml version="1.0" encoding="utf-8"?>
-<p:sld xmlns:a="http://schemas.openxmlformats.org/drawingml/2006/main" xmlns:r="http://schemas.openxmlformats.org/officeDocument/2006/relationships" xmlns:p="http://schemas.openxmlformats.org/presentationml/2006/main">
-  <p:cSld>
-    <p:spTree>
-      <p:nvGrpSpPr>
-        <p:cNvPr id="1" name=""/>
-        <p:cNvGrpSpPr/>
-        <p:nvPr/>
-      </p:nvGrpSpPr>
-      <p:grpSpPr>
-        <a:xfrm>
-          <a:off x="0" y="0"/>
-          <a:ext cx="0" cy="0"/>
-          <a:chOff x="0" y="0"/>
-          <a:chExt cx="0" cy="0"/>
-        </a:xfrm>
-      </p:grpSpPr>
-      <p:sp>
-        <p:nvSpPr>
           <p:cNvPr id="27" name="正方形/長方形 26">
             <a:extLst>
               <a:ext uri="{FF2B5EF4-FFF2-40B4-BE49-F238E27FC236}">
@@ -4992,7 +5156,7 @@
         </p:nvSpPr>
         <p:spPr>
           <a:xfrm>
-            <a:off x="10327408" y="2623056"/>
+            <a:off x="10279281" y="2303503"/>
             <a:ext cx="1788160" cy="3420485"/>
           </a:xfrm>
           <a:prstGeom prst="rect">
@@ -5054,7 +5218,7 @@
         </p:nvSpPr>
         <p:spPr>
           <a:xfrm>
-            <a:off x="8128000" y="2623056"/>
+            <a:off x="8079873" y="2303503"/>
             <a:ext cx="1788160" cy="3420485"/>
           </a:xfrm>
           <a:prstGeom prst="rect">
@@ -5116,7 +5280,7 @@
         </p:nvSpPr>
         <p:spPr>
           <a:xfrm>
-            <a:off x="5860931" y="2623057"/>
+            <a:off x="5812804" y="2303504"/>
             <a:ext cx="1788160" cy="3420485"/>
           </a:xfrm>
           <a:prstGeom prst="rect">
@@ -5195,7 +5359,7 @@
             </a:r>
             <a:r>
               <a:rPr kumimoji="1" lang="ja-JP" altLang="en-US" dirty="0"/>
-              <a:t>仕組み</a:t>
+              <a:t>の仕組み</a:t>
             </a:r>
           </a:p>
         </p:txBody>
@@ -5214,7 +5378,7 @@
         </p:nvSpPr>
         <p:spPr>
           <a:xfrm>
-            <a:off x="3724128" y="3316938"/>
+            <a:off x="3676001" y="2997385"/>
             <a:ext cx="973726" cy="1712686"/>
           </a:xfrm>
           <a:prstGeom prst="rightArrow">
@@ -5268,7 +5432,7 @@
         </p:nvSpPr>
         <p:spPr>
           <a:xfrm>
-            <a:off x="4989327" y="2937634"/>
+            <a:off x="4941200" y="2618081"/>
             <a:ext cx="1212282" cy="707886"/>
           </a:xfrm>
           <a:prstGeom prst="rect">
@@ -5304,7 +5468,7 @@
         </p:nvSpPr>
         <p:spPr>
           <a:xfrm>
-            <a:off x="4723863" y="3982731"/>
+            <a:off x="4675736" y="3663178"/>
             <a:ext cx="1212282" cy="707886"/>
           </a:xfrm>
           <a:prstGeom prst="rect">
@@ -5340,7 +5504,7 @@
         </p:nvCxnSpPr>
         <p:spPr>
           <a:xfrm>
-            <a:off x="5860931" y="3818503"/>
+            <a:off x="5812804" y="3498950"/>
             <a:ext cx="1788160" cy="0"/>
           </a:xfrm>
           <a:prstGeom prst="line">
@@ -5383,7 +5547,7 @@
         </p:nvCxnSpPr>
         <p:spPr>
           <a:xfrm>
-            <a:off x="5860931" y="4885303"/>
+            <a:off x="5812804" y="4565750"/>
             <a:ext cx="1788160" cy="0"/>
           </a:xfrm>
           <a:prstGeom prst="line">
@@ -5426,7 +5590,7 @@
         </p:nvSpPr>
         <p:spPr>
           <a:xfrm>
-            <a:off x="8415939" y="2948970"/>
+            <a:off x="8367812" y="2629417"/>
             <a:ext cx="1212282" cy="707886"/>
           </a:xfrm>
           <a:prstGeom prst="rect">
@@ -5462,7 +5626,7 @@
         </p:nvSpPr>
         <p:spPr>
           <a:xfrm>
-            <a:off x="6106377" y="2943187"/>
+            <a:off x="6058250" y="2623634"/>
             <a:ext cx="1212282" cy="707886"/>
           </a:xfrm>
           <a:prstGeom prst="rect">
@@ -5498,7 +5662,7 @@
         </p:nvSpPr>
         <p:spPr>
           <a:xfrm>
-            <a:off x="6148870" y="4090212"/>
+            <a:off x="6100743" y="3770659"/>
             <a:ext cx="1212282" cy="707886"/>
           </a:xfrm>
           <a:prstGeom prst="rect">
@@ -5534,7 +5698,7 @@
         </p:nvCxnSpPr>
         <p:spPr>
           <a:xfrm>
-            <a:off x="8128000" y="3818503"/>
+            <a:off x="8079873" y="3498950"/>
             <a:ext cx="1788160" cy="0"/>
           </a:xfrm>
           <a:prstGeom prst="line">
@@ -5577,7 +5741,7 @@
         </p:nvCxnSpPr>
         <p:spPr>
           <a:xfrm>
-            <a:off x="8154009" y="4885303"/>
+            <a:off x="8105882" y="4565750"/>
             <a:ext cx="1788160" cy="0"/>
           </a:xfrm>
           <a:prstGeom prst="line">
@@ -5620,7 +5784,7 @@
         </p:nvCxnSpPr>
         <p:spPr>
           <a:xfrm>
-            <a:off x="10298319" y="3818503"/>
+            <a:off x="10250192" y="3498950"/>
             <a:ext cx="1788160" cy="0"/>
           </a:xfrm>
           <a:prstGeom prst="line">
@@ -5663,7 +5827,7 @@
         </p:nvSpPr>
         <p:spPr>
           <a:xfrm>
-            <a:off x="10586258" y="2943187"/>
+            <a:off x="10538131" y="2623634"/>
             <a:ext cx="1212282" cy="707886"/>
           </a:xfrm>
           <a:prstGeom prst="rect">
@@ -5699,7 +5863,7 @@
         </p:nvSpPr>
         <p:spPr>
           <a:xfrm>
-            <a:off x="10628751" y="4090212"/>
+            <a:off x="10580624" y="3770659"/>
             <a:ext cx="1212282" cy="707886"/>
           </a:xfrm>
           <a:prstGeom prst="rect">
@@ -5735,7 +5899,7 @@
         </p:nvSpPr>
         <p:spPr>
           <a:xfrm>
-            <a:off x="8352201" y="4043679"/>
+            <a:off x="8304074" y="3724126"/>
             <a:ext cx="1212282" cy="707886"/>
           </a:xfrm>
           <a:prstGeom prst="rect">
@@ -5771,7 +5935,7 @@
         </p:nvCxnSpPr>
         <p:spPr>
           <a:xfrm>
-            <a:off x="8128000" y="6043543"/>
+            <a:off x="8079873" y="5723990"/>
             <a:ext cx="1788160" cy="0"/>
           </a:xfrm>
           <a:prstGeom prst="line">
@@ -5814,7 +5978,7 @@
         </p:nvSpPr>
         <p:spPr>
           <a:xfrm>
-            <a:off x="6106377" y="5122404"/>
+            <a:off x="6058250" y="4802851"/>
             <a:ext cx="1212282" cy="707886"/>
           </a:xfrm>
           <a:prstGeom prst="rect">
@@ -5850,7 +6014,7 @@
         </p:nvCxnSpPr>
         <p:spPr>
           <a:xfrm>
-            <a:off x="5860931" y="6043543"/>
+            <a:off x="5812804" y="5723990"/>
             <a:ext cx="1788160" cy="0"/>
           </a:xfrm>
           <a:prstGeom prst="line">
@@ -5893,7 +6057,7 @@
         </p:nvCxnSpPr>
         <p:spPr>
           <a:xfrm>
-            <a:off x="10298319" y="4880332"/>
+            <a:off x="10250192" y="4560779"/>
             <a:ext cx="1788160" cy="0"/>
           </a:xfrm>
           <a:prstGeom prst="line">
@@ -5936,7 +6100,7 @@
         </p:nvSpPr>
         <p:spPr>
           <a:xfrm>
-            <a:off x="8352201" y="5188445"/>
+            <a:off x="8304074" y="4868892"/>
             <a:ext cx="1212282" cy="707886"/>
           </a:xfrm>
           <a:prstGeom prst="rect">
@@ -5972,7 +6136,7 @@
         </p:nvSpPr>
         <p:spPr>
           <a:xfrm>
-            <a:off x="10691779" y="5122404"/>
+            <a:off x="10643652" y="4802851"/>
             <a:ext cx="1212282" cy="707886"/>
           </a:xfrm>
           <a:prstGeom prst="rect">
@@ -6008,7 +6172,7 @@
         </p:nvSpPr>
         <p:spPr>
           <a:xfrm>
-            <a:off x="4944707" y="5122404"/>
+            <a:off x="4896580" y="4802851"/>
             <a:ext cx="1212282" cy="707886"/>
           </a:xfrm>
           <a:prstGeom prst="rect">
@@ -6043,7 +6207,7 @@
         </p:nvSpPr>
         <p:spPr>
           <a:xfrm>
-            <a:off x="131092" y="3806686"/>
+            <a:off x="122095" y="3498950"/>
             <a:ext cx="3262433" cy="707886"/>
           </a:xfrm>
           <a:prstGeom prst="rect">
@@ -6072,10 +6236,325 @@
           </a:p>
         </p:txBody>
       </p:sp>
+      <p:sp>
+        <p:nvSpPr>
+          <p:cNvPr id="29" name="正方形/長方形 28">
+            <a:extLst>
+              <a:ext uri="{FF2B5EF4-FFF2-40B4-BE49-F238E27FC236}">
+                <a16:creationId xmlns:a16="http://schemas.microsoft.com/office/drawing/2014/main" id="{2678E8EF-BCE8-498D-B6AA-B0F3558170C4}"/>
+              </a:ext>
+            </a:extLst>
+          </p:cNvPr>
+          <p:cNvSpPr/>
+          <p:nvPr/>
+        </p:nvSpPr>
+        <p:spPr>
+          <a:xfrm>
+            <a:off x="9508067" y="0"/>
+            <a:ext cx="2683933" cy="1593908"/>
+          </a:xfrm>
+          <a:prstGeom prst="rect">
+            <a:avLst/>
+          </a:prstGeom>
+          <a:solidFill>
+            <a:schemeClr val="accent6">
+              <a:lumMod val="60000"/>
+              <a:lumOff val="40000"/>
+            </a:schemeClr>
+          </a:solidFill>
+          <a:ln>
+            <a:solidFill>
+              <a:schemeClr val="tx1"/>
+            </a:solidFill>
+          </a:ln>
+        </p:spPr>
+        <p:style>
+          <a:lnRef idx="2">
+            <a:schemeClr val="accent1">
+              <a:shade val="50000"/>
+            </a:schemeClr>
+          </a:lnRef>
+          <a:fillRef idx="1">
+            <a:schemeClr val="accent1"/>
+          </a:fillRef>
+          <a:effectRef idx="0">
+            <a:schemeClr val="accent1"/>
+          </a:effectRef>
+          <a:fontRef idx="minor">
+            <a:schemeClr val="lt1"/>
+          </a:fontRef>
+        </p:style>
+        <p:txBody>
+          <a:bodyPr rtlCol="0" anchor="ctr"/>
+          <a:lstStyle/>
+          <a:p>
+            <a:pPr algn="ctr"/>
+            <a:endParaRPr kumimoji="1" lang="ja-JP" altLang="en-US"/>
+          </a:p>
+        </p:txBody>
+      </p:sp>
+      <p:sp>
+        <p:nvSpPr>
+          <p:cNvPr id="30" name="テキスト ボックス 29">
+            <a:extLst>
+              <a:ext uri="{FF2B5EF4-FFF2-40B4-BE49-F238E27FC236}">
+                <a16:creationId xmlns:a16="http://schemas.microsoft.com/office/drawing/2014/main" id="{F277C3AC-506E-4483-BD22-68CF333ED73D}"/>
+              </a:ext>
+            </a:extLst>
+          </p:cNvPr>
+          <p:cNvSpPr txBox="1"/>
+          <p:nvPr/>
+        </p:nvSpPr>
+        <p:spPr>
+          <a:xfrm>
+            <a:off x="6108862" y="1593908"/>
+            <a:ext cx="1212282" cy="707886"/>
+          </a:xfrm>
+          <a:prstGeom prst="rect">
+            <a:avLst/>
+          </a:prstGeom>
+          <a:noFill/>
+        </p:spPr>
+        <p:txBody>
+          <a:bodyPr wrap="square" rtlCol="0">
+            <a:spAutoFit/>
+          </a:bodyPr>
+          <a:lstStyle/>
+          <a:p>
+            <a:r>
+              <a:rPr kumimoji="1" lang="ja-JP" altLang="en-US" sz="4000" b="1" dirty="0"/>
+              <a:t>動物</a:t>
+            </a:r>
+          </a:p>
+        </p:txBody>
+      </p:sp>
+      <p:sp>
+        <p:nvSpPr>
+          <p:cNvPr id="31" name="テキスト ボックス 30">
+            <a:extLst>
+              <a:ext uri="{FF2B5EF4-FFF2-40B4-BE49-F238E27FC236}">
+                <a16:creationId xmlns:a16="http://schemas.microsoft.com/office/drawing/2014/main" id="{F0787A29-01FB-4782-B8C4-A4FFBDEB0BD9}"/>
+              </a:ext>
+            </a:extLst>
+          </p:cNvPr>
+          <p:cNvSpPr txBox="1"/>
+          <p:nvPr/>
+        </p:nvSpPr>
+        <p:spPr>
+          <a:xfrm>
+            <a:off x="8375931" y="1593908"/>
+            <a:ext cx="1212282" cy="707886"/>
+          </a:xfrm>
+          <a:prstGeom prst="rect">
+            <a:avLst/>
+          </a:prstGeom>
+          <a:noFill/>
+        </p:spPr>
+        <p:txBody>
+          <a:bodyPr wrap="square" rtlCol="0">
+            <a:spAutoFit/>
+          </a:bodyPr>
+          <a:lstStyle/>
+          <a:p>
+            <a:r>
+              <a:rPr lang="ja-JP" altLang="en-US" sz="4000" b="1" dirty="0"/>
+              <a:t>経済</a:t>
+            </a:r>
+            <a:endParaRPr kumimoji="1" lang="ja-JP" altLang="en-US" sz="4000" b="1" dirty="0"/>
+          </a:p>
+        </p:txBody>
+      </p:sp>
+      <p:sp>
+        <p:nvSpPr>
+          <p:cNvPr id="32" name="テキスト ボックス 31">
+            <a:extLst>
+              <a:ext uri="{FF2B5EF4-FFF2-40B4-BE49-F238E27FC236}">
+                <a16:creationId xmlns:a16="http://schemas.microsoft.com/office/drawing/2014/main" id="{11C393C1-A354-440B-84BC-CDACAFBACC97}"/>
+              </a:ext>
+            </a:extLst>
+          </p:cNvPr>
+          <p:cNvSpPr txBox="1"/>
+          <p:nvPr/>
+        </p:nvSpPr>
+        <p:spPr>
+          <a:xfrm>
+            <a:off x="9989982" y="1579452"/>
+            <a:ext cx="2683932" cy="707886"/>
+          </a:xfrm>
+          <a:prstGeom prst="rect">
+            <a:avLst/>
+          </a:prstGeom>
+          <a:noFill/>
+        </p:spPr>
+        <p:txBody>
+          <a:bodyPr wrap="square" rtlCol="0">
+            <a:spAutoFit/>
+          </a:bodyPr>
+          <a:lstStyle/>
+          <a:p>
+            <a:r>
+              <a:rPr lang="ja-JP" altLang="en-US" sz="4000" b="1" dirty="0"/>
+              <a:t>スポーツ</a:t>
+            </a:r>
+            <a:endParaRPr kumimoji="1" lang="ja-JP" altLang="en-US" sz="4000" b="1" dirty="0"/>
+          </a:p>
+        </p:txBody>
+      </p:sp>
     </p:spTree>
     <p:extLst>
       <p:ext uri="{BB962C8B-B14F-4D97-AF65-F5344CB8AC3E}">
         <p14:creationId xmlns:p14="http://schemas.microsoft.com/office/powerpoint/2010/main" val="4026032064"/>
+      </p:ext>
+    </p:extLst>
+  </p:cSld>
+  <p:clrMapOvr>
+    <a:masterClrMapping/>
+  </p:clrMapOvr>
+</p:sld>
+</file>
+
+<file path=ppt/slides/slide11.xml><?xml version="1.0" encoding="utf-8"?>
+<p:sld xmlns:a="http://schemas.openxmlformats.org/drawingml/2006/main" xmlns:r="http://schemas.openxmlformats.org/officeDocument/2006/relationships" xmlns:p="http://schemas.openxmlformats.org/presentationml/2006/main">
+  <p:cSld>
+    <p:spTree>
+      <p:nvGrpSpPr>
+        <p:cNvPr id="1" name=""/>
+        <p:cNvGrpSpPr/>
+        <p:nvPr/>
+      </p:nvGrpSpPr>
+      <p:grpSpPr>
+        <a:xfrm>
+          <a:off x="0" y="0"/>
+          <a:ext cx="0" cy="0"/>
+          <a:chOff x="0" y="0"/>
+          <a:chExt cx="0" cy="0"/>
+        </a:xfrm>
+      </p:grpSpPr>
+      <p:sp>
+        <p:nvSpPr>
+          <p:cNvPr id="2" name="タイトル 1">
+            <a:extLst>
+              <a:ext uri="{FF2B5EF4-FFF2-40B4-BE49-F238E27FC236}">
+                <a16:creationId xmlns:a16="http://schemas.microsoft.com/office/drawing/2014/main" id="{FF68A6A1-7128-4CCD-A936-BF8B5C69CCD3}"/>
+              </a:ext>
+            </a:extLst>
+          </p:cNvPr>
+          <p:cNvSpPr>
+            <a:spLocks noGrp="1"/>
+          </p:cNvSpPr>
+          <p:nvPr>
+            <p:ph type="title"/>
+          </p:nvPr>
+        </p:nvSpPr>
+        <p:spPr/>
+        <p:txBody>
+          <a:bodyPr/>
+          <a:lstStyle/>
+          <a:p>
+            <a:r>
+              <a:rPr lang="ja-JP" altLang="en-US" dirty="0"/>
+              <a:t>トレーニングデータ</a:t>
+            </a:r>
+            <a:endParaRPr kumimoji="1" lang="ja-JP" altLang="en-US" dirty="0"/>
+          </a:p>
+        </p:txBody>
+      </p:sp>
+      <p:pic>
+        <p:nvPicPr>
+          <p:cNvPr id="9" name="コンテンツ プレースホルダー 8">
+            <a:extLst>
+              <a:ext uri="{FF2B5EF4-FFF2-40B4-BE49-F238E27FC236}">
+                <a16:creationId xmlns:a16="http://schemas.microsoft.com/office/drawing/2014/main" id="{095E7271-AD2C-44FF-A748-DBF81AAEAA5F}"/>
+              </a:ext>
+            </a:extLst>
+          </p:cNvPr>
+          <p:cNvPicPr>
+            <a:picLocks noGrp="1" noChangeAspect="1"/>
+          </p:cNvPicPr>
+          <p:nvPr>
+            <p:ph idx="1"/>
+          </p:nvPr>
+        </p:nvPicPr>
+        <p:blipFill>
+          <a:blip r:embed="rId3">
+            <a:extLst>
+              <a:ext uri="{28A0092B-C50C-407E-A947-70E740481C1C}">
+                <a14:useLocalDpi xmlns:a14="http://schemas.microsoft.com/office/drawing/2010/main" val="0"/>
+              </a:ext>
+            </a:extLst>
+          </a:blip>
+          <a:stretch>
+            <a:fillRect/>
+          </a:stretch>
+        </p:blipFill>
+        <p:spPr>
+          <a:xfrm>
+            <a:off x="215291" y="2297700"/>
+            <a:ext cx="11761418" cy="2662754"/>
+          </a:xfrm>
+        </p:spPr>
+      </p:pic>
+      <p:sp>
+        <p:nvSpPr>
+          <p:cNvPr id="7" name="正方形/長方形 6">
+            <a:extLst>
+              <a:ext uri="{FF2B5EF4-FFF2-40B4-BE49-F238E27FC236}">
+                <a16:creationId xmlns:a16="http://schemas.microsoft.com/office/drawing/2014/main" id="{5ED424F2-25E8-4DDA-9A7F-B0AD26A7C0EE}"/>
+              </a:ext>
+            </a:extLst>
+          </p:cNvPr>
+          <p:cNvSpPr/>
+          <p:nvPr/>
+        </p:nvSpPr>
+        <p:spPr>
+          <a:xfrm>
+            <a:off x="9508067" y="0"/>
+            <a:ext cx="2683933" cy="1593908"/>
+          </a:xfrm>
+          <a:prstGeom prst="rect">
+            <a:avLst/>
+          </a:prstGeom>
+          <a:solidFill>
+            <a:schemeClr val="accent6">
+              <a:lumMod val="60000"/>
+              <a:lumOff val="40000"/>
+            </a:schemeClr>
+          </a:solidFill>
+          <a:ln>
+            <a:solidFill>
+              <a:schemeClr val="tx1"/>
+            </a:solidFill>
+          </a:ln>
+        </p:spPr>
+        <p:style>
+          <a:lnRef idx="2">
+            <a:schemeClr val="accent1">
+              <a:shade val="50000"/>
+            </a:schemeClr>
+          </a:lnRef>
+          <a:fillRef idx="1">
+            <a:schemeClr val="accent1"/>
+          </a:fillRef>
+          <a:effectRef idx="0">
+            <a:schemeClr val="accent1"/>
+          </a:effectRef>
+          <a:fontRef idx="minor">
+            <a:schemeClr val="lt1"/>
+          </a:fontRef>
+        </p:style>
+        <p:txBody>
+          <a:bodyPr rtlCol="0" anchor="ctr"/>
+          <a:lstStyle/>
+          <a:p>
+            <a:pPr algn="ctr"/>
+            <a:endParaRPr kumimoji="1" lang="ja-JP" altLang="en-US"/>
+          </a:p>
+        </p:txBody>
+      </p:sp>
+    </p:spTree>
+    <p:extLst>
+      <p:ext uri="{BB962C8B-B14F-4D97-AF65-F5344CB8AC3E}">
+        <p14:creationId xmlns:p14="http://schemas.microsoft.com/office/powerpoint/2010/main" val="3432520539"/>
       </p:ext>
     </p:extLst>
   </p:cSld>
@@ -6107,7 +6586,7 @@
           <p:cNvPr id="2" name="タイトル 1">
             <a:extLst>
               <a:ext uri="{FF2B5EF4-FFF2-40B4-BE49-F238E27FC236}">
-                <a16:creationId xmlns:a16="http://schemas.microsoft.com/office/drawing/2014/main" id="{FF68A6A1-7128-4CCD-A936-BF8B5C69CCD3}"/>
+                <a16:creationId xmlns:a16="http://schemas.microsoft.com/office/drawing/2014/main" id="{27835D59-C712-40CE-B18B-4716DD9850D0}"/>
               </a:ext>
             </a:extLst>
           </p:cNvPr>
@@ -6124,19 +6603,89 @@
           <a:lstStyle/>
           <a:p>
             <a:r>
-              <a:rPr lang="ja-JP" altLang="en-US" dirty="0"/>
+              <a:rPr kumimoji="1" lang="ja-JP" altLang="en-US" dirty="0"/>
               <a:t>トレーニングデータ</a:t>
             </a:r>
-            <a:endParaRPr kumimoji="1" lang="ja-JP" altLang="en-US" dirty="0"/>
-          </a:p>
-        </p:txBody>
-      </p:sp>
+          </a:p>
+        </p:txBody>
+      </p:sp>
+      <p:pic>
+        <p:nvPicPr>
+          <p:cNvPr id="7" name="図 6">
+            <a:extLst>
+              <a:ext uri="{FF2B5EF4-FFF2-40B4-BE49-F238E27FC236}">
+                <a16:creationId xmlns:a16="http://schemas.microsoft.com/office/drawing/2014/main" id="{C13F1E02-9285-4AEF-AA29-0936016C8AAC}"/>
+              </a:ext>
+            </a:extLst>
+          </p:cNvPr>
+          <p:cNvPicPr>
+            <a:picLocks noChangeAspect="1"/>
+          </p:cNvPicPr>
+          <p:nvPr/>
+        </p:nvPicPr>
+        <p:blipFill>
+          <a:blip r:embed="rId3">
+            <a:extLst>
+              <a:ext uri="{28A0092B-C50C-407E-A947-70E740481C1C}">
+                <a14:useLocalDpi xmlns:a14="http://schemas.microsoft.com/office/drawing/2010/main" val="0"/>
+              </a:ext>
+            </a:extLst>
+          </a:blip>
+          <a:stretch>
+            <a:fillRect/>
+          </a:stretch>
+        </p:blipFill>
+        <p:spPr>
+          <a:xfrm>
+            <a:off x="1124361" y="3051208"/>
+            <a:ext cx="9976776" cy="2228958"/>
+          </a:xfrm>
+          <a:prstGeom prst="rect">
+            <a:avLst/>
+          </a:prstGeom>
+        </p:spPr>
+      </p:pic>
+      <p:pic>
+        <p:nvPicPr>
+          <p:cNvPr id="5" name="コンテンツ プレースホルダー 4">
+            <a:extLst>
+              <a:ext uri="{FF2B5EF4-FFF2-40B4-BE49-F238E27FC236}">
+                <a16:creationId xmlns:a16="http://schemas.microsoft.com/office/drawing/2014/main" id="{DD110393-78F5-49DE-8A71-6FF622F657D9}"/>
+              </a:ext>
+            </a:extLst>
+          </p:cNvPr>
+          <p:cNvPicPr>
+            <a:picLocks noGrp="1" noChangeAspect="1"/>
+          </p:cNvPicPr>
+          <p:nvPr>
+            <p:ph idx="1"/>
+          </p:nvPr>
+        </p:nvPicPr>
+        <p:blipFill>
+          <a:blip r:embed="rId4">
+            <a:extLst>
+              <a:ext uri="{28A0092B-C50C-407E-A947-70E740481C1C}">
+                <a14:useLocalDpi xmlns:a14="http://schemas.microsoft.com/office/drawing/2010/main" val="0"/>
+              </a:ext>
+            </a:extLst>
+          </a:blip>
+          <a:stretch>
+            <a:fillRect/>
+          </a:stretch>
+        </p:blipFill>
+        <p:spPr>
+          <a:xfrm>
+            <a:off x="1124360" y="3051206"/>
+            <a:ext cx="9976776" cy="2236466"/>
+          </a:xfrm>
+        </p:spPr>
+      </p:pic>
       <p:sp>
         <p:nvSpPr>
           <p:cNvPr id="6" name="テキスト ボックス 5">
             <a:extLst>
               <a:ext uri="{FF2B5EF4-FFF2-40B4-BE49-F238E27FC236}">
-                <a16:creationId xmlns:a16="http://schemas.microsoft.com/office/drawing/2014/main" id="{D2C282AC-573E-4E93-99C6-5772C266B913}"/>
+                <a16:creationId xmlns:a16="http://schemas.microsoft.com/office/drawing/2014/main" id="{E2A09F66-F3EC-4C6E-93D4-178BC240618B}"/>
               </a:ext>
             </a:extLst>
           </p:cNvPr>
@@ -6145,7 +6694,7 @@
         </p:nvSpPr>
         <p:spPr>
           <a:xfrm>
-            <a:off x="838200" y="1568918"/>
+            <a:off x="3401728" y="1802579"/>
             <a:ext cx="4689107" cy="461665"/>
           </a:xfrm>
           <a:prstGeom prst="rect">
@@ -6159,64 +6708,30 @@
           </a:bodyPr>
           <a:lstStyle/>
           <a:p>
+            <a:pPr algn="ctr"/>
             <a:r>
               <a:rPr lang="ja-JP" altLang="en-US" sz="2400" b="1" dirty="0"/>
-              <a:t>単語のみをピックアップ</a:t>
+              <a:t>単語の多いラベル順に変更</a:t>
             </a:r>
             <a:endParaRPr kumimoji="1" lang="ja-JP" altLang="en-US" sz="2400" b="1" dirty="0"/>
           </a:p>
         </p:txBody>
       </p:sp>
-      <p:pic>
-        <p:nvPicPr>
-          <p:cNvPr id="9" name="コンテンツ プレースホルダー 8">
-            <a:extLst>
-              <a:ext uri="{FF2B5EF4-FFF2-40B4-BE49-F238E27FC236}">
-                <a16:creationId xmlns:a16="http://schemas.microsoft.com/office/drawing/2014/main" id="{095E7271-AD2C-44FF-A748-DBF81AAEAA5F}"/>
-              </a:ext>
-            </a:extLst>
-          </p:cNvPr>
-          <p:cNvPicPr>
-            <a:picLocks noGrp="1" noChangeAspect="1"/>
-          </p:cNvPicPr>
-          <p:nvPr>
-            <p:ph idx="1"/>
-          </p:nvPr>
-        </p:nvPicPr>
-        <p:blipFill>
-          <a:blip r:embed="rId3">
-            <a:extLst>
-              <a:ext uri="{28A0092B-C50C-407E-A947-70E740481C1C}">
-                <a14:useLocalDpi xmlns:a14="http://schemas.microsoft.com/office/drawing/2010/main" val="0"/>
-              </a:ext>
-            </a:extLst>
-          </a:blip>
-          <a:stretch>
-            <a:fillRect/>
-          </a:stretch>
-        </p:blipFill>
+      <p:sp>
+        <p:nvSpPr>
+          <p:cNvPr id="8" name="矢印: 下 7">
+            <a:extLst>
+              <a:ext uri="{FF2B5EF4-FFF2-40B4-BE49-F238E27FC236}">
+                <a16:creationId xmlns:a16="http://schemas.microsoft.com/office/drawing/2014/main" id="{85D70622-8707-4B49-9552-2624650AFC32}"/>
+              </a:ext>
+            </a:extLst>
+          </p:cNvPr>
+          <p:cNvSpPr/>
+          <p:nvPr/>
+        </p:nvSpPr>
         <p:spPr>
           <a:xfrm>
-            <a:off x="485330" y="2626329"/>
-            <a:ext cx="10515600" cy="2380704"/>
-          </a:xfrm>
-        </p:spPr>
-      </p:pic>
-      <p:sp>
-        <p:nvSpPr>
-          <p:cNvPr id="3" name="矢印: 下 2">
-            <a:extLst>
-              <a:ext uri="{FF2B5EF4-FFF2-40B4-BE49-F238E27FC236}">
-                <a16:creationId xmlns:a16="http://schemas.microsoft.com/office/drawing/2014/main" id="{4B03ED52-84B1-4BC8-BB95-A918080C5A42}"/>
-              </a:ext>
-            </a:extLst>
-          </p:cNvPr>
-          <p:cNvSpPr/>
-          <p:nvPr/>
-        </p:nvSpPr>
-        <p:spPr>
-          <a:xfrm>
-            <a:off x="4437247" y="1561920"/>
+            <a:off x="5489608" y="2192557"/>
             <a:ext cx="731520" cy="858646"/>
           </a:xfrm>
           <a:prstGeom prst="downArrow">
@@ -6248,135 +6763,120 @@
           </a:p>
         </p:txBody>
       </p:sp>
-    </p:spTree>
-    <p:extLst>
-      <p:ext uri="{BB962C8B-B14F-4D97-AF65-F5344CB8AC3E}">
-        <p14:creationId xmlns:p14="http://schemas.microsoft.com/office/powerpoint/2010/main" val="3432520539"/>
-      </p:ext>
-    </p:extLst>
-  </p:cSld>
-  <p:clrMapOvr>
-    <a:masterClrMapping/>
-  </p:clrMapOvr>
-</p:sld>
-</file>
-
-<file path=ppt/slides/slide13.xml><?xml version="1.0" encoding="utf-8"?>
-<p:sld xmlns:a="http://schemas.openxmlformats.org/drawingml/2006/main" xmlns:r="http://schemas.openxmlformats.org/officeDocument/2006/relationships" xmlns:p="http://schemas.openxmlformats.org/presentationml/2006/main">
-  <p:cSld>
-    <p:spTree>
-      <p:nvGrpSpPr>
-        <p:cNvPr id="1" name=""/>
-        <p:cNvGrpSpPr/>
-        <p:nvPr/>
-      </p:nvGrpSpPr>
-      <p:grpSpPr>
-        <a:xfrm>
-          <a:off x="0" y="0"/>
-          <a:ext cx="0" cy="0"/>
-          <a:chOff x="0" y="0"/>
-          <a:chExt cx="0" cy="0"/>
-        </a:xfrm>
-      </p:grpSpPr>
-      <p:sp>
-        <p:nvSpPr>
-          <p:cNvPr id="2" name="タイトル 1">
-            <a:extLst>
-              <a:ext uri="{FF2B5EF4-FFF2-40B4-BE49-F238E27FC236}">
-                <a16:creationId xmlns:a16="http://schemas.microsoft.com/office/drawing/2014/main" id="{27835D59-C712-40CE-B18B-4716DD9850D0}"/>
-              </a:ext>
-            </a:extLst>
-          </p:cNvPr>
-          <p:cNvSpPr>
-            <a:spLocks noGrp="1"/>
-          </p:cNvSpPr>
-          <p:nvPr>
-            <p:ph type="title"/>
-          </p:nvPr>
-        </p:nvSpPr>
-        <p:spPr/>
-        <p:txBody>
-          <a:bodyPr/>
-          <a:lstStyle/>
-          <a:p>
-            <a:r>
-              <a:rPr kumimoji="1" lang="ja-JP" altLang="en-US" dirty="0"/>
-              <a:t>トレーニングデータ２（仮</a:t>
-            </a:r>
-          </a:p>
-        </p:txBody>
-      </p:sp>
-      <p:pic>
-        <p:nvPicPr>
-          <p:cNvPr id="7" name="図 6">
-            <a:extLst>
-              <a:ext uri="{FF2B5EF4-FFF2-40B4-BE49-F238E27FC236}">
-                <a16:creationId xmlns:a16="http://schemas.microsoft.com/office/drawing/2014/main" id="{C13F1E02-9285-4AEF-AA29-0936016C8AAC}"/>
-              </a:ext>
-            </a:extLst>
-          </p:cNvPr>
-          <p:cNvPicPr>
-            <a:picLocks noChangeAspect="1"/>
-          </p:cNvPicPr>
+      <p:sp>
+        <p:nvSpPr>
+          <p:cNvPr id="10" name="星: 16 pt 9">
+            <a:extLst>
+              <a:ext uri="{FF2B5EF4-FFF2-40B4-BE49-F238E27FC236}">
+                <a16:creationId xmlns:a16="http://schemas.microsoft.com/office/drawing/2014/main" id="{247D08FD-12DE-4BC7-B745-8259196E2757}"/>
+              </a:ext>
+            </a:extLst>
+          </p:cNvPr>
+          <p:cNvSpPr/>
           <p:nvPr/>
-        </p:nvPicPr>
-        <p:blipFill>
-          <a:blip r:embed="rId3">
-            <a:extLst>
-              <a:ext uri="{28A0092B-C50C-407E-A947-70E740481C1C}">
-                <a14:useLocalDpi xmlns:a14="http://schemas.microsoft.com/office/drawing/2010/main" val="0"/>
-              </a:ext>
-            </a:extLst>
-          </a:blip>
-          <a:stretch>
-            <a:fillRect/>
-          </a:stretch>
-        </p:blipFill>
+        </p:nvSpPr>
         <p:spPr>
           <a:xfrm>
-            <a:off x="998312" y="2972361"/>
-            <a:ext cx="8735644" cy="1951671"/>
+            <a:off x="6833937" y="4304331"/>
+            <a:ext cx="4267200" cy="1951671"/>
+          </a:xfrm>
+          <a:prstGeom prst="star16">
+            <a:avLst/>
+          </a:prstGeom>
+        </p:spPr>
+        <p:style>
+          <a:lnRef idx="2">
+            <a:schemeClr val="accent1">
+              <a:shade val="50000"/>
+            </a:schemeClr>
+          </a:lnRef>
+          <a:fillRef idx="1">
+            <a:schemeClr val="accent1"/>
+          </a:fillRef>
+          <a:effectRef idx="0">
+            <a:schemeClr val="accent1"/>
+          </a:effectRef>
+          <a:fontRef idx="minor">
+            <a:schemeClr val="lt1"/>
+          </a:fontRef>
+        </p:style>
+        <p:txBody>
+          <a:bodyPr rtlCol="0" anchor="ctr"/>
+          <a:lstStyle/>
+          <a:p>
+            <a:pPr algn="ctr"/>
+            <a:endParaRPr lang="en-US" altLang="ja-JP" dirty="0"/>
+          </a:p>
+          <a:p>
+            <a:pPr algn="ctr"/>
+            <a:r>
+              <a:rPr lang="ja-JP" altLang="en-US" dirty="0"/>
+              <a:t>精度が上がった</a:t>
+            </a:r>
+          </a:p>
+          <a:p>
+            <a:pPr algn="ctr"/>
+            <a:endParaRPr kumimoji="1" lang="ja-JP" altLang="en-US" dirty="0"/>
+          </a:p>
+        </p:txBody>
+      </p:sp>
+      <p:sp>
+        <p:nvSpPr>
+          <p:cNvPr id="11" name="正方形/長方形 10">
+            <a:extLst>
+              <a:ext uri="{FF2B5EF4-FFF2-40B4-BE49-F238E27FC236}">
+                <a16:creationId xmlns:a16="http://schemas.microsoft.com/office/drawing/2014/main" id="{55B86289-2D54-4FBB-B51B-78B722A5B733}"/>
+              </a:ext>
+            </a:extLst>
+          </p:cNvPr>
+          <p:cNvSpPr/>
+          <p:nvPr/>
+        </p:nvSpPr>
+        <p:spPr>
+          <a:xfrm>
+            <a:off x="9508067" y="0"/>
+            <a:ext cx="2683933" cy="1593908"/>
           </a:xfrm>
           <a:prstGeom prst="rect">
             <a:avLst/>
           </a:prstGeom>
+          <a:solidFill>
+            <a:schemeClr val="accent6">
+              <a:lumMod val="60000"/>
+              <a:lumOff val="40000"/>
+            </a:schemeClr>
+          </a:solidFill>
+          <a:ln>
+            <a:solidFill>
+              <a:schemeClr val="tx1"/>
+            </a:solidFill>
+          </a:ln>
         </p:spPr>
-      </p:pic>
-      <p:pic>
-        <p:nvPicPr>
-          <p:cNvPr id="5" name="コンテンツ プレースホルダー 4">
-            <a:extLst>
-              <a:ext uri="{FF2B5EF4-FFF2-40B4-BE49-F238E27FC236}">
-                <a16:creationId xmlns:a16="http://schemas.microsoft.com/office/drawing/2014/main" id="{DD110393-78F5-49DE-8A71-6FF622F657D9}"/>
-              </a:ext>
-            </a:extLst>
-          </p:cNvPr>
-          <p:cNvPicPr>
-            <a:picLocks noGrp="1" noChangeAspect="1"/>
-          </p:cNvPicPr>
-          <p:nvPr>
-            <p:ph idx="1"/>
-          </p:nvPr>
-        </p:nvPicPr>
-        <p:blipFill>
-          <a:blip r:embed="rId4">
-            <a:extLst>
-              <a:ext uri="{28A0092B-C50C-407E-A947-70E740481C1C}">
-                <a14:useLocalDpi xmlns:a14="http://schemas.microsoft.com/office/drawing/2010/main" val="0"/>
-              </a:ext>
-            </a:extLst>
-          </a:blip>
-          <a:stretch>
-            <a:fillRect/>
-          </a:stretch>
-        </p:blipFill>
-        <p:spPr>
-          <a:xfrm>
-            <a:off x="1007838" y="2972360"/>
-            <a:ext cx="8726118" cy="1951672"/>
-          </a:xfrm>
-        </p:spPr>
-      </p:pic>
+        <p:style>
+          <a:lnRef idx="2">
+            <a:schemeClr val="accent1">
+              <a:shade val="50000"/>
+            </a:schemeClr>
+          </a:lnRef>
+          <a:fillRef idx="1">
+            <a:schemeClr val="accent1"/>
+          </a:fillRef>
+          <a:effectRef idx="0">
+            <a:schemeClr val="accent1"/>
+          </a:effectRef>
+          <a:fontRef idx="minor">
+            <a:schemeClr val="lt1"/>
+          </a:fontRef>
+        </p:style>
+        <p:txBody>
+          <a:bodyPr rtlCol="0" anchor="ctr"/>
+          <a:lstStyle/>
+          <a:p>
+            <a:pPr algn="ctr"/>
+            <a:endParaRPr kumimoji="1" lang="ja-JP" altLang="en-US"/>
+          </a:p>
+        </p:txBody>
+      </p:sp>
     </p:spTree>
     <p:extLst>
       <p:ext uri="{BB962C8B-B14F-4D97-AF65-F5344CB8AC3E}">
@@ -6448,6 +6948,277 @@
                       </p:childTnLst>
                     </p:cTn>
                   </p:par>
+                  <p:par>
+                    <p:cTn id="8" fill="hold">
+                      <p:stCondLst>
+                        <p:cond delay="indefinite"/>
+                      </p:stCondLst>
+                      <p:childTnLst>
+                        <p:par>
+                          <p:cTn id="9" fill="hold">
+                            <p:stCondLst>
+                              <p:cond delay="0"/>
+                            </p:stCondLst>
+                            <p:childTnLst>
+                              <p:par>
+                                <p:cTn id="10" presetID="47" presetClass="entr" presetSubtype="0" fill="hold" grpId="0" nodeType="clickEffect">
+                                  <p:stCondLst>
+                                    <p:cond delay="0"/>
+                                  </p:stCondLst>
+                                  <p:childTnLst>
+                                    <p:set>
+                                      <p:cBhvr>
+                                        <p:cTn id="11" dur="1" fill="hold">
+                                          <p:stCondLst>
+                                            <p:cond delay="0"/>
+                                          </p:stCondLst>
+                                        </p:cTn>
+                                        <p:tgtEl>
+                                          <p:spTgt spid="6"/>
+                                        </p:tgtEl>
+                                        <p:attrNameLst>
+                                          <p:attrName>style.visibility</p:attrName>
+                                        </p:attrNameLst>
+                                      </p:cBhvr>
+                                      <p:to>
+                                        <p:strVal val="visible"/>
+                                      </p:to>
+                                    </p:set>
+                                    <p:animEffect transition="in" filter="fade">
+                                      <p:cBhvr>
+                                        <p:cTn id="12" dur="1000"/>
+                                        <p:tgtEl>
+                                          <p:spTgt spid="6"/>
+                                        </p:tgtEl>
+                                      </p:cBhvr>
+                                    </p:animEffect>
+                                    <p:anim calcmode="lin" valueType="num">
+                                      <p:cBhvr>
+                                        <p:cTn id="13" dur="1000" fill="hold"/>
+                                        <p:tgtEl>
+                                          <p:spTgt spid="6"/>
+                                        </p:tgtEl>
+                                        <p:attrNameLst>
+                                          <p:attrName>ppt_x</p:attrName>
+                                        </p:attrNameLst>
+                                      </p:cBhvr>
+                                      <p:tavLst>
+                                        <p:tav tm="0">
+                                          <p:val>
+                                            <p:strVal val="#ppt_x"/>
+                                          </p:val>
+                                        </p:tav>
+                                        <p:tav tm="100000">
+                                          <p:val>
+                                            <p:strVal val="#ppt_x"/>
+                                          </p:val>
+                                        </p:tav>
+                                      </p:tavLst>
+                                    </p:anim>
+                                    <p:anim calcmode="lin" valueType="num">
+                                      <p:cBhvr>
+                                        <p:cTn id="14" dur="1000" fill="hold"/>
+                                        <p:tgtEl>
+                                          <p:spTgt spid="6"/>
+                                        </p:tgtEl>
+                                        <p:attrNameLst>
+                                          <p:attrName>ppt_y</p:attrName>
+                                        </p:attrNameLst>
+                                      </p:cBhvr>
+                                      <p:tavLst>
+                                        <p:tav tm="0">
+                                          <p:val>
+                                            <p:strVal val="#ppt_y-.1"/>
+                                          </p:val>
+                                        </p:tav>
+                                        <p:tav tm="100000">
+                                          <p:val>
+                                            <p:strVal val="#ppt_y"/>
+                                          </p:val>
+                                        </p:tav>
+                                      </p:tavLst>
+                                    </p:anim>
+                                  </p:childTnLst>
+                                </p:cTn>
+                              </p:par>
+                              <p:par>
+                                <p:cTn id="15" presetID="47" presetClass="entr" presetSubtype="0" fill="hold" grpId="0" nodeType="withEffect">
+                                  <p:stCondLst>
+                                    <p:cond delay="0"/>
+                                  </p:stCondLst>
+                                  <p:childTnLst>
+                                    <p:set>
+                                      <p:cBhvr>
+                                        <p:cTn id="16" dur="1" fill="hold">
+                                          <p:stCondLst>
+                                            <p:cond delay="0"/>
+                                          </p:stCondLst>
+                                        </p:cTn>
+                                        <p:tgtEl>
+                                          <p:spTgt spid="8"/>
+                                        </p:tgtEl>
+                                        <p:attrNameLst>
+                                          <p:attrName>style.visibility</p:attrName>
+                                        </p:attrNameLst>
+                                      </p:cBhvr>
+                                      <p:to>
+                                        <p:strVal val="visible"/>
+                                      </p:to>
+                                    </p:set>
+                                    <p:animEffect transition="in" filter="fade">
+                                      <p:cBhvr>
+                                        <p:cTn id="17" dur="1000"/>
+                                        <p:tgtEl>
+                                          <p:spTgt spid="8"/>
+                                        </p:tgtEl>
+                                      </p:cBhvr>
+                                    </p:animEffect>
+                                    <p:anim calcmode="lin" valueType="num">
+                                      <p:cBhvr>
+                                        <p:cTn id="18" dur="1000" fill="hold"/>
+                                        <p:tgtEl>
+                                          <p:spTgt spid="8"/>
+                                        </p:tgtEl>
+                                        <p:attrNameLst>
+                                          <p:attrName>ppt_x</p:attrName>
+                                        </p:attrNameLst>
+                                      </p:cBhvr>
+                                      <p:tavLst>
+                                        <p:tav tm="0">
+                                          <p:val>
+                                            <p:strVal val="#ppt_x"/>
+                                          </p:val>
+                                        </p:tav>
+                                        <p:tav tm="100000">
+                                          <p:val>
+                                            <p:strVal val="#ppt_x"/>
+                                          </p:val>
+                                        </p:tav>
+                                      </p:tavLst>
+                                    </p:anim>
+                                    <p:anim calcmode="lin" valueType="num">
+                                      <p:cBhvr>
+                                        <p:cTn id="19" dur="1000" fill="hold"/>
+                                        <p:tgtEl>
+                                          <p:spTgt spid="8"/>
+                                        </p:tgtEl>
+                                        <p:attrNameLst>
+                                          <p:attrName>ppt_y</p:attrName>
+                                        </p:attrNameLst>
+                                      </p:cBhvr>
+                                      <p:tavLst>
+                                        <p:tav tm="0">
+                                          <p:val>
+                                            <p:strVal val="#ppt_y-.1"/>
+                                          </p:val>
+                                        </p:tav>
+                                        <p:tav tm="100000">
+                                          <p:val>
+                                            <p:strVal val="#ppt_y"/>
+                                          </p:val>
+                                        </p:tav>
+                                      </p:tavLst>
+                                    </p:anim>
+                                  </p:childTnLst>
+                                </p:cTn>
+                              </p:par>
+                            </p:childTnLst>
+                          </p:cTn>
+                        </p:par>
+                      </p:childTnLst>
+                    </p:cTn>
+                  </p:par>
+                  <p:par>
+                    <p:cTn id="20" fill="hold">
+                      <p:stCondLst>
+                        <p:cond delay="indefinite"/>
+                      </p:stCondLst>
+                      <p:childTnLst>
+                        <p:par>
+                          <p:cTn id="21" fill="hold">
+                            <p:stCondLst>
+                              <p:cond delay="0"/>
+                            </p:stCondLst>
+                            <p:childTnLst>
+                              <p:par>
+                                <p:cTn id="22" presetID="2" presetClass="entr" presetSubtype="4" fill="hold" grpId="0" nodeType="clickEffect">
+                                  <p:stCondLst>
+                                    <p:cond delay="0"/>
+                                  </p:stCondLst>
+                                  <p:childTnLst>
+                                    <p:set>
+                                      <p:cBhvr>
+                                        <p:cTn id="23" dur="1" fill="hold">
+                                          <p:stCondLst>
+                                            <p:cond delay="0"/>
+                                          </p:stCondLst>
+                                        </p:cTn>
+                                        <p:tgtEl>
+                                          <p:spTgt spid="10"/>
+                                        </p:tgtEl>
+                                        <p:attrNameLst>
+                                          <p:attrName>style.visibility</p:attrName>
+                                        </p:attrNameLst>
+                                      </p:cBhvr>
+                                      <p:to>
+                                        <p:strVal val="visible"/>
+                                      </p:to>
+                                    </p:set>
+                                    <p:anim calcmode="lin" valueType="num">
+                                      <p:cBhvr additive="base">
+                                        <p:cTn id="24" dur="500" fill="hold"/>
+                                        <p:tgtEl>
+                                          <p:spTgt spid="10"/>
+                                        </p:tgtEl>
+                                        <p:attrNameLst>
+                                          <p:attrName>ppt_x</p:attrName>
+                                        </p:attrNameLst>
+                                      </p:cBhvr>
+                                      <p:tavLst>
+                                        <p:tav tm="0">
+                                          <p:val>
+                                            <p:strVal val="#ppt_x"/>
+                                          </p:val>
+                                        </p:tav>
+                                        <p:tav tm="100000">
+                                          <p:val>
+                                            <p:strVal val="#ppt_x"/>
+                                          </p:val>
+                                        </p:tav>
+                                      </p:tavLst>
+                                    </p:anim>
+                                    <p:anim calcmode="lin" valueType="num">
+                                      <p:cBhvr additive="base">
+                                        <p:cTn id="25" dur="500" fill="hold"/>
+                                        <p:tgtEl>
+                                          <p:spTgt spid="10"/>
+                                        </p:tgtEl>
+                                        <p:attrNameLst>
+                                          <p:attrName>ppt_y</p:attrName>
+                                        </p:attrNameLst>
+                                      </p:cBhvr>
+                                      <p:tavLst>
+                                        <p:tav tm="0">
+                                          <p:val>
+                                            <p:strVal val="1+#ppt_h/2"/>
+                                          </p:val>
+                                        </p:tav>
+                                        <p:tav tm="100000">
+                                          <p:val>
+                                            <p:strVal val="#ppt_y"/>
+                                          </p:val>
+                                        </p:tav>
+                                      </p:tavLst>
+                                    </p:anim>
+                                  </p:childTnLst>
+                                </p:cTn>
+                              </p:par>
+                            </p:childTnLst>
+                          </p:cTn>
+                        </p:par>
+                      </p:childTnLst>
+                    </p:cTn>
+                  </p:par>
                 </p:childTnLst>
               </p:cTn>
               <p:prevCondLst>
@@ -6469,7 +7240,558 @@
         </p:cTn>
       </p:par>
     </p:tnLst>
+    <p:bldLst>
+      <p:bldP spid="6" grpId="0"/>
+      <p:bldP spid="8" grpId="0" animBg="1"/>
+      <p:bldP spid="10" grpId="0" animBg="1"/>
+    </p:bldLst>
   </p:timing>
+</p:sld>
+</file>
+
+<file path=ppt/slides/slide13.xml><?xml version="1.0" encoding="utf-8"?>
+<p:sld xmlns:a="http://schemas.openxmlformats.org/drawingml/2006/main" xmlns:r="http://schemas.openxmlformats.org/officeDocument/2006/relationships" xmlns:p="http://schemas.openxmlformats.org/presentationml/2006/main">
+  <p:cSld>
+    <p:spTree>
+      <p:nvGrpSpPr>
+        <p:cNvPr id="1" name=""/>
+        <p:cNvGrpSpPr/>
+        <p:nvPr/>
+      </p:nvGrpSpPr>
+      <p:grpSpPr>
+        <a:xfrm>
+          <a:off x="0" y="0"/>
+          <a:ext cx="0" cy="0"/>
+          <a:chOff x="0" y="0"/>
+          <a:chExt cx="0" cy="0"/>
+        </a:xfrm>
+      </p:grpSpPr>
+      <p:sp>
+        <p:nvSpPr>
+          <p:cNvPr id="2" name="タイトル 1">
+            <a:extLst>
+              <a:ext uri="{FF2B5EF4-FFF2-40B4-BE49-F238E27FC236}">
+                <a16:creationId xmlns:a16="http://schemas.microsoft.com/office/drawing/2014/main" id="{546FE0B1-4BFF-4176-A1F1-239F5362B12B}"/>
+              </a:ext>
+            </a:extLst>
+          </p:cNvPr>
+          <p:cNvSpPr>
+            <a:spLocks noGrp="1"/>
+          </p:cNvSpPr>
+          <p:nvPr>
+            <p:ph type="title"/>
+          </p:nvPr>
+        </p:nvSpPr>
+        <p:spPr/>
+        <p:txBody>
+          <a:bodyPr/>
+          <a:lstStyle/>
+          <a:p>
+            <a:r>
+              <a:rPr kumimoji="1" lang="ja-JP" altLang="en-US" dirty="0"/>
+              <a:t>テキスト分類</a:t>
+            </a:r>
+          </a:p>
+        </p:txBody>
+      </p:sp>
+      <p:sp>
+        <p:nvSpPr>
+          <p:cNvPr id="3" name="コンテンツ プレースホルダー 2">
+            <a:extLst>
+              <a:ext uri="{FF2B5EF4-FFF2-40B4-BE49-F238E27FC236}">
+                <a16:creationId xmlns:a16="http://schemas.microsoft.com/office/drawing/2014/main" id="{023D6325-80DB-4671-A255-996F8E62847D}"/>
+              </a:ext>
+            </a:extLst>
+          </p:cNvPr>
+          <p:cNvSpPr>
+            <a:spLocks noGrp="1"/>
+          </p:cNvSpPr>
+          <p:nvPr>
+            <p:ph idx="1"/>
+          </p:nvPr>
+        </p:nvSpPr>
+        <p:spPr/>
+        <p:txBody>
+          <a:bodyPr/>
+          <a:lstStyle/>
+          <a:p>
+            <a:r>
+              <a:rPr kumimoji="1" lang="ja-JP" altLang="en-US" dirty="0"/>
+              <a:t>形態素解析</a:t>
+            </a:r>
+            <a:r>
+              <a:rPr kumimoji="1" lang="en-US" altLang="ja-JP" dirty="0"/>
+              <a:t>(</a:t>
+            </a:r>
+            <a:r>
+              <a:rPr kumimoji="1" lang="en-US" altLang="ja-JP" dirty="0" err="1"/>
+              <a:t>MeCab</a:t>
+            </a:r>
+            <a:r>
+              <a:rPr kumimoji="1" lang="en-US" altLang="ja-JP" dirty="0"/>
+              <a:t>)</a:t>
+            </a:r>
+          </a:p>
+          <a:p>
+            <a:pPr lvl="1"/>
+            <a:r>
+              <a:rPr kumimoji="1" lang="ja-JP" altLang="en-US" dirty="0"/>
+              <a:t>品詞ごとに分解</a:t>
+            </a:r>
+            <a:endParaRPr lang="en-US" altLang="ja-JP" dirty="0"/>
+          </a:p>
+          <a:p>
+            <a:r>
+              <a:rPr lang="en-US" altLang="ja-JP" dirty="0" err="1"/>
+              <a:t>MeCab</a:t>
+            </a:r>
+            <a:r>
+              <a:rPr lang="ja-JP" altLang="en-US" dirty="0"/>
+              <a:t>で名詞を抽出</a:t>
+            </a:r>
+            <a:endParaRPr lang="en-US" altLang="ja-JP" dirty="0"/>
+          </a:p>
+          <a:p>
+            <a:r>
+              <a:rPr kumimoji="1" lang="ja-JP" altLang="en-US" dirty="0"/>
+              <a:t>名詞から予測</a:t>
+            </a:r>
+          </a:p>
+        </p:txBody>
+      </p:sp>
+      <p:sp>
+        <p:nvSpPr>
+          <p:cNvPr id="7" name="テキスト ボックス 6">
+            <a:extLst>
+              <a:ext uri="{FF2B5EF4-FFF2-40B4-BE49-F238E27FC236}">
+                <a16:creationId xmlns:a16="http://schemas.microsoft.com/office/drawing/2014/main" id="{3B6D4E08-7846-48D2-8EB4-036F9DD54DD6}"/>
+              </a:ext>
+            </a:extLst>
+          </p:cNvPr>
+          <p:cNvSpPr txBox="1"/>
+          <p:nvPr/>
+        </p:nvSpPr>
+        <p:spPr>
+          <a:xfrm>
+            <a:off x="6163377" y="1690688"/>
+            <a:ext cx="3214837" cy="646331"/>
+          </a:xfrm>
+          <a:prstGeom prst="rect">
+            <a:avLst/>
+          </a:prstGeom>
+          <a:noFill/>
+          <a:ln w="28575">
+            <a:solidFill>
+              <a:schemeClr val="tx1"/>
+            </a:solidFill>
+          </a:ln>
+        </p:spPr>
+        <p:txBody>
+          <a:bodyPr wrap="square" rtlCol="0" anchor="ctr">
+            <a:spAutoFit/>
+          </a:bodyPr>
+          <a:lstStyle/>
+          <a:p>
+            <a:pPr algn="ctr"/>
+            <a:r>
+              <a:rPr kumimoji="1" lang="ja-JP" altLang="en-US" sz="3600" dirty="0"/>
+              <a:t>今日の天気は</a:t>
+            </a:r>
+          </a:p>
+        </p:txBody>
+      </p:sp>
+      <p:sp>
+        <p:nvSpPr>
+          <p:cNvPr id="8" name="正方形/長方形 7">
+            <a:extLst>
+              <a:ext uri="{FF2B5EF4-FFF2-40B4-BE49-F238E27FC236}">
+                <a16:creationId xmlns:a16="http://schemas.microsoft.com/office/drawing/2014/main" id="{B0165A2F-05E3-4E42-9A56-4C61E154374A}"/>
+              </a:ext>
+            </a:extLst>
+          </p:cNvPr>
+          <p:cNvSpPr/>
+          <p:nvPr/>
+        </p:nvSpPr>
+        <p:spPr>
+          <a:xfrm>
+            <a:off x="9508067" y="0"/>
+            <a:ext cx="2683933" cy="1593908"/>
+          </a:xfrm>
+          <a:prstGeom prst="rect">
+            <a:avLst/>
+          </a:prstGeom>
+          <a:solidFill>
+            <a:schemeClr val="accent6">
+              <a:lumMod val="60000"/>
+              <a:lumOff val="40000"/>
+            </a:schemeClr>
+          </a:solidFill>
+          <a:ln>
+            <a:solidFill>
+              <a:schemeClr val="tx1"/>
+            </a:solidFill>
+          </a:ln>
+        </p:spPr>
+        <p:style>
+          <a:lnRef idx="2">
+            <a:schemeClr val="accent1">
+              <a:shade val="50000"/>
+            </a:schemeClr>
+          </a:lnRef>
+          <a:fillRef idx="1">
+            <a:schemeClr val="accent1"/>
+          </a:fillRef>
+          <a:effectRef idx="0">
+            <a:schemeClr val="accent1"/>
+          </a:effectRef>
+          <a:fontRef idx="minor">
+            <a:schemeClr val="lt1"/>
+          </a:fontRef>
+        </p:style>
+        <p:txBody>
+          <a:bodyPr rtlCol="0" anchor="ctr"/>
+          <a:lstStyle/>
+          <a:p>
+            <a:pPr algn="ctr"/>
+            <a:endParaRPr kumimoji="1" lang="ja-JP" altLang="en-US"/>
+          </a:p>
+        </p:txBody>
+      </p:sp>
+      <p:sp>
+        <p:nvSpPr>
+          <p:cNvPr id="9" name="テキスト ボックス 8">
+            <a:extLst>
+              <a:ext uri="{FF2B5EF4-FFF2-40B4-BE49-F238E27FC236}">
+                <a16:creationId xmlns:a16="http://schemas.microsoft.com/office/drawing/2014/main" id="{F15FDB01-3E81-4075-9124-AAB03408076E}"/>
+              </a:ext>
+            </a:extLst>
+          </p:cNvPr>
+          <p:cNvSpPr txBox="1"/>
+          <p:nvPr/>
+        </p:nvSpPr>
+        <p:spPr>
+          <a:xfrm>
+            <a:off x="7016639" y="3100137"/>
+            <a:ext cx="691414" cy="646331"/>
+          </a:xfrm>
+          <a:prstGeom prst="rect">
+            <a:avLst/>
+          </a:prstGeom>
+          <a:noFill/>
+          <a:ln w="28575">
+            <a:solidFill>
+              <a:schemeClr val="tx1"/>
+            </a:solidFill>
+          </a:ln>
+        </p:spPr>
+        <p:txBody>
+          <a:bodyPr wrap="square" rtlCol="0" anchor="ctr">
+            <a:spAutoFit/>
+          </a:bodyPr>
+          <a:lstStyle/>
+          <a:p>
+            <a:pPr algn="ctr"/>
+            <a:r>
+              <a:rPr kumimoji="1" lang="ja-JP" altLang="en-US" sz="3600" dirty="0"/>
+              <a:t>の</a:t>
+            </a:r>
+          </a:p>
+        </p:txBody>
+      </p:sp>
+      <p:sp>
+        <p:nvSpPr>
+          <p:cNvPr id="10" name="テキスト ボックス 9">
+            <a:extLst>
+              <a:ext uri="{FF2B5EF4-FFF2-40B4-BE49-F238E27FC236}">
+                <a16:creationId xmlns:a16="http://schemas.microsoft.com/office/drawing/2014/main" id="{91E30613-7689-4E72-A2CC-C9CDF39D9D85}"/>
+              </a:ext>
+            </a:extLst>
+          </p:cNvPr>
+          <p:cNvSpPr txBox="1"/>
+          <p:nvPr/>
+        </p:nvSpPr>
+        <p:spPr>
+          <a:xfrm>
+            <a:off x="5563402" y="3108590"/>
+            <a:ext cx="1199949" cy="646331"/>
+          </a:xfrm>
+          <a:prstGeom prst="rect">
+            <a:avLst/>
+          </a:prstGeom>
+          <a:noFill/>
+          <a:ln w="28575">
+            <a:solidFill>
+              <a:schemeClr val="tx1"/>
+            </a:solidFill>
+          </a:ln>
+        </p:spPr>
+        <p:txBody>
+          <a:bodyPr wrap="square" rtlCol="0" anchor="ctr">
+            <a:spAutoFit/>
+          </a:bodyPr>
+          <a:lstStyle/>
+          <a:p>
+            <a:pPr algn="ctr"/>
+            <a:r>
+              <a:rPr kumimoji="1" lang="ja-JP" altLang="en-US" sz="3600" dirty="0"/>
+              <a:t>今日</a:t>
+            </a:r>
+          </a:p>
+        </p:txBody>
+      </p:sp>
+      <p:sp>
+        <p:nvSpPr>
+          <p:cNvPr id="11" name="テキスト ボックス 10">
+            <a:extLst>
+              <a:ext uri="{FF2B5EF4-FFF2-40B4-BE49-F238E27FC236}">
+                <a16:creationId xmlns:a16="http://schemas.microsoft.com/office/drawing/2014/main" id="{75883EB0-4C8F-4120-9D79-86EAB30062C3}"/>
+              </a:ext>
+            </a:extLst>
+          </p:cNvPr>
+          <p:cNvSpPr txBox="1"/>
+          <p:nvPr/>
+        </p:nvSpPr>
+        <p:spPr>
+          <a:xfrm>
+            <a:off x="7961341" y="3107791"/>
+            <a:ext cx="1108508" cy="646331"/>
+          </a:xfrm>
+          <a:prstGeom prst="rect">
+            <a:avLst/>
+          </a:prstGeom>
+          <a:noFill/>
+          <a:ln w="28575">
+            <a:solidFill>
+              <a:schemeClr val="tx1"/>
+            </a:solidFill>
+          </a:ln>
+        </p:spPr>
+        <p:txBody>
+          <a:bodyPr wrap="square" rtlCol="0" anchor="ctr">
+            <a:spAutoFit/>
+          </a:bodyPr>
+          <a:lstStyle/>
+          <a:p>
+            <a:pPr algn="ctr"/>
+            <a:r>
+              <a:rPr kumimoji="1" lang="ja-JP" altLang="en-US" sz="3600" dirty="0"/>
+              <a:t>天気</a:t>
+            </a:r>
+          </a:p>
+        </p:txBody>
+      </p:sp>
+      <p:sp>
+        <p:nvSpPr>
+          <p:cNvPr id="12" name="テキスト ボックス 11">
+            <a:extLst>
+              <a:ext uri="{FF2B5EF4-FFF2-40B4-BE49-F238E27FC236}">
+                <a16:creationId xmlns:a16="http://schemas.microsoft.com/office/drawing/2014/main" id="{3C41563F-3FD8-4DF9-8426-DFAE604061D2}"/>
+              </a:ext>
+            </a:extLst>
+          </p:cNvPr>
+          <p:cNvSpPr txBox="1"/>
+          <p:nvPr/>
+        </p:nvSpPr>
+        <p:spPr>
+          <a:xfrm>
+            <a:off x="9323137" y="3107791"/>
+            <a:ext cx="722787" cy="646331"/>
+          </a:xfrm>
+          <a:prstGeom prst="rect">
+            <a:avLst/>
+          </a:prstGeom>
+          <a:noFill/>
+          <a:ln w="28575">
+            <a:solidFill>
+              <a:schemeClr val="tx1"/>
+            </a:solidFill>
+          </a:ln>
+        </p:spPr>
+        <p:txBody>
+          <a:bodyPr wrap="square" rtlCol="0" anchor="ctr">
+            <a:spAutoFit/>
+          </a:bodyPr>
+          <a:lstStyle/>
+          <a:p>
+            <a:pPr algn="ctr"/>
+            <a:r>
+              <a:rPr kumimoji="1" lang="ja-JP" altLang="en-US" sz="3600" dirty="0"/>
+              <a:t>は</a:t>
+            </a:r>
+          </a:p>
+        </p:txBody>
+      </p:sp>
+      <p:sp>
+        <p:nvSpPr>
+          <p:cNvPr id="13" name="矢印: 下 12">
+            <a:extLst>
+              <a:ext uri="{FF2B5EF4-FFF2-40B4-BE49-F238E27FC236}">
+                <a16:creationId xmlns:a16="http://schemas.microsoft.com/office/drawing/2014/main" id="{FF1F8D29-CA1F-467D-BA9B-682A2E9040A7}"/>
+              </a:ext>
+            </a:extLst>
+          </p:cNvPr>
+          <p:cNvSpPr/>
+          <p:nvPr/>
+        </p:nvSpPr>
+        <p:spPr>
+          <a:xfrm>
+            <a:off x="7430656" y="2427975"/>
+            <a:ext cx="722787" cy="589428"/>
+          </a:xfrm>
+          <a:prstGeom prst="downArrow">
+            <a:avLst/>
+          </a:prstGeom>
+          <a:solidFill>
+            <a:schemeClr val="accent6">
+              <a:lumMod val="60000"/>
+              <a:lumOff val="40000"/>
+            </a:schemeClr>
+          </a:solidFill>
+          <a:ln>
+            <a:solidFill>
+              <a:schemeClr val="accent6">
+                <a:lumMod val="60000"/>
+                <a:lumOff val="40000"/>
+              </a:schemeClr>
+            </a:solidFill>
+          </a:ln>
+        </p:spPr>
+        <p:style>
+          <a:lnRef idx="2">
+            <a:schemeClr val="accent1">
+              <a:shade val="50000"/>
+            </a:schemeClr>
+          </a:lnRef>
+          <a:fillRef idx="1">
+            <a:schemeClr val="accent1"/>
+          </a:fillRef>
+          <a:effectRef idx="0">
+            <a:schemeClr val="accent1"/>
+          </a:effectRef>
+          <a:fontRef idx="minor">
+            <a:schemeClr val="lt1"/>
+          </a:fontRef>
+        </p:style>
+        <p:txBody>
+          <a:bodyPr rtlCol="0" anchor="ctr"/>
+          <a:lstStyle/>
+          <a:p>
+            <a:pPr algn="ctr"/>
+            <a:endParaRPr kumimoji="1" lang="ja-JP" altLang="en-US"/>
+          </a:p>
+        </p:txBody>
+      </p:sp>
+      <p:sp>
+        <p:nvSpPr>
+          <p:cNvPr id="14" name="矢印: 下 13">
+            <a:extLst>
+              <a:ext uri="{FF2B5EF4-FFF2-40B4-BE49-F238E27FC236}">
+                <a16:creationId xmlns:a16="http://schemas.microsoft.com/office/drawing/2014/main" id="{AC75D2C8-DFAD-464C-97D3-5F792B39CC80}"/>
+              </a:ext>
+            </a:extLst>
+          </p:cNvPr>
+          <p:cNvSpPr/>
+          <p:nvPr/>
+        </p:nvSpPr>
+        <p:spPr>
+          <a:xfrm>
+            <a:off x="7430656" y="3840598"/>
+            <a:ext cx="722787" cy="589428"/>
+          </a:xfrm>
+          <a:prstGeom prst="downArrow">
+            <a:avLst/>
+          </a:prstGeom>
+          <a:solidFill>
+            <a:schemeClr val="accent6">
+              <a:lumMod val="60000"/>
+              <a:lumOff val="40000"/>
+            </a:schemeClr>
+          </a:solidFill>
+          <a:ln>
+            <a:solidFill>
+              <a:schemeClr val="accent6">
+                <a:lumMod val="60000"/>
+                <a:lumOff val="40000"/>
+              </a:schemeClr>
+            </a:solidFill>
+          </a:ln>
+        </p:spPr>
+        <p:style>
+          <a:lnRef idx="2">
+            <a:schemeClr val="accent1">
+              <a:shade val="50000"/>
+            </a:schemeClr>
+          </a:lnRef>
+          <a:fillRef idx="1">
+            <a:schemeClr val="accent1"/>
+          </a:fillRef>
+          <a:effectRef idx="0">
+            <a:schemeClr val="accent1"/>
+          </a:effectRef>
+          <a:fontRef idx="minor">
+            <a:schemeClr val="lt1"/>
+          </a:fontRef>
+        </p:style>
+        <p:txBody>
+          <a:bodyPr rtlCol="0" anchor="ctr"/>
+          <a:lstStyle/>
+          <a:p>
+            <a:pPr algn="ctr"/>
+            <a:endParaRPr kumimoji="1" lang="ja-JP" altLang="en-US"/>
+          </a:p>
+        </p:txBody>
+      </p:sp>
+      <p:sp>
+        <p:nvSpPr>
+          <p:cNvPr id="15" name="テキスト ボックス 14">
+            <a:extLst>
+              <a:ext uri="{FF2B5EF4-FFF2-40B4-BE49-F238E27FC236}">
+                <a16:creationId xmlns:a16="http://schemas.microsoft.com/office/drawing/2014/main" id="{1ECF6D5E-10A1-42AE-A809-74960981400A}"/>
+              </a:ext>
+            </a:extLst>
+          </p:cNvPr>
+          <p:cNvSpPr txBox="1"/>
+          <p:nvPr/>
+        </p:nvSpPr>
+        <p:spPr>
+          <a:xfrm>
+            <a:off x="7237795" y="4524156"/>
+            <a:ext cx="1108508" cy="646331"/>
+          </a:xfrm>
+          <a:prstGeom prst="rect">
+            <a:avLst/>
+          </a:prstGeom>
+          <a:noFill/>
+          <a:ln w="28575">
+            <a:solidFill>
+              <a:schemeClr val="tx1"/>
+            </a:solidFill>
+          </a:ln>
+        </p:spPr>
+        <p:txBody>
+          <a:bodyPr wrap="square" rtlCol="0" anchor="ctr">
+            <a:spAutoFit/>
+          </a:bodyPr>
+          <a:lstStyle/>
+          <a:p>
+            <a:pPr algn="ctr"/>
+            <a:r>
+              <a:rPr kumimoji="1" lang="ja-JP" altLang="en-US" sz="3600" dirty="0"/>
+              <a:t>天気</a:t>
+            </a:r>
+          </a:p>
+        </p:txBody>
+      </p:sp>
+    </p:spTree>
+    <p:extLst>
+      <p:ext uri="{BB962C8B-B14F-4D97-AF65-F5344CB8AC3E}">
+        <p14:creationId xmlns:p14="http://schemas.microsoft.com/office/powerpoint/2010/main" val="2503083791"/>
+      </p:ext>
+    </p:extLst>
+  </p:cSld>
+  <p:clrMapOvr>
+    <a:masterClrMapping/>
+  </p:clrMapOvr>
 </p:sld>
 </file>
 
@@ -6495,7 +7817,7 @@
           <p:cNvPr id="2" name="タイトル 1">
             <a:extLst>
               <a:ext uri="{FF2B5EF4-FFF2-40B4-BE49-F238E27FC236}">
-                <a16:creationId xmlns:a16="http://schemas.microsoft.com/office/drawing/2014/main" id="{546FE0B1-4BFF-4176-A1F1-239F5362B12B}"/>
+                <a16:creationId xmlns:a16="http://schemas.microsoft.com/office/drawing/2014/main" id="{870F805A-B54C-4A5F-BC55-EC7F30EE0188}"/>
               </a:ext>
             </a:extLst>
           </p:cNvPr>
@@ -6511,50 +7833,698 @@
           <a:bodyPr/>
           <a:lstStyle/>
           <a:p>
+            <a:r>
+              <a:rPr kumimoji="1" lang="en-US" altLang="ja-JP" dirty="0"/>
+              <a:t>Predict.py(</a:t>
+            </a:r>
+            <a:r>
+              <a:rPr kumimoji="1" lang="ja-JP" altLang="en-US" dirty="0"/>
+              <a:t>予測</a:t>
+            </a:r>
+            <a:r>
+              <a:rPr kumimoji="1" lang="en-US" altLang="ja-JP" dirty="0"/>
+              <a:t>)</a:t>
+            </a:r>
+            <a:endParaRPr kumimoji="1" lang="ja-JP" altLang="en-US" dirty="0"/>
+          </a:p>
+        </p:txBody>
+      </p:sp>
+      <p:pic>
+        <p:nvPicPr>
+          <p:cNvPr id="5" name="コンテンツ プレースホルダー 4">
+            <a:extLst>
+              <a:ext uri="{FF2B5EF4-FFF2-40B4-BE49-F238E27FC236}">
+                <a16:creationId xmlns:a16="http://schemas.microsoft.com/office/drawing/2014/main" id="{3D7448FC-B055-4EA8-A1C1-E3D6F618FEF4}"/>
+              </a:ext>
+            </a:extLst>
+          </p:cNvPr>
+          <p:cNvPicPr>
+            <a:picLocks noGrp="1" noChangeAspect="1"/>
+          </p:cNvPicPr>
+          <p:nvPr>
+            <p:ph idx="1"/>
+          </p:nvPr>
+        </p:nvPicPr>
+        <p:blipFill>
+          <a:blip r:embed="rId2">
+            <a:extLst>
+              <a:ext uri="{28A0092B-C50C-407E-A947-70E740481C1C}">
+                <a14:useLocalDpi xmlns:a14="http://schemas.microsoft.com/office/drawing/2010/main" val="0"/>
+              </a:ext>
+            </a:extLst>
+          </a:blip>
+          <a:stretch>
+            <a:fillRect/>
+          </a:stretch>
+        </p:blipFill>
+        <p:spPr>
+          <a:xfrm>
+            <a:off x="942736" y="1280558"/>
+            <a:ext cx="8460795" cy="5336810"/>
+          </a:xfrm>
+        </p:spPr>
+      </p:pic>
+      <p:sp>
+        <p:nvSpPr>
+          <p:cNvPr id="6" name="正方形/長方形 5">
+            <a:extLst>
+              <a:ext uri="{FF2B5EF4-FFF2-40B4-BE49-F238E27FC236}">
+                <a16:creationId xmlns:a16="http://schemas.microsoft.com/office/drawing/2014/main" id="{3D85D4EC-A6D8-4912-BAB1-369C760D6DC1}"/>
+              </a:ext>
+            </a:extLst>
+          </p:cNvPr>
+          <p:cNvSpPr/>
+          <p:nvPr/>
+        </p:nvSpPr>
+        <p:spPr>
+          <a:xfrm>
+            <a:off x="9508067" y="0"/>
+            <a:ext cx="2683933" cy="1593908"/>
+          </a:xfrm>
+          <a:prstGeom prst="rect">
+            <a:avLst/>
+          </a:prstGeom>
+          <a:solidFill>
+            <a:schemeClr val="accent6">
+              <a:lumMod val="60000"/>
+              <a:lumOff val="40000"/>
+            </a:schemeClr>
+          </a:solidFill>
+          <a:ln>
+            <a:solidFill>
+              <a:schemeClr val="tx1"/>
+            </a:solidFill>
+          </a:ln>
+        </p:spPr>
+        <p:style>
+          <a:lnRef idx="2">
+            <a:schemeClr val="accent1">
+              <a:shade val="50000"/>
+            </a:schemeClr>
+          </a:lnRef>
+          <a:fillRef idx="1">
+            <a:schemeClr val="accent1"/>
+          </a:fillRef>
+          <a:effectRef idx="0">
+            <a:schemeClr val="accent1"/>
+          </a:effectRef>
+          <a:fontRef idx="minor">
+            <a:schemeClr val="lt1"/>
+          </a:fontRef>
+        </p:style>
+        <p:txBody>
+          <a:bodyPr rtlCol="0" anchor="ctr"/>
+          <a:lstStyle/>
+          <a:p>
+            <a:pPr algn="ctr"/>
+            <a:endParaRPr kumimoji="1" lang="ja-JP" altLang="en-US"/>
+          </a:p>
+        </p:txBody>
+      </p:sp>
+      <p:sp>
+        <p:nvSpPr>
+          <p:cNvPr id="8" name="正方形/長方形 7">
+            <a:extLst>
+              <a:ext uri="{FF2B5EF4-FFF2-40B4-BE49-F238E27FC236}">
+                <a16:creationId xmlns:a16="http://schemas.microsoft.com/office/drawing/2014/main" id="{A65C41CD-914D-46B4-A2C1-B973A31344D1}"/>
+              </a:ext>
+            </a:extLst>
+          </p:cNvPr>
+          <p:cNvSpPr/>
+          <p:nvPr/>
+        </p:nvSpPr>
+        <p:spPr>
+          <a:xfrm>
+            <a:off x="1376411" y="1544366"/>
+            <a:ext cx="1799924" cy="388896"/>
+          </a:xfrm>
+          <a:prstGeom prst="rect">
+            <a:avLst/>
+          </a:prstGeom>
+          <a:noFill/>
+          <a:ln w="38100">
+            <a:solidFill>
+              <a:srgbClr val="FF0000"/>
+            </a:solidFill>
+          </a:ln>
+        </p:spPr>
+        <p:style>
+          <a:lnRef idx="2">
+            <a:schemeClr val="accent1">
+              <a:shade val="50000"/>
+            </a:schemeClr>
+          </a:lnRef>
+          <a:fillRef idx="1">
+            <a:schemeClr val="accent1"/>
+          </a:fillRef>
+          <a:effectRef idx="0">
+            <a:schemeClr val="accent1"/>
+          </a:effectRef>
+          <a:fontRef idx="minor">
+            <a:schemeClr val="lt1"/>
+          </a:fontRef>
+        </p:style>
+        <p:txBody>
+          <a:bodyPr rtlCol="0" anchor="ctr"/>
+          <a:lstStyle/>
+          <a:p>
+            <a:pPr algn="ctr"/>
+            <a:endParaRPr kumimoji="1" lang="ja-JP" altLang="en-US"/>
+          </a:p>
+        </p:txBody>
+      </p:sp>
+      <p:sp>
+        <p:nvSpPr>
+          <p:cNvPr id="9" name="正方形/長方形 8">
+            <a:extLst>
+              <a:ext uri="{FF2B5EF4-FFF2-40B4-BE49-F238E27FC236}">
+                <a16:creationId xmlns:a16="http://schemas.microsoft.com/office/drawing/2014/main" id="{0CE431B2-BCC6-481E-A402-C400128183D4}"/>
+              </a:ext>
+            </a:extLst>
+          </p:cNvPr>
+          <p:cNvSpPr/>
+          <p:nvPr/>
+        </p:nvSpPr>
+        <p:spPr>
+          <a:xfrm>
+            <a:off x="1386036" y="2223436"/>
+            <a:ext cx="3080086" cy="741146"/>
+          </a:xfrm>
+          <a:prstGeom prst="rect">
+            <a:avLst/>
+          </a:prstGeom>
+          <a:noFill/>
+          <a:ln w="38100">
+            <a:solidFill>
+              <a:srgbClr val="FF0000"/>
+            </a:solidFill>
+          </a:ln>
+        </p:spPr>
+        <p:style>
+          <a:lnRef idx="2">
+            <a:schemeClr val="accent1">
+              <a:shade val="50000"/>
+            </a:schemeClr>
+          </a:lnRef>
+          <a:fillRef idx="1">
+            <a:schemeClr val="accent1"/>
+          </a:fillRef>
+          <a:effectRef idx="0">
+            <a:schemeClr val="accent1"/>
+          </a:effectRef>
+          <a:fontRef idx="minor">
+            <a:schemeClr val="lt1"/>
+          </a:fontRef>
+        </p:style>
+        <p:txBody>
+          <a:bodyPr rtlCol="0" anchor="ctr"/>
+          <a:lstStyle/>
+          <a:p>
+            <a:pPr algn="ctr"/>
+            <a:endParaRPr kumimoji="1" lang="ja-JP" altLang="en-US"/>
+          </a:p>
+        </p:txBody>
+      </p:sp>
+      <p:sp>
+        <p:nvSpPr>
+          <p:cNvPr id="10" name="正方形/長方形 9">
+            <a:extLst>
+              <a:ext uri="{FF2B5EF4-FFF2-40B4-BE49-F238E27FC236}">
+                <a16:creationId xmlns:a16="http://schemas.microsoft.com/office/drawing/2014/main" id="{05EC3179-A05E-4A09-8C05-9AFC1E06AAC0}"/>
+              </a:ext>
+            </a:extLst>
+          </p:cNvPr>
+          <p:cNvSpPr/>
+          <p:nvPr/>
+        </p:nvSpPr>
+        <p:spPr>
+          <a:xfrm>
+            <a:off x="1565884" y="5382993"/>
+            <a:ext cx="3420002" cy="1037057"/>
+          </a:xfrm>
+          <a:prstGeom prst="rect">
+            <a:avLst/>
+          </a:prstGeom>
+          <a:noFill/>
+          <a:ln w="38100">
+            <a:solidFill>
+              <a:srgbClr val="FF0000"/>
+            </a:solidFill>
+          </a:ln>
+        </p:spPr>
+        <p:style>
+          <a:lnRef idx="2">
+            <a:schemeClr val="accent1">
+              <a:shade val="50000"/>
+            </a:schemeClr>
+          </a:lnRef>
+          <a:fillRef idx="1">
+            <a:schemeClr val="accent1"/>
+          </a:fillRef>
+          <a:effectRef idx="0">
+            <a:schemeClr val="accent1"/>
+          </a:effectRef>
+          <a:fontRef idx="minor">
+            <a:schemeClr val="lt1"/>
+          </a:fontRef>
+        </p:style>
+        <p:txBody>
+          <a:bodyPr rtlCol="0" anchor="ctr"/>
+          <a:lstStyle/>
+          <a:p>
+            <a:pPr algn="ctr"/>
+            <a:endParaRPr kumimoji="1" lang="ja-JP" altLang="en-US"/>
+          </a:p>
+        </p:txBody>
+      </p:sp>
+      <p:sp>
+        <p:nvSpPr>
+          <p:cNvPr id="11" name="正方形/長方形 10">
+            <a:extLst>
+              <a:ext uri="{FF2B5EF4-FFF2-40B4-BE49-F238E27FC236}">
+                <a16:creationId xmlns:a16="http://schemas.microsoft.com/office/drawing/2014/main" id="{8EFC927D-9345-40F0-A269-18862696A4D4}"/>
+              </a:ext>
+            </a:extLst>
+          </p:cNvPr>
+          <p:cNvSpPr/>
+          <p:nvPr/>
+        </p:nvSpPr>
+        <p:spPr>
+          <a:xfrm>
+            <a:off x="1400472" y="3214348"/>
+            <a:ext cx="7926407" cy="1848539"/>
+          </a:xfrm>
+          <a:prstGeom prst="rect">
+            <a:avLst/>
+          </a:prstGeom>
+          <a:noFill/>
+          <a:ln w="38100">
+            <a:solidFill>
+              <a:srgbClr val="FF0000"/>
+            </a:solidFill>
+          </a:ln>
+        </p:spPr>
+        <p:style>
+          <a:lnRef idx="2">
+            <a:schemeClr val="accent1">
+              <a:shade val="50000"/>
+            </a:schemeClr>
+          </a:lnRef>
+          <a:fillRef idx="1">
+            <a:schemeClr val="accent1"/>
+          </a:fillRef>
+          <a:effectRef idx="0">
+            <a:schemeClr val="accent1"/>
+          </a:effectRef>
+          <a:fontRef idx="minor">
+            <a:schemeClr val="lt1"/>
+          </a:fontRef>
+        </p:style>
+        <p:txBody>
+          <a:bodyPr rtlCol="0" anchor="ctr"/>
+          <a:lstStyle/>
+          <a:p>
+            <a:pPr algn="ctr"/>
+            <a:endParaRPr kumimoji="1" lang="ja-JP" altLang="en-US"/>
+          </a:p>
+        </p:txBody>
+      </p:sp>
+      <p:sp>
+        <p:nvSpPr>
+          <p:cNvPr id="13" name="テキスト ボックス 12">
+            <a:extLst>
+              <a:ext uri="{FF2B5EF4-FFF2-40B4-BE49-F238E27FC236}">
+                <a16:creationId xmlns:a16="http://schemas.microsoft.com/office/drawing/2014/main" id="{BBF8D273-AC8A-40E2-B393-E0314F7581A0}"/>
+              </a:ext>
+            </a:extLst>
+          </p:cNvPr>
+          <p:cNvSpPr txBox="1"/>
+          <p:nvPr/>
+        </p:nvSpPr>
+        <p:spPr>
+          <a:xfrm>
+            <a:off x="3792354" y="1563225"/>
+            <a:ext cx="2993457" cy="369332"/>
+          </a:xfrm>
+          <a:prstGeom prst="rect">
+            <a:avLst/>
+          </a:prstGeom>
+          <a:solidFill>
+            <a:schemeClr val="bg1"/>
+          </a:solidFill>
+          <a:ln w="38100">
+            <a:solidFill>
+              <a:srgbClr val="FF0000"/>
+            </a:solidFill>
+          </a:ln>
+        </p:spPr>
+        <p:txBody>
+          <a:bodyPr wrap="square" rtlCol="0">
+            <a:spAutoFit/>
+          </a:bodyPr>
+          <a:lstStyle/>
+          <a:p>
+            <a:r>
+              <a:rPr kumimoji="1" lang="en-US" altLang="ja-JP" dirty="0" err="1"/>
+              <a:t>fastText</a:t>
+            </a:r>
+            <a:r>
+              <a:rPr kumimoji="1" lang="ja-JP" altLang="en-US" dirty="0"/>
+              <a:t>と</a:t>
+            </a:r>
             <a:r>
               <a:rPr kumimoji="1" lang="en-US" altLang="ja-JP" dirty="0" err="1"/>
               <a:t>MeCab</a:t>
             </a:r>
+            <a:r>
+              <a:rPr kumimoji="1" lang="ja-JP" altLang="en-US" dirty="0"/>
+              <a:t>を</a:t>
+            </a:r>
+            <a:r>
+              <a:rPr kumimoji="1" lang="en-US" altLang="ja-JP" dirty="0"/>
+              <a:t>import</a:t>
+            </a:r>
             <a:endParaRPr kumimoji="1" lang="ja-JP" altLang="en-US" dirty="0"/>
           </a:p>
         </p:txBody>
       </p:sp>
       <p:sp>
         <p:nvSpPr>
-          <p:cNvPr id="3" name="コンテンツ プレースホルダー 2">
-            <a:extLst>
-              <a:ext uri="{FF2B5EF4-FFF2-40B4-BE49-F238E27FC236}">
-                <a16:creationId xmlns:a16="http://schemas.microsoft.com/office/drawing/2014/main" id="{023D6325-80DB-4671-A255-996F8E62847D}"/>
-              </a:ext>
-            </a:extLst>
-          </p:cNvPr>
-          <p:cNvSpPr>
-            <a:spLocks noGrp="1"/>
-          </p:cNvSpPr>
-          <p:nvPr>
-            <p:ph idx="1"/>
-          </p:nvPr>
-        </p:nvSpPr>
-        <p:spPr/>
-        <p:txBody>
-          <a:bodyPr/>
-          <a:lstStyle/>
-          <a:p>
+          <p:cNvPr id="14" name="テキスト ボックス 13">
+            <a:extLst>
+              <a:ext uri="{FF2B5EF4-FFF2-40B4-BE49-F238E27FC236}">
+                <a16:creationId xmlns:a16="http://schemas.microsoft.com/office/drawing/2014/main" id="{78DD10E0-C154-4EB8-B67D-3C8BE76387F5}"/>
+              </a:ext>
+            </a:extLst>
+          </p:cNvPr>
+          <p:cNvSpPr txBox="1"/>
+          <p:nvPr/>
+        </p:nvSpPr>
+        <p:spPr>
+          <a:xfrm>
+            <a:off x="5001141" y="2397668"/>
+            <a:ext cx="2321293" cy="369332"/>
+          </a:xfrm>
+          <a:prstGeom prst="rect">
+            <a:avLst/>
+          </a:prstGeom>
+          <a:solidFill>
+            <a:schemeClr val="bg1"/>
+          </a:solidFill>
+          <a:ln w="38100">
+            <a:solidFill>
+              <a:srgbClr val="FF0000"/>
+            </a:solidFill>
+          </a:ln>
+        </p:spPr>
+        <p:txBody>
+          <a:bodyPr wrap="square" rtlCol="0">
+            <a:spAutoFit/>
+          </a:bodyPr>
+          <a:lstStyle/>
+          <a:p>
+            <a:r>
+              <a:rPr kumimoji="1" lang="en-US" altLang="ja-JP" dirty="0" err="1"/>
+              <a:t>MeCab</a:t>
+            </a:r>
             <a:r>
               <a:rPr kumimoji="1" lang="ja-JP" altLang="en-US" dirty="0"/>
-              <a:t>形態素解析</a:t>
+              <a:t>で形態素解析</a:t>
+            </a:r>
+          </a:p>
+        </p:txBody>
+      </p:sp>
+      <p:sp>
+        <p:nvSpPr>
+          <p:cNvPr id="15" name="テキスト ボックス 14">
+            <a:extLst>
+              <a:ext uri="{FF2B5EF4-FFF2-40B4-BE49-F238E27FC236}">
+                <a16:creationId xmlns:a16="http://schemas.microsoft.com/office/drawing/2014/main" id="{1B60ED53-5A12-4F2C-B686-4A2ED4F991AC}"/>
+              </a:ext>
+            </a:extLst>
+          </p:cNvPr>
+          <p:cNvSpPr txBox="1"/>
+          <p:nvPr/>
+        </p:nvSpPr>
+        <p:spPr>
+          <a:xfrm>
+            <a:off x="5521441" y="5578354"/>
+            <a:ext cx="2944618" cy="646331"/>
+          </a:xfrm>
+          <a:prstGeom prst="rect">
+            <a:avLst/>
+          </a:prstGeom>
+          <a:solidFill>
+            <a:schemeClr val="bg1"/>
+          </a:solidFill>
+          <a:ln w="38100">
+            <a:solidFill>
+              <a:srgbClr val="FF0000"/>
+            </a:solidFill>
+          </a:ln>
+        </p:spPr>
+        <p:txBody>
+          <a:bodyPr wrap="square" rtlCol="0">
+            <a:spAutoFit/>
+          </a:bodyPr>
+          <a:lstStyle/>
+          <a:p>
+            <a:r>
+              <a:rPr kumimoji="1" lang="ja-JP" altLang="en-US" dirty="0"/>
+              <a:t>抽出した単語を学習モデル</a:t>
             </a:r>
             <a:endParaRPr kumimoji="1" lang="en-US" altLang="ja-JP" dirty="0"/>
           </a:p>
           <a:p>
+            <a:r>
+              <a:rPr lang="ja-JP" altLang="en-US" dirty="0"/>
+              <a:t>で予測</a:t>
+            </a:r>
             <a:endParaRPr kumimoji="1" lang="ja-JP" altLang="en-US" dirty="0"/>
           </a:p>
         </p:txBody>
       </p:sp>
+      <p:sp>
+        <p:nvSpPr>
+          <p:cNvPr id="16" name="テキスト ボックス 15">
+            <a:extLst>
+              <a:ext uri="{FF2B5EF4-FFF2-40B4-BE49-F238E27FC236}">
+                <a16:creationId xmlns:a16="http://schemas.microsoft.com/office/drawing/2014/main" id="{EAB3391C-9D02-4582-B567-551C8654E868}"/>
+              </a:ext>
+            </a:extLst>
+          </p:cNvPr>
+          <p:cNvSpPr txBox="1"/>
+          <p:nvPr/>
+        </p:nvSpPr>
+        <p:spPr>
+          <a:xfrm>
+            <a:off x="9873254" y="3815451"/>
+            <a:ext cx="2143222" cy="646331"/>
+          </a:xfrm>
+          <a:prstGeom prst="rect">
+            <a:avLst/>
+          </a:prstGeom>
+          <a:solidFill>
+            <a:schemeClr val="bg1"/>
+          </a:solidFill>
+          <a:ln w="38100">
+            <a:solidFill>
+              <a:srgbClr val="FF0000"/>
+            </a:solidFill>
+          </a:ln>
+        </p:spPr>
+        <p:txBody>
+          <a:bodyPr wrap="square" rtlCol="0">
+            <a:spAutoFit/>
+          </a:bodyPr>
+          <a:lstStyle/>
+          <a:p>
+            <a:r>
+              <a:rPr kumimoji="1" lang="ja-JP" altLang="en-US" dirty="0"/>
+              <a:t>文章の中から</a:t>
+            </a:r>
+            <a:endParaRPr kumimoji="1" lang="en-US" altLang="ja-JP" dirty="0"/>
+          </a:p>
+          <a:p>
+            <a:r>
+              <a:rPr kumimoji="1" lang="ja-JP" altLang="en-US" dirty="0"/>
+              <a:t>必要な名詞を抽出</a:t>
+            </a:r>
+            <a:endParaRPr kumimoji="1" lang="en-US" altLang="ja-JP" dirty="0"/>
+          </a:p>
+        </p:txBody>
+      </p:sp>
+      <p:cxnSp>
+        <p:nvCxnSpPr>
+          <p:cNvPr id="23" name="直線コネクタ 22">
+            <a:extLst>
+              <a:ext uri="{FF2B5EF4-FFF2-40B4-BE49-F238E27FC236}">
+                <a16:creationId xmlns:a16="http://schemas.microsoft.com/office/drawing/2014/main" id="{04551CEB-F58B-43F0-AAE0-A56B1ADB1AAA}"/>
+              </a:ext>
+            </a:extLst>
+          </p:cNvPr>
+          <p:cNvCxnSpPr>
+            <a:cxnSpLocks/>
+            <a:stCxn id="13" idx="1"/>
+          </p:cNvCxnSpPr>
+          <p:nvPr/>
+        </p:nvCxnSpPr>
+        <p:spPr>
+          <a:xfrm flipH="1">
+            <a:off x="3176872" y="1747891"/>
+            <a:ext cx="615482" cy="1"/>
+          </a:xfrm>
+          <a:prstGeom prst="line">
+            <a:avLst/>
+          </a:prstGeom>
+          <a:ln w="38100">
+            <a:solidFill>
+              <a:srgbClr val="FF0000"/>
+            </a:solidFill>
+          </a:ln>
+        </p:spPr>
+        <p:style>
+          <a:lnRef idx="1">
+            <a:schemeClr val="accent1"/>
+          </a:lnRef>
+          <a:fillRef idx="0">
+            <a:schemeClr val="accent1"/>
+          </a:fillRef>
+          <a:effectRef idx="0">
+            <a:schemeClr val="accent1"/>
+          </a:effectRef>
+          <a:fontRef idx="minor">
+            <a:schemeClr val="tx1"/>
+          </a:fontRef>
+        </p:style>
+      </p:cxnSp>
+      <p:cxnSp>
+        <p:nvCxnSpPr>
+          <p:cNvPr id="24" name="直線コネクタ 23">
+            <a:extLst>
+              <a:ext uri="{FF2B5EF4-FFF2-40B4-BE49-F238E27FC236}">
+                <a16:creationId xmlns:a16="http://schemas.microsoft.com/office/drawing/2014/main" id="{FC08593E-5B76-4E0F-8C63-5C3B67BDB7BE}"/>
+              </a:ext>
+            </a:extLst>
+          </p:cNvPr>
+          <p:cNvCxnSpPr/>
+          <p:nvPr/>
+        </p:nvCxnSpPr>
+        <p:spPr>
+          <a:xfrm flipH="1">
+            <a:off x="4454766" y="2582334"/>
+            <a:ext cx="546375" cy="1"/>
+          </a:xfrm>
+          <a:prstGeom prst="line">
+            <a:avLst/>
+          </a:prstGeom>
+          <a:ln w="38100">
+            <a:solidFill>
+              <a:srgbClr val="FF0000"/>
+            </a:solidFill>
+          </a:ln>
+        </p:spPr>
+        <p:style>
+          <a:lnRef idx="1">
+            <a:schemeClr val="accent1"/>
+          </a:lnRef>
+          <a:fillRef idx="0">
+            <a:schemeClr val="accent1"/>
+          </a:fillRef>
+          <a:effectRef idx="0">
+            <a:schemeClr val="accent1"/>
+          </a:effectRef>
+          <a:fontRef idx="minor">
+            <a:schemeClr val="tx1"/>
+          </a:fontRef>
+        </p:style>
+      </p:cxnSp>
+      <p:cxnSp>
+        <p:nvCxnSpPr>
+          <p:cNvPr id="25" name="直線コネクタ 24">
+            <a:extLst>
+              <a:ext uri="{FF2B5EF4-FFF2-40B4-BE49-F238E27FC236}">
+                <a16:creationId xmlns:a16="http://schemas.microsoft.com/office/drawing/2014/main" id="{109ACC8D-7B28-4AD7-BD55-372243E80751}"/>
+              </a:ext>
+            </a:extLst>
+          </p:cNvPr>
+          <p:cNvCxnSpPr/>
+          <p:nvPr/>
+        </p:nvCxnSpPr>
+        <p:spPr>
+          <a:xfrm flipH="1">
+            <a:off x="9314892" y="4154027"/>
+            <a:ext cx="546375" cy="1"/>
+          </a:xfrm>
+          <a:prstGeom prst="line">
+            <a:avLst/>
+          </a:prstGeom>
+          <a:ln w="38100">
+            <a:solidFill>
+              <a:srgbClr val="FF0000"/>
+            </a:solidFill>
+          </a:ln>
+        </p:spPr>
+        <p:style>
+          <a:lnRef idx="1">
+            <a:schemeClr val="accent1"/>
+          </a:lnRef>
+          <a:fillRef idx="0">
+            <a:schemeClr val="accent1"/>
+          </a:fillRef>
+          <a:effectRef idx="0">
+            <a:schemeClr val="accent1"/>
+          </a:effectRef>
+          <a:fontRef idx="minor">
+            <a:schemeClr val="tx1"/>
+          </a:fontRef>
+        </p:style>
+      </p:cxnSp>
+      <p:cxnSp>
+        <p:nvCxnSpPr>
+          <p:cNvPr id="26" name="直線コネクタ 25">
+            <a:extLst>
+              <a:ext uri="{FF2B5EF4-FFF2-40B4-BE49-F238E27FC236}">
+                <a16:creationId xmlns:a16="http://schemas.microsoft.com/office/drawing/2014/main" id="{B9B6ACFE-9829-4F19-BEAF-919493E887D9}"/>
+              </a:ext>
+            </a:extLst>
+          </p:cNvPr>
+          <p:cNvCxnSpPr/>
+          <p:nvPr/>
+        </p:nvCxnSpPr>
+        <p:spPr>
+          <a:xfrm flipH="1">
+            <a:off x="4975066" y="5901520"/>
+            <a:ext cx="546375" cy="1"/>
+          </a:xfrm>
+          <a:prstGeom prst="line">
+            <a:avLst/>
+          </a:prstGeom>
+          <a:ln w="38100">
+            <a:solidFill>
+              <a:srgbClr val="FF0000"/>
+            </a:solidFill>
+          </a:ln>
+        </p:spPr>
+        <p:style>
+          <a:lnRef idx="1">
+            <a:schemeClr val="accent1"/>
+          </a:lnRef>
+          <a:fillRef idx="0">
+            <a:schemeClr val="accent1"/>
+          </a:fillRef>
+          <a:effectRef idx="0">
+            <a:schemeClr val="accent1"/>
+          </a:effectRef>
+          <a:fontRef idx="minor">
+            <a:schemeClr val="tx1"/>
+          </a:fontRef>
+        </p:style>
+      </p:cxnSp>
     </p:spTree>
     <p:extLst>
       <p:ext uri="{BB962C8B-B14F-4D97-AF65-F5344CB8AC3E}">
-        <p14:creationId xmlns:p14="http://schemas.microsoft.com/office/powerpoint/2010/main" val="2503083791"/>
+        <p14:creationId xmlns:p14="http://schemas.microsoft.com/office/powerpoint/2010/main" val="2440052037"/>
       </p:ext>
     </p:extLst>
   </p:cSld>
@@ -7759,7 +9729,7 @@
         </p:nvSpPr>
         <p:spPr>
           <a:xfrm>
-            <a:off x="8211477" y="1632445"/>
+            <a:off x="7537709" y="1838363"/>
             <a:ext cx="2930013" cy="4278400"/>
           </a:xfrm>
           <a:prstGeom prst="roundRect">
@@ -7813,7 +9783,7 @@
         </p:nvSpPr>
         <p:spPr>
           <a:xfrm>
-            <a:off x="4580347" y="3274344"/>
+            <a:off x="3906579" y="3480262"/>
             <a:ext cx="623696" cy="1106905"/>
           </a:xfrm>
           <a:prstGeom prst="rightArrow">
@@ -7871,7 +9841,7 @@
         </p:nvSpPr>
         <p:spPr>
           <a:xfrm>
-            <a:off x="9213815" y="2023546"/>
+            <a:off x="8540047" y="2229464"/>
             <a:ext cx="1639152" cy="723884"/>
           </a:xfrm>
           <a:prstGeom prst="rect">
@@ -7879,7 +9849,8 @@
           </a:prstGeom>
           <a:solidFill>
             <a:schemeClr val="accent6">
-              <a:lumMod val="75000"/>
+              <a:lumMod val="60000"/>
+              <a:lumOff val="40000"/>
             </a:schemeClr>
           </a:solidFill>
           <a:ln w="19050">
@@ -7933,7 +9904,7 @@
         </p:nvSpPr>
         <p:spPr>
           <a:xfrm>
-            <a:off x="9213815" y="4795859"/>
+            <a:off x="8540047" y="5001777"/>
             <a:ext cx="1639152" cy="723884"/>
           </a:xfrm>
           <a:prstGeom prst="rect">
@@ -7941,7 +9912,8 @@
           </a:prstGeom>
           <a:solidFill>
             <a:schemeClr val="accent6">
-              <a:lumMod val="75000"/>
+              <a:lumMod val="60000"/>
+              <a:lumOff val="40000"/>
             </a:schemeClr>
           </a:solidFill>
           <a:ln w="19050">
@@ -8000,7 +9972,7 @@
         </p:nvSpPr>
         <p:spPr>
           <a:xfrm>
-            <a:off x="9214591" y="3369453"/>
+            <a:off x="8540823" y="3575371"/>
             <a:ext cx="1639152" cy="723884"/>
           </a:xfrm>
           <a:prstGeom prst="rect">
@@ -8008,7 +9980,8 @@
           </a:prstGeom>
           <a:solidFill>
             <a:schemeClr val="accent6">
-              <a:lumMod val="75000"/>
+              <a:lumMod val="60000"/>
+              <a:lumOff val="40000"/>
             </a:schemeClr>
           </a:solidFill>
           <a:ln w="19050">
@@ -8062,7 +10035,7 @@
         </p:nvSpPr>
         <p:spPr>
           <a:xfrm>
-            <a:off x="8261809" y="2141338"/>
+            <a:off x="7588041" y="2347256"/>
             <a:ext cx="1355712" cy="584775"/>
           </a:xfrm>
           <a:prstGeom prst="rect">
@@ -8102,7 +10075,7 @@
         </p:nvSpPr>
         <p:spPr>
           <a:xfrm>
-            <a:off x="8292939" y="3488263"/>
+            <a:off x="7619171" y="3694181"/>
             <a:ext cx="1221470" cy="523220"/>
           </a:xfrm>
           <a:prstGeom prst="rect">
@@ -8142,7 +10115,7 @@
         </p:nvSpPr>
         <p:spPr>
           <a:xfrm>
-            <a:off x="8292939" y="4930366"/>
+            <a:off x="7619171" y="5136284"/>
             <a:ext cx="1221470" cy="523220"/>
           </a:xfrm>
           <a:prstGeom prst="rect">
@@ -8182,7 +10155,7 @@
         </p:nvSpPr>
         <p:spPr>
           <a:xfrm>
-            <a:off x="8211477" y="1558518"/>
+            <a:off x="7537709" y="1764436"/>
             <a:ext cx="2915640" cy="1709972"/>
           </a:xfrm>
           <a:prstGeom prst="ellipse">
@@ -8234,7 +10207,7 @@
         </p:nvSpPr>
         <p:spPr>
           <a:xfrm>
-            <a:off x="1831689" y="2448894"/>
+            <a:off x="1157921" y="2654812"/>
             <a:ext cx="2660548" cy="581721"/>
           </a:xfrm>
           <a:prstGeom prst="roundRect">
@@ -8304,7 +10277,7 @@
         </p:nvSpPr>
         <p:spPr>
           <a:xfrm>
-            <a:off x="1831689" y="3030615"/>
+            <a:off x="1157921" y="3236533"/>
             <a:ext cx="2660548" cy="1594366"/>
           </a:xfrm>
           <a:prstGeom prst="roundRect">
@@ -8312,7 +10285,8 @@
           </a:prstGeom>
           <a:solidFill>
             <a:schemeClr val="accent6">
-              <a:lumMod val="75000"/>
+              <a:lumMod val="60000"/>
+              <a:lumOff val="40000"/>
             </a:schemeClr>
           </a:solidFill>
           <a:ln>
@@ -8363,7 +10337,7 @@
         </p:nvSpPr>
         <p:spPr>
           <a:xfrm>
-            <a:off x="5292153" y="3030614"/>
+            <a:off x="4618385" y="3236532"/>
             <a:ext cx="2131258" cy="1594366"/>
           </a:xfrm>
           <a:prstGeom prst="roundRect">
@@ -8371,7 +10345,8 @@
           </a:prstGeom>
           <a:solidFill>
             <a:schemeClr val="accent6">
-              <a:lumMod val="75000"/>
+              <a:lumMod val="60000"/>
+              <a:lumOff val="40000"/>
             </a:schemeClr>
           </a:solidFill>
           <a:ln>
@@ -8422,7 +10397,7 @@
         </p:nvSpPr>
         <p:spPr>
           <a:xfrm>
-            <a:off x="7555819" y="3268490"/>
+            <a:off x="6882051" y="3474408"/>
             <a:ext cx="623696" cy="1106905"/>
           </a:xfrm>
           <a:prstGeom prst="rightArrow">
@@ -8463,6 +10438,63 @@
                 <a:srgbClr val="FF0000"/>
               </a:solidFill>
             </a:endParaRPr>
+          </a:p>
+        </p:txBody>
+      </p:sp>
+      <p:sp>
+        <p:nvSpPr>
+          <p:cNvPr id="17" name="正方形/長方形 16">
+            <a:extLst>
+              <a:ext uri="{FF2B5EF4-FFF2-40B4-BE49-F238E27FC236}">
+                <a16:creationId xmlns:a16="http://schemas.microsoft.com/office/drawing/2014/main" id="{F2776CD0-CFEA-4AE0-AF49-8D5000104E3C}"/>
+              </a:ext>
+            </a:extLst>
+          </p:cNvPr>
+          <p:cNvSpPr/>
+          <p:nvPr/>
+        </p:nvSpPr>
+        <p:spPr>
+          <a:xfrm>
+            <a:off x="9508067" y="0"/>
+            <a:ext cx="2683933" cy="1593908"/>
+          </a:xfrm>
+          <a:prstGeom prst="rect">
+            <a:avLst/>
+          </a:prstGeom>
+          <a:solidFill>
+            <a:schemeClr val="accent6">
+              <a:lumMod val="60000"/>
+              <a:lumOff val="40000"/>
+            </a:schemeClr>
+          </a:solidFill>
+          <a:ln>
+            <a:solidFill>
+              <a:schemeClr val="tx1"/>
+            </a:solidFill>
+          </a:ln>
+        </p:spPr>
+        <p:style>
+          <a:lnRef idx="2">
+            <a:schemeClr val="accent1">
+              <a:shade val="50000"/>
+            </a:schemeClr>
+          </a:lnRef>
+          <a:fillRef idx="1">
+            <a:schemeClr val="accent1"/>
+          </a:fillRef>
+          <a:effectRef idx="0">
+            <a:schemeClr val="accent1"/>
+          </a:effectRef>
+          <a:fontRef idx="minor">
+            <a:schemeClr val="lt1"/>
+          </a:fontRef>
+        </p:style>
+        <p:txBody>
+          <a:bodyPr rtlCol="0" anchor="ctr"/>
+          <a:lstStyle/>
+          <a:p>
+            <a:pPr algn="ctr"/>
+            <a:endParaRPr kumimoji="1" lang="ja-JP" altLang="en-US"/>
           </a:p>
         </p:txBody>
       </p:sp>

--- a/presentation/AIスピーカー開発_3_山田.pptx
+++ b/presentation/AIスピーカー開発_3_山田.pptx
@@ -216,7 +216,7 @@
           <a:p>
             <a:fld id="{D3FBB20C-20C4-49AD-85A3-C66C862503B5}" type="datetimeFigureOut">
               <a:rPr kumimoji="1" lang="ja-JP" altLang="en-US" smtClean="0"/>
-              <a:t>2022/1/19</a:t>
+              <a:t>2022/1/21</a:t>
             </a:fld>
             <a:endParaRPr kumimoji="1" lang="ja-JP" altLang="en-US"/>
           </a:p>
@@ -1145,7 +1145,14 @@
           <a:p>
             <a:r>
               <a:rPr kumimoji="1" lang="ja-JP" altLang="en-US" dirty="0"/>
-              <a:t>このやり方です。</a:t>
+              <a:t>このやり方です。文章をデータとして入れるのではなく使用する単語のみをデータに</a:t>
+            </a:r>
+            <a:endParaRPr kumimoji="1" lang="en-US" altLang="ja-JP" dirty="0"/>
+          </a:p>
+          <a:p>
+            <a:r>
+              <a:rPr kumimoji="1" lang="ja-JP" altLang="en-US" dirty="0"/>
+              <a:t>して学習させています。この方法を私たちは都道府県スタイルと呼んでいます。</a:t>
             </a:r>
             <a:endParaRPr kumimoji="1" lang="en-US" altLang="ja-JP" dirty="0"/>
           </a:p>
@@ -1234,7 +1241,33 @@
           <a:bodyPr/>
           <a:lstStyle/>
           <a:p>
-            <a:endParaRPr kumimoji="1" lang="ja-JP" altLang="en-US" dirty="0"/>
+            <a:r>
+              <a:rPr kumimoji="1" lang="ja-JP" altLang="en-US" dirty="0"/>
+              <a:t>そしてその都道府県スタイルをもとに作り上げたのがこの</a:t>
+            </a:r>
+            <a:r>
+              <a:rPr kumimoji="1" lang="en-US" altLang="ja-JP" dirty="0"/>
+              <a:t>Jonny</a:t>
+            </a:r>
+            <a:r>
+              <a:rPr kumimoji="1" lang="ja-JP" altLang="en-US" dirty="0"/>
+              <a:t>スタイルです。</a:t>
+            </a:r>
+            <a:endParaRPr kumimoji="1" lang="en-US" altLang="ja-JP" dirty="0"/>
+          </a:p>
+          <a:p>
+            <a:r>
+              <a:rPr kumimoji="1" lang="ja-JP" altLang="en-US" dirty="0"/>
+              <a:t>都道府県スタイルとの相違点はデータの多いラベルから順に並べ替えていることです。</a:t>
+            </a:r>
+            <a:endParaRPr kumimoji="1" lang="en-US" altLang="ja-JP" dirty="0"/>
+          </a:p>
+          <a:p>
+            <a:r>
+              <a:rPr kumimoji="1" lang="ja-JP" altLang="en-US"/>
+              <a:t>データの少ないほうを上にするとデータの多いほうの精度が下がったので</a:t>
+            </a:r>
+            <a:endParaRPr kumimoji="1" lang="en-US" altLang="ja-JP" dirty="0"/>
           </a:p>
         </p:txBody>
       </p:sp>
@@ -1516,7 +1549,7 @@
           <a:p>
             <a:fld id="{C63D219B-6862-4E6A-9F9E-C4C4759712F9}" type="datetimeFigureOut">
               <a:rPr kumimoji="1" lang="ja-JP" altLang="en-US" smtClean="0"/>
-              <a:t>2022/1/19</a:t>
+              <a:t>2022/1/21</a:t>
             </a:fld>
             <a:endParaRPr kumimoji="1" lang="ja-JP" altLang="en-US"/>
           </a:p>
@@ -1746,7 +1779,7 @@
           <a:p>
             <a:fld id="{C63D219B-6862-4E6A-9F9E-C4C4759712F9}" type="datetimeFigureOut">
               <a:rPr kumimoji="1" lang="ja-JP" altLang="en-US" smtClean="0"/>
-              <a:t>2022/1/19</a:t>
+              <a:t>2022/1/21</a:t>
             </a:fld>
             <a:endParaRPr kumimoji="1" lang="ja-JP" altLang="en-US"/>
           </a:p>
@@ -1986,7 +2019,7 @@
           <a:p>
             <a:fld id="{C63D219B-6862-4E6A-9F9E-C4C4759712F9}" type="datetimeFigureOut">
               <a:rPr kumimoji="1" lang="ja-JP" altLang="en-US" smtClean="0"/>
-              <a:t>2022/1/19</a:t>
+              <a:t>2022/1/21</a:t>
             </a:fld>
             <a:endParaRPr kumimoji="1" lang="ja-JP" altLang="en-US"/>
           </a:p>
@@ -2216,7 +2249,7 @@
           <a:p>
             <a:fld id="{C63D219B-6862-4E6A-9F9E-C4C4759712F9}" type="datetimeFigureOut">
               <a:rPr kumimoji="1" lang="ja-JP" altLang="en-US" smtClean="0"/>
-              <a:t>2022/1/19</a:t>
+              <a:t>2022/1/21</a:t>
             </a:fld>
             <a:endParaRPr kumimoji="1" lang="ja-JP" altLang="en-US"/>
           </a:p>
@@ -2491,7 +2524,7 @@
           <a:p>
             <a:fld id="{C63D219B-6862-4E6A-9F9E-C4C4759712F9}" type="datetimeFigureOut">
               <a:rPr kumimoji="1" lang="ja-JP" altLang="en-US" smtClean="0"/>
-              <a:t>2022/1/19</a:t>
+              <a:t>2022/1/21</a:t>
             </a:fld>
             <a:endParaRPr kumimoji="1" lang="ja-JP" altLang="en-US"/>
           </a:p>
@@ -2820,7 +2853,7 @@
           <a:p>
             <a:fld id="{C63D219B-6862-4E6A-9F9E-C4C4759712F9}" type="datetimeFigureOut">
               <a:rPr kumimoji="1" lang="ja-JP" altLang="en-US" smtClean="0"/>
-              <a:t>2022/1/19</a:t>
+              <a:t>2022/1/21</a:t>
             </a:fld>
             <a:endParaRPr kumimoji="1" lang="ja-JP" altLang="en-US"/>
           </a:p>
@@ -3296,7 +3329,7 @@
           <a:p>
             <a:fld id="{C63D219B-6862-4E6A-9F9E-C4C4759712F9}" type="datetimeFigureOut">
               <a:rPr kumimoji="1" lang="ja-JP" altLang="en-US" smtClean="0"/>
-              <a:t>2022/1/19</a:t>
+              <a:t>2022/1/21</a:t>
             </a:fld>
             <a:endParaRPr kumimoji="1" lang="ja-JP" altLang="en-US"/>
           </a:p>
@@ -3437,7 +3470,7 @@
           <a:p>
             <a:fld id="{C63D219B-6862-4E6A-9F9E-C4C4759712F9}" type="datetimeFigureOut">
               <a:rPr kumimoji="1" lang="ja-JP" altLang="en-US" smtClean="0"/>
-              <a:t>2022/1/19</a:t>
+              <a:t>2022/1/21</a:t>
             </a:fld>
             <a:endParaRPr kumimoji="1" lang="ja-JP" altLang="en-US"/>
           </a:p>
@@ -3550,7 +3583,7 @@
           <a:p>
             <a:fld id="{C63D219B-6862-4E6A-9F9E-C4C4759712F9}" type="datetimeFigureOut">
               <a:rPr kumimoji="1" lang="ja-JP" altLang="en-US" smtClean="0"/>
-              <a:t>2022/1/19</a:t>
+              <a:t>2022/1/21</a:t>
             </a:fld>
             <a:endParaRPr kumimoji="1" lang="ja-JP" altLang="en-US"/>
           </a:p>
@@ -3893,7 +3926,7 @@
           <a:p>
             <a:fld id="{C63D219B-6862-4E6A-9F9E-C4C4759712F9}" type="datetimeFigureOut">
               <a:rPr kumimoji="1" lang="ja-JP" altLang="en-US" smtClean="0"/>
-              <a:t>2022/1/19</a:t>
+              <a:t>2022/1/21</a:t>
             </a:fld>
             <a:endParaRPr kumimoji="1" lang="ja-JP" altLang="en-US"/>
           </a:p>
@@ -4181,7 +4214,7 @@
           <a:p>
             <a:fld id="{C63D219B-6862-4E6A-9F9E-C4C4759712F9}" type="datetimeFigureOut">
               <a:rPr kumimoji="1" lang="ja-JP" altLang="en-US" smtClean="0"/>
-              <a:t>2022/1/19</a:t>
+              <a:t>2022/1/21</a:t>
             </a:fld>
             <a:endParaRPr kumimoji="1" lang="ja-JP" altLang="en-US"/>
           </a:p>
@@ -4481,7 +4514,7 @@
           <a:p>
             <a:fld id="{C63D219B-6862-4E6A-9F9E-C4C4759712F9}" type="datetimeFigureOut">
               <a:rPr kumimoji="1" lang="ja-JP" altLang="en-US" smtClean="0"/>
-              <a:t>2022/1/19</a:t>
+              <a:t>2022/1/21</a:t>
             </a:fld>
             <a:endParaRPr kumimoji="1" lang="ja-JP" altLang="en-US"/>
           </a:p>

--- a/presentation/AIスピーカー開発_3_山田.pptx
+++ b/presentation/AIスピーカー開発_3_山田.pptx
@@ -5,7 +5,7 @@
     <p:sldMasterId id="2147483648" r:id="rId1"/>
   </p:sldMasterIdLst>
   <p:notesMasterIdLst>
-    <p:notesMasterId r:id="rId22"/>
+    <p:notesMasterId r:id="rId23"/>
   </p:notesMasterIdLst>
   <p:sldIdLst>
     <p:sldId id="256" r:id="rId2"/>
@@ -21,13 +21,14 @@
     <p:sldId id="272" r:id="rId12"/>
     <p:sldId id="275" r:id="rId13"/>
     <p:sldId id="273" r:id="rId14"/>
-    <p:sldId id="276" r:id="rId15"/>
-    <p:sldId id="264" r:id="rId16"/>
-    <p:sldId id="265" r:id="rId17"/>
-    <p:sldId id="269" r:id="rId18"/>
-    <p:sldId id="266" r:id="rId19"/>
-    <p:sldId id="267" r:id="rId20"/>
-    <p:sldId id="268" r:id="rId21"/>
+    <p:sldId id="277" r:id="rId15"/>
+    <p:sldId id="276" r:id="rId16"/>
+    <p:sldId id="264" r:id="rId17"/>
+    <p:sldId id="265" r:id="rId18"/>
+    <p:sldId id="269" r:id="rId19"/>
+    <p:sldId id="266" r:id="rId20"/>
+    <p:sldId id="267" r:id="rId21"/>
+    <p:sldId id="268" r:id="rId22"/>
   </p:sldIdLst>
   <p:sldSz cx="12192000" cy="6858000"/>
   <p:notesSz cx="6858000" cy="9144000"/>
@@ -216,7 +217,7 @@
           <a:p>
             <a:fld id="{D3FBB20C-20C4-49AD-85A3-C66C862503B5}" type="datetimeFigureOut">
               <a:rPr kumimoji="1" lang="ja-JP" altLang="en-US" smtClean="0"/>
-              <a:t>2022/1/21</a:t>
+              <a:t>2022/1/24</a:t>
             </a:fld>
             <a:endParaRPr kumimoji="1" lang="ja-JP" altLang="en-US"/>
           </a:p>
@@ -611,6 +612,101 @@
 </p:notes>
 </file>
 
+<file path=ppt/notesSlides/notesSlide10.xml><?xml version="1.0" encoding="utf-8"?>
+<p:notes xmlns:a="http://schemas.openxmlformats.org/drawingml/2006/main" xmlns:r="http://schemas.openxmlformats.org/officeDocument/2006/relationships" xmlns:p="http://schemas.openxmlformats.org/presentationml/2006/main">
+  <p:cSld>
+    <p:spTree>
+      <p:nvGrpSpPr>
+        <p:cNvPr id="1" name=""/>
+        <p:cNvGrpSpPr/>
+        <p:nvPr/>
+      </p:nvGrpSpPr>
+      <p:grpSpPr>
+        <a:xfrm>
+          <a:off x="0" y="0"/>
+          <a:ext cx="0" cy="0"/>
+          <a:chOff x="0" y="0"/>
+          <a:chExt cx="0" cy="0"/>
+        </a:xfrm>
+      </p:grpSpPr>
+      <p:sp>
+        <p:nvSpPr>
+          <p:cNvPr id="2" name="スライド イメージ プレースホルダー 1"/>
+          <p:cNvSpPr>
+            <a:spLocks noGrp="1" noRot="1" noChangeAspect="1"/>
+          </p:cNvSpPr>
+          <p:nvPr>
+            <p:ph type="sldImg"/>
+          </p:nvPr>
+        </p:nvSpPr>
+        <p:spPr/>
+      </p:sp>
+      <p:sp>
+        <p:nvSpPr>
+          <p:cNvPr id="3" name="ノート プレースホルダー 2"/>
+          <p:cNvSpPr>
+            <a:spLocks noGrp="1"/>
+          </p:cNvSpPr>
+          <p:nvPr>
+            <p:ph type="body" idx="1"/>
+          </p:nvPr>
+        </p:nvSpPr>
+        <p:spPr/>
+        <p:txBody>
+          <a:bodyPr/>
+          <a:lstStyle/>
+          <a:p>
+            <a:r>
+              <a:rPr kumimoji="1" lang="ja-JP" altLang="en-US" dirty="0"/>
+              <a:t>よしえにいってもーら</a:t>
+            </a:r>
+            <a:r>
+              <a:rPr kumimoji="1" lang="ja-JP" altLang="en-US" dirty="0" err="1"/>
+              <a:t>お</a:t>
+            </a:r>
+            <a:r>
+              <a:rPr kumimoji="1" lang="ja-JP" altLang="en-US" dirty="0"/>
+              <a:t>！</a:t>
+            </a:r>
+          </a:p>
+        </p:txBody>
+      </p:sp>
+      <p:sp>
+        <p:nvSpPr>
+          <p:cNvPr id="4" name="スライド番号プレースホルダー 3"/>
+          <p:cNvSpPr>
+            <a:spLocks noGrp="1"/>
+          </p:cNvSpPr>
+          <p:nvPr>
+            <p:ph type="sldNum" sz="quarter" idx="5"/>
+          </p:nvPr>
+        </p:nvSpPr>
+        <p:spPr/>
+        <p:txBody>
+          <a:bodyPr/>
+          <a:lstStyle/>
+          <a:p>
+            <a:fld id="{1A2E7C28-4903-4521-8E60-0F80C627678B}" type="slidenum">
+              <a:rPr kumimoji="1" lang="ja-JP" altLang="en-US" smtClean="0"/>
+              <a:t>21</a:t>
+            </a:fld>
+            <a:endParaRPr kumimoji="1" lang="ja-JP" altLang="en-US"/>
+          </a:p>
+        </p:txBody>
+      </p:sp>
+    </p:spTree>
+    <p:extLst>
+      <p:ext uri="{BB962C8B-B14F-4D97-AF65-F5344CB8AC3E}">
+        <p14:creationId xmlns:p14="http://schemas.microsoft.com/office/powerpoint/2010/main" val="2772600148"/>
+      </p:ext>
+    </p:extLst>
+  </p:cSld>
+  <p:clrMapOvr>
+    <a:masterClrMapping/>
+  </p:clrMapOvr>
+</p:notes>
+</file>
+
 <file path=ppt/notesSlides/notesSlide2.xml><?xml version="1.0" encoding="utf-8"?>
 <p:notes xmlns:a="http://schemas.openxmlformats.org/drawingml/2006/main" xmlns:r="http://schemas.openxmlformats.org/officeDocument/2006/relationships" xmlns:p="http://schemas.openxmlformats.org/presentationml/2006/main">
   <p:cSld>
@@ -1045,6 +1141,102 @@
           <a:bodyPr/>
           <a:lstStyle/>
           <a:p>
+            <a:r>
+              <a:rPr lang="ja-JP" altLang="en-US" dirty="0"/>
+              <a:t>ここから</a:t>
+            </a:r>
+            <a:r>
+              <a:rPr lang="en-US" altLang="ja-JP" dirty="0" err="1"/>
+              <a:t>fastText</a:t>
+            </a:r>
+            <a:r>
+              <a:rPr lang="ja-JP" altLang="en-US" dirty="0"/>
+              <a:t>について説明します。</a:t>
+            </a:r>
+            <a:endParaRPr lang="en-US" altLang="ja-JP" dirty="0"/>
+          </a:p>
+          <a:p>
+            <a:r>
+              <a:rPr lang="en-US" altLang="ja-JP" dirty="0" err="1"/>
+              <a:t>fastText</a:t>
+            </a:r>
+            <a:r>
+              <a:rPr lang="ja-JP" altLang="en-US" dirty="0"/>
+              <a:t>は、単語表現と文章分類を効率的に学習するためのライブラリで</a:t>
+            </a:r>
+            <a:r>
+              <a:rPr kumimoji="1" lang="ja-JP" altLang="en-US" dirty="0"/>
+              <a:t>、文章をコンピューターで処理するために単語を数値的に表現します。</a:t>
+            </a:r>
+            <a:endParaRPr kumimoji="1" lang="en-US" altLang="ja-JP" dirty="0"/>
+          </a:p>
+          <a:p>
+            <a:r>
+              <a:rPr kumimoji="1" lang="ja-JP" altLang="en-US" dirty="0"/>
+              <a:t>この図では「犬」、「好き」、「猫」という単語の、</a:t>
+            </a:r>
+            <a:r>
+              <a:rPr kumimoji="1" lang="ja-JP" altLang="en-US" sz="1200" b="0" i="0" kern="1200" dirty="0">
+                <a:solidFill>
+                  <a:schemeClr val="tx1"/>
+                </a:solidFill>
+                <a:effectLst/>
+                <a:latin typeface="+mn-lt"/>
+                <a:ea typeface="+mn-ea"/>
+                <a:cs typeface="+mn-cs"/>
+              </a:rPr>
+              <a:t>クラスに対する関連の度合いを、</a:t>
+            </a:r>
+            <a:r>
+              <a:rPr kumimoji="1" lang="en-US" altLang="ja-JP" sz="1200" b="0" i="0" kern="1200" dirty="0">
+                <a:solidFill>
+                  <a:schemeClr val="tx1"/>
+                </a:solidFill>
+                <a:effectLst/>
+                <a:latin typeface="+mn-lt"/>
+                <a:ea typeface="+mn-ea"/>
+                <a:cs typeface="+mn-cs"/>
+              </a:rPr>
+              <a:t>0〜</a:t>
+            </a:r>
+            <a:r>
+              <a:rPr kumimoji="1" lang="ja-JP" altLang="en-US" sz="1200" b="0" i="0" kern="1200" dirty="0">
+                <a:solidFill>
+                  <a:schemeClr val="tx1"/>
+                </a:solidFill>
+                <a:effectLst/>
+                <a:latin typeface="+mn-lt"/>
+                <a:ea typeface="+mn-ea"/>
+                <a:cs typeface="+mn-cs"/>
+              </a:rPr>
+              <a:t>１の間の実数で表現しています。</a:t>
+            </a:r>
+            <a:endParaRPr kumimoji="1" lang="en-US" altLang="ja-JP" sz="1200" b="0" i="0" kern="1200" dirty="0">
+              <a:solidFill>
+                <a:schemeClr val="tx1"/>
+              </a:solidFill>
+              <a:effectLst/>
+              <a:latin typeface="+mn-lt"/>
+              <a:ea typeface="+mn-ea"/>
+              <a:cs typeface="+mn-cs"/>
+            </a:endParaRPr>
+          </a:p>
+          <a:p>
+            <a:r>
+              <a:rPr kumimoji="1" lang="ja-JP" altLang="en-US" sz="1200" b="0" i="0" kern="1200" dirty="0">
+                <a:solidFill>
+                  <a:schemeClr val="tx1"/>
+                </a:solidFill>
+                <a:effectLst/>
+                <a:latin typeface="+mn-lt"/>
+                <a:ea typeface="+mn-ea"/>
+                <a:cs typeface="+mn-cs"/>
+              </a:rPr>
+              <a:t>そして、この図の場合だと、関連の度合いが高いのは、動物クラスなので、動物クラスの確率が高くなります。</a:t>
+            </a:r>
+            <a:endParaRPr kumimoji="1" lang="en-US" altLang="ja-JP" dirty="0"/>
+          </a:p>
+          <a:p>
             <a:endParaRPr kumimoji="1" lang="ja-JP" altLang="en-US" dirty="0"/>
           </a:p>
         </p:txBody>
@@ -1138,14 +1330,14 @@
           <a:p>
             <a:r>
               <a:rPr kumimoji="1" lang="ja-JP" altLang="en-US" dirty="0"/>
-              <a:t>いろいろなトレーニングデータの作成方法を模索していく中で最も精度が良い制作方法が</a:t>
+              <a:t>いろいろなトレーニングデータの作成方法を模索していく中で最も精度が良かった制作方法がこのやり方です。</a:t>
             </a:r>
             <a:endParaRPr kumimoji="1" lang="en-US" altLang="ja-JP" dirty="0"/>
           </a:p>
           <a:p>
             <a:r>
               <a:rPr kumimoji="1" lang="ja-JP" altLang="en-US" dirty="0"/>
-              <a:t>このやり方です。文章をデータとして入れるのではなく使用する単語のみをデータに</a:t>
+              <a:t>文章をデータとして入れるのではなく使用する単語のみをデータに</a:t>
             </a:r>
             <a:endParaRPr kumimoji="1" lang="en-US" altLang="ja-JP" dirty="0"/>
           </a:p>
@@ -1264,9 +1456,19 @@
           </a:p>
           <a:p>
             <a:r>
-              <a:rPr kumimoji="1" lang="ja-JP" altLang="en-US"/>
-              <a:t>データの少ないほうを上にするとデータの多いほうの精度が下がったので</a:t>
-            </a:r>
+              <a:rPr kumimoji="1" lang="ja-JP" altLang="en-US" dirty="0"/>
+              <a:t>データの少ないほうを上にするとデータの多いほうの精度が下がったので逆にしたらどうなるか</a:t>
+            </a:r>
+            <a:endParaRPr kumimoji="1" lang="en-US" altLang="ja-JP" dirty="0"/>
+          </a:p>
+          <a:p>
+            <a:r>
+              <a:rPr kumimoji="1" lang="ja-JP" altLang="en-US" dirty="0"/>
+              <a:t>という発想で製作しました。</a:t>
+            </a:r>
+            <a:endParaRPr kumimoji="1" lang="en-US" altLang="ja-JP" dirty="0"/>
+          </a:p>
+          <a:p>
             <a:endParaRPr kumimoji="1" lang="en-US" altLang="ja-JP" dirty="0"/>
           </a:p>
         </p:txBody>
@@ -1353,15 +1555,85 @@
           <a:p>
             <a:r>
               <a:rPr kumimoji="1" lang="ja-JP" altLang="en-US" dirty="0"/>
-              <a:t>よしえにいってもーら</a:t>
+              <a:t>次にテキスト分類の流れを説明します。</a:t>
+            </a:r>
+            <a:endParaRPr kumimoji="1" lang="en-US" altLang="ja-JP" dirty="0"/>
+          </a:p>
+          <a:p>
+            <a:r>
+              <a:rPr kumimoji="1" lang="en-US" altLang="ja-JP" dirty="0"/>
+              <a:t>※</a:t>
             </a:r>
             <a:r>
               <a:rPr kumimoji="1" lang="ja-JP" altLang="en-US" dirty="0" err="1"/>
-              <a:t>お</a:t>
+              <a:t>めかぶの</a:t>
             </a:r>
             <a:r>
               <a:rPr kumimoji="1" lang="ja-JP" altLang="en-US" dirty="0"/>
-              <a:t>！</a:t>
+              <a:t>説明</a:t>
+            </a:r>
+            <a:endParaRPr kumimoji="1" lang="en-US" altLang="ja-JP" dirty="0"/>
+          </a:p>
+          <a:p>
+            <a:r>
+              <a:rPr kumimoji="1" lang="ja-JP" altLang="en-US" dirty="0"/>
+              <a:t>受け取った文章を形態素解析</a:t>
+            </a:r>
+            <a:r>
+              <a:rPr kumimoji="1" lang="en-US" altLang="ja-JP" dirty="0"/>
+              <a:t>(</a:t>
+            </a:r>
+            <a:r>
+              <a:rPr kumimoji="1" lang="en-US" altLang="ja-JP" dirty="0" err="1"/>
+              <a:t>Mecab</a:t>
+            </a:r>
+            <a:r>
+              <a:rPr kumimoji="1" lang="en-US" altLang="ja-JP" dirty="0"/>
+              <a:t>)</a:t>
+            </a:r>
+            <a:r>
+              <a:rPr kumimoji="1" lang="ja-JP" altLang="en-US" dirty="0"/>
+              <a:t>を利用して品詞ごとに分解します</a:t>
+            </a:r>
+            <a:endParaRPr kumimoji="1" lang="en-US" altLang="ja-JP" dirty="0"/>
+          </a:p>
+          <a:p>
+            <a:r>
+              <a:rPr kumimoji="1" lang="en-US" altLang="ja-JP" dirty="0" err="1"/>
+              <a:t>Mecab</a:t>
+            </a:r>
+            <a:r>
+              <a:rPr kumimoji="1" lang="ja-JP" altLang="en-US" dirty="0"/>
+              <a:t>とはオープンソース、形態素解析エンジンです。</a:t>
+            </a:r>
+            <a:endParaRPr kumimoji="1" lang="en-US" altLang="ja-JP" dirty="0"/>
+          </a:p>
+          <a:p>
+            <a:r>
+              <a:rPr kumimoji="1" lang="ja-JP" altLang="en-US" dirty="0"/>
+              <a:t>形態素解析とは検索エンジンなどで使われている自然言語処理の手法の一つで</a:t>
+            </a:r>
+            <a:endParaRPr kumimoji="1" lang="en-US" altLang="ja-JP" dirty="0"/>
+          </a:p>
+          <a:p>
+            <a:r>
+              <a:rPr kumimoji="1" lang="ja-JP" altLang="en-US" dirty="0"/>
+              <a:t>ある文章・フレーズを「意味を持つ単語」に分解、それらの品詞などに判別する作業のことです。</a:t>
+            </a:r>
+            <a:endParaRPr kumimoji="1" lang="en-US" altLang="ja-JP" dirty="0"/>
+          </a:p>
+          <a:p>
+            <a:r>
+              <a:rPr kumimoji="1" lang="ja-JP" altLang="en-US" dirty="0"/>
+              <a:t>その後その中から必要な名詞を</a:t>
+            </a:r>
+            <a:r>
+              <a:rPr kumimoji="1" lang="en-US" altLang="ja-JP" dirty="0"/>
+              <a:t>AI</a:t>
+            </a:r>
+            <a:r>
+              <a:rPr kumimoji="1" lang="ja-JP" altLang="en-US" dirty="0"/>
+              <a:t>で予測するという流れです</a:t>
             </a:r>
           </a:p>
         </p:txBody>
@@ -1383,7 +1655,7 @@
           <a:p>
             <a:fld id="{1A2E7C28-4903-4521-8E60-0F80C627678B}" type="slidenum">
               <a:rPr kumimoji="1" lang="ja-JP" altLang="en-US" smtClean="0"/>
-              <a:t>20</a:t>
+              <a:t>13</a:t>
             </a:fld>
             <a:endParaRPr kumimoji="1" lang="ja-JP" altLang="en-US"/>
           </a:p>
@@ -1392,7 +1664,317 @@
     </p:spTree>
     <p:extLst>
       <p:ext uri="{BB962C8B-B14F-4D97-AF65-F5344CB8AC3E}">
-        <p14:creationId xmlns:p14="http://schemas.microsoft.com/office/powerpoint/2010/main" val="2772600148"/>
+        <p14:creationId xmlns:p14="http://schemas.microsoft.com/office/powerpoint/2010/main" val="1030338117"/>
+      </p:ext>
+    </p:extLst>
+  </p:cSld>
+  <p:clrMapOvr>
+    <a:masterClrMapping/>
+  </p:clrMapOvr>
+</p:notes>
+</file>
+
+<file path=ppt/notesSlides/notesSlide8.xml><?xml version="1.0" encoding="utf-8"?>
+<p:notes xmlns:a="http://schemas.openxmlformats.org/drawingml/2006/main" xmlns:r="http://schemas.openxmlformats.org/officeDocument/2006/relationships" xmlns:p="http://schemas.openxmlformats.org/presentationml/2006/main">
+  <p:cSld>
+    <p:spTree>
+      <p:nvGrpSpPr>
+        <p:cNvPr id="1" name=""/>
+        <p:cNvGrpSpPr/>
+        <p:nvPr/>
+      </p:nvGrpSpPr>
+      <p:grpSpPr>
+        <a:xfrm>
+          <a:off x="0" y="0"/>
+          <a:ext cx="0" cy="0"/>
+          <a:chOff x="0" y="0"/>
+          <a:chExt cx="0" cy="0"/>
+        </a:xfrm>
+      </p:grpSpPr>
+      <p:sp>
+        <p:nvSpPr>
+          <p:cNvPr id="2" name="スライド イメージ プレースホルダー 1"/>
+          <p:cNvSpPr>
+            <a:spLocks noGrp="1" noRot="1" noChangeAspect="1"/>
+          </p:cNvSpPr>
+          <p:nvPr>
+            <p:ph type="sldImg"/>
+          </p:nvPr>
+        </p:nvSpPr>
+        <p:spPr/>
+      </p:sp>
+      <p:sp>
+        <p:nvSpPr>
+          <p:cNvPr id="3" name="ノート プレースホルダー 2"/>
+          <p:cNvSpPr>
+            <a:spLocks noGrp="1"/>
+          </p:cNvSpPr>
+          <p:nvPr>
+            <p:ph type="body" idx="1"/>
+          </p:nvPr>
+        </p:nvSpPr>
+        <p:spPr/>
+        <p:txBody>
+          <a:bodyPr/>
+          <a:lstStyle/>
+          <a:p>
+            <a:r>
+              <a:rPr lang="ja-JP" altLang="en-US" dirty="0"/>
+              <a:t>ここから</a:t>
+            </a:r>
+            <a:r>
+              <a:rPr lang="en-US" altLang="ja-JP" dirty="0" err="1"/>
+              <a:t>fastText</a:t>
+            </a:r>
+            <a:r>
+              <a:rPr lang="ja-JP" altLang="en-US" dirty="0"/>
+              <a:t>について説明します。</a:t>
+            </a:r>
+            <a:endParaRPr lang="en-US" altLang="ja-JP" dirty="0"/>
+          </a:p>
+          <a:p>
+            <a:r>
+              <a:rPr lang="en-US" altLang="ja-JP" dirty="0" err="1"/>
+              <a:t>fastText</a:t>
+            </a:r>
+            <a:r>
+              <a:rPr lang="ja-JP" altLang="en-US" dirty="0"/>
+              <a:t>は、単語表現と文章分類を効率的に学習するためのライブラリで</a:t>
+            </a:r>
+            <a:r>
+              <a:rPr kumimoji="1" lang="ja-JP" altLang="en-US" dirty="0"/>
+              <a:t>、文章をコンピューターで処理するために単語を数値的に表現します。</a:t>
+            </a:r>
+            <a:endParaRPr kumimoji="1" lang="en-US" altLang="ja-JP" dirty="0"/>
+          </a:p>
+          <a:p>
+            <a:r>
+              <a:rPr kumimoji="1" lang="ja-JP" altLang="en-US" dirty="0"/>
+              <a:t>この図では「今日」、「天気」、「晴れ」という単語の、</a:t>
+            </a:r>
+            <a:r>
+              <a:rPr kumimoji="1" lang="ja-JP" altLang="en-US" sz="1200" b="0" i="0" kern="1200" dirty="0">
+                <a:solidFill>
+                  <a:schemeClr val="tx1"/>
+                </a:solidFill>
+                <a:effectLst/>
+                <a:latin typeface="+mn-lt"/>
+                <a:ea typeface="+mn-ea"/>
+                <a:cs typeface="+mn-cs"/>
+              </a:rPr>
+              <a:t>クラスに対する関連の度合いを、</a:t>
+            </a:r>
+            <a:r>
+              <a:rPr kumimoji="1" lang="en-US" altLang="ja-JP" sz="1200" b="0" i="0" kern="1200" dirty="0">
+                <a:solidFill>
+                  <a:schemeClr val="tx1"/>
+                </a:solidFill>
+                <a:effectLst/>
+                <a:latin typeface="+mn-lt"/>
+                <a:ea typeface="+mn-ea"/>
+                <a:cs typeface="+mn-cs"/>
+              </a:rPr>
+              <a:t>0〜</a:t>
+            </a:r>
+            <a:r>
+              <a:rPr kumimoji="1" lang="ja-JP" altLang="en-US" sz="1200" b="0" i="0" kern="1200" dirty="0">
+                <a:solidFill>
+                  <a:schemeClr val="tx1"/>
+                </a:solidFill>
+                <a:effectLst/>
+                <a:latin typeface="+mn-lt"/>
+                <a:ea typeface="+mn-ea"/>
+                <a:cs typeface="+mn-cs"/>
+              </a:rPr>
+              <a:t>１の間の実数で表現しています。</a:t>
+            </a:r>
+            <a:endParaRPr kumimoji="1" lang="en-US" altLang="ja-JP" sz="1200" b="0" i="0" kern="1200" dirty="0">
+              <a:solidFill>
+                <a:schemeClr val="tx1"/>
+              </a:solidFill>
+              <a:effectLst/>
+              <a:latin typeface="+mn-lt"/>
+              <a:ea typeface="+mn-ea"/>
+              <a:cs typeface="+mn-cs"/>
+            </a:endParaRPr>
+          </a:p>
+          <a:p>
+            <a:r>
+              <a:rPr kumimoji="1" lang="ja-JP" altLang="en-US" sz="1200" b="0" i="0" kern="1200" dirty="0">
+                <a:solidFill>
+                  <a:schemeClr val="tx1"/>
+                </a:solidFill>
+                <a:effectLst/>
+                <a:latin typeface="+mn-lt"/>
+                <a:ea typeface="+mn-ea"/>
+                <a:cs typeface="+mn-cs"/>
+              </a:rPr>
+              <a:t>そして、この図の場合だと、関連の度合いが高いのは、天気予報クラスなので、天気予報クラスの確率が高くなります。</a:t>
+            </a:r>
+            <a:endParaRPr kumimoji="1" lang="en-US" altLang="ja-JP" dirty="0"/>
+          </a:p>
+          <a:p>
+            <a:endParaRPr kumimoji="1" lang="ja-JP" altLang="en-US" dirty="0"/>
+          </a:p>
+        </p:txBody>
+      </p:sp>
+      <p:sp>
+        <p:nvSpPr>
+          <p:cNvPr id="4" name="スライド番号プレースホルダー 3"/>
+          <p:cNvSpPr>
+            <a:spLocks noGrp="1"/>
+          </p:cNvSpPr>
+          <p:nvPr>
+            <p:ph type="sldNum" sz="quarter" idx="5"/>
+          </p:nvPr>
+        </p:nvSpPr>
+        <p:spPr/>
+        <p:txBody>
+          <a:bodyPr/>
+          <a:lstStyle/>
+          <a:p>
+            <a:fld id="{1A2E7C28-4903-4521-8E60-0F80C627678B}" type="slidenum">
+              <a:rPr kumimoji="1" lang="ja-JP" altLang="en-US" smtClean="0"/>
+              <a:t>14</a:t>
+            </a:fld>
+            <a:endParaRPr kumimoji="1" lang="ja-JP" altLang="en-US"/>
+          </a:p>
+        </p:txBody>
+      </p:sp>
+    </p:spTree>
+    <p:extLst>
+      <p:ext uri="{BB962C8B-B14F-4D97-AF65-F5344CB8AC3E}">
+        <p14:creationId xmlns:p14="http://schemas.microsoft.com/office/powerpoint/2010/main" val="1135283845"/>
+      </p:ext>
+    </p:extLst>
+  </p:cSld>
+  <p:clrMapOvr>
+    <a:masterClrMapping/>
+  </p:clrMapOvr>
+</p:notes>
+</file>
+
+<file path=ppt/notesSlides/notesSlide9.xml><?xml version="1.0" encoding="utf-8"?>
+<p:notes xmlns:a="http://schemas.openxmlformats.org/drawingml/2006/main" xmlns:r="http://schemas.openxmlformats.org/officeDocument/2006/relationships" xmlns:p="http://schemas.openxmlformats.org/presentationml/2006/main">
+  <p:cSld>
+    <p:spTree>
+      <p:nvGrpSpPr>
+        <p:cNvPr id="1" name=""/>
+        <p:cNvGrpSpPr/>
+        <p:nvPr/>
+      </p:nvGrpSpPr>
+      <p:grpSpPr>
+        <a:xfrm>
+          <a:off x="0" y="0"/>
+          <a:ext cx="0" cy="0"/>
+          <a:chOff x="0" y="0"/>
+          <a:chExt cx="0" cy="0"/>
+        </a:xfrm>
+      </p:grpSpPr>
+      <p:sp>
+        <p:nvSpPr>
+          <p:cNvPr id="2" name="スライド イメージ プレースホルダー 1"/>
+          <p:cNvSpPr>
+            <a:spLocks noGrp="1" noRot="1" noChangeAspect="1"/>
+          </p:cNvSpPr>
+          <p:nvPr>
+            <p:ph type="sldImg"/>
+          </p:nvPr>
+        </p:nvSpPr>
+        <p:spPr/>
+      </p:sp>
+      <p:sp>
+        <p:nvSpPr>
+          <p:cNvPr id="3" name="ノート プレースホルダー 2"/>
+          <p:cNvSpPr>
+            <a:spLocks noGrp="1"/>
+          </p:cNvSpPr>
+          <p:nvPr>
+            <p:ph type="body" idx="1"/>
+          </p:nvPr>
+        </p:nvSpPr>
+        <p:spPr/>
+        <p:txBody>
+          <a:bodyPr/>
+          <a:lstStyle/>
+          <a:p>
+            <a:r>
+              <a:rPr kumimoji="1" lang="en-US" altLang="ja-JP" dirty="0" err="1"/>
+              <a:t>fastText</a:t>
+            </a:r>
+            <a:r>
+              <a:rPr kumimoji="1" lang="ja-JP" altLang="en-US" dirty="0"/>
+              <a:t>と</a:t>
+            </a:r>
+            <a:r>
+              <a:rPr kumimoji="1" lang="en-US" altLang="ja-JP" dirty="0" err="1"/>
+              <a:t>MeCab</a:t>
+            </a:r>
+            <a:r>
+              <a:rPr kumimoji="1" lang="ja-JP" altLang="en-US" dirty="0"/>
+              <a:t>を</a:t>
+            </a:r>
+            <a:r>
+              <a:rPr kumimoji="1" lang="en-US" altLang="ja-JP" dirty="0"/>
+              <a:t>import</a:t>
+            </a:r>
+            <a:r>
+              <a:rPr kumimoji="1" lang="ja-JP" altLang="en-US" dirty="0"/>
+              <a:t>し、次に受け取った文章を</a:t>
+            </a:r>
+            <a:r>
+              <a:rPr kumimoji="1" lang="en-US" altLang="ja-JP" dirty="0" err="1"/>
+              <a:t>MeCab</a:t>
+            </a:r>
+            <a:r>
+              <a:rPr kumimoji="1" lang="ja-JP" altLang="en-US" dirty="0"/>
+              <a:t>で形態素解析</a:t>
+            </a:r>
+            <a:endParaRPr kumimoji="1" lang="en-US" altLang="ja-JP" dirty="0"/>
+          </a:p>
+          <a:p>
+            <a:r>
+              <a:rPr kumimoji="1" lang="ja-JP" altLang="en-US" dirty="0"/>
+              <a:t>その中から、必要な名詞を抽出その後、抽出した単語を学習モデルで予測し</a:t>
+            </a:r>
+            <a:endParaRPr kumimoji="1" lang="en-US" altLang="ja-JP" dirty="0"/>
+          </a:p>
+          <a:p>
+            <a:r>
+              <a:rPr kumimoji="1" lang="ja-JP" altLang="en-US" dirty="0"/>
+              <a:t>機能を返すという形となります。</a:t>
+            </a:r>
+            <a:endParaRPr kumimoji="1" lang="en-US" altLang="ja-JP" dirty="0"/>
+          </a:p>
+        </p:txBody>
+      </p:sp>
+      <p:sp>
+        <p:nvSpPr>
+          <p:cNvPr id="4" name="スライド番号プレースホルダー 3"/>
+          <p:cNvSpPr>
+            <a:spLocks noGrp="1"/>
+          </p:cNvSpPr>
+          <p:nvPr>
+            <p:ph type="sldNum" sz="quarter" idx="5"/>
+          </p:nvPr>
+        </p:nvSpPr>
+        <p:spPr/>
+        <p:txBody>
+          <a:bodyPr/>
+          <a:lstStyle/>
+          <a:p>
+            <a:fld id="{1A2E7C28-4903-4521-8E60-0F80C627678B}" type="slidenum">
+              <a:rPr kumimoji="1" lang="ja-JP" altLang="en-US" smtClean="0"/>
+              <a:t>15</a:t>
+            </a:fld>
+            <a:endParaRPr kumimoji="1" lang="ja-JP" altLang="en-US"/>
+          </a:p>
+        </p:txBody>
+      </p:sp>
+    </p:spTree>
+    <p:extLst>
+      <p:ext uri="{BB962C8B-B14F-4D97-AF65-F5344CB8AC3E}">
+        <p14:creationId xmlns:p14="http://schemas.microsoft.com/office/powerpoint/2010/main" val="601742885"/>
       </p:ext>
     </p:extLst>
   </p:cSld>
@@ -1549,7 +2131,7 @@
           <a:p>
             <a:fld id="{C63D219B-6862-4E6A-9F9E-C4C4759712F9}" type="datetimeFigureOut">
               <a:rPr kumimoji="1" lang="ja-JP" altLang="en-US" smtClean="0"/>
-              <a:t>2022/1/21</a:t>
+              <a:t>2022/1/24</a:t>
             </a:fld>
             <a:endParaRPr kumimoji="1" lang="ja-JP" altLang="en-US"/>
           </a:p>
@@ -1779,7 +2361,7 @@
           <a:p>
             <a:fld id="{C63D219B-6862-4E6A-9F9E-C4C4759712F9}" type="datetimeFigureOut">
               <a:rPr kumimoji="1" lang="ja-JP" altLang="en-US" smtClean="0"/>
-              <a:t>2022/1/21</a:t>
+              <a:t>2022/1/24</a:t>
             </a:fld>
             <a:endParaRPr kumimoji="1" lang="ja-JP" altLang="en-US"/>
           </a:p>
@@ -2019,7 +2601,7 @@
           <a:p>
             <a:fld id="{C63D219B-6862-4E6A-9F9E-C4C4759712F9}" type="datetimeFigureOut">
               <a:rPr kumimoji="1" lang="ja-JP" altLang="en-US" smtClean="0"/>
-              <a:t>2022/1/21</a:t>
+              <a:t>2022/1/24</a:t>
             </a:fld>
             <a:endParaRPr kumimoji="1" lang="ja-JP" altLang="en-US"/>
           </a:p>
@@ -2249,7 +2831,7 @@
           <a:p>
             <a:fld id="{C63D219B-6862-4E6A-9F9E-C4C4759712F9}" type="datetimeFigureOut">
               <a:rPr kumimoji="1" lang="ja-JP" altLang="en-US" smtClean="0"/>
-              <a:t>2022/1/21</a:t>
+              <a:t>2022/1/24</a:t>
             </a:fld>
             <a:endParaRPr kumimoji="1" lang="ja-JP" altLang="en-US"/>
           </a:p>
@@ -2524,7 +3106,7 @@
           <a:p>
             <a:fld id="{C63D219B-6862-4E6A-9F9E-C4C4759712F9}" type="datetimeFigureOut">
               <a:rPr kumimoji="1" lang="ja-JP" altLang="en-US" smtClean="0"/>
-              <a:t>2022/1/21</a:t>
+              <a:t>2022/1/24</a:t>
             </a:fld>
             <a:endParaRPr kumimoji="1" lang="ja-JP" altLang="en-US"/>
           </a:p>
@@ -2853,7 +3435,7 @@
           <a:p>
             <a:fld id="{C63D219B-6862-4E6A-9F9E-C4C4759712F9}" type="datetimeFigureOut">
               <a:rPr kumimoji="1" lang="ja-JP" altLang="en-US" smtClean="0"/>
-              <a:t>2022/1/21</a:t>
+              <a:t>2022/1/24</a:t>
             </a:fld>
             <a:endParaRPr kumimoji="1" lang="ja-JP" altLang="en-US"/>
           </a:p>
@@ -3329,7 +3911,7 @@
           <a:p>
             <a:fld id="{C63D219B-6862-4E6A-9F9E-C4C4759712F9}" type="datetimeFigureOut">
               <a:rPr kumimoji="1" lang="ja-JP" altLang="en-US" smtClean="0"/>
-              <a:t>2022/1/21</a:t>
+              <a:t>2022/1/24</a:t>
             </a:fld>
             <a:endParaRPr kumimoji="1" lang="ja-JP" altLang="en-US"/>
           </a:p>
@@ -3470,7 +4052,7 @@
           <a:p>
             <a:fld id="{C63D219B-6862-4E6A-9F9E-C4C4759712F9}" type="datetimeFigureOut">
               <a:rPr kumimoji="1" lang="ja-JP" altLang="en-US" smtClean="0"/>
-              <a:t>2022/1/21</a:t>
+              <a:t>2022/1/24</a:t>
             </a:fld>
             <a:endParaRPr kumimoji="1" lang="ja-JP" altLang="en-US"/>
           </a:p>
@@ -3583,7 +4165,7 @@
           <a:p>
             <a:fld id="{C63D219B-6862-4E6A-9F9E-C4C4759712F9}" type="datetimeFigureOut">
               <a:rPr kumimoji="1" lang="ja-JP" altLang="en-US" smtClean="0"/>
-              <a:t>2022/1/21</a:t>
+              <a:t>2022/1/24</a:t>
             </a:fld>
             <a:endParaRPr kumimoji="1" lang="ja-JP" altLang="en-US"/>
           </a:p>
@@ -3926,7 +4508,7 @@
           <a:p>
             <a:fld id="{C63D219B-6862-4E6A-9F9E-C4C4759712F9}" type="datetimeFigureOut">
               <a:rPr kumimoji="1" lang="ja-JP" altLang="en-US" smtClean="0"/>
-              <a:t>2022/1/21</a:t>
+              <a:t>2022/1/24</a:t>
             </a:fld>
             <a:endParaRPr kumimoji="1" lang="ja-JP" altLang="en-US"/>
           </a:p>
@@ -4214,7 +4796,7 @@
           <a:p>
             <a:fld id="{C63D219B-6862-4E6A-9F9E-C4C4759712F9}" type="datetimeFigureOut">
               <a:rPr kumimoji="1" lang="ja-JP" altLang="en-US" smtClean="0"/>
-              <a:t>2022/1/21</a:t>
+              <a:t>2022/1/24</a:t>
             </a:fld>
             <a:endParaRPr kumimoji="1" lang="ja-JP" altLang="en-US"/>
           </a:p>
@@ -4514,7 +5096,7 @@
           <a:p>
             <a:fld id="{C63D219B-6862-4E6A-9F9E-C4C4759712F9}" type="datetimeFigureOut">
               <a:rPr kumimoji="1" lang="ja-JP" altLang="en-US" smtClean="0"/>
-              <a:t>2022/1/21</a:t>
+              <a:t>2022/1/24</a:t>
             </a:fld>
             <a:endParaRPr kumimoji="1" lang="ja-JP" altLang="en-US"/>
           </a:p>
@@ -7371,6 +7953,14 @@
               <a:rPr kumimoji="1" lang="ja-JP" altLang="en-US" dirty="0"/>
               <a:t>品詞ごとに分解</a:t>
             </a:r>
+            <a:endParaRPr kumimoji="1" lang="en-US" altLang="ja-JP" dirty="0"/>
+          </a:p>
+          <a:p>
+            <a:pPr lvl="1"/>
+            <a:endParaRPr lang="en-US" altLang="ja-JP" dirty="0"/>
+          </a:p>
+          <a:p>
+            <a:pPr lvl="1"/>
             <a:endParaRPr lang="en-US" altLang="ja-JP" dirty="0"/>
           </a:p>
           <a:p>
@@ -7385,6 +7975,12 @@
             <a:endParaRPr lang="en-US" altLang="ja-JP" dirty="0"/>
           </a:p>
           <a:p>
+            <a:endParaRPr lang="en-US" altLang="ja-JP" dirty="0"/>
+          </a:p>
+          <a:p>
+            <a:endParaRPr lang="en-US" altLang="ja-JP" dirty="0"/>
+          </a:p>
+          <a:p>
             <a:r>
               <a:rPr kumimoji="1" lang="ja-JP" altLang="en-US" dirty="0"/>
               <a:t>名詞から予測</a:t>
@@ -7406,8 +8002,8 @@
         </p:nvSpPr>
         <p:spPr>
           <a:xfrm>
-            <a:off x="6163377" y="1690688"/>
-            <a:ext cx="3214837" cy="646331"/>
+            <a:off x="6163377" y="1413689"/>
+            <a:ext cx="3214837" cy="1200329"/>
           </a:xfrm>
           <a:prstGeom prst="rect">
             <a:avLst/>
@@ -7428,7 +8024,7 @@
             <a:pPr algn="ctr"/>
             <a:r>
               <a:rPr kumimoji="1" lang="ja-JP" altLang="en-US" sz="3600" dirty="0"/>
-              <a:t>今日の天気は</a:t>
+              <a:t>今日の天気は晴れ？</a:t>
             </a:r>
           </a:p>
         </p:txBody>
@@ -7812,6 +8408,126 @@
               <a:rPr kumimoji="1" lang="ja-JP" altLang="en-US" sz="3600" dirty="0"/>
               <a:t>天気</a:t>
             </a:r>
+          </a:p>
+        </p:txBody>
+      </p:sp>
+      <p:sp>
+        <p:nvSpPr>
+          <p:cNvPr id="16" name="矢印: 下 15">
+            <a:extLst>
+              <a:ext uri="{FF2B5EF4-FFF2-40B4-BE49-F238E27FC236}">
+                <a16:creationId xmlns:a16="http://schemas.microsoft.com/office/drawing/2014/main" id="{3E4E05FA-108B-4CC4-ABDA-B7DDE2B1ED6F}"/>
+              </a:ext>
+            </a:extLst>
+          </p:cNvPr>
+          <p:cNvSpPr/>
+          <p:nvPr/>
+        </p:nvSpPr>
+        <p:spPr>
+          <a:xfrm>
+            <a:off x="2290729" y="2722689"/>
+            <a:ext cx="722787" cy="589428"/>
+          </a:xfrm>
+          <a:prstGeom prst="downArrow">
+            <a:avLst/>
+          </a:prstGeom>
+          <a:solidFill>
+            <a:schemeClr val="accent6">
+              <a:lumMod val="60000"/>
+              <a:lumOff val="40000"/>
+            </a:schemeClr>
+          </a:solidFill>
+          <a:ln>
+            <a:solidFill>
+              <a:schemeClr val="accent6">
+                <a:lumMod val="60000"/>
+                <a:lumOff val="40000"/>
+              </a:schemeClr>
+            </a:solidFill>
+          </a:ln>
+        </p:spPr>
+        <p:style>
+          <a:lnRef idx="2">
+            <a:schemeClr val="accent1">
+              <a:shade val="50000"/>
+            </a:schemeClr>
+          </a:lnRef>
+          <a:fillRef idx="1">
+            <a:schemeClr val="accent1"/>
+          </a:fillRef>
+          <a:effectRef idx="0">
+            <a:schemeClr val="accent1"/>
+          </a:effectRef>
+          <a:fontRef idx="minor">
+            <a:schemeClr val="lt1"/>
+          </a:fontRef>
+        </p:style>
+        <p:txBody>
+          <a:bodyPr rtlCol="0" anchor="ctr"/>
+          <a:lstStyle/>
+          <a:p>
+            <a:pPr algn="ctr"/>
+            <a:endParaRPr kumimoji="1" lang="ja-JP" altLang="en-US"/>
+          </a:p>
+        </p:txBody>
+      </p:sp>
+      <p:sp>
+        <p:nvSpPr>
+          <p:cNvPr id="17" name="矢印: 下 16">
+            <a:extLst>
+              <a:ext uri="{FF2B5EF4-FFF2-40B4-BE49-F238E27FC236}">
+                <a16:creationId xmlns:a16="http://schemas.microsoft.com/office/drawing/2014/main" id="{1689636E-389F-4290-8215-D4D1DCF557EC}"/>
+              </a:ext>
+            </a:extLst>
+          </p:cNvPr>
+          <p:cNvSpPr/>
+          <p:nvPr/>
+        </p:nvSpPr>
+        <p:spPr>
+          <a:xfrm>
+            <a:off x="2290729" y="4207149"/>
+            <a:ext cx="722787" cy="589428"/>
+          </a:xfrm>
+          <a:prstGeom prst="downArrow">
+            <a:avLst/>
+          </a:prstGeom>
+          <a:solidFill>
+            <a:schemeClr val="accent6">
+              <a:lumMod val="60000"/>
+              <a:lumOff val="40000"/>
+            </a:schemeClr>
+          </a:solidFill>
+          <a:ln>
+            <a:solidFill>
+              <a:schemeClr val="accent6">
+                <a:lumMod val="60000"/>
+                <a:lumOff val="40000"/>
+              </a:schemeClr>
+            </a:solidFill>
+          </a:ln>
+        </p:spPr>
+        <p:style>
+          <a:lnRef idx="2">
+            <a:schemeClr val="accent1">
+              <a:shade val="50000"/>
+            </a:schemeClr>
+          </a:lnRef>
+          <a:fillRef idx="1">
+            <a:schemeClr val="accent1"/>
+          </a:fillRef>
+          <a:effectRef idx="0">
+            <a:schemeClr val="accent1"/>
+          </a:effectRef>
+          <a:fontRef idx="minor">
+            <a:schemeClr val="lt1"/>
+          </a:fontRef>
+        </p:style>
+        <p:txBody>
+          <a:bodyPr rtlCol="0" anchor="ctr"/>
+          <a:lstStyle/>
+          <a:p>
+            <a:pPr algn="ctr"/>
+            <a:endParaRPr kumimoji="1" lang="ja-JP" altLang="en-US"/>
           </a:p>
         </p:txBody>
       </p:sp>
@@ -7847,82 +8563,10 @@
       </p:grpSpPr>
       <p:sp>
         <p:nvSpPr>
-          <p:cNvPr id="2" name="タイトル 1">
-            <a:extLst>
-              <a:ext uri="{FF2B5EF4-FFF2-40B4-BE49-F238E27FC236}">
-                <a16:creationId xmlns:a16="http://schemas.microsoft.com/office/drawing/2014/main" id="{870F805A-B54C-4A5F-BC55-EC7F30EE0188}"/>
-              </a:ext>
-            </a:extLst>
-          </p:cNvPr>
-          <p:cNvSpPr>
-            <a:spLocks noGrp="1"/>
-          </p:cNvSpPr>
-          <p:nvPr>
-            <p:ph type="title"/>
-          </p:nvPr>
-        </p:nvSpPr>
-        <p:spPr/>
-        <p:txBody>
-          <a:bodyPr/>
-          <a:lstStyle/>
-          <a:p>
-            <a:r>
-              <a:rPr kumimoji="1" lang="en-US" altLang="ja-JP" dirty="0"/>
-              <a:t>Predict.py(</a:t>
-            </a:r>
-            <a:r>
-              <a:rPr kumimoji="1" lang="ja-JP" altLang="en-US" dirty="0"/>
-              <a:t>予測</a:t>
-            </a:r>
-            <a:r>
-              <a:rPr kumimoji="1" lang="en-US" altLang="ja-JP" dirty="0"/>
-              <a:t>)</a:t>
-            </a:r>
-            <a:endParaRPr kumimoji="1" lang="ja-JP" altLang="en-US" dirty="0"/>
-          </a:p>
-        </p:txBody>
-      </p:sp>
-      <p:pic>
-        <p:nvPicPr>
-          <p:cNvPr id="5" name="コンテンツ プレースホルダー 4">
-            <a:extLst>
-              <a:ext uri="{FF2B5EF4-FFF2-40B4-BE49-F238E27FC236}">
-                <a16:creationId xmlns:a16="http://schemas.microsoft.com/office/drawing/2014/main" id="{3D7448FC-B055-4EA8-A1C1-E3D6F618FEF4}"/>
-              </a:ext>
-            </a:extLst>
-          </p:cNvPr>
-          <p:cNvPicPr>
-            <a:picLocks noGrp="1" noChangeAspect="1"/>
-          </p:cNvPicPr>
-          <p:nvPr>
-            <p:ph idx="1"/>
-          </p:nvPr>
-        </p:nvPicPr>
-        <p:blipFill>
-          <a:blip r:embed="rId2">
-            <a:extLst>
-              <a:ext uri="{28A0092B-C50C-407E-A947-70E740481C1C}">
-                <a14:useLocalDpi xmlns:a14="http://schemas.microsoft.com/office/drawing/2010/main" val="0"/>
-              </a:ext>
-            </a:extLst>
-          </a:blip>
-          <a:stretch>
-            <a:fillRect/>
-          </a:stretch>
-        </p:blipFill>
-        <p:spPr>
-          <a:xfrm>
-            <a:off x="942736" y="1280558"/>
-            <a:ext cx="8460795" cy="5336810"/>
-          </a:xfrm>
-        </p:spPr>
-      </p:pic>
-      <p:sp>
-        <p:nvSpPr>
-          <p:cNvPr id="6" name="正方形/長方形 5">
-            <a:extLst>
-              <a:ext uri="{FF2B5EF4-FFF2-40B4-BE49-F238E27FC236}">
-                <a16:creationId xmlns:a16="http://schemas.microsoft.com/office/drawing/2014/main" id="{3D85D4EC-A6D8-4912-BAB1-369C760D6DC1}"/>
+          <p:cNvPr id="27" name="正方形/長方形 26">
+            <a:extLst>
+              <a:ext uri="{FF2B5EF4-FFF2-40B4-BE49-F238E27FC236}">
+                <a16:creationId xmlns:a16="http://schemas.microsoft.com/office/drawing/2014/main" id="{A6A42EEF-E3D6-46D6-8AA1-60AA53B39EFC}"/>
               </a:ext>
             </a:extLst>
           </p:cNvPr>
@@ -7931,21 +8575,20 @@
         </p:nvSpPr>
         <p:spPr>
           <a:xfrm>
-            <a:off x="9508067" y="0"/>
-            <a:ext cx="2683933" cy="1593908"/>
+            <a:off x="10279281" y="2303503"/>
+            <a:ext cx="1788160" cy="3420485"/>
           </a:xfrm>
           <a:prstGeom prst="rect">
             <a:avLst/>
           </a:prstGeom>
           <a:solidFill>
-            <a:schemeClr val="accent6">
-              <a:lumMod val="60000"/>
-              <a:lumOff val="40000"/>
-            </a:schemeClr>
+            <a:schemeClr val="bg1"/>
           </a:solidFill>
-          <a:ln>
+          <a:ln w="57150">
             <a:solidFill>
-              <a:schemeClr val="tx1"/>
+              <a:schemeClr val="accent6">
+                <a:lumMod val="50000"/>
+              </a:schemeClr>
             </a:solidFill>
           </a:ln>
         </p:spPr>
@@ -7970,16 +8613,22 @@
           <a:lstStyle/>
           <a:p>
             <a:pPr algn="ctr"/>
-            <a:endParaRPr kumimoji="1" lang="ja-JP" altLang="en-US"/>
-          </a:p>
-        </p:txBody>
-      </p:sp>
-      <p:sp>
-        <p:nvSpPr>
-          <p:cNvPr id="8" name="正方形/長方形 7">
-            <a:extLst>
-              <a:ext uri="{FF2B5EF4-FFF2-40B4-BE49-F238E27FC236}">
-                <a16:creationId xmlns:a16="http://schemas.microsoft.com/office/drawing/2014/main" id="{A65C41CD-914D-46B4-A2C1-B973A31344D1}"/>
+            <a:endParaRPr kumimoji="1" lang="ja-JP" altLang="en-US">
+              <a:solidFill>
+                <a:schemeClr val="accent6">
+                  <a:lumMod val="50000"/>
+                </a:schemeClr>
+              </a:solidFill>
+            </a:endParaRPr>
+          </a:p>
+        </p:txBody>
+      </p:sp>
+      <p:sp>
+        <p:nvSpPr>
+          <p:cNvPr id="26" name="正方形/長方形 25">
+            <a:extLst>
+              <a:ext uri="{FF2B5EF4-FFF2-40B4-BE49-F238E27FC236}">
+                <a16:creationId xmlns:a16="http://schemas.microsoft.com/office/drawing/2014/main" id="{D5019F01-CDAF-40BF-8F16-C36818AB7ED3}"/>
               </a:ext>
             </a:extLst>
           </p:cNvPr>
@@ -7988,16 +8637,20 @@
         </p:nvSpPr>
         <p:spPr>
           <a:xfrm>
-            <a:off x="1376411" y="1544366"/>
-            <a:ext cx="1799924" cy="388896"/>
+            <a:off x="8079873" y="2303503"/>
+            <a:ext cx="1788160" cy="3420485"/>
           </a:xfrm>
           <a:prstGeom prst="rect">
             <a:avLst/>
           </a:prstGeom>
-          <a:noFill/>
-          <a:ln w="38100">
+          <a:solidFill>
+            <a:schemeClr val="bg1"/>
+          </a:solidFill>
+          <a:ln w="57150">
             <a:solidFill>
-              <a:srgbClr val="FF0000"/>
+              <a:schemeClr val="accent6">
+                <a:lumMod val="50000"/>
+              </a:schemeClr>
             </a:solidFill>
           </a:ln>
         </p:spPr>
@@ -8022,16 +8675,22 @@
           <a:lstStyle/>
           <a:p>
             <a:pPr algn="ctr"/>
-            <a:endParaRPr kumimoji="1" lang="ja-JP" altLang="en-US"/>
-          </a:p>
-        </p:txBody>
-      </p:sp>
-      <p:sp>
-        <p:nvSpPr>
-          <p:cNvPr id="9" name="正方形/長方形 8">
-            <a:extLst>
-              <a:ext uri="{FF2B5EF4-FFF2-40B4-BE49-F238E27FC236}">
-                <a16:creationId xmlns:a16="http://schemas.microsoft.com/office/drawing/2014/main" id="{0CE431B2-BCC6-481E-A402-C400128183D4}"/>
+            <a:endParaRPr kumimoji="1" lang="ja-JP" altLang="en-US">
+              <a:solidFill>
+                <a:schemeClr val="accent6">
+                  <a:lumMod val="50000"/>
+                </a:schemeClr>
+              </a:solidFill>
+            </a:endParaRPr>
+          </a:p>
+        </p:txBody>
+      </p:sp>
+      <p:sp>
+        <p:nvSpPr>
+          <p:cNvPr id="25" name="正方形/長方形 24">
+            <a:extLst>
+              <a:ext uri="{FF2B5EF4-FFF2-40B4-BE49-F238E27FC236}">
+                <a16:creationId xmlns:a16="http://schemas.microsoft.com/office/drawing/2014/main" id="{CEEBE825-C946-4A6C-B1CF-1701DEEEFE70}"/>
               </a:ext>
             </a:extLst>
           </p:cNvPr>
@@ -8040,16 +8699,20 @@
         </p:nvSpPr>
         <p:spPr>
           <a:xfrm>
-            <a:off x="1386036" y="2223436"/>
-            <a:ext cx="3080086" cy="741146"/>
+            <a:off x="5936968" y="2303503"/>
+            <a:ext cx="1788160" cy="3420485"/>
           </a:xfrm>
           <a:prstGeom prst="rect">
             <a:avLst/>
           </a:prstGeom>
-          <a:noFill/>
-          <a:ln w="38100">
+          <a:solidFill>
+            <a:schemeClr val="bg1"/>
+          </a:solidFill>
+          <a:ln w="57150">
             <a:solidFill>
-              <a:srgbClr val="FF0000"/>
+              <a:schemeClr val="accent6">
+                <a:lumMod val="50000"/>
+              </a:schemeClr>
             </a:solidFill>
           </a:ln>
         </p:spPr>
@@ -8074,16 +8737,58 @@
           <a:lstStyle/>
           <a:p>
             <a:pPr algn="ctr"/>
-            <a:endParaRPr kumimoji="1" lang="ja-JP" altLang="en-US"/>
-          </a:p>
-        </p:txBody>
-      </p:sp>
-      <p:sp>
-        <p:nvSpPr>
-          <p:cNvPr id="10" name="正方形/長方形 9">
-            <a:extLst>
-              <a:ext uri="{FF2B5EF4-FFF2-40B4-BE49-F238E27FC236}">
-                <a16:creationId xmlns:a16="http://schemas.microsoft.com/office/drawing/2014/main" id="{05EC3179-A05E-4A09-8C05-9AFC1E06AAC0}"/>
+            <a:endParaRPr kumimoji="1" lang="ja-JP" altLang="en-US">
+              <a:solidFill>
+                <a:schemeClr val="accent6">
+                  <a:lumMod val="50000"/>
+                </a:schemeClr>
+              </a:solidFill>
+            </a:endParaRPr>
+          </a:p>
+        </p:txBody>
+      </p:sp>
+      <p:sp>
+        <p:nvSpPr>
+          <p:cNvPr id="2" name="タイトル 1">
+            <a:extLst>
+              <a:ext uri="{FF2B5EF4-FFF2-40B4-BE49-F238E27FC236}">
+                <a16:creationId xmlns:a16="http://schemas.microsoft.com/office/drawing/2014/main" id="{8DC23348-6095-43B3-AD99-75833F7A7549}"/>
+              </a:ext>
+            </a:extLst>
+          </p:cNvPr>
+          <p:cNvSpPr>
+            <a:spLocks noGrp="1"/>
+          </p:cNvSpPr>
+          <p:nvPr>
+            <p:ph type="title"/>
+          </p:nvPr>
+        </p:nvSpPr>
+        <p:spPr/>
+        <p:txBody>
+          <a:bodyPr/>
+          <a:lstStyle/>
+          <a:p>
+            <a:r>
+              <a:rPr lang="en-US" altLang="ja-JP" dirty="0" err="1"/>
+              <a:t>f</a:t>
+            </a:r>
+            <a:r>
+              <a:rPr kumimoji="1" lang="en-US" altLang="ja-JP" dirty="0" err="1"/>
+              <a:t>astText</a:t>
+            </a:r>
+            <a:r>
+              <a:rPr kumimoji="1" lang="ja-JP" altLang="en-US" dirty="0"/>
+              <a:t>の仕組み</a:t>
+            </a:r>
+          </a:p>
+        </p:txBody>
+      </p:sp>
+      <p:sp>
+        <p:nvSpPr>
+          <p:cNvPr id="4" name="矢印: 右 3">
+            <a:extLst>
+              <a:ext uri="{FF2B5EF4-FFF2-40B4-BE49-F238E27FC236}">
+                <a16:creationId xmlns:a16="http://schemas.microsoft.com/office/drawing/2014/main" id="{7FBD3240-C321-4086-801F-48F3F42971C2}"/>
               </a:ext>
             </a:extLst>
           </p:cNvPr>
@@ -8092,16 +8797,18 @@
         </p:nvSpPr>
         <p:spPr>
           <a:xfrm>
-            <a:off x="1565884" y="5382993"/>
-            <a:ext cx="3420002" cy="1037057"/>
-          </a:xfrm>
-          <a:prstGeom prst="rect">
+            <a:off x="3735749" y="2965550"/>
+            <a:ext cx="973726" cy="1712686"/>
+          </a:xfrm>
+          <a:prstGeom prst="rightArrow">
             <a:avLst/>
           </a:prstGeom>
-          <a:noFill/>
-          <a:ln w="38100">
+          <a:solidFill>
+            <a:srgbClr val="FF0000"/>
+          </a:solidFill>
+          <a:ln>
             <a:solidFill>
-              <a:srgbClr val="FF0000"/>
+              <a:schemeClr val="tx1"/>
             </a:solidFill>
           </a:ln>
         </p:spPr>
@@ -8132,28 +8839,808 @@
       </p:sp>
       <p:sp>
         <p:nvSpPr>
-          <p:cNvPr id="11" name="正方形/長方形 10">
-            <a:extLst>
-              <a:ext uri="{FF2B5EF4-FFF2-40B4-BE49-F238E27FC236}">
-                <a16:creationId xmlns:a16="http://schemas.microsoft.com/office/drawing/2014/main" id="{8EFC927D-9345-40F0-A269-18862696A4D4}"/>
-              </a:ext>
-            </a:extLst>
-          </p:cNvPr>
-          <p:cNvSpPr/>
+          <p:cNvPr id="5" name="テキスト ボックス 4">
+            <a:extLst>
+              <a:ext uri="{FF2B5EF4-FFF2-40B4-BE49-F238E27FC236}">
+                <a16:creationId xmlns:a16="http://schemas.microsoft.com/office/drawing/2014/main" id="{2E8C8DDE-2243-4315-8A5A-59E84991D26A}"/>
+              </a:ext>
+            </a:extLst>
+          </p:cNvPr>
+          <p:cNvSpPr txBox="1"/>
           <p:nvPr/>
         </p:nvSpPr>
         <p:spPr>
           <a:xfrm>
-            <a:off x="1400472" y="3214348"/>
-            <a:ext cx="7926407" cy="1848539"/>
+            <a:off x="4724019" y="2626433"/>
+            <a:ext cx="1212282" cy="707886"/>
           </a:xfrm>
           <a:prstGeom prst="rect">
             <a:avLst/>
           </a:prstGeom>
           <a:noFill/>
-          <a:ln w="38100">
+        </p:spPr>
+        <p:txBody>
+          <a:bodyPr wrap="square" rtlCol="0">
+            <a:spAutoFit/>
+          </a:bodyPr>
+          <a:lstStyle/>
+          <a:p>
+            <a:r>
+              <a:rPr lang="ja-JP" altLang="en-US" sz="4000" b="1" dirty="0"/>
+              <a:t>今日</a:t>
+            </a:r>
+            <a:endParaRPr kumimoji="1" lang="ja-JP" altLang="en-US" sz="4000" b="1" dirty="0"/>
+          </a:p>
+        </p:txBody>
+      </p:sp>
+      <p:sp>
+        <p:nvSpPr>
+          <p:cNvPr id="8" name="テキスト ボックス 7">
+            <a:extLst>
+              <a:ext uri="{FF2B5EF4-FFF2-40B4-BE49-F238E27FC236}">
+                <a16:creationId xmlns:a16="http://schemas.microsoft.com/office/drawing/2014/main" id="{E1BA6016-03A7-4B4C-BC64-ACC036B703B2}"/>
+              </a:ext>
+            </a:extLst>
+          </p:cNvPr>
+          <p:cNvSpPr txBox="1"/>
+          <p:nvPr/>
+        </p:nvSpPr>
+        <p:spPr>
+          <a:xfrm>
+            <a:off x="4675736" y="3663178"/>
+            <a:ext cx="1212282" cy="707886"/>
+          </a:xfrm>
+          <a:prstGeom prst="rect">
+            <a:avLst/>
+          </a:prstGeom>
+          <a:noFill/>
+        </p:spPr>
+        <p:txBody>
+          <a:bodyPr wrap="square" rtlCol="0">
+            <a:spAutoFit/>
+          </a:bodyPr>
+          <a:lstStyle/>
+          <a:p>
+            <a:r>
+              <a:rPr lang="ja-JP" altLang="en-US" sz="4000" b="1" dirty="0"/>
+              <a:t>天気</a:t>
+            </a:r>
+            <a:endParaRPr kumimoji="1" lang="ja-JP" altLang="en-US" sz="4000" b="1" dirty="0"/>
+          </a:p>
+        </p:txBody>
+      </p:sp>
+      <p:cxnSp>
+        <p:nvCxnSpPr>
+          <p:cNvPr id="6" name="直線コネクタ 5">
+            <a:extLst>
+              <a:ext uri="{FF2B5EF4-FFF2-40B4-BE49-F238E27FC236}">
+                <a16:creationId xmlns:a16="http://schemas.microsoft.com/office/drawing/2014/main" id="{6D72E8BD-2DAC-4B73-956F-32D38F01B2E9}"/>
+              </a:ext>
+            </a:extLst>
+          </p:cNvPr>
+          <p:cNvCxnSpPr/>
+          <p:nvPr/>
+        </p:nvCxnSpPr>
+        <p:spPr>
+          <a:xfrm>
+            <a:off x="5936968" y="3498949"/>
+            <a:ext cx="1788160" cy="0"/>
+          </a:xfrm>
+          <a:prstGeom prst="line">
+            <a:avLst/>
+          </a:prstGeom>
+          <a:ln w="57150">
             <a:solidFill>
-              <a:srgbClr val="FF0000"/>
+              <a:schemeClr val="accent6">
+                <a:lumMod val="50000"/>
+              </a:schemeClr>
+            </a:solidFill>
+          </a:ln>
+        </p:spPr>
+        <p:style>
+          <a:lnRef idx="1">
+            <a:schemeClr val="accent1"/>
+          </a:lnRef>
+          <a:fillRef idx="0">
+            <a:schemeClr val="accent1"/>
+          </a:fillRef>
+          <a:effectRef idx="0">
+            <a:schemeClr val="accent1"/>
+          </a:effectRef>
+          <a:fontRef idx="minor">
+            <a:schemeClr val="tx1"/>
+          </a:fontRef>
+        </p:style>
+      </p:cxnSp>
+      <p:cxnSp>
+        <p:nvCxnSpPr>
+          <p:cNvPr id="7" name="直線コネクタ 6">
+            <a:extLst>
+              <a:ext uri="{FF2B5EF4-FFF2-40B4-BE49-F238E27FC236}">
+                <a16:creationId xmlns:a16="http://schemas.microsoft.com/office/drawing/2014/main" id="{652768D3-3A5F-4236-8132-C07FEFA4E63C}"/>
+              </a:ext>
+            </a:extLst>
+          </p:cNvPr>
+          <p:cNvCxnSpPr/>
+          <p:nvPr/>
+        </p:nvCxnSpPr>
+        <p:spPr>
+          <a:xfrm>
+            <a:off x="5936968" y="4565749"/>
+            <a:ext cx="1788160" cy="0"/>
+          </a:xfrm>
+          <a:prstGeom prst="line">
+            <a:avLst/>
+          </a:prstGeom>
+          <a:ln w="57150">
+            <a:solidFill>
+              <a:schemeClr val="accent6">
+                <a:lumMod val="50000"/>
+              </a:schemeClr>
+            </a:solidFill>
+          </a:ln>
+        </p:spPr>
+        <p:style>
+          <a:lnRef idx="1">
+            <a:schemeClr val="accent1"/>
+          </a:lnRef>
+          <a:fillRef idx="0">
+            <a:schemeClr val="accent1"/>
+          </a:fillRef>
+          <a:effectRef idx="0">
+            <a:schemeClr val="accent1"/>
+          </a:effectRef>
+          <a:fontRef idx="minor">
+            <a:schemeClr val="tx1"/>
+          </a:fontRef>
+        </p:style>
+      </p:cxnSp>
+      <p:sp>
+        <p:nvSpPr>
+          <p:cNvPr id="11" name="テキスト ボックス 10">
+            <a:extLst>
+              <a:ext uri="{FF2B5EF4-FFF2-40B4-BE49-F238E27FC236}">
+                <a16:creationId xmlns:a16="http://schemas.microsoft.com/office/drawing/2014/main" id="{00DF0405-3E91-480C-B12F-C0CE16342A54}"/>
+              </a:ext>
+            </a:extLst>
+          </p:cNvPr>
+          <p:cNvSpPr txBox="1"/>
+          <p:nvPr/>
+        </p:nvSpPr>
+        <p:spPr>
+          <a:xfrm>
+            <a:off x="8367812" y="2629417"/>
+            <a:ext cx="1212282" cy="707886"/>
+          </a:xfrm>
+          <a:prstGeom prst="rect">
+            <a:avLst/>
+          </a:prstGeom>
+          <a:noFill/>
+        </p:spPr>
+        <p:txBody>
+          <a:bodyPr wrap="square" rtlCol="0">
+            <a:spAutoFit/>
+          </a:bodyPr>
+          <a:lstStyle/>
+          <a:p>
+            <a:r>
+              <a:rPr kumimoji="1" lang="en-US" altLang="ja-JP" sz="4000" b="1" dirty="0"/>
+              <a:t>0.01</a:t>
+            </a:r>
+            <a:endParaRPr kumimoji="1" lang="ja-JP" altLang="en-US" sz="4000" b="1" dirty="0"/>
+          </a:p>
+        </p:txBody>
+      </p:sp>
+      <p:sp>
+        <p:nvSpPr>
+          <p:cNvPr id="9" name="テキスト ボックス 8">
+            <a:extLst>
+              <a:ext uri="{FF2B5EF4-FFF2-40B4-BE49-F238E27FC236}">
+                <a16:creationId xmlns:a16="http://schemas.microsoft.com/office/drawing/2014/main" id="{0051F1F9-DBAF-4CC8-A52C-73D83F26D53B}"/>
+              </a:ext>
+            </a:extLst>
+          </p:cNvPr>
+          <p:cNvSpPr txBox="1"/>
+          <p:nvPr/>
+        </p:nvSpPr>
+        <p:spPr>
+          <a:xfrm>
+            <a:off x="6195151" y="2611607"/>
+            <a:ext cx="1212282" cy="707886"/>
+          </a:xfrm>
+          <a:prstGeom prst="rect">
+            <a:avLst/>
+          </a:prstGeom>
+          <a:noFill/>
+        </p:spPr>
+        <p:txBody>
+          <a:bodyPr wrap="square" rtlCol="0">
+            <a:spAutoFit/>
+          </a:bodyPr>
+          <a:lstStyle/>
+          <a:p>
+            <a:r>
+              <a:rPr kumimoji="1" lang="en-US" altLang="ja-JP" sz="4000" b="1" dirty="0"/>
+              <a:t>0.02</a:t>
+            </a:r>
+            <a:endParaRPr kumimoji="1" lang="ja-JP" altLang="en-US" sz="4000" b="1" dirty="0"/>
+          </a:p>
+        </p:txBody>
+      </p:sp>
+      <p:sp>
+        <p:nvSpPr>
+          <p:cNvPr id="10" name="テキスト ボックス 9">
+            <a:extLst>
+              <a:ext uri="{FF2B5EF4-FFF2-40B4-BE49-F238E27FC236}">
+                <a16:creationId xmlns:a16="http://schemas.microsoft.com/office/drawing/2014/main" id="{B8A335E2-60A8-4426-9876-7390B8891A82}"/>
+              </a:ext>
+            </a:extLst>
+          </p:cNvPr>
+          <p:cNvSpPr txBox="1"/>
+          <p:nvPr/>
+        </p:nvSpPr>
+        <p:spPr>
+          <a:xfrm>
+            <a:off x="6242763" y="3714356"/>
+            <a:ext cx="1212282" cy="707886"/>
+          </a:xfrm>
+          <a:prstGeom prst="rect">
+            <a:avLst/>
+          </a:prstGeom>
+          <a:noFill/>
+        </p:spPr>
+        <p:txBody>
+          <a:bodyPr wrap="square" rtlCol="0">
+            <a:spAutoFit/>
+          </a:bodyPr>
+          <a:lstStyle/>
+          <a:p>
+            <a:r>
+              <a:rPr kumimoji="1" lang="en-US" altLang="ja-JP" sz="4000" b="1" dirty="0"/>
+              <a:t>0.99</a:t>
+            </a:r>
+            <a:endParaRPr kumimoji="1" lang="ja-JP" altLang="en-US" sz="4000" b="1" dirty="0"/>
+          </a:p>
+        </p:txBody>
+      </p:sp>
+      <p:cxnSp>
+        <p:nvCxnSpPr>
+          <p:cNvPr id="12" name="直線コネクタ 11">
+            <a:extLst>
+              <a:ext uri="{FF2B5EF4-FFF2-40B4-BE49-F238E27FC236}">
+                <a16:creationId xmlns:a16="http://schemas.microsoft.com/office/drawing/2014/main" id="{4F408AE8-141A-4929-85BA-FA5399522EB9}"/>
+              </a:ext>
+            </a:extLst>
+          </p:cNvPr>
+          <p:cNvCxnSpPr/>
+          <p:nvPr/>
+        </p:nvCxnSpPr>
+        <p:spPr>
+          <a:xfrm>
+            <a:off x="8079873" y="3498950"/>
+            <a:ext cx="1788160" cy="0"/>
+          </a:xfrm>
+          <a:prstGeom prst="line">
+            <a:avLst/>
+          </a:prstGeom>
+          <a:ln w="57150">
+            <a:solidFill>
+              <a:schemeClr val="accent6">
+                <a:lumMod val="50000"/>
+              </a:schemeClr>
+            </a:solidFill>
+          </a:ln>
+        </p:spPr>
+        <p:style>
+          <a:lnRef idx="1">
+            <a:schemeClr val="accent1"/>
+          </a:lnRef>
+          <a:fillRef idx="0">
+            <a:schemeClr val="accent1"/>
+          </a:fillRef>
+          <a:effectRef idx="0">
+            <a:schemeClr val="accent1"/>
+          </a:effectRef>
+          <a:fontRef idx="minor">
+            <a:schemeClr val="tx1"/>
+          </a:fontRef>
+        </p:style>
+      </p:cxnSp>
+      <p:cxnSp>
+        <p:nvCxnSpPr>
+          <p:cNvPr id="13" name="直線コネクタ 12">
+            <a:extLst>
+              <a:ext uri="{FF2B5EF4-FFF2-40B4-BE49-F238E27FC236}">
+                <a16:creationId xmlns:a16="http://schemas.microsoft.com/office/drawing/2014/main" id="{F3778012-44FA-4FD3-BEED-0D9304FD858D}"/>
+              </a:ext>
+            </a:extLst>
+          </p:cNvPr>
+          <p:cNvCxnSpPr/>
+          <p:nvPr/>
+        </p:nvCxnSpPr>
+        <p:spPr>
+          <a:xfrm>
+            <a:off x="8105882" y="4565750"/>
+            <a:ext cx="1788160" cy="0"/>
+          </a:xfrm>
+          <a:prstGeom prst="line">
+            <a:avLst/>
+          </a:prstGeom>
+          <a:ln w="57150">
+            <a:solidFill>
+              <a:schemeClr val="accent6">
+                <a:lumMod val="50000"/>
+              </a:schemeClr>
+            </a:solidFill>
+          </a:ln>
+        </p:spPr>
+        <p:style>
+          <a:lnRef idx="1">
+            <a:schemeClr val="accent1"/>
+          </a:lnRef>
+          <a:fillRef idx="0">
+            <a:schemeClr val="accent1"/>
+          </a:fillRef>
+          <a:effectRef idx="0">
+            <a:schemeClr val="accent1"/>
+          </a:effectRef>
+          <a:fontRef idx="minor">
+            <a:schemeClr val="tx1"/>
+          </a:fontRef>
+        </p:style>
+      </p:cxnSp>
+      <p:cxnSp>
+        <p:nvCxnSpPr>
+          <p:cNvPr id="14" name="直線コネクタ 13">
+            <a:extLst>
+              <a:ext uri="{FF2B5EF4-FFF2-40B4-BE49-F238E27FC236}">
+                <a16:creationId xmlns:a16="http://schemas.microsoft.com/office/drawing/2014/main" id="{0207A337-5CEF-4130-85A0-87C0B8EA53CE}"/>
+              </a:ext>
+            </a:extLst>
+          </p:cNvPr>
+          <p:cNvCxnSpPr/>
+          <p:nvPr/>
+        </p:nvCxnSpPr>
+        <p:spPr>
+          <a:xfrm>
+            <a:off x="10250192" y="3498950"/>
+            <a:ext cx="1788160" cy="0"/>
+          </a:xfrm>
+          <a:prstGeom prst="line">
+            <a:avLst/>
+          </a:prstGeom>
+          <a:ln w="57150">
+            <a:solidFill>
+              <a:schemeClr val="accent6">
+                <a:lumMod val="50000"/>
+              </a:schemeClr>
+            </a:solidFill>
+          </a:ln>
+        </p:spPr>
+        <p:style>
+          <a:lnRef idx="1">
+            <a:schemeClr val="accent1"/>
+          </a:lnRef>
+          <a:fillRef idx="0">
+            <a:schemeClr val="accent1"/>
+          </a:fillRef>
+          <a:effectRef idx="0">
+            <a:schemeClr val="accent1"/>
+          </a:effectRef>
+          <a:fontRef idx="minor">
+            <a:schemeClr val="tx1"/>
+          </a:fontRef>
+        </p:style>
+      </p:cxnSp>
+      <p:sp>
+        <p:nvSpPr>
+          <p:cNvPr id="15" name="テキスト ボックス 14">
+            <a:extLst>
+              <a:ext uri="{FF2B5EF4-FFF2-40B4-BE49-F238E27FC236}">
+                <a16:creationId xmlns:a16="http://schemas.microsoft.com/office/drawing/2014/main" id="{ADE004F6-0DE7-4162-9F6F-7AB9E2D69AAA}"/>
+              </a:ext>
+            </a:extLst>
+          </p:cNvPr>
+          <p:cNvSpPr txBox="1"/>
+          <p:nvPr/>
+        </p:nvSpPr>
+        <p:spPr>
+          <a:xfrm>
+            <a:off x="10538131" y="2623634"/>
+            <a:ext cx="1212282" cy="707886"/>
+          </a:xfrm>
+          <a:prstGeom prst="rect">
+            <a:avLst/>
+          </a:prstGeom>
+          <a:noFill/>
+        </p:spPr>
+        <p:txBody>
+          <a:bodyPr wrap="square" rtlCol="0">
+            <a:spAutoFit/>
+          </a:bodyPr>
+          <a:lstStyle/>
+          <a:p>
+            <a:r>
+              <a:rPr kumimoji="1" lang="en-US" altLang="ja-JP" sz="4000" b="1" dirty="0"/>
+              <a:t>0.01</a:t>
+            </a:r>
+            <a:endParaRPr kumimoji="1" lang="ja-JP" altLang="en-US" sz="4000" b="1" dirty="0"/>
+          </a:p>
+        </p:txBody>
+      </p:sp>
+      <p:sp>
+        <p:nvSpPr>
+          <p:cNvPr id="16" name="テキスト ボックス 15">
+            <a:extLst>
+              <a:ext uri="{FF2B5EF4-FFF2-40B4-BE49-F238E27FC236}">
+                <a16:creationId xmlns:a16="http://schemas.microsoft.com/office/drawing/2014/main" id="{9CAA7924-610B-46FC-A18B-B4F310C69C12}"/>
+              </a:ext>
+            </a:extLst>
+          </p:cNvPr>
+          <p:cNvSpPr txBox="1"/>
+          <p:nvPr/>
+        </p:nvSpPr>
+        <p:spPr>
+          <a:xfrm>
+            <a:off x="10580624" y="3770659"/>
+            <a:ext cx="1212282" cy="707886"/>
+          </a:xfrm>
+          <a:prstGeom prst="rect">
+            <a:avLst/>
+          </a:prstGeom>
+          <a:noFill/>
+        </p:spPr>
+        <p:txBody>
+          <a:bodyPr wrap="square" rtlCol="0">
+            <a:spAutoFit/>
+          </a:bodyPr>
+          <a:lstStyle/>
+          <a:p>
+            <a:r>
+              <a:rPr kumimoji="1" lang="en-US" altLang="ja-JP" sz="4000" b="1" dirty="0"/>
+              <a:t>0.24</a:t>
+            </a:r>
+            <a:endParaRPr kumimoji="1" lang="ja-JP" altLang="en-US" sz="4000" b="1" dirty="0"/>
+          </a:p>
+        </p:txBody>
+      </p:sp>
+      <p:sp>
+        <p:nvSpPr>
+          <p:cNvPr id="17" name="テキスト ボックス 16">
+            <a:extLst>
+              <a:ext uri="{FF2B5EF4-FFF2-40B4-BE49-F238E27FC236}">
+                <a16:creationId xmlns:a16="http://schemas.microsoft.com/office/drawing/2014/main" id="{66C7503C-5480-4FB0-A7B5-634BA5874855}"/>
+              </a:ext>
+            </a:extLst>
+          </p:cNvPr>
+          <p:cNvSpPr txBox="1"/>
+          <p:nvPr/>
+        </p:nvSpPr>
+        <p:spPr>
+          <a:xfrm>
+            <a:off x="8304074" y="3724126"/>
+            <a:ext cx="1212282" cy="707886"/>
+          </a:xfrm>
+          <a:prstGeom prst="rect">
+            <a:avLst/>
+          </a:prstGeom>
+          <a:noFill/>
+        </p:spPr>
+        <p:txBody>
+          <a:bodyPr wrap="square" rtlCol="0">
+            <a:spAutoFit/>
+          </a:bodyPr>
+          <a:lstStyle/>
+          <a:p>
+            <a:r>
+              <a:rPr kumimoji="1" lang="en-US" altLang="ja-JP" sz="4000" b="1" dirty="0"/>
+              <a:t>0.31</a:t>
+            </a:r>
+            <a:endParaRPr kumimoji="1" lang="ja-JP" altLang="en-US" sz="4000" b="1" dirty="0"/>
+          </a:p>
+        </p:txBody>
+      </p:sp>
+      <p:cxnSp>
+        <p:nvCxnSpPr>
+          <p:cNvPr id="20" name="直線コネクタ 19">
+            <a:extLst>
+              <a:ext uri="{FF2B5EF4-FFF2-40B4-BE49-F238E27FC236}">
+                <a16:creationId xmlns:a16="http://schemas.microsoft.com/office/drawing/2014/main" id="{C61F6D19-948D-494A-8C7E-D53B4AEFE399}"/>
+              </a:ext>
+            </a:extLst>
+          </p:cNvPr>
+          <p:cNvCxnSpPr/>
+          <p:nvPr/>
+        </p:nvCxnSpPr>
+        <p:spPr>
+          <a:xfrm>
+            <a:off x="8079873" y="5723990"/>
+            <a:ext cx="1788160" cy="0"/>
+          </a:xfrm>
+          <a:prstGeom prst="line">
+            <a:avLst/>
+          </a:prstGeom>
+          <a:ln w="57150">
+            <a:solidFill>
+              <a:schemeClr val="accent6">
+                <a:lumMod val="50000"/>
+              </a:schemeClr>
+            </a:solidFill>
+          </a:ln>
+        </p:spPr>
+        <p:style>
+          <a:lnRef idx="1">
+            <a:schemeClr val="accent1"/>
+          </a:lnRef>
+          <a:fillRef idx="0">
+            <a:schemeClr val="accent1"/>
+          </a:fillRef>
+          <a:effectRef idx="0">
+            <a:schemeClr val="accent1"/>
+          </a:effectRef>
+          <a:fontRef idx="minor">
+            <a:schemeClr val="tx1"/>
+          </a:fontRef>
+        </p:style>
+      </p:cxnSp>
+      <p:sp>
+        <p:nvSpPr>
+          <p:cNvPr id="18" name="テキスト ボックス 17">
+            <a:extLst>
+              <a:ext uri="{FF2B5EF4-FFF2-40B4-BE49-F238E27FC236}">
+                <a16:creationId xmlns:a16="http://schemas.microsoft.com/office/drawing/2014/main" id="{796EA1A6-32BF-4C87-927C-F036683A763D}"/>
+              </a:ext>
+            </a:extLst>
+          </p:cNvPr>
+          <p:cNvSpPr txBox="1"/>
+          <p:nvPr/>
+        </p:nvSpPr>
+        <p:spPr>
+          <a:xfrm>
+            <a:off x="6242763" y="4865846"/>
+            <a:ext cx="1212282" cy="707886"/>
+          </a:xfrm>
+          <a:prstGeom prst="rect">
+            <a:avLst/>
+          </a:prstGeom>
+          <a:noFill/>
+        </p:spPr>
+        <p:txBody>
+          <a:bodyPr wrap="square" rtlCol="0">
+            <a:spAutoFit/>
+          </a:bodyPr>
+          <a:lstStyle/>
+          <a:p>
+            <a:r>
+              <a:rPr kumimoji="1" lang="en-US" altLang="ja-JP" sz="4000" b="1" dirty="0"/>
+              <a:t>0.99</a:t>
+            </a:r>
+            <a:endParaRPr kumimoji="1" lang="ja-JP" altLang="en-US" sz="4000" b="1" dirty="0"/>
+          </a:p>
+        </p:txBody>
+      </p:sp>
+      <p:cxnSp>
+        <p:nvCxnSpPr>
+          <p:cNvPr id="21" name="直線コネクタ 20">
+            <a:extLst>
+              <a:ext uri="{FF2B5EF4-FFF2-40B4-BE49-F238E27FC236}">
+                <a16:creationId xmlns:a16="http://schemas.microsoft.com/office/drawing/2014/main" id="{8B4F6FB5-86E3-4622-B142-008CFADB828C}"/>
+              </a:ext>
+            </a:extLst>
+          </p:cNvPr>
+          <p:cNvCxnSpPr/>
+          <p:nvPr/>
+        </p:nvCxnSpPr>
+        <p:spPr>
+          <a:xfrm>
+            <a:off x="10250192" y="4560779"/>
+            <a:ext cx="1788160" cy="0"/>
+          </a:xfrm>
+          <a:prstGeom prst="line">
+            <a:avLst/>
+          </a:prstGeom>
+          <a:ln w="57150">
+            <a:solidFill>
+              <a:schemeClr val="accent6">
+                <a:lumMod val="50000"/>
+              </a:schemeClr>
+            </a:solidFill>
+          </a:ln>
+        </p:spPr>
+        <p:style>
+          <a:lnRef idx="1">
+            <a:schemeClr val="accent1"/>
+          </a:lnRef>
+          <a:fillRef idx="0">
+            <a:schemeClr val="accent1"/>
+          </a:fillRef>
+          <a:effectRef idx="0">
+            <a:schemeClr val="accent1"/>
+          </a:effectRef>
+          <a:fontRef idx="minor">
+            <a:schemeClr val="tx1"/>
+          </a:fontRef>
+        </p:style>
+      </p:cxnSp>
+      <p:sp>
+        <p:nvSpPr>
+          <p:cNvPr id="22" name="テキスト ボックス 21">
+            <a:extLst>
+              <a:ext uri="{FF2B5EF4-FFF2-40B4-BE49-F238E27FC236}">
+                <a16:creationId xmlns:a16="http://schemas.microsoft.com/office/drawing/2014/main" id="{DC8FCA3B-1BDB-4753-BDAD-648AA04A8269}"/>
+              </a:ext>
+            </a:extLst>
+          </p:cNvPr>
+          <p:cNvSpPr txBox="1"/>
+          <p:nvPr/>
+        </p:nvSpPr>
+        <p:spPr>
+          <a:xfrm>
+            <a:off x="8304074" y="4868892"/>
+            <a:ext cx="1212282" cy="707886"/>
+          </a:xfrm>
+          <a:prstGeom prst="rect">
+            <a:avLst/>
+          </a:prstGeom>
+          <a:noFill/>
+        </p:spPr>
+        <p:txBody>
+          <a:bodyPr wrap="square" rtlCol="0">
+            <a:spAutoFit/>
+          </a:bodyPr>
+          <a:lstStyle/>
+          <a:p>
+            <a:r>
+              <a:rPr kumimoji="1" lang="en-US" altLang="ja-JP" sz="4000" b="1" dirty="0"/>
+              <a:t>0.28</a:t>
+            </a:r>
+            <a:endParaRPr kumimoji="1" lang="ja-JP" altLang="en-US" sz="4000" b="1" dirty="0"/>
+          </a:p>
+        </p:txBody>
+      </p:sp>
+      <p:sp>
+        <p:nvSpPr>
+          <p:cNvPr id="23" name="テキスト ボックス 22">
+            <a:extLst>
+              <a:ext uri="{FF2B5EF4-FFF2-40B4-BE49-F238E27FC236}">
+                <a16:creationId xmlns:a16="http://schemas.microsoft.com/office/drawing/2014/main" id="{656DF483-C6CE-45F2-ADE9-32F22B3A7618}"/>
+              </a:ext>
+            </a:extLst>
+          </p:cNvPr>
+          <p:cNvSpPr txBox="1"/>
+          <p:nvPr/>
+        </p:nvSpPr>
+        <p:spPr>
+          <a:xfrm>
+            <a:off x="10643652" y="4802851"/>
+            <a:ext cx="1212282" cy="707886"/>
+          </a:xfrm>
+          <a:prstGeom prst="rect">
+            <a:avLst/>
+          </a:prstGeom>
+          <a:noFill/>
+        </p:spPr>
+        <p:txBody>
+          <a:bodyPr wrap="square" rtlCol="0">
+            <a:spAutoFit/>
+          </a:bodyPr>
+          <a:lstStyle/>
+          <a:p>
+            <a:r>
+              <a:rPr kumimoji="1" lang="en-US" altLang="ja-JP" sz="4000" b="1" dirty="0"/>
+              <a:t>0.12</a:t>
+            </a:r>
+            <a:endParaRPr kumimoji="1" lang="ja-JP" altLang="en-US" sz="4000" b="1" dirty="0"/>
+          </a:p>
+        </p:txBody>
+      </p:sp>
+      <p:sp>
+        <p:nvSpPr>
+          <p:cNvPr id="24" name="テキスト ボックス 23">
+            <a:extLst>
+              <a:ext uri="{FF2B5EF4-FFF2-40B4-BE49-F238E27FC236}">
+                <a16:creationId xmlns:a16="http://schemas.microsoft.com/office/drawing/2014/main" id="{520665A6-1EE2-4001-8095-8001586E2927}"/>
+              </a:ext>
+            </a:extLst>
+          </p:cNvPr>
+          <p:cNvSpPr txBox="1"/>
+          <p:nvPr/>
+        </p:nvSpPr>
+        <p:spPr>
+          <a:xfrm>
+            <a:off x="4665968" y="4780710"/>
+            <a:ext cx="1212282" cy="707886"/>
+          </a:xfrm>
+          <a:prstGeom prst="rect">
+            <a:avLst/>
+          </a:prstGeom>
+          <a:noFill/>
+        </p:spPr>
+        <p:txBody>
+          <a:bodyPr wrap="square" rtlCol="0">
+            <a:spAutoFit/>
+          </a:bodyPr>
+          <a:lstStyle/>
+          <a:p>
+            <a:r>
+              <a:rPr kumimoji="1" lang="ja-JP" altLang="en-US" sz="4000" b="1" dirty="0"/>
+              <a:t>晴れ</a:t>
+            </a:r>
+          </a:p>
+        </p:txBody>
+      </p:sp>
+      <p:sp>
+        <p:nvSpPr>
+          <p:cNvPr id="28" name="正方形/長方形 27">
+            <a:extLst>
+              <a:ext uri="{FF2B5EF4-FFF2-40B4-BE49-F238E27FC236}">
+                <a16:creationId xmlns:a16="http://schemas.microsoft.com/office/drawing/2014/main" id="{BB10D5F2-0CBD-4741-8288-233585F08170}"/>
+              </a:ext>
+            </a:extLst>
+          </p:cNvPr>
+          <p:cNvSpPr/>
+          <p:nvPr/>
+        </p:nvSpPr>
+        <p:spPr>
+          <a:xfrm>
+            <a:off x="-23865" y="3467950"/>
+            <a:ext cx="4288353" cy="707886"/>
+          </a:xfrm>
+          <a:prstGeom prst="rect">
+            <a:avLst/>
+          </a:prstGeom>
+          <a:solidFill>
+            <a:schemeClr val="bg1"/>
+          </a:solidFill>
+          <a:ln w="57150">
+            <a:solidFill>
+              <a:schemeClr val="tx1"/>
+            </a:solidFill>
+          </a:ln>
+        </p:spPr>
+        <p:txBody>
+          <a:bodyPr wrap="none">
+            <a:spAutoFit/>
+          </a:bodyPr>
+          <a:lstStyle/>
+          <a:p>
+            <a:pPr algn="ctr"/>
+            <a:r>
+              <a:rPr lang="ja-JP" altLang="en-US" sz="4000" b="1" dirty="0"/>
+              <a:t>今日の天気は晴れ</a:t>
+            </a:r>
+          </a:p>
+        </p:txBody>
+      </p:sp>
+      <p:sp>
+        <p:nvSpPr>
+          <p:cNvPr id="29" name="正方形/長方形 28">
+            <a:extLst>
+              <a:ext uri="{FF2B5EF4-FFF2-40B4-BE49-F238E27FC236}">
+                <a16:creationId xmlns:a16="http://schemas.microsoft.com/office/drawing/2014/main" id="{2678E8EF-BCE8-498D-B6AA-B0F3558170C4}"/>
+              </a:ext>
+            </a:extLst>
+          </p:cNvPr>
+          <p:cNvSpPr/>
+          <p:nvPr/>
+        </p:nvSpPr>
+        <p:spPr>
+          <a:xfrm>
+            <a:off x="9508067" y="0"/>
+            <a:ext cx="2683933" cy="1593908"/>
+          </a:xfrm>
+          <a:prstGeom prst="rect">
+            <a:avLst/>
+          </a:prstGeom>
+          <a:solidFill>
+            <a:schemeClr val="accent6">
+              <a:lumMod val="60000"/>
+              <a:lumOff val="40000"/>
+            </a:schemeClr>
+          </a:solidFill>
+          <a:ln>
+            <a:solidFill>
+              <a:schemeClr val="tx1"/>
             </a:solidFill>
           </a:ln>
         </p:spPr>
@@ -8184,10 +9671,10 @@
       </p:sp>
       <p:sp>
         <p:nvSpPr>
-          <p:cNvPr id="13" name="テキスト ボックス 12">
-            <a:extLst>
-              <a:ext uri="{FF2B5EF4-FFF2-40B4-BE49-F238E27FC236}">
-                <a16:creationId xmlns:a16="http://schemas.microsoft.com/office/drawing/2014/main" id="{BBF8D273-AC8A-40E2-B393-E0314F7581A0}"/>
+          <p:cNvPr id="30" name="テキスト ボックス 29">
+            <a:extLst>
+              <a:ext uri="{FF2B5EF4-FFF2-40B4-BE49-F238E27FC236}">
+                <a16:creationId xmlns:a16="http://schemas.microsoft.com/office/drawing/2014/main" id="{F277C3AC-506E-4483-BD22-68CF333ED73D}"/>
               </a:ext>
             </a:extLst>
           </p:cNvPr>
@@ -8196,7 +9683,481 @@
         </p:nvSpPr>
         <p:spPr>
           <a:xfrm>
-            <a:off x="3792354" y="1563225"/>
+            <a:off x="5587381" y="1552639"/>
+            <a:ext cx="2239005" cy="707886"/>
+          </a:xfrm>
+          <a:prstGeom prst="rect">
+            <a:avLst/>
+          </a:prstGeom>
+          <a:noFill/>
+        </p:spPr>
+        <p:txBody>
+          <a:bodyPr wrap="square" rtlCol="0">
+            <a:spAutoFit/>
+          </a:bodyPr>
+          <a:lstStyle/>
+          <a:p>
+            <a:r>
+              <a:rPr kumimoji="1" lang="ja-JP" altLang="en-US" sz="4000" b="1" dirty="0"/>
+              <a:t>天気予報</a:t>
+            </a:r>
+          </a:p>
+        </p:txBody>
+      </p:sp>
+      <p:sp>
+        <p:nvSpPr>
+          <p:cNvPr id="31" name="テキスト ボックス 30">
+            <a:extLst>
+              <a:ext uri="{FF2B5EF4-FFF2-40B4-BE49-F238E27FC236}">
+                <a16:creationId xmlns:a16="http://schemas.microsoft.com/office/drawing/2014/main" id="{F0787A29-01FB-4782-B8C4-A4FFBDEB0BD9}"/>
+              </a:ext>
+            </a:extLst>
+          </p:cNvPr>
+          <p:cNvSpPr txBox="1"/>
+          <p:nvPr/>
+        </p:nvSpPr>
+        <p:spPr>
+          <a:xfrm>
+            <a:off x="7826386" y="1584364"/>
+            <a:ext cx="2288592" cy="707886"/>
+          </a:xfrm>
+          <a:prstGeom prst="rect">
+            <a:avLst/>
+          </a:prstGeom>
+          <a:noFill/>
+        </p:spPr>
+        <p:txBody>
+          <a:bodyPr wrap="square" rtlCol="0">
+            <a:spAutoFit/>
+          </a:bodyPr>
+          <a:lstStyle/>
+          <a:p>
+            <a:r>
+              <a:rPr lang="ja-JP" altLang="en-US" sz="4000" b="1" dirty="0"/>
+              <a:t>ニュース</a:t>
+            </a:r>
+            <a:endParaRPr kumimoji="1" lang="ja-JP" altLang="en-US" sz="4000" b="1" dirty="0"/>
+          </a:p>
+        </p:txBody>
+      </p:sp>
+      <p:sp>
+        <p:nvSpPr>
+          <p:cNvPr id="32" name="テキスト ボックス 31">
+            <a:extLst>
+              <a:ext uri="{FF2B5EF4-FFF2-40B4-BE49-F238E27FC236}">
+                <a16:creationId xmlns:a16="http://schemas.microsoft.com/office/drawing/2014/main" id="{11C393C1-A354-440B-84BC-CDACAFBACC97}"/>
+              </a:ext>
+            </a:extLst>
+          </p:cNvPr>
+          <p:cNvSpPr txBox="1"/>
+          <p:nvPr/>
+        </p:nvSpPr>
+        <p:spPr>
+          <a:xfrm>
+            <a:off x="9806936" y="1598587"/>
+            <a:ext cx="2683932" cy="707886"/>
+          </a:xfrm>
+          <a:prstGeom prst="rect">
+            <a:avLst/>
+          </a:prstGeom>
+          <a:noFill/>
+        </p:spPr>
+        <p:txBody>
+          <a:bodyPr wrap="square" rtlCol="0">
+            <a:spAutoFit/>
+          </a:bodyPr>
+          <a:lstStyle/>
+          <a:p>
+            <a:pPr algn="ctr"/>
+            <a:r>
+              <a:rPr kumimoji="1" lang="ja-JP" altLang="en-US" sz="4000" b="1" dirty="0"/>
+              <a:t>占い</a:t>
+            </a:r>
+          </a:p>
+        </p:txBody>
+      </p:sp>
+    </p:spTree>
+    <p:extLst>
+      <p:ext uri="{BB962C8B-B14F-4D97-AF65-F5344CB8AC3E}">
+        <p14:creationId xmlns:p14="http://schemas.microsoft.com/office/powerpoint/2010/main" val="1108593984"/>
+      </p:ext>
+    </p:extLst>
+  </p:cSld>
+  <p:clrMapOvr>
+    <a:masterClrMapping/>
+  </p:clrMapOvr>
+</p:sld>
+</file>
+
+<file path=ppt/slides/slide15.xml><?xml version="1.0" encoding="utf-8"?>
+<p:sld xmlns:a="http://schemas.openxmlformats.org/drawingml/2006/main" xmlns:r="http://schemas.openxmlformats.org/officeDocument/2006/relationships" xmlns:p="http://schemas.openxmlformats.org/presentationml/2006/main">
+  <p:cSld>
+    <p:spTree>
+      <p:nvGrpSpPr>
+        <p:cNvPr id="1" name=""/>
+        <p:cNvGrpSpPr/>
+        <p:nvPr/>
+      </p:nvGrpSpPr>
+      <p:grpSpPr>
+        <a:xfrm>
+          <a:off x="0" y="0"/>
+          <a:ext cx="0" cy="0"/>
+          <a:chOff x="0" y="0"/>
+          <a:chExt cx="0" cy="0"/>
+        </a:xfrm>
+      </p:grpSpPr>
+      <p:pic>
+        <p:nvPicPr>
+          <p:cNvPr id="12" name="コンテンツ プレースホルダー 11">
+            <a:extLst>
+              <a:ext uri="{FF2B5EF4-FFF2-40B4-BE49-F238E27FC236}">
+                <a16:creationId xmlns:a16="http://schemas.microsoft.com/office/drawing/2014/main" id="{D5820059-324C-40DC-BD33-63F659696C25}"/>
+              </a:ext>
+            </a:extLst>
+          </p:cNvPr>
+          <p:cNvPicPr>
+            <a:picLocks noGrp="1" noChangeAspect="1"/>
+          </p:cNvPicPr>
+          <p:nvPr>
+            <p:ph idx="1"/>
+          </p:nvPr>
+        </p:nvPicPr>
+        <p:blipFill>
+          <a:blip r:embed="rId3">
+            <a:extLst>
+              <a:ext uri="{28A0092B-C50C-407E-A947-70E740481C1C}">
+                <a14:useLocalDpi xmlns:a14="http://schemas.microsoft.com/office/drawing/2010/main" val="0"/>
+              </a:ext>
+            </a:extLst>
+          </a:blip>
+          <a:stretch>
+            <a:fillRect/>
+          </a:stretch>
+        </p:blipFill>
+        <p:spPr>
+          <a:xfrm>
+            <a:off x="871483" y="1327834"/>
+            <a:ext cx="8480218" cy="5208174"/>
+          </a:xfrm>
+        </p:spPr>
+      </p:pic>
+      <p:sp>
+        <p:nvSpPr>
+          <p:cNvPr id="2" name="タイトル 1">
+            <a:extLst>
+              <a:ext uri="{FF2B5EF4-FFF2-40B4-BE49-F238E27FC236}">
+                <a16:creationId xmlns:a16="http://schemas.microsoft.com/office/drawing/2014/main" id="{870F805A-B54C-4A5F-BC55-EC7F30EE0188}"/>
+              </a:ext>
+            </a:extLst>
+          </p:cNvPr>
+          <p:cNvSpPr>
+            <a:spLocks noGrp="1"/>
+          </p:cNvSpPr>
+          <p:nvPr>
+            <p:ph type="title"/>
+          </p:nvPr>
+        </p:nvSpPr>
+        <p:spPr/>
+        <p:txBody>
+          <a:bodyPr/>
+          <a:lstStyle/>
+          <a:p>
+            <a:r>
+              <a:rPr kumimoji="1" lang="en-US" altLang="ja-JP" dirty="0"/>
+              <a:t>Predict.py(</a:t>
+            </a:r>
+            <a:r>
+              <a:rPr kumimoji="1" lang="ja-JP" altLang="en-US" dirty="0"/>
+              <a:t>予測</a:t>
+            </a:r>
+            <a:r>
+              <a:rPr kumimoji="1" lang="en-US" altLang="ja-JP" dirty="0"/>
+              <a:t>)</a:t>
+            </a:r>
+            <a:endParaRPr kumimoji="1" lang="ja-JP" altLang="en-US" dirty="0"/>
+          </a:p>
+        </p:txBody>
+      </p:sp>
+      <p:sp>
+        <p:nvSpPr>
+          <p:cNvPr id="6" name="正方形/長方形 5">
+            <a:extLst>
+              <a:ext uri="{FF2B5EF4-FFF2-40B4-BE49-F238E27FC236}">
+                <a16:creationId xmlns:a16="http://schemas.microsoft.com/office/drawing/2014/main" id="{3D85D4EC-A6D8-4912-BAB1-369C760D6DC1}"/>
+              </a:ext>
+            </a:extLst>
+          </p:cNvPr>
+          <p:cNvSpPr/>
+          <p:nvPr/>
+        </p:nvSpPr>
+        <p:spPr>
+          <a:xfrm>
+            <a:off x="9508067" y="0"/>
+            <a:ext cx="2683933" cy="1593908"/>
+          </a:xfrm>
+          <a:prstGeom prst="rect">
+            <a:avLst/>
+          </a:prstGeom>
+          <a:solidFill>
+            <a:schemeClr val="accent6">
+              <a:lumMod val="60000"/>
+              <a:lumOff val="40000"/>
+            </a:schemeClr>
+          </a:solidFill>
+          <a:ln>
+            <a:solidFill>
+              <a:schemeClr val="tx1"/>
+            </a:solidFill>
+          </a:ln>
+        </p:spPr>
+        <p:style>
+          <a:lnRef idx="2">
+            <a:schemeClr val="accent1">
+              <a:shade val="50000"/>
+            </a:schemeClr>
+          </a:lnRef>
+          <a:fillRef idx="1">
+            <a:schemeClr val="accent1"/>
+          </a:fillRef>
+          <a:effectRef idx="0">
+            <a:schemeClr val="accent1"/>
+          </a:effectRef>
+          <a:fontRef idx="minor">
+            <a:schemeClr val="lt1"/>
+          </a:fontRef>
+        </p:style>
+        <p:txBody>
+          <a:bodyPr rtlCol="0" anchor="ctr"/>
+          <a:lstStyle/>
+          <a:p>
+            <a:pPr algn="ctr"/>
+            <a:endParaRPr kumimoji="1" lang="ja-JP" altLang="en-US"/>
+          </a:p>
+        </p:txBody>
+      </p:sp>
+      <p:sp>
+        <p:nvSpPr>
+          <p:cNvPr id="8" name="正方形/長方形 7">
+            <a:extLst>
+              <a:ext uri="{FF2B5EF4-FFF2-40B4-BE49-F238E27FC236}">
+                <a16:creationId xmlns:a16="http://schemas.microsoft.com/office/drawing/2014/main" id="{A65C41CD-914D-46B4-A2C1-B973A31344D1}"/>
+              </a:ext>
+            </a:extLst>
+          </p:cNvPr>
+          <p:cNvSpPr/>
+          <p:nvPr/>
+        </p:nvSpPr>
+        <p:spPr>
+          <a:xfrm>
+            <a:off x="1315784" y="1543112"/>
+            <a:ext cx="1799924" cy="388896"/>
+          </a:xfrm>
+          <a:prstGeom prst="rect">
+            <a:avLst/>
+          </a:prstGeom>
+          <a:noFill/>
+          <a:ln w="38100">
+            <a:solidFill>
+              <a:srgbClr val="FF0000"/>
+            </a:solidFill>
+          </a:ln>
+        </p:spPr>
+        <p:style>
+          <a:lnRef idx="2">
+            <a:schemeClr val="accent1">
+              <a:shade val="50000"/>
+            </a:schemeClr>
+          </a:lnRef>
+          <a:fillRef idx="1">
+            <a:schemeClr val="accent1"/>
+          </a:fillRef>
+          <a:effectRef idx="0">
+            <a:schemeClr val="accent1"/>
+          </a:effectRef>
+          <a:fontRef idx="minor">
+            <a:schemeClr val="lt1"/>
+          </a:fontRef>
+        </p:style>
+        <p:txBody>
+          <a:bodyPr rtlCol="0" anchor="ctr"/>
+          <a:lstStyle/>
+          <a:p>
+            <a:pPr algn="ctr"/>
+            <a:endParaRPr kumimoji="1" lang="ja-JP" altLang="en-US"/>
+          </a:p>
+        </p:txBody>
+      </p:sp>
+      <p:sp>
+        <p:nvSpPr>
+          <p:cNvPr id="9" name="正方形/長方形 8">
+            <a:extLst>
+              <a:ext uri="{FF2B5EF4-FFF2-40B4-BE49-F238E27FC236}">
+                <a16:creationId xmlns:a16="http://schemas.microsoft.com/office/drawing/2014/main" id="{0CE431B2-BCC6-481E-A402-C400128183D4}"/>
+              </a:ext>
+            </a:extLst>
+          </p:cNvPr>
+          <p:cNvSpPr/>
+          <p:nvPr/>
+        </p:nvSpPr>
+        <p:spPr>
+          <a:xfrm>
+            <a:off x="1398065" y="2143329"/>
+            <a:ext cx="3080086" cy="676871"/>
+          </a:xfrm>
+          <a:prstGeom prst="rect">
+            <a:avLst/>
+          </a:prstGeom>
+          <a:noFill/>
+          <a:ln w="38100">
+            <a:solidFill>
+              <a:srgbClr val="FF0000"/>
+            </a:solidFill>
+          </a:ln>
+        </p:spPr>
+        <p:style>
+          <a:lnRef idx="2">
+            <a:schemeClr val="accent1">
+              <a:shade val="50000"/>
+            </a:schemeClr>
+          </a:lnRef>
+          <a:fillRef idx="1">
+            <a:schemeClr val="accent1"/>
+          </a:fillRef>
+          <a:effectRef idx="0">
+            <a:schemeClr val="accent1"/>
+          </a:effectRef>
+          <a:fontRef idx="minor">
+            <a:schemeClr val="lt1"/>
+          </a:fontRef>
+        </p:style>
+        <p:txBody>
+          <a:bodyPr rtlCol="0" anchor="ctr"/>
+          <a:lstStyle/>
+          <a:p>
+            <a:pPr algn="ctr"/>
+            <a:endParaRPr kumimoji="1" lang="ja-JP" altLang="en-US"/>
+          </a:p>
+        </p:txBody>
+      </p:sp>
+      <p:sp>
+        <p:nvSpPr>
+          <p:cNvPr id="10" name="正方形/長方形 9">
+            <a:extLst>
+              <a:ext uri="{FF2B5EF4-FFF2-40B4-BE49-F238E27FC236}">
+                <a16:creationId xmlns:a16="http://schemas.microsoft.com/office/drawing/2014/main" id="{05EC3179-A05E-4A09-8C05-9AFC1E06AAC0}"/>
+              </a:ext>
+            </a:extLst>
+          </p:cNvPr>
+          <p:cNvSpPr/>
+          <p:nvPr/>
+        </p:nvSpPr>
+        <p:spPr>
+          <a:xfrm>
+            <a:off x="1525791" y="5391476"/>
+            <a:ext cx="3420002" cy="1037057"/>
+          </a:xfrm>
+          <a:prstGeom prst="rect">
+            <a:avLst/>
+          </a:prstGeom>
+          <a:noFill/>
+          <a:ln w="38100">
+            <a:solidFill>
+              <a:srgbClr val="FF0000"/>
+            </a:solidFill>
+          </a:ln>
+        </p:spPr>
+        <p:style>
+          <a:lnRef idx="2">
+            <a:schemeClr val="accent1">
+              <a:shade val="50000"/>
+            </a:schemeClr>
+          </a:lnRef>
+          <a:fillRef idx="1">
+            <a:schemeClr val="accent1"/>
+          </a:fillRef>
+          <a:effectRef idx="0">
+            <a:schemeClr val="accent1"/>
+          </a:effectRef>
+          <a:fontRef idx="minor">
+            <a:schemeClr val="lt1"/>
+          </a:fontRef>
+        </p:style>
+        <p:txBody>
+          <a:bodyPr rtlCol="0" anchor="ctr"/>
+          <a:lstStyle/>
+          <a:p>
+            <a:pPr algn="ctr"/>
+            <a:endParaRPr kumimoji="1" lang="ja-JP" altLang="en-US"/>
+          </a:p>
+        </p:txBody>
+      </p:sp>
+      <p:sp>
+        <p:nvSpPr>
+          <p:cNvPr id="11" name="正方形/長方形 10">
+            <a:extLst>
+              <a:ext uri="{FF2B5EF4-FFF2-40B4-BE49-F238E27FC236}">
+                <a16:creationId xmlns:a16="http://schemas.microsoft.com/office/drawing/2014/main" id="{8EFC927D-9345-40F0-A269-18862696A4D4}"/>
+              </a:ext>
+            </a:extLst>
+          </p:cNvPr>
+          <p:cNvSpPr/>
+          <p:nvPr/>
+        </p:nvSpPr>
+        <p:spPr>
+          <a:xfrm>
+            <a:off x="1320459" y="3044276"/>
+            <a:ext cx="7926407" cy="2111383"/>
+          </a:xfrm>
+          <a:prstGeom prst="rect">
+            <a:avLst/>
+          </a:prstGeom>
+          <a:noFill/>
+          <a:ln w="38100">
+            <a:solidFill>
+              <a:srgbClr val="FF0000"/>
+            </a:solidFill>
+          </a:ln>
+        </p:spPr>
+        <p:style>
+          <a:lnRef idx="2">
+            <a:schemeClr val="accent1">
+              <a:shade val="50000"/>
+            </a:schemeClr>
+          </a:lnRef>
+          <a:fillRef idx="1">
+            <a:schemeClr val="accent1"/>
+          </a:fillRef>
+          <a:effectRef idx="0">
+            <a:schemeClr val="accent1"/>
+          </a:effectRef>
+          <a:fontRef idx="minor">
+            <a:schemeClr val="lt1"/>
+          </a:fontRef>
+        </p:style>
+        <p:txBody>
+          <a:bodyPr rtlCol="0" anchor="ctr"/>
+          <a:lstStyle/>
+          <a:p>
+            <a:pPr algn="ctr"/>
+            <a:endParaRPr kumimoji="1" lang="ja-JP" altLang="en-US"/>
+          </a:p>
+        </p:txBody>
+      </p:sp>
+      <p:sp>
+        <p:nvSpPr>
+          <p:cNvPr id="13" name="テキスト ボックス 12">
+            <a:extLst>
+              <a:ext uri="{FF2B5EF4-FFF2-40B4-BE49-F238E27FC236}">
+                <a16:creationId xmlns:a16="http://schemas.microsoft.com/office/drawing/2014/main" id="{BBF8D273-AC8A-40E2-B393-E0314F7581A0}"/>
+              </a:ext>
+            </a:extLst>
+          </p:cNvPr>
+          <p:cNvSpPr txBox="1"/>
+          <p:nvPr/>
+        </p:nvSpPr>
+        <p:spPr>
+          <a:xfrm>
+            <a:off x="3731727" y="1561971"/>
             <a:ext cx="2993457" cy="369332"/>
           </a:xfrm>
           <a:prstGeom prst="rect">
@@ -8255,7 +10216,7 @@
         </p:nvSpPr>
         <p:spPr>
           <a:xfrm>
-            <a:off x="5001141" y="2397668"/>
+            <a:off x="5013170" y="2317561"/>
             <a:ext cx="2321293" cy="369332"/>
           </a:xfrm>
           <a:prstGeom prst="rect">
@@ -8301,7 +10262,7 @@
         </p:nvSpPr>
         <p:spPr>
           <a:xfrm>
-            <a:off x="5521441" y="5578354"/>
+            <a:off x="5481348" y="5586837"/>
             <a:ext cx="2944618" cy="646331"/>
           </a:xfrm>
           <a:prstGeom prst="rect">
@@ -8337,56 +10298,6 @@
           </a:p>
         </p:txBody>
       </p:sp>
-      <p:sp>
-        <p:nvSpPr>
-          <p:cNvPr id="16" name="テキスト ボックス 15">
-            <a:extLst>
-              <a:ext uri="{FF2B5EF4-FFF2-40B4-BE49-F238E27FC236}">
-                <a16:creationId xmlns:a16="http://schemas.microsoft.com/office/drawing/2014/main" id="{EAB3391C-9D02-4582-B567-551C8654E868}"/>
-              </a:ext>
-            </a:extLst>
-          </p:cNvPr>
-          <p:cNvSpPr txBox="1"/>
-          <p:nvPr/>
-        </p:nvSpPr>
-        <p:spPr>
-          <a:xfrm>
-            <a:off x="9873254" y="3815451"/>
-            <a:ext cx="2143222" cy="646331"/>
-          </a:xfrm>
-          <a:prstGeom prst="rect">
-            <a:avLst/>
-          </a:prstGeom>
-          <a:solidFill>
-            <a:schemeClr val="bg1"/>
-          </a:solidFill>
-          <a:ln w="38100">
-            <a:solidFill>
-              <a:srgbClr val="FF0000"/>
-            </a:solidFill>
-          </a:ln>
-        </p:spPr>
-        <p:txBody>
-          <a:bodyPr wrap="square" rtlCol="0">
-            <a:spAutoFit/>
-          </a:bodyPr>
-          <a:lstStyle/>
-          <a:p>
-            <a:r>
-              <a:rPr kumimoji="1" lang="ja-JP" altLang="en-US" dirty="0"/>
-              <a:t>文章の中から</a:t>
-            </a:r>
-            <a:endParaRPr kumimoji="1" lang="en-US" altLang="ja-JP" dirty="0"/>
-          </a:p>
-          <a:p>
-            <a:r>
-              <a:rPr kumimoji="1" lang="ja-JP" altLang="en-US" dirty="0"/>
-              <a:t>必要な名詞を抽出</a:t>
-            </a:r>
-            <a:endParaRPr kumimoji="1" lang="en-US" altLang="ja-JP" dirty="0"/>
-          </a:p>
-        </p:txBody>
-      </p:sp>
       <p:cxnSp>
         <p:nvCxnSpPr>
           <p:cNvPr id="23" name="直線コネクタ 22">
@@ -8404,7 +10315,7 @@
         </p:nvCxnSpPr>
         <p:spPr>
           <a:xfrm flipH="1">
-            <a:off x="3176872" y="1747891"/>
+            <a:off x="3116245" y="1746637"/>
             <a:ext cx="615482" cy="1"/>
           </a:xfrm>
           <a:prstGeom prst="line">
@@ -8440,12 +10351,14 @@
               </a:ext>
             </a:extLst>
           </p:cNvPr>
-          <p:cNvCxnSpPr/>
+          <p:cNvCxnSpPr>
+            <a:cxnSpLocks/>
+          </p:cNvCxnSpPr>
           <p:nvPr/>
         </p:nvCxnSpPr>
         <p:spPr>
           <a:xfrm flipH="1">
-            <a:off x="4454766" y="2582334"/>
+            <a:off x="4466796" y="2502227"/>
             <a:ext cx="546375" cy="1"/>
           </a:xfrm>
           <a:prstGeom prst="line">
@@ -8472,6 +10385,56 @@
           </a:fontRef>
         </p:style>
       </p:cxnSp>
+      <p:sp>
+        <p:nvSpPr>
+          <p:cNvPr id="16" name="テキスト ボックス 15">
+            <a:extLst>
+              <a:ext uri="{FF2B5EF4-FFF2-40B4-BE49-F238E27FC236}">
+                <a16:creationId xmlns:a16="http://schemas.microsoft.com/office/drawing/2014/main" id="{EAB3391C-9D02-4582-B567-551C8654E868}"/>
+              </a:ext>
+            </a:extLst>
+          </p:cNvPr>
+          <p:cNvSpPr txBox="1"/>
+          <p:nvPr/>
+        </p:nvSpPr>
+        <p:spPr>
+          <a:xfrm>
+            <a:off x="9793241" y="3645380"/>
+            <a:ext cx="2143222" cy="646331"/>
+          </a:xfrm>
+          <a:prstGeom prst="rect">
+            <a:avLst/>
+          </a:prstGeom>
+          <a:solidFill>
+            <a:schemeClr val="bg1"/>
+          </a:solidFill>
+          <a:ln w="38100">
+            <a:solidFill>
+              <a:srgbClr val="FF0000"/>
+            </a:solidFill>
+          </a:ln>
+        </p:spPr>
+        <p:txBody>
+          <a:bodyPr wrap="square" rtlCol="0">
+            <a:spAutoFit/>
+          </a:bodyPr>
+          <a:lstStyle/>
+          <a:p>
+            <a:r>
+              <a:rPr kumimoji="1" lang="ja-JP" altLang="en-US" dirty="0"/>
+              <a:t>文章の中から</a:t>
+            </a:r>
+            <a:endParaRPr kumimoji="1" lang="en-US" altLang="ja-JP" dirty="0"/>
+          </a:p>
+          <a:p>
+            <a:r>
+              <a:rPr kumimoji="1" lang="ja-JP" altLang="en-US" dirty="0"/>
+              <a:t>必要な名詞を抽出</a:t>
+            </a:r>
+            <a:endParaRPr kumimoji="1" lang="en-US" altLang="ja-JP" dirty="0"/>
+          </a:p>
+        </p:txBody>
+      </p:sp>
       <p:cxnSp>
         <p:nvCxnSpPr>
           <p:cNvPr id="25" name="直線コネクタ 24">
@@ -8481,12 +10444,14 @@
               </a:ext>
             </a:extLst>
           </p:cNvPr>
-          <p:cNvCxnSpPr/>
+          <p:cNvCxnSpPr>
+            <a:cxnSpLocks/>
+          </p:cNvCxnSpPr>
           <p:nvPr/>
         </p:nvCxnSpPr>
         <p:spPr>
           <a:xfrm flipH="1">
-            <a:off x="9314892" y="4154027"/>
+            <a:off x="9234881" y="3983956"/>
             <a:ext cx="546375" cy="1"/>
           </a:xfrm>
           <a:prstGeom prst="line">
@@ -8527,7 +10492,7 @@
         </p:nvCxnSpPr>
         <p:spPr>
           <a:xfrm flipH="1">
-            <a:off x="4975066" y="5901520"/>
+            <a:off x="4934973" y="5910003"/>
             <a:ext cx="546375" cy="1"/>
           </a:xfrm>
           <a:prstGeom prst="line">
@@ -8567,89 +10532,6 @@
 </p:sld>
 </file>
 
-<file path=ppt/slides/slide15.xml><?xml version="1.0" encoding="utf-8"?>
-<p:sld xmlns:a="http://schemas.openxmlformats.org/drawingml/2006/main" xmlns:r="http://schemas.openxmlformats.org/officeDocument/2006/relationships" xmlns:p="http://schemas.openxmlformats.org/presentationml/2006/main">
-  <p:cSld>
-    <p:spTree>
-      <p:nvGrpSpPr>
-        <p:cNvPr id="1" name=""/>
-        <p:cNvGrpSpPr/>
-        <p:nvPr/>
-      </p:nvGrpSpPr>
-      <p:grpSpPr>
-        <a:xfrm>
-          <a:off x="0" y="0"/>
-          <a:ext cx="0" cy="0"/>
-          <a:chOff x="0" y="0"/>
-          <a:chExt cx="0" cy="0"/>
-        </a:xfrm>
-      </p:grpSpPr>
-      <p:sp>
-        <p:nvSpPr>
-          <p:cNvPr id="2" name="タイトル 1">
-            <a:extLst>
-              <a:ext uri="{FF2B5EF4-FFF2-40B4-BE49-F238E27FC236}">
-                <a16:creationId xmlns:a16="http://schemas.microsoft.com/office/drawing/2014/main" id="{0239366D-FD02-4D32-AA25-FA5687E2E9A8}"/>
-              </a:ext>
-            </a:extLst>
-          </p:cNvPr>
-          <p:cNvSpPr>
-            <a:spLocks noGrp="1"/>
-          </p:cNvSpPr>
-          <p:nvPr>
-            <p:ph type="title"/>
-          </p:nvPr>
-        </p:nvSpPr>
-        <p:spPr/>
-        <p:txBody>
-          <a:bodyPr/>
-          <a:lstStyle/>
-          <a:p>
-            <a:r>
-              <a:rPr kumimoji="1" lang="ja-JP" altLang="en-US" dirty="0"/>
-              <a:t>データ取得</a:t>
-            </a:r>
-          </a:p>
-        </p:txBody>
-      </p:sp>
-      <p:sp>
-        <p:nvSpPr>
-          <p:cNvPr id="3" name="コンテンツ プレースホルダー 2">
-            <a:extLst>
-              <a:ext uri="{FF2B5EF4-FFF2-40B4-BE49-F238E27FC236}">
-                <a16:creationId xmlns:a16="http://schemas.microsoft.com/office/drawing/2014/main" id="{2714D079-74EA-42AF-9886-A31DAA6C24C9}"/>
-              </a:ext>
-            </a:extLst>
-          </p:cNvPr>
-          <p:cNvSpPr>
-            <a:spLocks noGrp="1"/>
-          </p:cNvSpPr>
-          <p:nvPr>
-            <p:ph idx="1"/>
-          </p:nvPr>
-        </p:nvSpPr>
-        <p:spPr/>
-        <p:txBody>
-          <a:bodyPr/>
-          <a:lstStyle/>
-          <a:p>
-            <a:endParaRPr kumimoji="1" lang="ja-JP" altLang="en-US"/>
-          </a:p>
-        </p:txBody>
-      </p:sp>
-    </p:spTree>
-    <p:extLst>
-      <p:ext uri="{BB962C8B-B14F-4D97-AF65-F5344CB8AC3E}">
-        <p14:creationId xmlns:p14="http://schemas.microsoft.com/office/powerpoint/2010/main" val="2705134270"/>
-      </p:ext>
-    </p:extLst>
-  </p:cSld>
-  <p:clrMapOvr>
-    <a:masterClrMapping/>
-  </p:clrMapOvr>
-</p:sld>
-</file>
-
 <file path=ppt/slides/slide16.xml><?xml version="1.0" encoding="utf-8"?>
 <p:sld xmlns:a="http://schemas.openxmlformats.org/drawingml/2006/main" xmlns:r="http://schemas.openxmlformats.org/officeDocument/2006/relationships" xmlns:p="http://schemas.openxmlformats.org/presentationml/2006/main">
   <p:cSld>
@@ -8672,7 +10554,7 @@
           <p:cNvPr id="2" name="タイトル 1">
             <a:extLst>
               <a:ext uri="{FF2B5EF4-FFF2-40B4-BE49-F238E27FC236}">
-                <a16:creationId xmlns:a16="http://schemas.microsoft.com/office/drawing/2014/main" id="{416FDF28-DE91-4559-964D-FBBF51F99738}"/>
+                <a16:creationId xmlns:a16="http://schemas.microsoft.com/office/drawing/2014/main" id="{0239366D-FD02-4D32-AA25-FA5687E2E9A8}"/>
               </a:ext>
             </a:extLst>
           </p:cNvPr>
@@ -8689,10 +10571,9 @@
           <a:lstStyle/>
           <a:p>
             <a:r>
-              <a:rPr kumimoji="1" lang="en-US" altLang="ja-JP" dirty="0" err="1"/>
-              <a:t>OpenJtalk</a:t>
-            </a:r>
-            <a:endParaRPr kumimoji="1" lang="ja-JP" altLang="en-US" dirty="0"/>
+              <a:rPr kumimoji="1" lang="ja-JP" altLang="en-US" dirty="0"/>
+              <a:t>データ取得</a:t>
+            </a:r>
           </a:p>
         </p:txBody>
       </p:sp>
@@ -8701,7 +10582,7 @@
           <p:cNvPr id="3" name="コンテンツ プレースホルダー 2">
             <a:extLst>
               <a:ext uri="{FF2B5EF4-FFF2-40B4-BE49-F238E27FC236}">
-                <a16:creationId xmlns:a16="http://schemas.microsoft.com/office/drawing/2014/main" id="{7739CC25-5B0B-4F49-AA2A-71E2700494BC}"/>
+                <a16:creationId xmlns:a16="http://schemas.microsoft.com/office/drawing/2014/main" id="{2714D079-74EA-42AF-9886-A31DAA6C24C9}"/>
               </a:ext>
             </a:extLst>
           </p:cNvPr>
@@ -8717,18 +10598,14 @@
           <a:bodyPr/>
           <a:lstStyle/>
           <a:p>
-            <a:r>
-              <a:rPr kumimoji="1" lang="ja-JP" altLang="en-US" dirty="0"/>
-              <a:t>作成・再生の分割</a:t>
-            </a:r>
-            <a:endParaRPr kumimoji="1" lang="en-US" altLang="ja-JP" dirty="0"/>
+            <a:endParaRPr kumimoji="1" lang="ja-JP" altLang="en-US"/>
           </a:p>
         </p:txBody>
       </p:sp>
     </p:spTree>
     <p:extLst>
       <p:ext uri="{BB962C8B-B14F-4D97-AF65-F5344CB8AC3E}">
-        <p14:creationId xmlns:p14="http://schemas.microsoft.com/office/powerpoint/2010/main" val="410217345"/>
+        <p14:creationId xmlns:p14="http://schemas.microsoft.com/office/powerpoint/2010/main" val="2705134270"/>
       </p:ext>
     </p:extLst>
   </p:cSld>
@@ -8760,7 +10637,7 @@
           <p:cNvPr id="2" name="タイトル 1">
             <a:extLst>
               <a:ext uri="{FF2B5EF4-FFF2-40B4-BE49-F238E27FC236}">
-                <a16:creationId xmlns:a16="http://schemas.microsoft.com/office/drawing/2014/main" id="{208E96DD-60EE-481E-BC80-125F1F007D39}"/>
+                <a16:creationId xmlns:a16="http://schemas.microsoft.com/office/drawing/2014/main" id="{416FDF28-DE91-4559-964D-FBBF51F99738}"/>
               </a:ext>
             </a:extLst>
           </p:cNvPr>
@@ -8777,9 +10654,10 @@
           <a:lstStyle/>
           <a:p>
             <a:r>
-              <a:rPr kumimoji="1" lang="ja-JP" altLang="en-US" dirty="0"/>
-              <a:t>トラブルの対処</a:t>
-            </a:r>
+              <a:rPr kumimoji="1" lang="en-US" altLang="ja-JP" dirty="0" err="1"/>
+              <a:t>OpenJtalk</a:t>
+            </a:r>
+            <a:endParaRPr kumimoji="1" lang="ja-JP" altLang="en-US" dirty="0"/>
           </a:p>
         </p:txBody>
       </p:sp>
@@ -8788,7 +10666,7 @@
           <p:cNvPr id="3" name="コンテンツ プレースホルダー 2">
             <a:extLst>
               <a:ext uri="{FF2B5EF4-FFF2-40B4-BE49-F238E27FC236}">
-                <a16:creationId xmlns:a16="http://schemas.microsoft.com/office/drawing/2014/main" id="{D4342974-17CB-4DEE-BC69-327BEC83B62D}"/>
+                <a16:creationId xmlns:a16="http://schemas.microsoft.com/office/drawing/2014/main" id="{7739CC25-5B0B-4F49-AA2A-71E2700494BC}"/>
               </a:ext>
             </a:extLst>
           </p:cNvPr>
@@ -8806,27 +10684,7 @@
           <a:p>
             <a:r>
               <a:rPr kumimoji="1" lang="ja-JP" altLang="en-US" dirty="0"/>
-              <a:t>マイクミュート</a:t>
-            </a:r>
-            <a:endParaRPr kumimoji="1" lang="en-US" altLang="ja-JP" dirty="0"/>
-          </a:p>
-          <a:p>
-            <a:pPr lvl="1"/>
-            <a:r>
-              <a:rPr kumimoji="1" lang="ja-JP" altLang="en-US" dirty="0"/>
-              <a:t>シェルスクリプト見せる</a:t>
-            </a:r>
-            <a:endParaRPr kumimoji="1" lang="en-US" altLang="ja-JP" dirty="0"/>
-          </a:p>
-          <a:p>
-            <a:pPr lvl="0"/>
-            <a:r>
-              <a:rPr kumimoji="1" lang="en-US" altLang="ja-JP" dirty="0" err="1"/>
-              <a:t>Etc</a:t>
-            </a:r>
-            <a:r>
-              <a:rPr kumimoji="1" lang="ja-JP" altLang="en-US" dirty="0"/>
-              <a:t>レーン</a:t>
+              <a:t>作成・再生の分割</a:t>
             </a:r>
             <a:endParaRPr kumimoji="1" lang="en-US" altLang="ja-JP" dirty="0"/>
           </a:p>
@@ -8835,7 +10693,7 @@
     </p:spTree>
     <p:extLst>
       <p:ext uri="{BB962C8B-B14F-4D97-AF65-F5344CB8AC3E}">
-        <p14:creationId xmlns:p14="http://schemas.microsoft.com/office/powerpoint/2010/main" val="2817091244"/>
+        <p14:creationId xmlns:p14="http://schemas.microsoft.com/office/powerpoint/2010/main" val="410217345"/>
       </p:ext>
     </p:extLst>
   </p:cSld>
@@ -8867,7 +10725,7 @@
           <p:cNvPr id="2" name="タイトル 1">
             <a:extLst>
               <a:ext uri="{FF2B5EF4-FFF2-40B4-BE49-F238E27FC236}">
-                <a16:creationId xmlns:a16="http://schemas.microsoft.com/office/drawing/2014/main" id="{F24EB109-BC34-41EC-A9D0-C442E52A8779}"/>
+                <a16:creationId xmlns:a16="http://schemas.microsoft.com/office/drawing/2014/main" id="{208E96DD-60EE-481E-BC80-125F1F007D39}"/>
               </a:ext>
             </a:extLst>
           </p:cNvPr>
@@ -8885,7 +10743,7 @@
           <a:p>
             <a:r>
               <a:rPr kumimoji="1" lang="ja-JP" altLang="en-US" dirty="0"/>
-              <a:t>デモンストレーション</a:t>
+              <a:t>トラブルの対処</a:t>
             </a:r>
           </a:p>
         </p:txBody>
@@ -8895,7 +10753,7 @@
           <p:cNvPr id="3" name="コンテンツ プレースホルダー 2">
             <a:extLst>
               <a:ext uri="{FF2B5EF4-FFF2-40B4-BE49-F238E27FC236}">
-                <a16:creationId xmlns:a16="http://schemas.microsoft.com/office/drawing/2014/main" id="{69DE47EB-7D6D-49AB-9AD1-0A77390D212D}"/>
+                <a16:creationId xmlns:a16="http://schemas.microsoft.com/office/drawing/2014/main" id="{D4342974-17CB-4DEE-BC69-327BEC83B62D}"/>
               </a:ext>
             </a:extLst>
           </p:cNvPr>
@@ -8912,20 +10770,37 @@
           <a:lstStyle/>
           <a:p>
             <a:r>
-              <a:rPr kumimoji="1" lang="en-US" altLang="ja-JP" dirty="0"/>
-              <a:t>YoSiE</a:t>
-            </a:r>
-            <a:r>
               <a:rPr kumimoji="1" lang="ja-JP" altLang="en-US" dirty="0"/>
-              <a:t>の授業参観</a:t>
-            </a:r>
+              <a:t>マイクミュート</a:t>
+            </a:r>
+            <a:endParaRPr kumimoji="1" lang="en-US" altLang="ja-JP" dirty="0"/>
+          </a:p>
+          <a:p>
+            <a:pPr lvl="1"/>
+            <a:r>
+              <a:rPr kumimoji="1" lang="ja-JP" altLang="en-US" dirty="0"/>
+              <a:t>シェルスクリプト見せる</a:t>
+            </a:r>
+            <a:endParaRPr kumimoji="1" lang="en-US" altLang="ja-JP" dirty="0"/>
+          </a:p>
+          <a:p>
+            <a:pPr lvl="0"/>
+            <a:r>
+              <a:rPr kumimoji="1" lang="en-US" altLang="ja-JP" dirty="0" err="1"/>
+              <a:t>Etc</a:t>
+            </a:r>
+            <a:r>
+              <a:rPr kumimoji="1" lang="ja-JP" altLang="en-US" dirty="0"/>
+              <a:t>レーン</a:t>
+            </a:r>
+            <a:endParaRPr kumimoji="1" lang="en-US" altLang="ja-JP" dirty="0"/>
           </a:p>
         </p:txBody>
       </p:sp>
     </p:spTree>
     <p:extLst>
       <p:ext uri="{BB962C8B-B14F-4D97-AF65-F5344CB8AC3E}">
-        <p14:creationId xmlns:p14="http://schemas.microsoft.com/office/powerpoint/2010/main" val="3683524359"/>
+        <p14:creationId xmlns:p14="http://schemas.microsoft.com/office/powerpoint/2010/main" val="2817091244"/>
       </p:ext>
     </p:extLst>
   </p:cSld>
@@ -8957,7 +10832,7 @@
           <p:cNvPr id="2" name="タイトル 1">
             <a:extLst>
               <a:ext uri="{FF2B5EF4-FFF2-40B4-BE49-F238E27FC236}">
-                <a16:creationId xmlns:a16="http://schemas.microsoft.com/office/drawing/2014/main" id="{B43B901B-C015-40EF-B4CD-3F5F25F44EC0}"/>
+                <a16:creationId xmlns:a16="http://schemas.microsoft.com/office/drawing/2014/main" id="{F24EB109-BC34-41EC-A9D0-C442E52A8779}"/>
               </a:ext>
             </a:extLst>
           </p:cNvPr>
@@ -8974,12 +10849,8 @@
           <a:lstStyle/>
           <a:p>
             <a:r>
-              <a:rPr kumimoji="1" lang="en-US" altLang="ja-JP" dirty="0"/>
-              <a:t>YoSiE</a:t>
-            </a:r>
-            <a:r>
               <a:rPr kumimoji="1" lang="ja-JP" altLang="en-US" dirty="0"/>
-              <a:t>の可能性</a:t>
+              <a:t>デモンストレーション</a:t>
             </a:r>
           </a:p>
         </p:txBody>
@@ -8989,7 +10860,7 @@
           <p:cNvPr id="3" name="コンテンツ プレースホルダー 2">
             <a:extLst>
               <a:ext uri="{FF2B5EF4-FFF2-40B4-BE49-F238E27FC236}">
-                <a16:creationId xmlns:a16="http://schemas.microsoft.com/office/drawing/2014/main" id="{1E815E2C-35DE-441F-860D-34AECE6DA488}"/>
+                <a16:creationId xmlns:a16="http://schemas.microsoft.com/office/drawing/2014/main" id="{69DE47EB-7D6D-49AB-9AD1-0A77390D212D}"/>
               </a:ext>
             </a:extLst>
           </p:cNvPr>
@@ -9005,14 +10876,21 @@
           <a:bodyPr/>
           <a:lstStyle/>
           <a:p>
-            <a:endParaRPr kumimoji="1" lang="ja-JP" altLang="en-US"/>
+            <a:r>
+              <a:rPr kumimoji="1" lang="en-US" altLang="ja-JP" dirty="0"/>
+              <a:t>YoSiE</a:t>
+            </a:r>
+            <a:r>
+              <a:rPr kumimoji="1" lang="ja-JP" altLang="en-US" dirty="0"/>
+              <a:t>の授業参観</a:t>
+            </a:r>
           </a:p>
         </p:txBody>
       </p:sp>
     </p:spTree>
     <p:extLst>
       <p:ext uri="{BB962C8B-B14F-4D97-AF65-F5344CB8AC3E}">
-        <p14:creationId xmlns:p14="http://schemas.microsoft.com/office/powerpoint/2010/main" val="1361338163"/>
+        <p14:creationId xmlns:p14="http://schemas.microsoft.com/office/powerpoint/2010/main" val="3683524359"/>
       </p:ext>
     </p:extLst>
   </p:cSld>
@@ -9106,6 +10984,93 @@
 </file>
 
 <file path=ppt/slides/slide20.xml><?xml version="1.0" encoding="utf-8"?>
+<p:sld xmlns:a="http://schemas.openxmlformats.org/drawingml/2006/main" xmlns:r="http://schemas.openxmlformats.org/officeDocument/2006/relationships" xmlns:p="http://schemas.openxmlformats.org/presentationml/2006/main">
+  <p:cSld>
+    <p:spTree>
+      <p:nvGrpSpPr>
+        <p:cNvPr id="1" name=""/>
+        <p:cNvGrpSpPr/>
+        <p:nvPr/>
+      </p:nvGrpSpPr>
+      <p:grpSpPr>
+        <a:xfrm>
+          <a:off x="0" y="0"/>
+          <a:ext cx="0" cy="0"/>
+          <a:chOff x="0" y="0"/>
+          <a:chExt cx="0" cy="0"/>
+        </a:xfrm>
+      </p:grpSpPr>
+      <p:sp>
+        <p:nvSpPr>
+          <p:cNvPr id="2" name="タイトル 1">
+            <a:extLst>
+              <a:ext uri="{FF2B5EF4-FFF2-40B4-BE49-F238E27FC236}">
+                <a16:creationId xmlns:a16="http://schemas.microsoft.com/office/drawing/2014/main" id="{B43B901B-C015-40EF-B4CD-3F5F25F44EC0}"/>
+              </a:ext>
+            </a:extLst>
+          </p:cNvPr>
+          <p:cNvSpPr>
+            <a:spLocks noGrp="1"/>
+          </p:cNvSpPr>
+          <p:nvPr>
+            <p:ph type="title"/>
+          </p:nvPr>
+        </p:nvSpPr>
+        <p:spPr/>
+        <p:txBody>
+          <a:bodyPr/>
+          <a:lstStyle/>
+          <a:p>
+            <a:r>
+              <a:rPr kumimoji="1" lang="en-US" altLang="ja-JP" dirty="0"/>
+              <a:t>YoSiE</a:t>
+            </a:r>
+            <a:r>
+              <a:rPr kumimoji="1" lang="ja-JP" altLang="en-US" dirty="0"/>
+              <a:t>の可能性</a:t>
+            </a:r>
+          </a:p>
+        </p:txBody>
+      </p:sp>
+      <p:sp>
+        <p:nvSpPr>
+          <p:cNvPr id="3" name="コンテンツ プレースホルダー 2">
+            <a:extLst>
+              <a:ext uri="{FF2B5EF4-FFF2-40B4-BE49-F238E27FC236}">
+                <a16:creationId xmlns:a16="http://schemas.microsoft.com/office/drawing/2014/main" id="{1E815E2C-35DE-441F-860D-34AECE6DA488}"/>
+              </a:ext>
+            </a:extLst>
+          </p:cNvPr>
+          <p:cNvSpPr>
+            <a:spLocks noGrp="1"/>
+          </p:cNvSpPr>
+          <p:nvPr>
+            <p:ph idx="1"/>
+          </p:nvPr>
+        </p:nvSpPr>
+        <p:spPr/>
+        <p:txBody>
+          <a:bodyPr/>
+          <a:lstStyle/>
+          <a:p>
+            <a:endParaRPr kumimoji="1" lang="ja-JP" altLang="en-US"/>
+          </a:p>
+        </p:txBody>
+      </p:sp>
+    </p:spTree>
+    <p:extLst>
+      <p:ext uri="{BB962C8B-B14F-4D97-AF65-F5344CB8AC3E}">
+        <p14:creationId xmlns:p14="http://schemas.microsoft.com/office/powerpoint/2010/main" val="1361338163"/>
+      </p:ext>
+    </p:extLst>
+  </p:cSld>
+  <p:clrMapOvr>
+    <a:masterClrMapping/>
+  </p:clrMapOvr>
+</p:sld>
+</file>
+
+<file path=ppt/slides/slide21.xml><?xml version="1.0" encoding="utf-8"?>
 <p:sld xmlns:a="http://schemas.openxmlformats.org/drawingml/2006/main" xmlns:r="http://schemas.openxmlformats.org/officeDocument/2006/relationships" xmlns:p="http://schemas.openxmlformats.org/presentationml/2006/main">
   <p:cSld>
     <p:spTree>
